--- a/docs/diagrams/UiComponentClassDiagram.pptx
+++ b/docs/diagrams/UiComponentClassDiagram.pptx
@@ -208,7 +208,7 @@
           <a:p>
             <a:fld id="{F5CC4B3F-88C1-4FFA-B1B6-F41C21DC6924}" type="datetimeFigureOut">
               <a:rPr lang="en-US" smtClean="0"/>
-              <a:t>1/7/2017</a:t>
+              <a:t>9/28/2018</a:t>
             </a:fld>
             <a:endParaRPr lang="en-US"/>
           </a:p>
@@ -654,7 +654,7 @@
           <a:p>
             <a:fld id="{78C97017-6FC3-485B-9764-EAC9E56C1D49}" type="datetimeFigureOut">
               <a:rPr lang="en-US" smtClean="0"/>
-              <a:t>1/7/2017</a:t>
+              <a:t>9/28/2018</a:t>
             </a:fld>
             <a:endParaRPr lang="en-US"/>
           </a:p>
@@ -822,7 +822,7 @@
           <a:p>
             <a:fld id="{78C97017-6FC3-485B-9764-EAC9E56C1D49}" type="datetimeFigureOut">
               <a:rPr lang="en-US" smtClean="0"/>
-              <a:t>1/7/2017</a:t>
+              <a:t>9/28/2018</a:t>
             </a:fld>
             <a:endParaRPr lang="en-US"/>
           </a:p>
@@ -1000,7 +1000,7 @@
           <a:p>
             <a:fld id="{78C97017-6FC3-485B-9764-EAC9E56C1D49}" type="datetimeFigureOut">
               <a:rPr lang="en-US" smtClean="0"/>
-              <a:t>1/7/2017</a:t>
+              <a:t>9/28/2018</a:t>
             </a:fld>
             <a:endParaRPr lang="en-US"/>
           </a:p>
@@ -1168,7 +1168,7 @@
           <a:p>
             <a:fld id="{78C97017-6FC3-485B-9764-EAC9E56C1D49}" type="datetimeFigureOut">
               <a:rPr lang="en-US" smtClean="0"/>
-              <a:t>1/7/2017</a:t>
+              <a:t>9/28/2018</a:t>
             </a:fld>
             <a:endParaRPr lang="en-US"/>
           </a:p>
@@ -1413,7 +1413,7 @@
           <a:p>
             <a:fld id="{78C97017-6FC3-485B-9764-EAC9E56C1D49}" type="datetimeFigureOut">
               <a:rPr lang="en-US" smtClean="0"/>
-              <a:t>1/7/2017</a:t>
+              <a:t>9/28/2018</a:t>
             </a:fld>
             <a:endParaRPr lang="en-US"/>
           </a:p>
@@ -1698,7 +1698,7 @@
           <a:p>
             <a:fld id="{78C97017-6FC3-485B-9764-EAC9E56C1D49}" type="datetimeFigureOut">
               <a:rPr lang="en-US" smtClean="0"/>
-              <a:t>1/7/2017</a:t>
+              <a:t>9/28/2018</a:t>
             </a:fld>
             <a:endParaRPr lang="en-US"/>
           </a:p>
@@ -2117,7 +2117,7 @@
           <a:p>
             <a:fld id="{78C97017-6FC3-485B-9764-EAC9E56C1D49}" type="datetimeFigureOut">
               <a:rPr lang="en-US" smtClean="0"/>
-              <a:t>1/7/2017</a:t>
+              <a:t>9/28/2018</a:t>
             </a:fld>
             <a:endParaRPr lang="en-US"/>
           </a:p>
@@ -2234,7 +2234,7 @@
           <a:p>
             <a:fld id="{78C97017-6FC3-485B-9764-EAC9E56C1D49}" type="datetimeFigureOut">
               <a:rPr lang="en-US" smtClean="0"/>
-              <a:t>1/7/2017</a:t>
+              <a:t>9/28/2018</a:t>
             </a:fld>
             <a:endParaRPr lang="en-US"/>
           </a:p>
@@ -2329,7 +2329,7 @@
           <a:p>
             <a:fld id="{78C97017-6FC3-485B-9764-EAC9E56C1D49}" type="datetimeFigureOut">
               <a:rPr lang="en-US" smtClean="0"/>
-              <a:t>1/7/2017</a:t>
+              <a:t>9/28/2018</a:t>
             </a:fld>
             <a:endParaRPr lang="en-US"/>
           </a:p>
@@ -2604,7 +2604,7 @@
           <a:p>
             <a:fld id="{78C97017-6FC3-485B-9764-EAC9E56C1D49}" type="datetimeFigureOut">
               <a:rPr lang="en-US" smtClean="0"/>
-              <a:t>1/7/2017</a:t>
+              <a:t>9/28/2018</a:t>
             </a:fld>
             <a:endParaRPr lang="en-US"/>
           </a:p>
@@ -2856,7 +2856,7 @@
           <a:p>
             <a:fld id="{78C97017-6FC3-485B-9764-EAC9E56C1D49}" type="datetimeFigureOut">
               <a:rPr lang="en-US" smtClean="0"/>
-              <a:t>1/7/2017</a:t>
+              <a:t>9/28/2018</a:t>
             </a:fld>
             <a:endParaRPr lang="en-US"/>
           </a:p>
@@ -3067,7 +3067,7 @@
           <a:p>
             <a:fld id="{78C97017-6FC3-485B-9764-EAC9E56C1D49}" type="datetimeFigureOut">
               <a:rPr lang="en-US" smtClean="0"/>
-              <a:t>1/7/2017</a:t>
+              <a:t>9/28/2018</a:t>
             </a:fld>
             <a:endParaRPr lang="en-US"/>
           </a:p>
@@ -4006,7 +4006,7 @@
         <p:spPr>
           <a:xfrm>
             <a:off x="2592526" y="3991960"/>
-            <a:ext cx="1093635" cy="236841"/>
+            <a:ext cx="1111545" cy="236841"/>
           </a:xfrm>
           <a:prstGeom prst="rect">
             <a:avLst/>
@@ -4038,16 +4038,16 @@
           <a:p>
             <a:pPr algn="ctr"/>
             <a:r>
-              <a:rPr lang="en-US" sz="1050" b="1" dirty="0" err="1">
+              <a:rPr lang="en-US" sz="1000" b="1" dirty="0" err="1" smtClean="0">
                 <a:solidFill>
                   <a:schemeClr val="accent3">
                     <a:lumMod val="75000"/>
                   </a:schemeClr>
                 </a:solidFill>
               </a:rPr>
-              <a:t>PersonListPanel</a:t>
-            </a:r>
-            <a:endParaRPr lang="en-SG" sz="1050" b="1" dirty="0">
+              <a:t>ModuleListPanel</a:t>
+            </a:r>
+            <a:endParaRPr lang="en-SG" sz="1000" b="1" dirty="0">
               <a:solidFill>
                 <a:schemeClr val="accent3">
                   <a:lumMod val="75000"/>
@@ -4098,14 +4098,14 @@
           <a:p>
             <a:pPr algn="ctr"/>
             <a:r>
-              <a:rPr lang="en-US" sz="1050" b="1" dirty="0" err="1">
+              <a:rPr lang="en-US" sz="1050" b="1" dirty="0" err="1" smtClean="0">
                 <a:solidFill>
                   <a:schemeClr val="accent3">
                     <a:lumMod val="75000"/>
                   </a:schemeClr>
                 </a:solidFill>
               </a:rPr>
-              <a:t>PersonCard</a:t>
+              <a:t>ModuleCard</a:t>
             </a:r>
             <a:endParaRPr lang="en-SG" sz="1050" b="1" dirty="0">
               <a:solidFill>
@@ -5168,8 +5168,8 @@
         </p:nvCxnSpPr>
         <p:spPr>
           <a:xfrm rot="16200000" flipH="1">
-            <a:off x="3430123" y="3938021"/>
-            <a:ext cx="118421" cy="699979"/>
+            <a:off x="3434601" y="3942499"/>
+            <a:ext cx="118421" cy="691024"/>
           </a:xfrm>
           <a:prstGeom prst="bentConnector2">
             <a:avLst/>
@@ -5209,8 +5209,8 @@
         </p:nvCxnSpPr>
         <p:spPr>
           <a:xfrm rot="5400000">
-            <a:off x="3695875" y="2276286"/>
-            <a:ext cx="1824381" cy="1843808"/>
+            <a:off x="3704830" y="2285241"/>
+            <a:ext cx="1824381" cy="1825898"/>
           </a:xfrm>
           <a:prstGeom prst="bentConnector2">
             <a:avLst/>
@@ -5519,6 +5519,13 @@
   <p:clrMapOvr>
     <a:masterClrMapping/>
   </p:clrMapOvr>
+  <p:timing>
+    <p:tnLst>
+      <p:par>
+        <p:cTn id="1" dur="indefinite" restart="never" nodeType="tmRoot"/>
+      </p:par>
+    </p:tnLst>
+  </p:timing>
 </p:sld>
 </file>
 

--- a/docs/diagrams/UiComponentClassDiagram.pptx
+++ b/docs/diagrams/UiComponentClassDiagram.pptx
@@ -208,7 +208,7 @@
           <a:p>
             <a:fld id="{F5CC4B3F-88C1-4FFA-B1B6-F41C21DC6924}" type="datetimeFigureOut">
               <a:rPr lang="en-US" smtClean="0"/>
-              <a:t>1/7/2017</a:t>
+              <a:t>10/12/2018</a:t>
             </a:fld>
             <a:endParaRPr lang="en-US"/>
           </a:p>
@@ -654,7 +654,7 @@
           <a:p>
             <a:fld id="{78C97017-6FC3-485B-9764-EAC9E56C1D49}" type="datetimeFigureOut">
               <a:rPr lang="en-US" smtClean="0"/>
-              <a:t>1/7/2017</a:t>
+              <a:t>10/12/2018</a:t>
             </a:fld>
             <a:endParaRPr lang="en-US"/>
           </a:p>
@@ -822,7 +822,7 @@
           <a:p>
             <a:fld id="{78C97017-6FC3-485B-9764-EAC9E56C1D49}" type="datetimeFigureOut">
               <a:rPr lang="en-US" smtClean="0"/>
-              <a:t>1/7/2017</a:t>
+              <a:t>10/12/2018</a:t>
             </a:fld>
             <a:endParaRPr lang="en-US"/>
           </a:p>
@@ -1000,7 +1000,7 @@
           <a:p>
             <a:fld id="{78C97017-6FC3-485B-9764-EAC9E56C1D49}" type="datetimeFigureOut">
               <a:rPr lang="en-US" smtClean="0"/>
-              <a:t>1/7/2017</a:t>
+              <a:t>10/12/2018</a:t>
             </a:fld>
             <a:endParaRPr lang="en-US"/>
           </a:p>
@@ -1168,7 +1168,7 @@
           <a:p>
             <a:fld id="{78C97017-6FC3-485B-9764-EAC9E56C1D49}" type="datetimeFigureOut">
               <a:rPr lang="en-US" smtClean="0"/>
-              <a:t>1/7/2017</a:t>
+              <a:t>10/12/2018</a:t>
             </a:fld>
             <a:endParaRPr lang="en-US"/>
           </a:p>
@@ -1413,7 +1413,7 @@
           <a:p>
             <a:fld id="{78C97017-6FC3-485B-9764-EAC9E56C1D49}" type="datetimeFigureOut">
               <a:rPr lang="en-US" smtClean="0"/>
-              <a:t>1/7/2017</a:t>
+              <a:t>10/12/2018</a:t>
             </a:fld>
             <a:endParaRPr lang="en-US"/>
           </a:p>
@@ -1698,7 +1698,7 @@
           <a:p>
             <a:fld id="{78C97017-6FC3-485B-9764-EAC9E56C1D49}" type="datetimeFigureOut">
               <a:rPr lang="en-US" smtClean="0"/>
-              <a:t>1/7/2017</a:t>
+              <a:t>10/12/2018</a:t>
             </a:fld>
             <a:endParaRPr lang="en-US"/>
           </a:p>
@@ -2117,7 +2117,7 @@
           <a:p>
             <a:fld id="{78C97017-6FC3-485B-9764-EAC9E56C1D49}" type="datetimeFigureOut">
               <a:rPr lang="en-US" smtClean="0"/>
-              <a:t>1/7/2017</a:t>
+              <a:t>10/12/2018</a:t>
             </a:fld>
             <a:endParaRPr lang="en-US"/>
           </a:p>
@@ -2234,7 +2234,7 @@
           <a:p>
             <a:fld id="{78C97017-6FC3-485B-9764-EAC9E56C1D49}" type="datetimeFigureOut">
               <a:rPr lang="en-US" smtClean="0"/>
-              <a:t>1/7/2017</a:t>
+              <a:t>10/12/2018</a:t>
             </a:fld>
             <a:endParaRPr lang="en-US"/>
           </a:p>
@@ -2329,7 +2329,7 @@
           <a:p>
             <a:fld id="{78C97017-6FC3-485B-9764-EAC9E56C1D49}" type="datetimeFigureOut">
               <a:rPr lang="en-US" smtClean="0"/>
-              <a:t>1/7/2017</a:t>
+              <a:t>10/12/2018</a:t>
             </a:fld>
             <a:endParaRPr lang="en-US"/>
           </a:p>
@@ -2604,7 +2604,7 @@
           <a:p>
             <a:fld id="{78C97017-6FC3-485B-9764-EAC9E56C1D49}" type="datetimeFigureOut">
               <a:rPr lang="en-US" smtClean="0"/>
-              <a:t>1/7/2017</a:t>
+              <a:t>10/12/2018</a:t>
             </a:fld>
             <a:endParaRPr lang="en-US"/>
           </a:p>
@@ -2856,7 +2856,7 @@
           <a:p>
             <a:fld id="{78C97017-6FC3-485B-9764-EAC9E56C1D49}" type="datetimeFigureOut">
               <a:rPr lang="en-US" smtClean="0"/>
-              <a:t>1/7/2017</a:t>
+              <a:t>10/12/2018</a:t>
             </a:fld>
             <a:endParaRPr lang="en-US"/>
           </a:p>
@@ -3067,7 +3067,7 @@
           <a:p>
             <a:fld id="{78C97017-6FC3-485B-9764-EAC9E56C1D49}" type="datetimeFigureOut">
               <a:rPr lang="en-US" smtClean="0"/>
-              <a:t>1/7/2017</a:t>
+              <a:t>10/12/2018</a:t>
             </a:fld>
             <a:endParaRPr lang="en-US"/>
           </a:p>

--- a/docs/diagrams/UiComponentClassDiagram.pptx
+++ b/docs/diagrams/UiComponentClassDiagram.pptx
@@ -208,7 +208,7 @@
           <a:p>
             <a:fld id="{F5CC4B3F-88C1-4FFA-B1B6-F41C21DC6924}" type="datetimeFigureOut">
               <a:rPr lang="en-US" smtClean="0"/>
-              <a:t>10/12/2018</a:t>
+              <a:t>10/16/2018</a:t>
             </a:fld>
             <a:endParaRPr lang="en-US"/>
           </a:p>
@@ -654,7 +654,7 @@
           <a:p>
             <a:fld id="{78C97017-6FC3-485B-9764-EAC9E56C1D49}" type="datetimeFigureOut">
               <a:rPr lang="en-US" smtClean="0"/>
-              <a:t>10/12/2018</a:t>
+              <a:t>10/16/2018</a:t>
             </a:fld>
             <a:endParaRPr lang="en-US"/>
           </a:p>
@@ -822,7 +822,7 @@
           <a:p>
             <a:fld id="{78C97017-6FC3-485B-9764-EAC9E56C1D49}" type="datetimeFigureOut">
               <a:rPr lang="en-US" smtClean="0"/>
-              <a:t>10/12/2018</a:t>
+              <a:t>10/16/2018</a:t>
             </a:fld>
             <a:endParaRPr lang="en-US"/>
           </a:p>
@@ -1000,7 +1000,7 @@
           <a:p>
             <a:fld id="{78C97017-6FC3-485B-9764-EAC9E56C1D49}" type="datetimeFigureOut">
               <a:rPr lang="en-US" smtClean="0"/>
-              <a:t>10/12/2018</a:t>
+              <a:t>10/16/2018</a:t>
             </a:fld>
             <a:endParaRPr lang="en-US"/>
           </a:p>
@@ -1168,7 +1168,7 @@
           <a:p>
             <a:fld id="{78C97017-6FC3-485B-9764-EAC9E56C1D49}" type="datetimeFigureOut">
               <a:rPr lang="en-US" smtClean="0"/>
-              <a:t>10/12/2018</a:t>
+              <a:t>10/16/2018</a:t>
             </a:fld>
             <a:endParaRPr lang="en-US"/>
           </a:p>
@@ -1413,7 +1413,7 @@
           <a:p>
             <a:fld id="{78C97017-6FC3-485B-9764-EAC9E56C1D49}" type="datetimeFigureOut">
               <a:rPr lang="en-US" smtClean="0"/>
-              <a:t>10/12/2018</a:t>
+              <a:t>10/16/2018</a:t>
             </a:fld>
             <a:endParaRPr lang="en-US"/>
           </a:p>
@@ -1698,7 +1698,7 @@
           <a:p>
             <a:fld id="{78C97017-6FC3-485B-9764-EAC9E56C1D49}" type="datetimeFigureOut">
               <a:rPr lang="en-US" smtClean="0"/>
-              <a:t>10/12/2018</a:t>
+              <a:t>10/16/2018</a:t>
             </a:fld>
             <a:endParaRPr lang="en-US"/>
           </a:p>
@@ -2117,7 +2117,7 @@
           <a:p>
             <a:fld id="{78C97017-6FC3-485B-9764-EAC9E56C1D49}" type="datetimeFigureOut">
               <a:rPr lang="en-US" smtClean="0"/>
-              <a:t>10/12/2018</a:t>
+              <a:t>10/16/2018</a:t>
             </a:fld>
             <a:endParaRPr lang="en-US"/>
           </a:p>
@@ -2234,7 +2234,7 @@
           <a:p>
             <a:fld id="{78C97017-6FC3-485B-9764-EAC9E56C1D49}" type="datetimeFigureOut">
               <a:rPr lang="en-US" smtClean="0"/>
-              <a:t>10/12/2018</a:t>
+              <a:t>10/16/2018</a:t>
             </a:fld>
             <a:endParaRPr lang="en-US"/>
           </a:p>
@@ -2329,7 +2329,7 @@
           <a:p>
             <a:fld id="{78C97017-6FC3-485B-9764-EAC9E56C1D49}" type="datetimeFigureOut">
               <a:rPr lang="en-US" smtClean="0"/>
-              <a:t>10/12/2018</a:t>
+              <a:t>10/16/2018</a:t>
             </a:fld>
             <a:endParaRPr lang="en-US"/>
           </a:p>
@@ -2604,7 +2604,7 @@
           <a:p>
             <a:fld id="{78C97017-6FC3-485B-9764-EAC9E56C1D49}" type="datetimeFigureOut">
               <a:rPr lang="en-US" smtClean="0"/>
-              <a:t>10/12/2018</a:t>
+              <a:t>10/16/2018</a:t>
             </a:fld>
             <a:endParaRPr lang="en-US"/>
           </a:p>
@@ -2856,7 +2856,7 @@
           <a:p>
             <a:fld id="{78C97017-6FC3-485B-9764-EAC9E56C1D49}" type="datetimeFigureOut">
               <a:rPr lang="en-US" smtClean="0"/>
-              <a:t>10/12/2018</a:t>
+              <a:t>10/16/2018</a:t>
             </a:fld>
             <a:endParaRPr lang="en-US"/>
           </a:p>
@@ -3067,7 +3067,7 @@
           <a:p>
             <a:fld id="{78C97017-6FC3-485B-9764-EAC9E56C1D49}" type="datetimeFigureOut">
               <a:rPr lang="en-US" smtClean="0"/>
-              <a:t>10/12/2018</a:t>
+              <a:t>10/16/2018</a:t>
             </a:fld>
             <a:endParaRPr lang="en-US"/>
           </a:p>
@@ -3450,8 +3450,8 @@
         </p:nvSpPr>
         <p:spPr>
           <a:xfrm>
-            <a:off x="1217465" y="1447800"/>
-            <a:ext cx="4917083" cy="3962400"/>
+            <a:off x="1295400" y="762000"/>
+            <a:ext cx="4917083" cy="5257800"/>
           </a:xfrm>
           <a:prstGeom prst="roundRect">
             <a:avLst>
@@ -3512,7 +3512,7 @@
         </p:nvSpPr>
         <p:spPr>
           <a:xfrm>
-            <a:off x="2095948" y="2341220"/>
+            <a:off x="2173883" y="1655420"/>
             <a:ext cx="1093635" cy="346760"/>
           </a:xfrm>
           <a:prstGeom prst="rect">
@@ -3572,7 +3572,7 @@
         </p:nvSpPr>
         <p:spPr>
           <a:xfrm>
-            <a:off x="2592528" y="2971800"/>
+            <a:off x="2670463" y="2286000"/>
             <a:ext cx="1093635" cy="236841"/>
           </a:xfrm>
           <a:prstGeom prst="rect">
@@ -3632,7 +3632,7 @@
         </p:nvSpPr>
         <p:spPr>
           <a:xfrm>
-            <a:off x="2092842" y="1770924"/>
+            <a:off x="2170777" y="1085124"/>
             <a:ext cx="1093635" cy="346760"/>
           </a:xfrm>
           <a:prstGeom prst="rect">
@@ -3694,7 +3694,7 @@
         </p:nvCxnSpPr>
         <p:spPr>
           <a:xfrm rot="16200000" flipH="1">
-            <a:off x="2529445" y="2227899"/>
+            <a:off x="2607380" y="1542099"/>
             <a:ext cx="223536" cy="3106"/>
           </a:xfrm>
           <a:prstGeom prst="bentConnector3">
@@ -3734,7 +3734,7 @@
         </p:nvSpPr>
         <p:spPr>
           <a:xfrm rot="10800000" flipV="1">
-            <a:off x="5394717" y="2110477"/>
+            <a:off x="5472652" y="1424677"/>
             <a:ext cx="270504" cy="175523"/>
           </a:xfrm>
           <a:prstGeom prst="triangle">
@@ -3782,7 +3782,7 @@
         </p:nvCxnSpPr>
         <p:spPr>
           <a:xfrm flipV="1">
-            <a:off x="644735" y="2991937"/>
+            <a:off x="722670" y="2306137"/>
             <a:ext cx="684904" cy="1"/>
           </a:xfrm>
           <a:prstGeom prst="bentConnector3">
@@ -3825,8 +3825,8 @@
         </p:nvSpPr>
         <p:spPr>
           <a:xfrm rot="16200000">
-            <a:off x="5703829" y="2464877"/>
-            <a:ext cx="2362201" cy="328045"/>
+            <a:off x="6082444" y="1478397"/>
+            <a:ext cx="1760842" cy="328045"/>
           </a:xfrm>
           <a:prstGeom prst="roundRect">
             <a:avLst/>
@@ -3879,13 +3879,13 @@
       </p:sp>
       <p:sp>
         <p:nvSpPr>
-          <p:cNvPr id="34" name="Rectangle 11"/>
+          <p:cNvPr id="35" name="Rectangle 11"/>
           <p:cNvSpPr/>
           <p:nvPr/>
         </p:nvSpPr>
         <p:spPr>
           <a:xfrm>
-            <a:off x="2592528" y="3649359"/>
+            <a:off x="2668735" y="3527805"/>
             <a:ext cx="1093635" cy="236841"/>
           </a:xfrm>
           <a:prstGeom prst="rect">
@@ -3925,7 +3925,7 @@
                   </a:schemeClr>
                 </a:solidFill>
               </a:rPr>
-              <a:t>BrowserPanel</a:t>
+              <a:t>StatusBarFooter</a:t>
             </a:r>
             <a:endParaRPr lang="en-SG" sz="1050" b="1" dirty="0">
               <a:solidFill>
@@ -3939,13 +3939,13 @@
       </p:sp>
       <p:sp>
         <p:nvSpPr>
-          <p:cNvPr id="35" name="Rectangle 11"/>
+          <p:cNvPr id="36" name="Rectangle 11"/>
           <p:cNvSpPr/>
           <p:nvPr/>
         </p:nvSpPr>
         <p:spPr>
           <a:xfrm>
-            <a:off x="2592527" y="4563759"/>
+            <a:off x="2673493" y="2958175"/>
             <a:ext cx="1093635" cy="236841"/>
           </a:xfrm>
           <a:prstGeom prst="rect">
@@ -3985,7 +3985,7 @@
                   </a:schemeClr>
                 </a:solidFill>
               </a:rPr>
-              <a:t>StatusBarFooter</a:t>
+              <a:t>PersonListPanel</a:t>
             </a:r>
             <a:endParaRPr lang="en-SG" sz="1050" b="1" dirty="0">
               <a:solidFill>
@@ -3999,14 +3999,14 @@
       </p:sp>
       <p:sp>
         <p:nvSpPr>
-          <p:cNvPr id="36" name="Rectangle 11"/>
+          <p:cNvPr id="37" name="Rectangle 11"/>
           <p:cNvSpPr/>
           <p:nvPr/>
         </p:nvSpPr>
         <p:spPr>
           <a:xfrm>
-            <a:off x="2592526" y="3991960"/>
-            <a:ext cx="1093635" cy="236841"/>
+            <a:off x="3920290" y="3195016"/>
+            <a:ext cx="1040906" cy="236841"/>
           </a:xfrm>
           <a:prstGeom prst="rect">
             <a:avLst/>
@@ -4045,7 +4045,7 @@
                   </a:schemeClr>
                 </a:solidFill>
               </a:rPr>
-              <a:t>PersonListPanel</a:t>
+              <a:t>PersonCard</a:t>
             </a:r>
             <a:endParaRPr lang="en-SG" sz="1050" b="1" dirty="0">
               <a:solidFill>
@@ -4059,14 +4059,14 @@
       </p:sp>
       <p:sp>
         <p:nvSpPr>
-          <p:cNvPr id="37" name="Rectangle 11"/>
+          <p:cNvPr id="38" name="Rectangle 11"/>
           <p:cNvSpPr/>
           <p:nvPr/>
         </p:nvSpPr>
         <p:spPr>
           <a:xfrm>
-            <a:off x="3839323" y="4228801"/>
-            <a:ext cx="1040906" cy="236841"/>
+            <a:off x="2663317" y="5704817"/>
+            <a:ext cx="1093635" cy="236841"/>
           </a:xfrm>
           <a:prstGeom prst="rect">
             <a:avLst/>
@@ -4105,7 +4105,7 @@
                   </a:schemeClr>
                 </a:solidFill>
               </a:rPr>
-              <a:t>PersonCard</a:t>
+              <a:t>HelpWindow</a:t>
             </a:r>
             <a:endParaRPr lang="en-SG" sz="1050" b="1" dirty="0">
               <a:solidFill>
@@ -4119,73 +4119,13 @@
       </p:sp>
       <p:sp>
         <p:nvSpPr>
-          <p:cNvPr id="38" name="Rectangle 11"/>
-          <p:cNvSpPr/>
-          <p:nvPr/>
-        </p:nvSpPr>
-        <p:spPr>
-          <a:xfrm>
-            <a:off x="2592528" y="4966000"/>
-            <a:ext cx="1093635" cy="236841"/>
-          </a:xfrm>
-          <a:prstGeom prst="rect">
-            <a:avLst/>
-          </a:prstGeom>
-          <a:ln w="19050">
-            <a:solidFill>
-              <a:schemeClr val="accent3"/>
-            </a:solidFill>
-          </a:ln>
-          <a:effectLst/>
-        </p:spPr>
-        <p:style>
-          <a:lnRef idx="1">
-            <a:schemeClr val="accent3"/>
-          </a:lnRef>
-          <a:fillRef idx="2">
-            <a:schemeClr val="accent3"/>
-          </a:fillRef>
-          <a:effectRef idx="1">
-            <a:schemeClr val="accent3"/>
-          </a:effectRef>
-          <a:fontRef idx="minor">
-            <a:schemeClr val="dk1"/>
-          </a:fontRef>
-        </p:style>
-        <p:txBody>
-          <a:bodyPr rtlCol="0" anchor="ctr"/>
-          <a:lstStyle/>
-          <a:p>
-            <a:pPr algn="ctr"/>
-            <a:r>
-              <a:rPr lang="en-US" sz="1050" b="1" dirty="0" err="1">
-                <a:solidFill>
-                  <a:schemeClr val="accent3">
-                    <a:lumMod val="75000"/>
-                  </a:schemeClr>
-                </a:solidFill>
-              </a:rPr>
-              <a:t>HelpWindow</a:t>
-            </a:r>
-            <a:endParaRPr lang="en-SG" sz="1050" b="1" dirty="0">
-              <a:solidFill>
-                <a:schemeClr val="accent3">
-                  <a:lumMod val="75000"/>
-                </a:schemeClr>
-              </a:solidFill>
-            </a:endParaRPr>
-          </a:p>
-        </p:txBody>
-      </p:sp>
-      <p:sp>
-        <p:nvSpPr>
           <p:cNvPr id="39" name="Flowchart: Decision 38"/>
           <p:cNvSpPr/>
           <p:nvPr/>
         </p:nvSpPr>
         <p:spPr>
           <a:xfrm>
-            <a:off x="2324548" y="2706452"/>
+            <a:off x="2402483" y="2020652"/>
             <a:ext cx="183156" cy="161573"/>
           </a:xfrm>
           <a:prstGeom prst="flowChartDecision">
@@ -4236,7 +4176,7 @@
         </p:nvCxnSpPr>
         <p:spPr>
           <a:xfrm rot="16200000" flipH="1">
-            <a:off x="2393229" y="2890922"/>
+            <a:off x="2471164" y="2205122"/>
             <a:ext cx="222196" cy="176402"/>
           </a:xfrm>
           <a:prstGeom prst="bentConnector2">
@@ -4274,7 +4214,7 @@
         </p:nvSpPr>
         <p:spPr>
           <a:xfrm>
-            <a:off x="2590799" y="3304308"/>
+            <a:off x="2668734" y="2618508"/>
             <a:ext cx="1095361" cy="236841"/>
           </a:xfrm>
           <a:prstGeom prst="rect">
@@ -4328,47 +4268,6 @@
       </p:sp>
       <p:cxnSp>
         <p:nvCxnSpPr>
-          <p:cNvPr id="44" name="Elbow Connector 63"/>
-          <p:cNvCxnSpPr>
-            <a:stCxn id="39" idx="2"/>
-            <a:endCxn id="34" idx="1"/>
-          </p:cNvCxnSpPr>
-          <p:nvPr/>
-        </p:nvCxnSpPr>
-        <p:spPr>
-          <a:xfrm rot="16200000" flipH="1">
-            <a:off x="2054450" y="3229701"/>
-            <a:ext cx="899755" cy="176402"/>
-          </a:xfrm>
-          <a:prstGeom prst="bentConnector2">
-            <a:avLst/>
-          </a:prstGeom>
-          <a:ln w="19050">
-            <a:solidFill>
-              <a:schemeClr val="accent3"/>
-            </a:solidFill>
-            <a:headEnd type="none" w="med" len="med"/>
-            <a:tailEnd type="arrow" w="med" len="med"/>
-          </a:ln>
-          <a:effectLst/>
-        </p:spPr>
-        <p:style>
-          <a:lnRef idx="1">
-            <a:schemeClr val="accent2"/>
-          </a:lnRef>
-          <a:fillRef idx="2">
-            <a:schemeClr val="accent2"/>
-          </a:fillRef>
-          <a:effectRef idx="1">
-            <a:schemeClr val="accent2"/>
-          </a:effectRef>
-          <a:fontRef idx="minor">
-            <a:schemeClr val="dk1"/>
-          </a:fontRef>
-        </p:style>
-      </p:cxnSp>
-      <p:cxnSp>
-        <p:nvCxnSpPr>
           <p:cNvPr id="47" name="Elbow Connector 63"/>
           <p:cNvCxnSpPr>
             <a:stCxn id="39" idx="2"/>
@@ -4378,8 +4277,8 @@
         </p:nvCxnSpPr>
         <p:spPr>
           <a:xfrm rot="16200000" flipH="1">
-            <a:off x="1883148" y="3401003"/>
-            <a:ext cx="1242356" cy="176400"/>
+            <a:off x="2136592" y="2539694"/>
+            <a:ext cx="894371" cy="179432"/>
           </a:xfrm>
           <a:prstGeom prst="bentConnector2">
             <a:avLst/>
@@ -4419,8 +4318,8 @@
         </p:nvCxnSpPr>
         <p:spPr>
           <a:xfrm rot="16200000" flipH="1">
-            <a:off x="1597249" y="3686901"/>
-            <a:ext cx="1814155" cy="176401"/>
+            <a:off x="1849398" y="2826888"/>
+            <a:ext cx="1464001" cy="174674"/>
           </a:xfrm>
           <a:prstGeom prst="bentConnector2">
             <a:avLst/>
@@ -4459,8 +4358,8 @@
         </p:nvCxnSpPr>
         <p:spPr>
           <a:xfrm rot="16200000" flipH="1">
-            <a:off x="1184119" y="3676012"/>
-            <a:ext cx="2396440" cy="420377"/>
+            <a:off x="568997" y="3728918"/>
+            <a:ext cx="3821058" cy="367582"/>
           </a:xfrm>
           <a:prstGeom prst="bentConnector2">
             <a:avLst/>
@@ -4497,7 +4396,7 @@
         </p:nvSpPr>
         <p:spPr>
           <a:xfrm>
-            <a:off x="5143948" y="1770924"/>
+            <a:off x="5221883" y="1085124"/>
             <a:ext cx="772043" cy="346760"/>
           </a:xfrm>
           <a:prstGeom prst="rect">
@@ -4579,7 +4478,7 @@
         </p:nvCxnSpPr>
         <p:spPr>
           <a:xfrm flipV="1">
-            <a:off x="3686160" y="2286000"/>
+            <a:off x="3764095" y="1600200"/>
             <a:ext cx="1843809" cy="1136729"/>
           </a:xfrm>
           <a:prstGeom prst="bentConnector2">
@@ -4614,55 +4513,14 @@
           <p:cNvPr id="77" name="Elbow Connector 63"/>
           <p:cNvCxnSpPr>
             <a:stCxn id="16" idx="3"/>
-            <a:endCxn id="37" idx="3"/>
+            <a:endCxn id="60" idx="3"/>
           </p:cNvCxnSpPr>
           <p:nvPr/>
         </p:nvCxnSpPr>
         <p:spPr>
           <a:xfrm rot="5400000">
-            <a:off x="4174488" y="2991741"/>
-            <a:ext cx="2061222" cy="649740"/>
-          </a:xfrm>
-          <a:prstGeom prst="bentConnector2">
-            <a:avLst/>
-          </a:prstGeom>
-          <a:ln w="6350">
-            <a:solidFill>
-              <a:schemeClr val="accent3"/>
-            </a:solidFill>
-            <a:headEnd type="none" w="med" len="med"/>
-            <a:tailEnd type="none" w="med" len="med"/>
-          </a:ln>
-          <a:effectLst/>
-        </p:spPr>
-        <p:style>
-          <a:lnRef idx="1">
-            <a:schemeClr val="accent2"/>
-          </a:lnRef>
-          <a:fillRef idx="2">
-            <a:schemeClr val="accent2"/>
-          </a:fillRef>
-          <a:effectRef idx="1">
-            <a:schemeClr val="accent2"/>
-          </a:effectRef>
-          <a:fontRef idx="minor">
-            <a:schemeClr val="dk1"/>
-          </a:fontRef>
-        </p:style>
-      </p:cxnSp>
-      <p:cxnSp>
-        <p:nvCxnSpPr>
-          <p:cNvPr id="82" name="Elbow Connector 63"/>
-          <p:cNvCxnSpPr>
-            <a:stCxn id="16" idx="3"/>
-            <a:endCxn id="34" idx="3"/>
-          </p:cNvCxnSpPr>
-          <p:nvPr/>
-        </p:nvCxnSpPr>
-        <p:spPr>
-          <a:xfrm rot="5400000">
-            <a:off x="3867176" y="2104987"/>
-            <a:ext cx="1481780" cy="1843806"/>
+            <a:off x="3415357" y="1947213"/>
+            <a:ext cx="2539560" cy="1845535"/>
           </a:xfrm>
           <a:prstGeom prst="bentConnector2">
             <a:avLst/>
@@ -4702,7 +4560,7 @@
         </p:nvCxnSpPr>
         <p:spPr>
           <a:xfrm flipV="1">
-            <a:off x="3189583" y="2286000"/>
+            <a:off x="3267518" y="1600200"/>
             <a:ext cx="2340386" cy="228600"/>
           </a:xfrm>
           <a:prstGeom prst="bentConnector2">
@@ -4735,19 +4593,18 @@
       <p:cxnSp>
         <p:nvCxnSpPr>
           <p:cNvPr id="91" name="Elbow Connector 63"/>
-          <p:cNvCxnSpPr>
-            <a:stCxn id="16" idx="3"/>
-            <a:endCxn id="35" idx="3"/>
-          </p:cNvCxnSpPr>
+          <p:cNvCxnSpPr/>
           <p:nvPr/>
         </p:nvCxnSpPr>
         <p:spPr>
           <a:xfrm rot="5400000">
-            <a:off x="3409976" y="2562187"/>
-            <a:ext cx="2396180" cy="1843807"/>
-          </a:xfrm>
-          <a:prstGeom prst="bentConnector2">
-            <a:avLst/>
+            <a:off x="3661276" y="1721394"/>
+            <a:ext cx="2057474" cy="1835783"/>
+          </a:xfrm>
+          <a:prstGeom prst="bentConnector3">
+            <a:avLst>
+              <a:gd name="adj1" fmla="val 99766"/>
+            </a:avLst>
           </a:prstGeom>
           <a:ln w="6350">
             <a:solidFill>
@@ -4784,8 +4641,8 @@
         </p:nvCxnSpPr>
         <p:spPr>
           <a:xfrm rot="5400000">
-            <a:off x="3208856" y="2763307"/>
-            <a:ext cx="2798421" cy="1843806"/>
+            <a:off x="2570909" y="2786243"/>
+            <a:ext cx="4223038" cy="1850952"/>
           </a:xfrm>
           <a:prstGeom prst="bentConnector2">
             <a:avLst/>
@@ -4824,7 +4681,7 @@
         </p:nvCxnSpPr>
         <p:spPr>
           <a:xfrm rot="5400000" flipH="1" flipV="1">
-            <a:off x="4594921" y="-355061"/>
+            <a:off x="4672856" y="-1040861"/>
             <a:ext cx="170724" cy="4081246"/>
           </a:xfrm>
           <a:prstGeom prst="bentConnector2">
@@ -4863,7 +4720,7 @@
         </p:nvSpPr>
         <p:spPr>
           <a:xfrm rot="16200000">
-            <a:off x="6213739" y="4560376"/>
+            <a:off x="6277066" y="3175590"/>
             <a:ext cx="1371599" cy="328045"/>
           </a:xfrm>
           <a:prstGeom prst="roundRect">
@@ -4923,7 +4780,7 @@
         </p:nvSpPr>
         <p:spPr>
           <a:xfrm rot="16200000">
-            <a:off x="956202" y="2861202"/>
+            <a:off x="1034137" y="2175402"/>
             <a:ext cx="1093635" cy="346760"/>
           </a:xfrm>
           <a:prstGeom prst="rect">
@@ -4993,7 +4850,7 @@
         </p:nvSpPr>
         <p:spPr>
           <a:xfrm flipV="1">
-            <a:off x="1367767" y="2286001"/>
+            <a:off x="1445702" y="1600201"/>
             <a:ext cx="270504" cy="175523"/>
           </a:xfrm>
           <a:prstGeom prst="triangle">
@@ -5044,7 +4901,7 @@
         </p:nvCxnSpPr>
         <p:spPr>
           <a:xfrm rot="10800000" flipV="1">
-            <a:off x="1503020" y="1944303"/>
+            <a:off x="1580955" y="1258503"/>
             <a:ext cx="589823" cy="341697"/>
           </a:xfrm>
           <a:prstGeom prst="bentConnector2">
@@ -5086,7 +4943,7 @@
         </p:nvCxnSpPr>
         <p:spPr>
           <a:xfrm rot="16200000" flipH="1">
-            <a:off x="2226110" y="3058040"/>
+            <a:off x="2304045" y="2372240"/>
             <a:ext cx="554704" cy="174673"/>
           </a:xfrm>
           <a:prstGeom prst="bentConnector2">
@@ -5119,15 +4976,12 @@
       <p:cxnSp>
         <p:nvCxnSpPr>
           <p:cNvPr id="132" name="Elbow Connector 63"/>
-          <p:cNvCxnSpPr>
-            <a:stCxn id="16" idx="3"/>
-            <a:endCxn id="3" idx="3"/>
-          </p:cNvCxnSpPr>
+          <p:cNvCxnSpPr/>
           <p:nvPr/>
         </p:nvCxnSpPr>
         <p:spPr>
           <a:xfrm rot="5400000">
-            <a:off x="4205956" y="1766207"/>
+            <a:off x="4284109" y="1090757"/>
             <a:ext cx="804221" cy="1843806"/>
           </a:xfrm>
           <a:prstGeom prst="bentConnector2">
@@ -5168,7 +5022,7 @@
         </p:nvCxnSpPr>
         <p:spPr>
           <a:xfrm rot="16200000" flipH="1">
-            <a:off x="3430123" y="3938021"/>
+            <a:off x="3511090" y="2904236"/>
             <a:ext cx="118421" cy="699979"/>
           </a:xfrm>
           <a:prstGeom prst="bentConnector2">
@@ -5203,14 +5057,13 @@
           <p:cNvPr id="140" name="Elbow Connector 63"/>
           <p:cNvCxnSpPr>
             <a:stCxn id="16" idx="3"/>
-            <a:endCxn id="36" idx="3"/>
           </p:cNvCxnSpPr>
           <p:nvPr/>
         </p:nvCxnSpPr>
         <p:spPr>
           <a:xfrm rot="5400000">
-            <a:off x="3695875" y="2276286"/>
-            <a:ext cx="1824381" cy="1843808"/>
+            <a:off x="3944459" y="1420683"/>
+            <a:ext cx="1483928" cy="1842962"/>
           </a:xfrm>
           <a:prstGeom prst="bentConnector2">
             <a:avLst/>
@@ -5247,7 +5100,7 @@
         </p:nvSpPr>
         <p:spPr>
           <a:xfrm>
-            <a:off x="5435896" y="2743200"/>
+            <a:off x="5513831" y="2057400"/>
             <a:ext cx="229325" cy="166560"/>
           </a:xfrm>
           <a:prstGeom prst="rect">
@@ -5300,7 +5153,7 @@
         </p:nvSpPr>
         <p:spPr>
           <a:xfrm>
-            <a:off x="3687515" y="2828802"/>
+            <a:off x="3765450" y="2143002"/>
             <a:ext cx="3048000" cy="203200"/>
           </a:xfrm>
           <a:custGeom>
@@ -5382,7 +5235,7 @@
         </p:nvSpPr>
         <p:spPr>
           <a:xfrm>
-            <a:off x="5431573" y="4488138"/>
+            <a:off x="5480008" y="3449569"/>
             <a:ext cx="229325" cy="160062"/>
           </a:xfrm>
           <a:prstGeom prst="rect">
@@ -5435,8 +5288,8 @@
         </p:nvSpPr>
         <p:spPr>
           <a:xfrm flipV="1">
-            <a:off x="4114799" y="4472708"/>
-            <a:ext cx="2642195" cy="101600"/>
+            <a:off x="4195766" y="3438923"/>
+            <a:ext cx="2603075" cy="101600"/>
           </a:xfrm>
           <a:custGeom>
             <a:avLst/>
@@ -5506,6 +5359,679 @@
           <a:p>
             <a:pPr algn="ctr"/>
             <a:endParaRPr lang="en-SG"/>
+          </a:p>
+        </p:txBody>
+      </p:sp>
+      <p:sp>
+        <p:nvSpPr>
+          <p:cNvPr id="60" name="Rectangle 11"/>
+          <p:cNvSpPr/>
+          <p:nvPr/>
+        </p:nvSpPr>
+        <p:spPr>
+          <a:xfrm>
+            <a:off x="2668734" y="4021339"/>
+            <a:ext cx="1093635" cy="236841"/>
+          </a:xfrm>
+          <a:prstGeom prst="rect">
+            <a:avLst/>
+          </a:prstGeom>
+          <a:ln w="19050">
+            <a:solidFill>
+              <a:schemeClr val="accent3"/>
+            </a:solidFill>
+          </a:ln>
+          <a:effectLst/>
+        </p:spPr>
+        <p:style>
+          <a:lnRef idx="1">
+            <a:schemeClr val="accent3"/>
+          </a:lnRef>
+          <a:fillRef idx="2">
+            <a:schemeClr val="accent3"/>
+          </a:fillRef>
+          <a:effectRef idx="1">
+            <a:schemeClr val="accent3"/>
+          </a:effectRef>
+          <a:fontRef idx="minor">
+            <a:schemeClr val="dk1"/>
+          </a:fontRef>
+        </p:style>
+        <p:txBody>
+          <a:bodyPr rtlCol="0" anchor="ctr"/>
+          <a:lstStyle/>
+          <a:p>
+            <a:pPr algn="ctr"/>
+            <a:r>
+              <a:rPr lang="en-US" sz="1050" b="1" dirty="0" err="1" smtClean="0">
+                <a:solidFill>
+                  <a:schemeClr val="accent3">
+                    <a:lumMod val="75000"/>
+                  </a:schemeClr>
+                </a:solidFill>
+              </a:rPr>
+              <a:t>TimeTablePanel</a:t>
+            </a:r>
+            <a:endParaRPr lang="en-SG" sz="1050" b="1" dirty="0">
+              <a:solidFill>
+                <a:schemeClr val="accent3">
+                  <a:lumMod val="75000"/>
+                </a:schemeClr>
+              </a:solidFill>
+            </a:endParaRPr>
+          </a:p>
+        </p:txBody>
+      </p:sp>
+      <p:cxnSp>
+        <p:nvCxnSpPr>
+          <p:cNvPr id="61" name="Elbow Connector 63"/>
+          <p:cNvCxnSpPr>
+            <a:stCxn id="39" idx="2"/>
+            <a:endCxn id="60" idx="1"/>
+          </p:cNvCxnSpPr>
+          <p:nvPr/>
+        </p:nvCxnSpPr>
+        <p:spPr>
+          <a:xfrm rot="16200000" flipH="1">
+            <a:off x="1602630" y="3073655"/>
+            <a:ext cx="1957535" cy="174673"/>
+          </a:xfrm>
+          <a:prstGeom prst="bentConnector2">
+            <a:avLst/>
+          </a:prstGeom>
+          <a:ln w="19050">
+            <a:solidFill>
+              <a:schemeClr val="accent3"/>
+            </a:solidFill>
+            <a:headEnd type="none" w="med" len="med"/>
+            <a:tailEnd type="arrow" w="med" len="med"/>
+          </a:ln>
+          <a:effectLst/>
+        </p:spPr>
+        <p:style>
+          <a:lnRef idx="1">
+            <a:schemeClr val="accent2"/>
+          </a:lnRef>
+          <a:fillRef idx="2">
+            <a:schemeClr val="accent2"/>
+          </a:fillRef>
+          <a:effectRef idx="1">
+            <a:schemeClr val="accent2"/>
+          </a:effectRef>
+          <a:fontRef idx="minor">
+            <a:schemeClr val="dk1"/>
+          </a:fontRef>
+        </p:style>
+      </p:cxnSp>
+      <p:sp>
+        <p:nvSpPr>
+          <p:cNvPr id="65" name="Rectangle 11"/>
+          <p:cNvSpPr/>
+          <p:nvPr/>
+        </p:nvSpPr>
+        <p:spPr>
+          <a:xfrm>
+            <a:off x="3922677" y="4254480"/>
+            <a:ext cx="1184458" cy="236841"/>
+          </a:xfrm>
+          <a:prstGeom prst="rect">
+            <a:avLst/>
+          </a:prstGeom>
+          <a:ln w="19050">
+            <a:solidFill>
+              <a:schemeClr val="accent3"/>
+            </a:solidFill>
+          </a:ln>
+          <a:effectLst/>
+        </p:spPr>
+        <p:style>
+          <a:lnRef idx="1">
+            <a:schemeClr val="accent3"/>
+          </a:lnRef>
+          <a:fillRef idx="2">
+            <a:schemeClr val="accent3"/>
+          </a:fillRef>
+          <a:effectRef idx="1">
+            <a:schemeClr val="accent3"/>
+          </a:effectRef>
+          <a:fontRef idx="minor">
+            <a:schemeClr val="dk1"/>
+          </a:fontRef>
+        </p:style>
+        <p:txBody>
+          <a:bodyPr rtlCol="0" anchor="ctr"/>
+          <a:lstStyle/>
+          <a:p>
+            <a:pPr algn="ctr"/>
+            <a:r>
+              <a:rPr lang="en-US" sz="1050" b="1" dirty="0" err="1" smtClean="0">
+                <a:solidFill>
+                  <a:schemeClr val="accent3">
+                    <a:lumMod val="75000"/>
+                  </a:schemeClr>
+                </a:solidFill>
+              </a:rPr>
+              <a:t>DayMarkerGrid</a:t>
+            </a:r>
+            <a:endParaRPr lang="en-SG" sz="1050" b="1" dirty="0">
+              <a:solidFill>
+                <a:schemeClr val="accent3">
+                  <a:lumMod val="75000"/>
+                </a:schemeClr>
+              </a:solidFill>
+            </a:endParaRPr>
+          </a:p>
+        </p:txBody>
+      </p:sp>
+      <p:cxnSp>
+        <p:nvCxnSpPr>
+          <p:cNvPr id="66" name="Elbow Connector 65"/>
+          <p:cNvCxnSpPr>
+            <a:endCxn id="65" idx="1"/>
+          </p:cNvCxnSpPr>
+          <p:nvPr/>
+        </p:nvCxnSpPr>
+        <p:spPr>
+          <a:xfrm>
+            <a:off x="3222698" y="4254479"/>
+            <a:ext cx="699979" cy="118422"/>
+          </a:xfrm>
+          <a:prstGeom prst="bentConnector3">
+            <a:avLst>
+              <a:gd name="adj1" fmla="val -1028"/>
+            </a:avLst>
+          </a:prstGeom>
+          <a:ln w="19050">
+            <a:solidFill>
+              <a:schemeClr val="accent3"/>
+            </a:solidFill>
+            <a:headEnd type="none" w="med" len="med"/>
+            <a:tailEnd type="arrow" w="med" len="med"/>
+          </a:ln>
+          <a:effectLst/>
+        </p:spPr>
+        <p:style>
+          <a:lnRef idx="1">
+            <a:schemeClr val="accent2"/>
+          </a:lnRef>
+          <a:fillRef idx="2">
+            <a:schemeClr val="accent2"/>
+          </a:fillRef>
+          <a:effectRef idx="1">
+            <a:schemeClr val="accent2"/>
+          </a:effectRef>
+          <a:fontRef idx="minor">
+            <a:schemeClr val="dk1"/>
+          </a:fontRef>
+        </p:style>
+      </p:cxnSp>
+      <p:sp>
+        <p:nvSpPr>
+          <p:cNvPr id="67" name="Rectangle 11"/>
+          <p:cNvSpPr/>
+          <p:nvPr/>
+        </p:nvSpPr>
+        <p:spPr>
+          <a:xfrm>
+            <a:off x="3922676" y="4631791"/>
+            <a:ext cx="1184458" cy="236841"/>
+          </a:xfrm>
+          <a:prstGeom prst="rect">
+            <a:avLst/>
+          </a:prstGeom>
+          <a:ln w="19050">
+            <a:solidFill>
+              <a:schemeClr val="accent3"/>
+            </a:solidFill>
+          </a:ln>
+          <a:effectLst/>
+        </p:spPr>
+        <p:style>
+          <a:lnRef idx="1">
+            <a:schemeClr val="accent3"/>
+          </a:lnRef>
+          <a:fillRef idx="2">
+            <a:schemeClr val="accent3"/>
+          </a:fillRef>
+          <a:effectRef idx="1">
+            <a:schemeClr val="accent3"/>
+          </a:effectRef>
+          <a:fontRef idx="minor">
+            <a:schemeClr val="dk1"/>
+          </a:fontRef>
+        </p:style>
+        <p:txBody>
+          <a:bodyPr rtlCol="0" anchor="ctr"/>
+          <a:lstStyle/>
+          <a:p>
+            <a:pPr algn="ctr"/>
+            <a:r>
+              <a:rPr lang="en-US" sz="1050" b="1" dirty="0" err="1" smtClean="0">
+                <a:solidFill>
+                  <a:schemeClr val="accent3">
+                    <a:lumMod val="75000"/>
+                  </a:schemeClr>
+                </a:solidFill>
+              </a:rPr>
+              <a:t>TimeMarkerGrid</a:t>
+            </a:r>
+            <a:endParaRPr lang="en-SG" sz="1050" b="1" dirty="0">
+              <a:solidFill>
+                <a:schemeClr val="accent3">
+                  <a:lumMod val="75000"/>
+                </a:schemeClr>
+              </a:solidFill>
+            </a:endParaRPr>
+          </a:p>
+        </p:txBody>
+      </p:sp>
+      <p:cxnSp>
+        <p:nvCxnSpPr>
+          <p:cNvPr id="68" name="Elbow Connector 67"/>
+          <p:cNvCxnSpPr>
+            <a:endCxn id="67" idx="1"/>
+          </p:cNvCxnSpPr>
+          <p:nvPr/>
+        </p:nvCxnSpPr>
+        <p:spPr>
+          <a:xfrm>
+            <a:off x="3217939" y="4269444"/>
+            <a:ext cx="704737" cy="480768"/>
+          </a:xfrm>
+          <a:prstGeom prst="bentConnector3">
+            <a:avLst>
+              <a:gd name="adj1" fmla="val -346"/>
+            </a:avLst>
+          </a:prstGeom>
+          <a:ln w="19050">
+            <a:solidFill>
+              <a:schemeClr val="accent3"/>
+            </a:solidFill>
+            <a:headEnd type="none" w="med" len="med"/>
+            <a:tailEnd type="arrow" w="med" len="med"/>
+          </a:ln>
+          <a:effectLst/>
+        </p:spPr>
+        <p:style>
+          <a:lnRef idx="1">
+            <a:schemeClr val="accent2"/>
+          </a:lnRef>
+          <a:fillRef idx="2">
+            <a:schemeClr val="accent2"/>
+          </a:fillRef>
+          <a:effectRef idx="1">
+            <a:schemeClr val="accent2"/>
+          </a:effectRef>
+          <a:fontRef idx="minor">
+            <a:schemeClr val="dk1"/>
+          </a:fontRef>
+        </p:style>
+      </p:cxnSp>
+      <p:sp>
+        <p:nvSpPr>
+          <p:cNvPr id="69" name="Rectangle 11"/>
+          <p:cNvSpPr/>
+          <p:nvPr/>
+        </p:nvSpPr>
+        <p:spPr>
+          <a:xfrm>
+            <a:off x="3920290" y="4982725"/>
+            <a:ext cx="1184458" cy="236841"/>
+          </a:xfrm>
+          <a:prstGeom prst="rect">
+            <a:avLst/>
+          </a:prstGeom>
+          <a:ln w="19050">
+            <a:solidFill>
+              <a:schemeClr val="accent3"/>
+            </a:solidFill>
+          </a:ln>
+          <a:effectLst/>
+        </p:spPr>
+        <p:style>
+          <a:lnRef idx="1">
+            <a:schemeClr val="accent3"/>
+          </a:lnRef>
+          <a:fillRef idx="2">
+            <a:schemeClr val="accent3"/>
+          </a:fillRef>
+          <a:effectRef idx="1">
+            <a:schemeClr val="accent3"/>
+          </a:effectRef>
+          <a:fontRef idx="minor">
+            <a:schemeClr val="dk1"/>
+          </a:fontRef>
+        </p:style>
+        <p:txBody>
+          <a:bodyPr rtlCol="0" anchor="ctr"/>
+          <a:lstStyle/>
+          <a:p>
+            <a:pPr algn="ctr"/>
+            <a:r>
+              <a:rPr lang="en-US" sz="1050" b="1" dirty="0" err="1" smtClean="0">
+                <a:solidFill>
+                  <a:schemeClr val="accent3">
+                    <a:lumMod val="75000"/>
+                  </a:schemeClr>
+                </a:solidFill>
+              </a:rPr>
+              <a:t>MainGrid</a:t>
+            </a:r>
+            <a:endParaRPr lang="en-SG" sz="1050" b="1" dirty="0">
+              <a:solidFill>
+                <a:schemeClr val="accent3">
+                  <a:lumMod val="75000"/>
+                </a:schemeClr>
+              </a:solidFill>
+            </a:endParaRPr>
+          </a:p>
+        </p:txBody>
+      </p:sp>
+      <p:cxnSp>
+        <p:nvCxnSpPr>
+          <p:cNvPr id="70" name="Elbow Connector 69"/>
+          <p:cNvCxnSpPr>
+            <a:stCxn id="60" idx="2"/>
+            <a:endCxn id="69" idx="1"/>
+          </p:cNvCxnSpPr>
+          <p:nvPr/>
+        </p:nvCxnSpPr>
+        <p:spPr>
+          <a:xfrm rot="16200000" flipH="1">
+            <a:off x="3146438" y="4327294"/>
+            <a:ext cx="842966" cy="704738"/>
+          </a:xfrm>
+          <a:prstGeom prst="bentConnector2">
+            <a:avLst/>
+          </a:prstGeom>
+          <a:ln w="19050">
+            <a:solidFill>
+              <a:schemeClr val="accent3"/>
+            </a:solidFill>
+            <a:headEnd type="none" w="med" len="med"/>
+            <a:tailEnd type="arrow" w="med" len="med"/>
+          </a:ln>
+          <a:effectLst/>
+        </p:spPr>
+        <p:style>
+          <a:lnRef idx="1">
+            <a:schemeClr val="accent2"/>
+          </a:lnRef>
+          <a:fillRef idx="2">
+            <a:schemeClr val="accent2"/>
+          </a:fillRef>
+          <a:effectRef idx="1">
+            <a:schemeClr val="accent2"/>
+          </a:effectRef>
+          <a:fontRef idx="minor">
+            <a:schemeClr val="dk1"/>
+          </a:fontRef>
+        </p:style>
+      </p:cxnSp>
+      <p:cxnSp>
+        <p:nvCxnSpPr>
+          <p:cNvPr id="93" name="Elbow Connector 63"/>
+          <p:cNvCxnSpPr>
+            <a:stCxn id="16" idx="3"/>
+            <a:endCxn id="65" idx="3"/>
+          </p:cNvCxnSpPr>
+          <p:nvPr/>
+        </p:nvCxnSpPr>
+        <p:spPr>
+          <a:xfrm rot="5400000">
+            <a:off x="3971170" y="2736166"/>
+            <a:ext cx="2772701" cy="500769"/>
+          </a:xfrm>
+          <a:prstGeom prst="bentConnector2">
+            <a:avLst/>
+          </a:prstGeom>
+          <a:ln w="6350">
+            <a:solidFill>
+              <a:schemeClr val="accent3"/>
+            </a:solidFill>
+            <a:headEnd type="none" w="med" len="med"/>
+            <a:tailEnd type="none" w="med" len="med"/>
+          </a:ln>
+          <a:effectLst/>
+        </p:spPr>
+        <p:style>
+          <a:lnRef idx="1">
+            <a:schemeClr val="accent2"/>
+          </a:lnRef>
+          <a:fillRef idx="2">
+            <a:schemeClr val="accent2"/>
+          </a:fillRef>
+          <a:effectRef idx="1">
+            <a:schemeClr val="accent2"/>
+          </a:effectRef>
+          <a:fontRef idx="minor">
+            <a:schemeClr val="dk1"/>
+          </a:fontRef>
+        </p:style>
+      </p:cxnSp>
+      <p:cxnSp>
+        <p:nvCxnSpPr>
+          <p:cNvPr id="100" name="Elbow Connector 63"/>
+          <p:cNvCxnSpPr>
+            <a:stCxn id="16" idx="3"/>
+            <a:endCxn id="67" idx="3"/>
+          </p:cNvCxnSpPr>
+          <p:nvPr/>
+        </p:nvCxnSpPr>
+        <p:spPr>
+          <a:xfrm rot="5400000">
+            <a:off x="3782513" y="2924821"/>
+            <a:ext cx="3150012" cy="500770"/>
+          </a:xfrm>
+          <a:prstGeom prst="bentConnector2">
+            <a:avLst/>
+          </a:prstGeom>
+          <a:ln w="6350">
+            <a:solidFill>
+              <a:schemeClr val="accent3"/>
+            </a:solidFill>
+            <a:headEnd type="none" w="med" len="med"/>
+            <a:tailEnd type="none" w="med" len="med"/>
+          </a:ln>
+          <a:effectLst/>
+        </p:spPr>
+        <p:style>
+          <a:lnRef idx="1">
+            <a:schemeClr val="accent2"/>
+          </a:lnRef>
+          <a:fillRef idx="2">
+            <a:schemeClr val="accent2"/>
+          </a:fillRef>
+          <a:effectRef idx="1">
+            <a:schemeClr val="accent2"/>
+          </a:effectRef>
+          <a:fontRef idx="minor">
+            <a:schemeClr val="dk1"/>
+          </a:fontRef>
+        </p:style>
+      </p:cxnSp>
+      <p:cxnSp>
+        <p:nvCxnSpPr>
+          <p:cNvPr id="103" name="Elbow Connector 63"/>
+          <p:cNvCxnSpPr>
+            <a:stCxn id="16" idx="3"/>
+            <a:endCxn id="69" idx="3"/>
+          </p:cNvCxnSpPr>
+          <p:nvPr/>
+        </p:nvCxnSpPr>
+        <p:spPr>
+          <a:xfrm rot="5400000">
+            <a:off x="3605853" y="3099095"/>
+            <a:ext cx="3500946" cy="503156"/>
+          </a:xfrm>
+          <a:prstGeom prst="bentConnector2">
+            <a:avLst/>
+          </a:prstGeom>
+          <a:ln w="6350">
+            <a:solidFill>
+              <a:schemeClr val="accent3"/>
+            </a:solidFill>
+            <a:headEnd type="none" w="med" len="med"/>
+            <a:tailEnd type="none" w="med" len="med"/>
+          </a:ln>
+          <a:effectLst/>
+        </p:spPr>
+        <p:style>
+          <a:lnRef idx="1">
+            <a:schemeClr val="accent2"/>
+          </a:lnRef>
+          <a:fillRef idx="2">
+            <a:schemeClr val="accent2"/>
+          </a:fillRef>
+          <a:effectRef idx="1">
+            <a:schemeClr val="accent2"/>
+          </a:effectRef>
+          <a:fontRef idx="minor">
+            <a:schemeClr val="dk1"/>
+          </a:fontRef>
+        </p:style>
+      </p:cxnSp>
+      <p:sp>
+        <p:nvSpPr>
+          <p:cNvPr id="112" name="Rectangle 11"/>
+          <p:cNvSpPr/>
+          <p:nvPr/>
+        </p:nvSpPr>
+        <p:spPr>
+          <a:xfrm>
+            <a:off x="3922665" y="5467976"/>
+            <a:ext cx="1184458" cy="236841"/>
+          </a:xfrm>
+          <a:prstGeom prst="rect">
+            <a:avLst/>
+          </a:prstGeom>
+          <a:ln w="19050">
+            <a:solidFill>
+              <a:schemeClr val="accent3"/>
+            </a:solidFill>
+          </a:ln>
+          <a:effectLst/>
+        </p:spPr>
+        <p:style>
+          <a:lnRef idx="1">
+            <a:schemeClr val="accent3"/>
+          </a:lnRef>
+          <a:fillRef idx="2">
+            <a:schemeClr val="accent3"/>
+          </a:fillRef>
+          <a:effectRef idx="1">
+            <a:schemeClr val="accent3"/>
+          </a:effectRef>
+          <a:fontRef idx="minor">
+            <a:schemeClr val="dk1"/>
+          </a:fontRef>
+        </p:style>
+        <p:txBody>
+          <a:bodyPr rtlCol="0" anchor="ctr"/>
+          <a:lstStyle/>
+          <a:p>
+            <a:pPr algn="ctr"/>
+            <a:r>
+              <a:rPr lang="en-US" sz="1050" b="1" dirty="0" err="1" smtClean="0">
+                <a:solidFill>
+                  <a:schemeClr val="accent3">
+                    <a:lumMod val="75000"/>
+                  </a:schemeClr>
+                </a:solidFill>
+              </a:rPr>
+              <a:t>TimeSlot</a:t>
+            </a:r>
+            <a:endParaRPr lang="en-SG" sz="1050" b="1" dirty="0">
+              <a:solidFill>
+                <a:schemeClr val="accent3">
+                  <a:lumMod val="75000"/>
+                </a:schemeClr>
+              </a:solidFill>
+            </a:endParaRPr>
+          </a:p>
+        </p:txBody>
+      </p:sp>
+      <p:cxnSp>
+        <p:nvCxnSpPr>
+          <p:cNvPr id="113" name="Elbow Connector 112"/>
+          <p:cNvCxnSpPr>
+            <a:stCxn id="69" idx="2"/>
+            <a:endCxn id="112" idx="0"/>
+          </p:cNvCxnSpPr>
+          <p:nvPr/>
+        </p:nvCxnSpPr>
+        <p:spPr>
+          <a:xfrm>
+            <a:off x="4512519" y="5219566"/>
+            <a:ext cx="2375" cy="248410"/>
+          </a:xfrm>
+          <a:prstGeom prst="straightConnector1">
+            <a:avLst/>
+          </a:prstGeom>
+          <a:ln w="19050">
+            <a:solidFill>
+              <a:schemeClr val="accent3"/>
+            </a:solidFill>
+            <a:headEnd type="none" w="med" len="med"/>
+            <a:tailEnd type="arrow" w="med" len="med"/>
+          </a:ln>
+          <a:effectLst/>
+        </p:spPr>
+        <p:style>
+          <a:lnRef idx="1">
+            <a:schemeClr val="accent2"/>
+          </a:lnRef>
+          <a:fillRef idx="2">
+            <a:schemeClr val="accent2"/>
+          </a:fillRef>
+          <a:effectRef idx="1">
+            <a:schemeClr val="accent2"/>
+          </a:effectRef>
+          <a:fontRef idx="minor">
+            <a:schemeClr val="dk1"/>
+          </a:fontRef>
+        </p:style>
+      </p:cxnSp>
+      <p:sp>
+        <p:nvSpPr>
+          <p:cNvPr id="122" name="TextBox 121"/>
+          <p:cNvSpPr txBox="1"/>
+          <p:nvPr/>
+        </p:nvSpPr>
+        <p:spPr>
+          <a:xfrm>
+            <a:off x="4512519" y="5258621"/>
+            <a:ext cx="189257" cy="178683"/>
+          </a:xfrm>
+          <a:prstGeom prst="rect">
+            <a:avLst/>
+          </a:prstGeom>
+          <a:noFill/>
+        </p:spPr>
+        <p:txBody>
+          <a:bodyPr wrap="square" lIns="0" tIns="0" rIns="0" bIns="0" rtlCol="0">
+            <a:noAutofit/>
+          </a:bodyPr>
+          <a:lstStyle/>
+          <a:p>
+            <a:pPr algn="ctr"/>
+            <a:r>
+              <a:rPr lang="en-US" sz="1050" b="1" dirty="0">
+                <a:solidFill>
+                  <a:schemeClr val="accent3">
+                    <a:lumMod val="75000"/>
+                  </a:schemeClr>
+                </a:solidFill>
+              </a:rPr>
+              <a:t>*</a:t>
+            </a:r>
+            <a:endParaRPr lang="en-SG" sz="1050" b="1" dirty="0">
+              <a:solidFill>
+                <a:schemeClr val="accent3">
+                  <a:lumMod val="75000"/>
+                </a:schemeClr>
+              </a:solidFill>
+            </a:endParaRPr>
           </a:p>
         </p:txBody>
       </p:sp>

--- a/docs/diagrams/UiComponentClassDiagram.pptx
+++ b/docs/diagrams/UiComponentClassDiagram.pptx
@@ -208,7 +208,7 @@
           <a:p>
             <a:fld id="{F5CC4B3F-88C1-4FFA-B1B6-F41C21DC6924}" type="datetimeFigureOut">
               <a:rPr lang="en-US" smtClean="0"/>
-              <a:t>1/7/2017</a:t>
+              <a:t>10/16/2018</a:t>
             </a:fld>
             <a:endParaRPr lang="en-US"/>
           </a:p>
@@ -654,7 +654,7 @@
           <a:p>
             <a:fld id="{78C97017-6FC3-485B-9764-EAC9E56C1D49}" type="datetimeFigureOut">
               <a:rPr lang="en-US" smtClean="0"/>
-              <a:t>1/7/2017</a:t>
+              <a:t>10/16/2018</a:t>
             </a:fld>
             <a:endParaRPr lang="en-US"/>
           </a:p>
@@ -822,7 +822,7 @@
           <a:p>
             <a:fld id="{78C97017-6FC3-485B-9764-EAC9E56C1D49}" type="datetimeFigureOut">
               <a:rPr lang="en-US" smtClean="0"/>
-              <a:t>1/7/2017</a:t>
+              <a:t>10/16/2018</a:t>
             </a:fld>
             <a:endParaRPr lang="en-US"/>
           </a:p>
@@ -1000,7 +1000,7 @@
           <a:p>
             <a:fld id="{78C97017-6FC3-485B-9764-EAC9E56C1D49}" type="datetimeFigureOut">
               <a:rPr lang="en-US" smtClean="0"/>
-              <a:t>1/7/2017</a:t>
+              <a:t>10/16/2018</a:t>
             </a:fld>
             <a:endParaRPr lang="en-US"/>
           </a:p>
@@ -1168,7 +1168,7 @@
           <a:p>
             <a:fld id="{78C97017-6FC3-485B-9764-EAC9E56C1D49}" type="datetimeFigureOut">
               <a:rPr lang="en-US" smtClean="0"/>
-              <a:t>1/7/2017</a:t>
+              <a:t>10/16/2018</a:t>
             </a:fld>
             <a:endParaRPr lang="en-US"/>
           </a:p>
@@ -1413,7 +1413,7 @@
           <a:p>
             <a:fld id="{78C97017-6FC3-485B-9764-EAC9E56C1D49}" type="datetimeFigureOut">
               <a:rPr lang="en-US" smtClean="0"/>
-              <a:t>1/7/2017</a:t>
+              <a:t>10/16/2018</a:t>
             </a:fld>
             <a:endParaRPr lang="en-US"/>
           </a:p>
@@ -1698,7 +1698,7 @@
           <a:p>
             <a:fld id="{78C97017-6FC3-485B-9764-EAC9E56C1D49}" type="datetimeFigureOut">
               <a:rPr lang="en-US" smtClean="0"/>
-              <a:t>1/7/2017</a:t>
+              <a:t>10/16/2018</a:t>
             </a:fld>
             <a:endParaRPr lang="en-US"/>
           </a:p>
@@ -2117,7 +2117,7 @@
           <a:p>
             <a:fld id="{78C97017-6FC3-485B-9764-EAC9E56C1D49}" type="datetimeFigureOut">
               <a:rPr lang="en-US" smtClean="0"/>
-              <a:t>1/7/2017</a:t>
+              <a:t>10/16/2018</a:t>
             </a:fld>
             <a:endParaRPr lang="en-US"/>
           </a:p>
@@ -2234,7 +2234,7 @@
           <a:p>
             <a:fld id="{78C97017-6FC3-485B-9764-EAC9E56C1D49}" type="datetimeFigureOut">
               <a:rPr lang="en-US" smtClean="0"/>
-              <a:t>1/7/2017</a:t>
+              <a:t>10/16/2018</a:t>
             </a:fld>
             <a:endParaRPr lang="en-US"/>
           </a:p>
@@ -2329,7 +2329,7 @@
           <a:p>
             <a:fld id="{78C97017-6FC3-485B-9764-EAC9E56C1D49}" type="datetimeFigureOut">
               <a:rPr lang="en-US" smtClean="0"/>
-              <a:t>1/7/2017</a:t>
+              <a:t>10/16/2018</a:t>
             </a:fld>
             <a:endParaRPr lang="en-US"/>
           </a:p>
@@ -2604,7 +2604,7 @@
           <a:p>
             <a:fld id="{78C97017-6FC3-485B-9764-EAC9E56C1D49}" type="datetimeFigureOut">
               <a:rPr lang="en-US" smtClean="0"/>
-              <a:t>1/7/2017</a:t>
+              <a:t>10/16/2018</a:t>
             </a:fld>
             <a:endParaRPr lang="en-US"/>
           </a:p>
@@ -2856,7 +2856,7 @@
           <a:p>
             <a:fld id="{78C97017-6FC3-485B-9764-EAC9E56C1D49}" type="datetimeFigureOut">
               <a:rPr lang="en-US" smtClean="0"/>
-              <a:t>1/7/2017</a:t>
+              <a:t>10/16/2018</a:t>
             </a:fld>
             <a:endParaRPr lang="en-US"/>
           </a:p>
@@ -3067,7 +3067,7 @@
           <a:p>
             <a:fld id="{78C97017-6FC3-485B-9764-EAC9E56C1D49}" type="datetimeFigureOut">
               <a:rPr lang="en-US" smtClean="0"/>
-              <a:t>1/7/2017</a:t>
+              <a:t>10/16/2018</a:t>
             </a:fld>
             <a:endParaRPr lang="en-US"/>
           </a:p>
@@ -3450,8 +3450,8 @@
         </p:nvSpPr>
         <p:spPr>
           <a:xfrm>
-            <a:off x="1217465" y="1447800"/>
-            <a:ext cx="4917083" cy="3962400"/>
+            <a:off x="1217465" y="762001"/>
+            <a:ext cx="4917083" cy="4648199"/>
           </a:xfrm>
           <a:prstGeom prst="roundRect">
             <a:avLst>
@@ -3512,7 +3512,7 @@
         </p:nvSpPr>
         <p:spPr>
           <a:xfrm>
-            <a:off x="2095948" y="2341220"/>
+            <a:off x="2048815" y="1908287"/>
             <a:ext cx="1093635" cy="346760"/>
           </a:xfrm>
           <a:prstGeom prst="rect">
@@ -3632,7 +3632,7 @@
         </p:nvSpPr>
         <p:spPr>
           <a:xfrm>
-            <a:off x="2092842" y="1770924"/>
+            <a:off x="2045709" y="1337991"/>
             <a:ext cx="1093635" cy="346760"/>
           </a:xfrm>
           <a:prstGeom prst="rect">
@@ -3694,7 +3694,7 @@
         </p:nvCxnSpPr>
         <p:spPr>
           <a:xfrm rot="16200000" flipH="1">
-            <a:off x="2529445" y="2227899"/>
+            <a:off x="2482312" y="1794966"/>
             <a:ext cx="223536" cy="3106"/>
           </a:xfrm>
           <a:prstGeom prst="bentConnector3">
@@ -3825,7 +3825,7 @@
         </p:nvSpPr>
         <p:spPr>
           <a:xfrm rot="16200000">
-            <a:off x="5703829" y="2464877"/>
+            <a:off x="5722900" y="1942952"/>
             <a:ext cx="2362201" cy="328045"/>
           </a:xfrm>
           <a:prstGeom prst="roundRect">
@@ -4185,7 +4185,7 @@
         </p:nvSpPr>
         <p:spPr>
           <a:xfrm>
-            <a:off x="2324548" y="2706452"/>
+            <a:off x="2296478" y="2281414"/>
             <a:ext cx="183156" cy="161573"/>
           </a:xfrm>
           <a:prstGeom prst="flowChartDecision">
@@ -4236,8 +4236,8 @@
         </p:nvCxnSpPr>
         <p:spPr>
           <a:xfrm rot="16200000" flipH="1">
-            <a:off x="2393229" y="2890922"/>
-            <a:ext cx="222196" cy="176402"/>
+            <a:off x="2166675" y="2664368"/>
+            <a:ext cx="647234" cy="204472"/>
           </a:xfrm>
           <a:prstGeom prst="bentConnector2">
             <a:avLst/>
@@ -4337,8 +4337,8 @@
         </p:nvCxnSpPr>
         <p:spPr>
           <a:xfrm rot="16200000" flipH="1">
-            <a:off x="2054450" y="3229701"/>
-            <a:ext cx="899755" cy="176402"/>
+            <a:off x="1827896" y="3003147"/>
+            <a:ext cx="1324793" cy="204472"/>
           </a:xfrm>
           <a:prstGeom prst="bentConnector2">
             <a:avLst/>
@@ -4378,8 +4378,8 @@
         </p:nvCxnSpPr>
         <p:spPr>
           <a:xfrm rot="16200000" flipH="1">
-            <a:off x="1883148" y="3401003"/>
-            <a:ext cx="1242356" cy="176400"/>
+            <a:off x="1656594" y="3174449"/>
+            <a:ext cx="1667394" cy="204470"/>
           </a:xfrm>
           <a:prstGeom prst="bentConnector2">
             <a:avLst/>
@@ -4419,8 +4419,8 @@
         </p:nvCxnSpPr>
         <p:spPr>
           <a:xfrm rot="16200000" flipH="1">
-            <a:off x="1597249" y="3686901"/>
-            <a:ext cx="1814155" cy="176401"/>
+            <a:off x="1370695" y="3460347"/>
+            <a:ext cx="2239193" cy="204471"/>
           </a:xfrm>
           <a:prstGeom prst="bentConnector2">
             <a:avLst/>
@@ -4453,14 +4453,15 @@
         <p:nvCxnSpPr>
           <p:cNvPr id="53" name="Elbow Connector 63"/>
           <p:cNvCxnSpPr>
+            <a:cxnSpLocks/>
             <a:endCxn id="38" idx="1"/>
           </p:cNvCxnSpPr>
           <p:nvPr/>
         </p:nvCxnSpPr>
         <p:spPr>
           <a:xfrm rot="16200000" flipH="1">
-            <a:off x="1184119" y="3676012"/>
-            <a:ext cx="2396440" cy="420377"/>
+            <a:off x="985752" y="3477644"/>
+            <a:ext cx="2803007" cy="410546"/>
           </a:xfrm>
           <a:prstGeom prst="bentConnector2">
             <a:avLst/>
@@ -4701,12 +4702,15 @@
           <p:nvPr/>
         </p:nvCxnSpPr>
         <p:spPr>
-          <a:xfrm flipV="1">
-            <a:off x="3189583" y="2286000"/>
-            <a:ext cx="2340386" cy="228600"/>
-          </a:xfrm>
-          <a:prstGeom prst="bentConnector2">
-            <a:avLst/>
+          <a:xfrm>
+            <a:off x="3142450" y="2081667"/>
+            <a:ext cx="2387519" cy="204333"/>
+          </a:xfrm>
+          <a:prstGeom prst="bentConnector4">
+            <a:avLst>
+              <a:gd name="adj1" fmla="val 47167"/>
+              <a:gd name="adj2" fmla="val 211876"/>
+            </a:avLst>
           </a:prstGeom>
           <a:ln w="6350">
             <a:solidFill>
@@ -4818,14 +4822,15 @@
         <p:nvCxnSpPr>
           <p:cNvPr id="107" name="Elbow Connector 106"/>
           <p:cNvCxnSpPr>
+            <a:cxnSpLocks/>
             <a:stCxn id="9" idx="0"/>
           </p:cNvCxnSpPr>
           <p:nvPr/>
         </p:nvCxnSpPr>
         <p:spPr>
           <a:xfrm rot="5400000" flipH="1" flipV="1">
-            <a:off x="4594921" y="-355061"/>
-            <a:ext cx="170724" cy="4081246"/>
+            <a:off x="4601532" y="-817470"/>
+            <a:ext cx="146457" cy="4164467"/>
           </a:xfrm>
           <a:prstGeom prst="bentConnector2">
             <a:avLst/>
@@ -5044,8 +5049,8 @@
         </p:nvCxnSpPr>
         <p:spPr>
           <a:xfrm rot="10800000" flipV="1">
-            <a:off x="1503020" y="1944303"/>
-            <a:ext cx="589823" cy="341697"/>
+            <a:off x="1503019" y="1511371"/>
+            <a:ext cx="542690" cy="774630"/>
           </a:xfrm>
           <a:prstGeom prst="bentConnector2">
             <a:avLst/>
@@ -5086,8 +5091,8 @@
         </p:nvCxnSpPr>
         <p:spPr>
           <a:xfrm rot="16200000" flipH="1">
-            <a:off x="2226110" y="3058040"/>
-            <a:ext cx="554704" cy="174673"/>
+            <a:off x="1999556" y="2831486"/>
+            <a:ext cx="979742" cy="202743"/>
           </a:xfrm>
           <a:prstGeom prst="bentConnector2">
             <a:avLst/>
@@ -5506,6 +5511,119 @@
           <a:p>
             <a:pPr algn="ctr"/>
             <a:endParaRPr lang="en-SG"/>
+          </a:p>
+        </p:txBody>
+      </p:sp>
+      <p:cxnSp>
+        <p:nvCxnSpPr>
+          <p:cNvPr id="54" name="Elbow Connector 63">
+            <a:extLst>
+              <a:ext uri="{FF2B5EF4-FFF2-40B4-BE49-F238E27FC236}">
+                <a16:creationId xmlns:a16="http://schemas.microsoft.com/office/drawing/2014/main" id="{98D9233D-C43D-4089-AA01-5AC7A652F1BD}"/>
+              </a:ext>
+            </a:extLst>
+          </p:cNvPr>
+          <p:cNvCxnSpPr>
+            <a:cxnSpLocks/>
+            <a:endCxn id="56" idx="1"/>
+          </p:cNvCxnSpPr>
+          <p:nvPr/>
+        </p:nvCxnSpPr>
+        <p:spPr>
+          <a:xfrm rot="16200000" flipH="1">
+            <a:off x="2360026" y="2514069"/>
+            <a:ext cx="255695" cy="203087"/>
+          </a:xfrm>
+          <a:prstGeom prst="bentConnector2">
+            <a:avLst/>
+          </a:prstGeom>
+          <a:ln w="19050">
+            <a:solidFill>
+              <a:schemeClr val="accent3"/>
+            </a:solidFill>
+            <a:headEnd type="none" w="med" len="med"/>
+            <a:tailEnd type="arrow" w="med" len="med"/>
+          </a:ln>
+          <a:effectLst/>
+        </p:spPr>
+        <p:style>
+          <a:lnRef idx="1">
+            <a:schemeClr val="accent2"/>
+          </a:lnRef>
+          <a:fillRef idx="2">
+            <a:schemeClr val="accent2"/>
+          </a:fillRef>
+          <a:effectRef idx="1">
+            <a:schemeClr val="accent2"/>
+          </a:effectRef>
+          <a:fontRef idx="minor">
+            <a:schemeClr val="dk1"/>
+          </a:fontRef>
+        </p:style>
+      </p:cxnSp>
+      <p:sp>
+        <p:nvSpPr>
+          <p:cNvPr id="56" name="Rectangle 11">
+            <a:extLst>
+              <a:ext uri="{FF2B5EF4-FFF2-40B4-BE49-F238E27FC236}">
+                <a16:creationId xmlns:a16="http://schemas.microsoft.com/office/drawing/2014/main" id="{18265E57-C647-4AE2-8B65-FAA14E80D18A}"/>
+              </a:ext>
+            </a:extLst>
+          </p:cNvPr>
+          <p:cNvSpPr/>
+          <p:nvPr/>
+        </p:nvSpPr>
+        <p:spPr>
+          <a:xfrm>
+            <a:off x="2589417" y="2625040"/>
+            <a:ext cx="1093635" cy="236841"/>
+          </a:xfrm>
+          <a:prstGeom prst="rect">
+            <a:avLst/>
+          </a:prstGeom>
+          <a:ln w="19050">
+            <a:solidFill>
+              <a:schemeClr val="accent3"/>
+            </a:solidFill>
+          </a:ln>
+          <a:effectLst/>
+        </p:spPr>
+        <p:style>
+          <a:lnRef idx="1">
+            <a:schemeClr val="accent3"/>
+          </a:lnRef>
+          <a:fillRef idx="2">
+            <a:schemeClr val="accent3"/>
+          </a:fillRef>
+          <a:effectRef idx="1">
+            <a:schemeClr val="accent3"/>
+          </a:effectRef>
+          <a:fontRef idx="minor">
+            <a:schemeClr val="dk1"/>
+          </a:fontRef>
+        </p:style>
+        <p:txBody>
+          <a:bodyPr rtlCol="0" anchor="ctr"/>
+          <a:lstStyle/>
+          <a:p>
+            <a:pPr algn="ctr"/>
+            <a:r>
+              <a:rPr lang="en-US" sz="1050" b="1" dirty="0" err="1">
+                <a:solidFill>
+                  <a:schemeClr val="accent3">
+                    <a:lumMod val="75000"/>
+                  </a:schemeClr>
+                </a:solidFill>
+              </a:rPr>
+              <a:t>LoginWindow</a:t>
+            </a:r>
+            <a:endParaRPr lang="en-SG" sz="1050" b="1" dirty="0">
+              <a:solidFill>
+                <a:schemeClr val="accent3">
+                  <a:lumMod val="75000"/>
+                </a:schemeClr>
+              </a:solidFill>
+            </a:endParaRPr>
           </a:p>
         </p:txBody>
       </p:sp>

--- a/docs/diagrams/UiComponentClassDiagram.pptx
+++ b/docs/diagrams/UiComponentClassDiagram.pptx
@@ -208,7 +208,7 @@
           <a:p>
             <a:fld id="{F5CC4B3F-88C1-4FFA-B1B6-F41C21DC6924}" type="datetimeFigureOut">
               <a:rPr lang="en-US" smtClean="0"/>
-              <a:t>1/7/2017</a:t>
+              <a:t>10/21/2018</a:t>
             </a:fld>
             <a:endParaRPr lang="en-US"/>
           </a:p>
@@ -654,7 +654,7 @@
           <a:p>
             <a:fld id="{78C97017-6FC3-485B-9764-EAC9E56C1D49}" type="datetimeFigureOut">
               <a:rPr lang="en-US" smtClean="0"/>
-              <a:t>1/7/2017</a:t>
+              <a:t>10/21/2018</a:t>
             </a:fld>
             <a:endParaRPr lang="en-US"/>
           </a:p>
@@ -822,7 +822,7 @@
           <a:p>
             <a:fld id="{78C97017-6FC3-485B-9764-EAC9E56C1D49}" type="datetimeFigureOut">
               <a:rPr lang="en-US" smtClean="0"/>
-              <a:t>1/7/2017</a:t>
+              <a:t>10/21/2018</a:t>
             </a:fld>
             <a:endParaRPr lang="en-US"/>
           </a:p>
@@ -1000,7 +1000,7 @@
           <a:p>
             <a:fld id="{78C97017-6FC3-485B-9764-EAC9E56C1D49}" type="datetimeFigureOut">
               <a:rPr lang="en-US" smtClean="0"/>
-              <a:t>1/7/2017</a:t>
+              <a:t>10/21/2018</a:t>
             </a:fld>
             <a:endParaRPr lang="en-US"/>
           </a:p>
@@ -1168,7 +1168,7 @@
           <a:p>
             <a:fld id="{78C97017-6FC3-485B-9764-EAC9E56C1D49}" type="datetimeFigureOut">
               <a:rPr lang="en-US" smtClean="0"/>
-              <a:t>1/7/2017</a:t>
+              <a:t>10/21/2018</a:t>
             </a:fld>
             <a:endParaRPr lang="en-US"/>
           </a:p>
@@ -1413,7 +1413,7 @@
           <a:p>
             <a:fld id="{78C97017-6FC3-485B-9764-EAC9E56C1D49}" type="datetimeFigureOut">
               <a:rPr lang="en-US" smtClean="0"/>
-              <a:t>1/7/2017</a:t>
+              <a:t>10/21/2018</a:t>
             </a:fld>
             <a:endParaRPr lang="en-US"/>
           </a:p>
@@ -1698,7 +1698,7 @@
           <a:p>
             <a:fld id="{78C97017-6FC3-485B-9764-EAC9E56C1D49}" type="datetimeFigureOut">
               <a:rPr lang="en-US" smtClean="0"/>
-              <a:t>1/7/2017</a:t>
+              <a:t>10/21/2018</a:t>
             </a:fld>
             <a:endParaRPr lang="en-US"/>
           </a:p>
@@ -2117,7 +2117,7 @@
           <a:p>
             <a:fld id="{78C97017-6FC3-485B-9764-EAC9E56C1D49}" type="datetimeFigureOut">
               <a:rPr lang="en-US" smtClean="0"/>
-              <a:t>1/7/2017</a:t>
+              <a:t>10/21/2018</a:t>
             </a:fld>
             <a:endParaRPr lang="en-US"/>
           </a:p>
@@ -2234,7 +2234,7 @@
           <a:p>
             <a:fld id="{78C97017-6FC3-485B-9764-EAC9E56C1D49}" type="datetimeFigureOut">
               <a:rPr lang="en-US" smtClean="0"/>
-              <a:t>1/7/2017</a:t>
+              <a:t>10/21/2018</a:t>
             </a:fld>
             <a:endParaRPr lang="en-US"/>
           </a:p>
@@ -2329,7 +2329,7 @@
           <a:p>
             <a:fld id="{78C97017-6FC3-485B-9764-EAC9E56C1D49}" type="datetimeFigureOut">
               <a:rPr lang="en-US" smtClean="0"/>
-              <a:t>1/7/2017</a:t>
+              <a:t>10/21/2018</a:t>
             </a:fld>
             <a:endParaRPr lang="en-US"/>
           </a:p>
@@ -2604,7 +2604,7 @@
           <a:p>
             <a:fld id="{78C97017-6FC3-485B-9764-EAC9E56C1D49}" type="datetimeFigureOut">
               <a:rPr lang="en-US" smtClean="0"/>
-              <a:t>1/7/2017</a:t>
+              <a:t>10/21/2018</a:t>
             </a:fld>
             <a:endParaRPr lang="en-US"/>
           </a:p>
@@ -2856,7 +2856,7 @@
           <a:p>
             <a:fld id="{78C97017-6FC3-485B-9764-EAC9E56C1D49}" type="datetimeFigureOut">
               <a:rPr lang="en-US" smtClean="0"/>
-              <a:t>1/7/2017</a:t>
+              <a:t>10/21/2018</a:t>
             </a:fld>
             <a:endParaRPr lang="en-US"/>
           </a:p>
@@ -3067,7 +3067,7 @@
           <a:p>
             <a:fld id="{78C97017-6FC3-485B-9764-EAC9E56C1D49}" type="datetimeFigureOut">
               <a:rPr lang="en-US" smtClean="0"/>
-              <a:t>1/7/2017</a:t>
+              <a:t>10/21/2018</a:t>
             </a:fld>
             <a:endParaRPr lang="en-US"/>
           </a:p>
@@ -4045,7 +4045,7 @@
                   </a:schemeClr>
                 </a:solidFill>
               </a:rPr>
-              <a:t>PersonListPanel</a:t>
+              <a:t>TaskListPanel</a:t>
             </a:r>
             <a:endParaRPr lang="en-SG" sz="1050" b="1" dirty="0">
               <a:solidFill>
@@ -4098,14 +4098,14 @@
           <a:p>
             <a:pPr algn="ctr"/>
             <a:r>
-              <a:rPr lang="en-US" sz="1050" b="1" dirty="0" err="1">
+              <a:rPr lang="en-US" sz="1050" b="1">
                 <a:solidFill>
                   <a:schemeClr val="accent3">
                     <a:lumMod val="75000"/>
                   </a:schemeClr>
                 </a:solidFill>
               </a:rPr>
-              <a:t>PersonCard</a:t>
+              <a:t>TaskCard</a:t>
             </a:r>
             <a:endParaRPr lang="en-SG" sz="1050" b="1" dirty="0">
               <a:solidFill>

--- a/docs/diagrams/UiComponentClassDiagram.pptx
+++ b/docs/diagrams/UiComponentClassDiagram.pptx
@@ -208,7 +208,7 @@
           <a:p>
             <a:fld id="{F5CC4B3F-88C1-4FFA-B1B6-F41C21DC6924}" type="datetimeFigureOut">
               <a:rPr lang="en-US" smtClean="0"/>
-              <a:t>1/7/2017</a:t>
+              <a:t>10/26/2018</a:t>
             </a:fld>
             <a:endParaRPr lang="en-US"/>
           </a:p>
@@ -475,6 +475,90 @@
 </p:notesMaster>
 </file>
 
+<file path=ppt/notesSlides/notesSlide1.xml><?xml version="1.0" encoding="utf-8"?>
+<p:notes xmlns:a="http://schemas.openxmlformats.org/drawingml/2006/main" xmlns:r="http://schemas.openxmlformats.org/officeDocument/2006/relationships" xmlns:p="http://schemas.openxmlformats.org/presentationml/2006/main">
+  <p:cSld>
+    <p:spTree>
+      <p:nvGrpSpPr>
+        <p:cNvPr id="1" name=""/>
+        <p:cNvGrpSpPr/>
+        <p:nvPr/>
+      </p:nvGrpSpPr>
+      <p:grpSpPr>
+        <a:xfrm>
+          <a:off x="0" y="0"/>
+          <a:ext cx="0" cy="0"/>
+          <a:chOff x="0" y="0"/>
+          <a:chExt cx="0" cy="0"/>
+        </a:xfrm>
+      </p:grpSpPr>
+      <p:sp>
+        <p:nvSpPr>
+          <p:cNvPr id="2" name="Slide Image Placeholder 1"/>
+          <p:cNvSpPr>
+            <a:spLocks noGrp="1" noRot="1" noChangeAspect="1"/>
+          </p:cNvSpPr>
+          <p:nvPr>
+            <p:ph type="sldImg"/>
+          </p:nvPr>
+        </p:nvSpPr>
+        <p:spPr/>
+      </p:sp>
+      <p:sp>
+        <p:nvSpPr>
+          <p:cNvPr id="3" name="Notes Placeholder 2"/>
+          <p:cNvSpPr>
+            <a:spLocks noGrp="1"/>
+          </p:cNvSpPr>
+          <p:nvPr>
+            <p:ph type="body" idx="1"/>
+          </p:nvPr>
+        </p:nvSpPr>
+        <p:spPr/>
+        <p:txBody>
+          <a:bodyPr/>
+          <a:lstStyle/>
+          <a:p>
+            <a:endParaRPr lang="en-SG" dirty="0"/>
+          </a:p>
+        </p:txBody>
+      </p:sp>
+      <p:sp>
+        <p:nvSpPr>
+          <p:cNvPr id="4" name="Slide Number Placeholder 3"/>
+          <p:cNvSpPr>
+            <a:spLocks noGrp="1"/>
+          </p:cNvSpPr>
+          <p:nvPr>
+            <p:ph type="sldNum" sz="quarter" idx="5"/>
+          </p:nvPr>
+        </p:nvSpPr>
+        <p:spPr/>
+        <p:txBody>
+          <a:bodyPr/>
+          <a:lstStyle/>
+          <a:p>
+            <a:fld id="{5A7AB025-77E3-4BD1-A2FD-B3183DBA47A3}" type="slidenum">
+              <a:rPr lang="en-US" smtClean="0"/>
+              <a:t>1</a:t>
+            </a:fld>
+            <a:endParaRPr lang="en-US"/>
+          </a:p>
+        </p:txBody>
+      </p:sp>
+    </p:spTree>
+    <p:extLst>
+      <p:ext uri="{BB962C8B-B14F-4D97-AF65-F5344CB8AC3E}">
+        <p14:creationId xmlns:p14="http://schemas.microsoft.com/office/powerpoint/2010/main" val="4148959668"/>
+      </p:ext>
+    </p:extLst>
+  </p:cSld>
+  <p:clrMapOvr>
+    <a:masterClrMapping/>
+  </p:clrMapOvr>
+</p:notes>
+</file>
+
 <file path=ppt/slideLayouts/slideLayout1.xml><?xml version="1.0" encoding="utf-8"?>
 <p:sldLayout xmlns:a="http://schemas.openxmlformats.org/drawingml/2006/main" xmlns:r="http://schemas.openxmlformats.org/officeDocument/2006/relationships" xmlns:p="http://schemas.openxmlformats.org/presentationml/2006/main" type="title" preserve="1">
   <p:cSld name="Title Slide">
@@ -654,7 +738,7 @@
           <a:p>
             <a:fld id="{78C97017-6FC3-485B-9764-EAC9E56C1D49}" type="datetimeFigureOut">
               <a:rPr lang="en-US" smtClean="0"/>
-              <a:t>1/7/2017</a:t>
+              <a:t>10/26/2018</a:t>
             </a:fld>
             <a:endParaRPr lang="en-US"/>
           </a:p>
@@ -822,7 +906,7 @@
           <a:p>
             <a:fld id="{78C97017-6FC3-485B-9764-EAC9E56C1D49}" type="datetimeFigureOut">
               <a:rPr lang="en-US" smtClean="0"/>
-              <a:t>1/7/2017</a:t>
+              <a:t>10/26/2018</a:t>
             </a:fld>
             <a:endParaRPr lang="en-US"/>
           </a:p>
@@ -1000,7 +1084,7 @@
           <a:p>
             <a:fld id="{78C97017-6FC3-485B-9764-EAC9E56C1D49}" type="datetimeFigureOut">
               <a:rPr lang="en-US" smtClean="0"/>
-              <a:t>1/7/2017</a:t>
+              <a:t>10/26/2018</a:t>
             </a:fld>
             <a:endParaRPr lang="en-US"/>
           </a:p>
@@ -1168,7 +1252,7 @@
           <a:p>
             <a:fld id="{78C97017-6FC3-485B-9764-EAC9E56C1D49}" type="datetimeFigureOut">
               <a:rPr lang="en-US" smtClean="0"/>
-              <a:t>1/7/2017</a:t>
+              <a:t>10/26/2018</a:t>
             </a:fld>
             <a:endParaRPr lang="en-US"/>
           </a:p>
@@ -1413,7 +1497,7 @@
           <a:p>
             <a:fld id="{78C97017-6FC3-485B-9764-EAC9E56C1D49}" type="datetimeFigureOut">
               <a:rPr lang="en-US" smtClean="0"/>
-              <a:t>1/7/2017</a:t>
+              <a:t>10/26/2018</a:t>
             </a:fld>
             <a:endParaRPr lang="en-US"/>
           </a:p>
@@ -1698,7 +1782,7 @@
           <a:p>
             <a:fld id="{78C97017-6FC3-485B-9764-EAC9E56C1D49}" type="datetimeFigureOut">
               <a:rPr lang="en-US" smtClean="0"/>
-              <a:t>1/7/2017</a:t>
+              <a:t>10/26/2018</a:t>
             </a:fld>
             <a:endParaRPr lang="en-US"/>
           </a:p>
@@ -2117,7 +2201,7 @@
           <a:p>
             <a:fld id="{78C97017-6FC3-485B-9764-EAC9E56C1D49}" type="datetimeFigureOut">
               <a:rPr lang="en-US" smtClean="0"/>
-              <a:t>1/7/2017</a:t>
+              <a:t>10/26/2018</a:t>
             </a:fld>
             <a:endParaRPr lang="en-US"/>
           </a:p>
@@ -2234,7 +2318,7 @@
           <a:p>
             <a:fld id="{78C97017-6FC3-485B-9764-EAC9E56C1D49}" type="datetimeFigureOut">
               <a:rPr lang="en-US" smtClean="0"/>
-              <a:t>1/7/2017</a:t>
+              <a:t>10/26/2018</a:t>
             </a:fld>
             <a:endParaRPr lang="en-US"/>
           </a:p>
@@ -2329,7 +2413,7 @@
           <a:p>
             <a:fld id="{78C97017-6FC3-485B-9764-EAC9E56C1D49}" type="datetimeFigureOut">
               <a:rPr lang="en-US" smtClean="0"/>
-              <a:t>1/7/2017</a:t>
+              <a:t>10/26/2018</a:t>
             </a:fld>
             <a:endParaRPr lang="en-US"/>
           </a:p>
@@ -2604,7 +2688,7 @@
           <a:p>
             <a:fld id="{78C97017-6FC3-485B-9764-EAC9E56C1D49}" type="datetimeFigureOut">
               <a:rPr lang="en-US" smtClean="0"/>
-              <a:t>1/7/2017</a:t>
+              <a:t>10/26/2018</a:t>
             </a:fld>
             <a:endParaRPr lang="en-US"/>
           </a:p>
@@ -2856,7 +2940,7 @@
           <a:p>
             <a:fld id="{78C97017-6FC3-485B-9764-EAC9E56C1D49}" type="datetimeFigureOut">
               <a:rPr lang="en-US" smtClean="0"/>
-              <a:t>1/7/2017</a:t>
+              <a:t>10/26/2018</a:t>
             </a:fld>
             <a:endParaRPr lang="en-US"/>
           </a:p>
@@ -3067,7 +3151,7 @@
           <a:p>
             <a:fld id="{78C97017-6FC3-485B-9764-EAC9E56C1D49}" type="datetimeFigureOut">
               <a:rPr lang="en-US" smtClean="0"/>
-              <a:t>1/7/2017</a:t>
+              <a:t>10/26/2018</a:t>
             </a:fld>
             <a:endParaRPr lang="en-US"/>
           </a:p>
@@ -3450,8 +3534,8 @@
         </p:nvSpPr>
         <p:spPr>
           <a:xfrm>
-            <a:off x="1217465" y="1447800"/>
-            <a:ext cx="4917083" cy="3962400"/>
+            <a:off x="1217465" y="1447799"/>
+            <a:ext cx="4917083" cy="4724400"/>
           </a:xfrm>
           <a:prstGeom prst="roundRect">
             <a:avLst>
@@ -3879,13 +3963,13 @@
       </p:sp>
       <p:sp>
         <p:nvSpPr>
-          <p:cNvPr id="34" name="Rectangle 11"/>
+          <p:cNvPr id="35" name="Rectangle 11"/>
           <p:cNvSpPr/>
           <p:nvPr/>
         </p:nvSpPr>
         <p:spPr>
           <a:xfrm>
-            <a:off x="2592528" y="3649359"/>
+            <a:off x="2592527" y="5554359"/>
             <a:ext cx="1093635" cy="236841"/>
           </a:xfrm>
           <a:prstGeom prst="rect">
@@ -3925,7 +4009,7 @@
                   </a:schemeClr>
                 </a:solidFill>
               </a:rPr>
-              <a:t>BrowserPanel</a:t>
+              <a:t>StatusBarFooter</a:t>
             </a:r>
             <a:endParaRPr lang="en-SG" sz="1050" b="1" dirty="0">
               <a:solidFill>
@@ -3939,193 +4023,13 @@
       </p:sp>
       <p:sp>
         <p:nvSpPr>
-          <p:cNvPr id="35" name="Rectangle 11"/>
-          <p:cNvSpPr/>
-          <p:nvPr/>
-        </p:nvSpPr>
-        <p:spPr>
-          <a:xfrm>
-            <a:off x="2592527" y="4563759"/>
-            <a:ext cx="1093635" cy="236841"/>
-          </a:xfrm>
-          <a:prstGeom prst="rect">
-            <a:avLst/>
-          </a:prstGeom>
-          <a:ln w="19050">
-            <a:solidFill>
-              <a:schemeClr val="accent3"/>
-            </a:solidFill>
-          </a:ln>
-          <a:effectLst/>
-        </p:spPr>
-        <p:style>
-          <a:lnRef idx="1">
-            <a:schemeClr val="accent3"/>
-          </a:lnRef>
-          <a:fillRef idx="2">
-            <a:schemeClr val="accent3"/>
-          </a:fillRef>
-          <a:effectRef idx="1">
-            <a:schemeClr val="accent3"/>
-          </a:effectRef>
-          <a:fontRef idx="minor">
-            <a:schemeClr val="dk1"/>
-          </a:fontRef>
-        </p:style>
-        <p:txBody>
-          <a:bodyPr rtlCol="0" anchor="ctr"/>
-          <a:lstStyle/>
-          <a:p>
-            <a:pPr algn="ctr"/>
-            <a:r>
-              <a:rPr lang="en-US" sz="1050" b="1" dirty="0" err="1">
-                <a:solidFill>
-                  <a:schemeClr val="accent3">
-                    <a:lumMod val="75000"/>
-                  </a:schemeClr>
-                </a:solidFill>
-              </a:rPr>
-              <a:t>StatusBarFooter</a:t>
-            </a:r>
-            <a:endParaRPr lang="en-SG" sz="1050" b="1" dirty="0">
-              <a:solidFill>
-                <a:schemeClr val="accent3">
-                  <a:lumMod val="75000"/>
-                </a:schemeClr>
-              </a:solidFill>
-            </a:endParaRPr>
-          </a:p>
-        </p:txBody>
-      </p:sp>
-      <p:sp>
-        <p:nvSpPr>
-          <p:cNvPr id="36" name="Rectangle 11"/>
-          <p:cNvSpPr/>
-          <p:nvPr/>
-        </p:nvSpPr>
-        <p:spPr>
-          <a:xfrm>
-            <a:off x="2592526" y="3991960"/>
-            <a:ext cx="1093635" cy="236841"/>
-          </a:xfrm>
-          <a:prstGeom prst="rect">
-            <a:avLst/>
-          </a:prstGeom>
-          <a:ln w="19050">
-            <a:solidFill>
-              <a:schemeClr val="accent3"/>
-            </a:solidFill>
-          </a:ln>
-          <a:effectLst/>
-        </p:spPr>
-        <p:style>
-          <a:lnRef idx="1">
-            <a:schemeClr val="accent3"/>
-          </a:lnRef>
-          <a:fillRef idx="2">
-            <a:schemeClr val="accent3"/>
-          </a:fillRef>
-          <a:effectRef idx="1">
-            <a:schemeClr val="accent3"/>
-          </a:effectRef>
-          <a:fontRef idx="minor">
-            <a:schemeClr val="dk1"/>
-          </a:fontRef>
-        </p:style>
-        <p:txBody>
-          <a:bodyPr rtlCol="0" anchor="ctr"/>
-          <a:lstStyle/>
-          <a:p>
-            <a:pPr algn="ctr"/>
-            <a:r>
-              <a:rPr lang="en-US" sz="1050" b="1" dirty="0" err="1">
-                <a:solidFill>
-                  <a:schemeClr val="accent3">
-                    <a:lumMod val="75000"/>
-                  </a:schemeClr>
-                </a:solidFill>
-              </a:rPr>
-              <a:t>PersonListPanel</a:t>
-            </a:r>
-            <a:endParaRPr lang="en-SG" sz="1050" b="1" dirty="0">
-              <a:solidFill>
-                <a:schemeClr val="accent3">
-                  <a:lumMod val="75000"/>
-                </a:schemeClr>
-              </a:solidFill>
-            </a:endParaRPr>
-          </a:p>
-        </p:txBody>
-      </p:sp>
-      <p:sp>
-        <p:nvSpPr>
-          <p:cNvPr id="37" name="Rectangle 11"/>
-          <p:cNvSpPr/>
-          <p:nvPr/>
-        </p:nvSpPr>
-        <p:spPr>
-          <a:xfrm>
-            <a:off x="3839323" y="4228801"/>
-            <a:ext cx="1040906" cy="236841"/>
-          </a:xfrm>
-          <a:prstGeom prst="rect">
-            <a:avLst/>
-          </a:prstGeom>
-          <a:ln w="19050">
-            <a:solidFill>
-              <a:schemeClr val="accent3"/>
-            </a:solidFill>
-          </a:ln>
-          <a:effectLst/>
-        </p:spPr>
-        <p:style>
-          <a:lnRef idx="1">
-            <a:schemeClr val="accent3"/>
-          </a:lnRef>
-          <a:fillRef idx="2">
-            <a:schemeClr val="accent3"/>
-          </a:fillRef>
-          <a:effectRef idx="1">
-            <a:schemeClr val="accent3"/>
-          </a:effectRef>
-          <a:fontRef idx="minor">
-            <a:schemeClr val="dk1"/>
-          </a:fontRef>
-        </p:style>
-        <p:txBody>
-          <a:bodyPr rtlCol="0" anchor="ctr"/>
-          <a:lstStyle/>
-          <a:p>
-            <a:pPr algn="ctr"/>
-            <a:r>
-              <a:rPr lang="en-US" sz="1050" b="1" dirty="0" err="1">
-                <a:solidFill>
-                  <a:schemeClr val="accent3">
-                    <a:lumMod val="75000"/>
-                  </a:schemeClr>
-                </a:solidFill>
-              </a:rPr>
-              <a:t>PersonCard</a:t>
-            </a:r>
-            <a:endParaRPr lang="en-SG" sz="1050" b="1" dirty="0">
-              <a:solidFill>
-                <a:schemeClr val="accent3">
-                  <a:lumMod val="75000"/>
-                </a:schemeClr>
-              </a:solidFill>
-            </a:endParaRPr>
-          </a:p>
-        </p:txBody>
-      </p:sp>
-      <p:sp>
-        <p:nvSpPr>
           <p:cNvPr id="38" name="Rectangle 11"/>
           <p:cNvSpPr/>
           <p:nvPr/>
         </p:nvSpPr>
         <p:spPr>
           <a:xfrm>
-            <a:off x="2592528" y="4966000"/>
+            <a:off x="2592528" y="5859159"/>
             <a:ext cx="1093635" cy="236841"/>
           </a:xfrm>
           <a:prstGeom prst="rect">
@@ -4328,17 +4232,17 @@
       </p:sp>
       <p:cxnSp>
         <p:nvCxnSpPr>
-          <p:cNvPr id="44" name="Elbow Connector 63"/>
+          <p:cNvPr id="50" name="Elbow Connector 63"/>
           <p:cNvCxnSpPr>
             <a:stCxn id="39" idx="2"/>
-            <a:endCxn id="34" idx="1"/>
+            <a:endCxn id="35" idx="1"/>
           </p:cNvCxnSpPr>
           <p:nvPr/>
         </p:nvCxnSpPr>
         <p:spPr>
           <a:xfrm rot="16200000" flipH="1">
-            <a:off x="2054450" y="3229701"/>
-            <a:ext cx="899755" cy="176402"/>
+            <a:off x="1101949" y="4182201"/>
+            <a:ext cx="2804755" cy="176401"/>
           </a:xfrm>
           <a:prstGeom prst="bentConnector2">
             <a:avLst/>
@@ -4369,98 +4273,17 @@
       </p:cxnSp>
       <p:cxnSp>
         <p:nvCxnSpPr>
-          <p:cNvPr id="47" name="Elbow Connector 63"/>
-          <p:cNvCxnSpPr>
-            <a:stCxn id="39" idx="2"/>
-            <a:endCxn id="36" idx="1"/>
-          </p:cNvCxnSpPr>
-          <p:nvPr/>
-        </p:nvCxnSpPr>
-        <p:spPr>
-          <a:xfrm rot="16200000" flipH="1">
-            <a:off x="1883148" y="3401003"/>
-            <a:ext cx="1242356" cy="176400"/>
-          </a:xfrm>
-          <a:prstGeom prst="bentConnector2">
-            <a:avLst/>
-          </a:prstGeom>
-          <a:ln w="19050">
-            <a:solidFill>
-              <a:schemeClr val="accent3"/>
-            </a:solidFill>
-            <a:headEnd type="none" w="med" len="med"/>
-            <a:tailEnd type="arrow" w="med" len="med"/>
-          </a:ln>
-          <a:effectLst/>
-        </p:spPr>
-        <p:style>
-          <a:lnRef idx="1">
-            <a:schemeClr val="accent2"/>
-          </a:lnRef>
-          <a:fillRef idx="2">
-            <a:schemeClr val="accent2"/>
-          </a:fillRef>
-          <a:effectRef idx="1">
-            <a:schemeClr val="accent2"/>
-          </a:effectRef>
-          <a:fontRef idx="minor">
-            <a:schemeClr val="dk1"/>
-          </a:fontRef>
-        </p:style>
-      </p:cxnSp>
-      <p:cxnSp>
-        <p:nvCxnSpPr>
-          <p:cNvPr id="50" name="Elbow Connector 63"/>
-          <p:cNvCxnSpPr>
-            <a:stCxn id="39" idx="2"/>
-            <a:endCxn id="35" idx="1"/>
-          </p:cNvCxnSpPr>
-          <p:nvPr/>
-        </p:nvCxnSpPr>
-        <p:spPr>
-          <a:xfrm rot="16200000" flipH="1">
-            <a:off x="1597249" y="3686901"/>
-            <a:ext cx="1814155" cy="176401"/>
-          </a:xfrm>
-          <a:prstGeom prst="bentConnector2">
-            <a:avLst/>
-          </a:prstGeom>
-          <a:ln w="19050">
-            <a:solidFill>
-              <a:schemeClr val="accent3"/>
-            </a:solidFill>
-            <a:headEnd type="none" w="med" len="med"/>
-            <a:tailEnd type="arrow" w="med" len="med"/>
-          </a:ln>
-          <a:effectLst/>
-        </p:spPr>
-        <p:style>
-          <a:lnRef idx="1">
-            <a:schemeClr val="accent2"/>
-          </a:lnRef>
-          <a:fillRef idx="2">
-            <a:schemeClr val="accent2"/>
-          </a:fillRef>
-          <a:effectRef idx="1">
-            <a:schemeClr val="accent2"/>
-          </a:effectRef>
-          <a:fontRef idx="minor">
-            <a:schemeClr val="dk1"/>
-          </a:fontRef>
-        </p:style>
-      </p:cxnSp>
-      <p:cxnSp>
-        <p:nvCxnSpPr>
           <p:cNvPr id="53" name="Elbow Connector 63"/>
           <p:cNvCxnSpPr>
+            <a:cxnSpLocks/>
             <a:endCxn id="38" idx="1"/>
           </p:cNvCxnSpPr>
           <p:nvPr/>
         </p:nvCxnSpPr>
         <p:spPr>
           <a:xfrm rot="16200000" flipH="1">
-            <a:off x="1184119" y="3676012"/>
-            <a:ext cx="2396440" cy="420377"/>
+            <a:off x="753196" y="4138248"/>
+            <a:ext cx="3295936" cy="382728"/>
           </a:xfrm>
           <a:prstGeom prst="bentConnector2">
             <a:avLst/>
@@ -4572,6 +4395,7 @@
         <p:nvCxnSpPr>
           <p:cNvPr id="74" name="Elbow Connector 63"/>
           <p:cNvCxnSpPr>
+            <a:cxnSpLocks/>
             <a:stCxn id="43" idx="3"/>
             <a:endCxn id="16" idx="3"/>
           </p:cNvCxnSpPr>
@@ -4613,6 +4437,7 @@
         <p:nvCxnSpPr>
           <p:cNvPr id="77" name="Elbow Connector 63"/>
           <p:cNvCxnSpPr>
+            <a:cxnSpLocks/>
             <a:stCxn id="16" idx="3"/>
             <a:endCxn id="37" idx="3"/>
           </p:cNvCxnSpPr>
@@ -4620,8 +4445,8 @@
         </p:nvCxnSpPr>
         <p:spPr>
           <a:xfrm rot="5400000">
-            <a:off x="4174488" y="2991741"/>
-            <a:ext cx="2061222" cy="649740"/>
+            <a:off x="4350292" y="3350103"/>
+            <a:ext cx="2243780" cy="115575"/>
           </a:xfrm>
           <a:prstGeom prst="bentConnector2">
             <a:avLst/>
@@ -4661,8 +4486,8 @@
         </p:nvCxnSpPr>
         <p:spPr>
           <a:xfrm rot="5400000">
-            <a:off x="3867176" y="2104987"/>
-            <a:ext cx="1481780" cy="1843806"/>
+            <a:off x="4133013" y="2370824"/>
+            <a:ext cx="1481780" cy="1312132"/>
           </a:xfrm>
           <a:prstGeom prst="bentConnector2">
             <a:avLst/>
@@ -4736,6 +4561,7 @@
         <p:nvCxnSpPr>
           <p:cNvPr id="91" name="Elbow Connector 63"/>
           <p:cNvCxnSpPr>
+            <a:cxnSpLocks/>
             <a:stCxn id="16" idx="3"/>
             <a:endCxn id="35" idx="3"/>
           </p:cNvCxnSpPr>
@@ -4743,8 +4569,8 @@
         </p:nvCxnSpPr>
         <p:spPr>
           <a:xfrm rot="5400000">
-            <a:off x="3409976" y="2562187"/>
-            <a:ext cx="2396180" cy="1843807"/>
+            <a:off x="2914676" y="3057487"/>
+            <a:ext cx="3386780" cy="1843807"/>
           </a:xfrm>
           <a:prstGeom prst="bentConnector2">
             <a:avLst/>
@@ -4784,8 +4610,8 @@
         </p:nvCxnSpPr>
         <p:spPr>
           <a:xfrm rot="5400000">
-            <a:off x="3208856" y="2763307"/>
-            <a:ext cx="2798421" cy="1843806"/>
+            <a:off x="2762276" y="3209887"/>
+            <a:ext cx="3691580" cy="1843806"/>
           </a:xfrm>
           <a:prstGeom prst="bentConnector2">
             <a:avLst/>
@@ -5159,49 +4985,9 @@
       </p:cxnSp>
       <p:cxnSp>
         <p:nvCxnSpPr>
-          <p:cNvPr id="137" name="Elbow Connector 136"/>
-          <p:cNvCxnSpPr>
-            <a:stCxn id="36" idx="2"/>
-            <a:endCxn id="37" idx="1"/>
-          </p:cNvCxnSpPr>
-          <p:nvPr/>
-        </p:nvCxnSpPr>
-        <p:spPr>
-          <a:xfrm rot="16200000" flipH="1">
-            <a:off x="3430123" y="3938021"/>
-            <a:ext cx="118421" cy="699979"/>
-          </a:xfrm>
-          <a:prstGeom prst="bentConnector2">
-            <a:avLst/>
-          </a:prstGeom>
-          <a:ln w="19050">
-            <a:solidFill>
-              <a:schemeClr val="accent3"/>
-            </a:solidFill>
-            <a:headEnd type="none" w="med" len="med"/>
-            <a:tailEnd type="arrow" w="med" len="med"/>
-          </a:ln>
-          <a:effectLst/>
-        </p:spPr>
-        <p:style>
-          <a:lnRef idx="1">
-            <a:schemeClr val="accent2"/>
-          </a:lnRef>
-          <a:fillRef idx="2">
-            <a:schemeClr val="accent2"/>
-          </a:fillRef>
-          <a:effectRef idx="1">
-            <a:schemeClr val="accent2"/>
-          </a:effectRef>
-          <a:fontRef idx="minor">
-            <a:schemeClr val="dk1"/>
-          </a:fontRef>
-        </p:style>
-      </p:cxnSp>
-      <p:cxnSp>
-        <p:nvCxnSpPr>
           <p:cNvPr id="140" name="Elbow Connector 63"/>
           <p:cNvCxnSpPr>
+            <a:cxnSpLocks/>
             <a:stCxn id="16" idx="3"/>
             <a:endCxn id="36" idx="3"/>
           </p:cNvCxnSpPr>
@@ -5209,8 +4995,8 @@
         </p:nvCxnSpPr>
         <p:spPr>
           <a:xfrm rot="5400000">
-            <a:off x="3695875" y="2276286"/>
-            <a:ext cx="1824381" cy="1843808"/>
+            <a:off x="3862192" y="2641643"/>
+            <a:ext cx="2023421" cy="1312134"/>
           </a:xfrm>
           <a:prstGeom prst="bentConnector2">
             <a:avLst/>
@@ -5427,6 +5213,324 @@
           </a:p>
         </p:txBody>
       </p:sp>
+      <p:cxnSp>
+        <p:nvCxnSpPr>
+          <p:cNvPr id="48" name="Elbow Connector 63">
+            <a:extLst>
+              <a:ext uri="{FF2B5EF4-FFF2-40B4-BE49-F238E27FC236}">
+                <a16:creationId xmlns:a16="http://schemas.microsoft.com/office/drawing/2014/main" id="{189867C4-0770-46E8-89BD-8331C9ACE0D3}"/>
+              </a:ext>
+            </a:extLst>
+          </p:cNvPr>
+          <p:cNvCxnSpPr>
+            <a:cxnSpLocks/>
+            <a:stCxn id="16" idx="3"/>
+            <a:endCxn id="42" idx="3"/>
+          </p:cNvCxnSpPr>
+          <p:nvPr/>
+        </p:nvCxnSpPr>
+        <p:spPr>
+          <a:xfrm rot="5400000">
+            <a:off x="4639450" y="3048039"/>
+            <a:ext cx="1652559" cy="128481"/>
+          </a:xfrm>
+          <a:prstGeom prst="bentConnector2">
+            <a:avLst/>
+          </a:prstGeom>
+          <a:ln w="6350">
+            <a:solidFill>
+              <a:schemeClr val="accent3"/>
+            </a:solidFill>
+            <a:headEnd type="none" w="med" len="med"/>
+            <a:tailEnd type="none" w="med" len="med"/>
+          </a:ln>
+          <a:effectLst/>
+        </p:spPr>
+        <p:style>
+          <a:lnRef idx="1">
+            <a:schemeClr val="accent2"/>
+          </a:lnRef>
+          <a:fillRef idx="2">
+            <a:schemeClr val="accent2"/>
+          </a:fillRef>
+          <a:effectRef idx="1">
+            <a:schemeClr val="accent2"/>
+          </a:effectRef>
+          <a:fontRef idx="minor">
+            <a:schemeClr val="dk1"/>
+          </a:fontRef>
+        </p:style>
+      </p:cxnSp>
+      <p:cxnSp>
+        <p:nvCxnSpPr>
+          <p:cNvPr id="52" name="Elbow Connector 63">
+            <a:extLst>
+              <a:ext uri="{FF2B5EF4-FFF2-40B4-BE49-F238E27FC236}">
+                <a16:creationId xmlns:a16="http://schemas.microsoft.com/office/drawing/2014/main" id="{BFE08AB9-F697-4062-9E9A-10D0AA82AC4D}"/>
+              </a:ext>
+            </a:extLst>
+          </p:cNvPr>
+          <p:cNvCxnSpPr>
+            <a:cxnSpLocks/>
+            <a:stCxn id="16" idx="3"/>
+            <a:endCxn id="51" idx="3"/>
+          </p:cNvCxnSpPr>
+          <p:nvPr/>
+        </p:nvCxnSpPr>
+        <p:spPr>
+          <a:xfrm rot="5400000">
+            <a:off x="4202243" y="3506854"/>
+            <a:ext cx="2548580" cy="106872"/>
+          </a:xfrm>
+          <a:prstGeom prst="bentConnector2">
+            <a:avLst/>
+          </a:prstGeom>
+          <a:ln w="6350">
+            <a:solidFill>
+              <a:schemeClr val="accent3"/>
+            </a:solidFill>
+            <a:headEnd type="none" w="med" len="med"/>
+            <a:tailEnd type="none" w="med" len="med"/>
+          </a:ln>
+          <a:effectLst/>
+        </p:spPr>
+        <p:style>
+          <a:lnRef idx="1">
+            <a:schemeClr val="accent2"/>
+          </a:lnRef>
+          <a:fillRef idx="2">
+            <a:schemeClr val="accent2"/>
+          </a:fillRef>
+          <a:effectRef idx="1">
+            <a:schemeClr val="accent2"/>
+          </a:effectRef>
+          <a:fontRef idx="minor">
+            <a:schemeClr val="dk1"/>
+          </a:fontRef>
+        </p:style>
+      </p:cxnSp>
+      <p:sp>
+        <p:nvSpPr>
+          <p:cNvPr id="34" name="Rectangle 11"/>
+          <p:cNvSpPr/>
+          <p:nvPr/>
+        </p:nvSpPr>
+        <p:spPr>
+          <a:xfrm>
+            <a:off x="3124202" y="3649359"/>
+            <a:ext cx="1093635" cy="236841"/>
+          </a:xfrm>
+          <a:prstGeom prst="rect">
+            <a:avLst/>
+          </a:prstGeom>
+          <a:ln w="19050">
+            <a:solidFill>
+              <a:schemeClr val="accent3"/>
+            </a:solidFill>
+          </a:ln>
+          <a:effectLst/>
+        </p:spPr>
+        <p:style>
+          <a:lnRef idx="1">
+            <a:schemeClr val="accent3"/>
+          </a:lnRef>
+          <a:fillRef idx="2">
+            <a:schemeClr val="accent3"/>
+          </a:fillRef>
+          <a:effectRef idx="1">
+            <a:schemeClr val="accent3"/>
+          </a:effectRef>
+          <a:fontRef idx="minor">
+            <a:schemeClr val="dk1"/>
+          </a:fontRef>
+        </p:style>
+        <p:txBody>
+          <a:bodyPr rtlCol="0" anchor="ctr"/>
+          <a:lstStyle/>
+          <a:p>
+            <a:pPr algn="ctr"/>
+            <a:r>
+              <a:rPr lang="en-US" sz="700" b="1" dirty="0" err="1">
+                <a:solidFill>
+                  <a:schemeClr val="accent3">
+                    <a:lumMod val="75000"/>
+                  </a:schemeClr>
+                </a:solidFill>
+              </a:rPr>
+              <a:t>CandidateDetailsPanel</a:t>
+            </a:r>
+            <a:endParaRPr lang="en-SG" sz="700" b="1" dirty="0">
+              <a:solidFill>
+                <a:schemeClr val="accent3">
+                  <a:lumMod val="75000"/>
+                </a:schemeClr>
+              </a:solidFill>
+            </a:endParaRPr>
+          </a:p>
+        </p:txBody>
+      </p:sp>
+      <p:sp>
+        <p:nvSpPr>
+          <p:cNvPr id="36" name="Rectangle 11"/>
+          <p:cNvSpPr/>
+          <p:nvPr/>
+        </p:nvSpPr>
+        <p:spPr>
+          <a:xfrm>
+            <a:off x="3124200" y="4191000"/>
+            <a:ext cx="1093635" cy="236841"/>
+          </a:xfrm>
+          <a:prstGeom prst="rect">
+            <a:avLst/>
+          </a:prstGeom>
+          <a:ln w="19050">
+            <a:solidFill>
+              <a:schemeClr val="accent3"/>
+            </a:solidFill>
+          </a:ln>
+          <a:effectLst/>
+        </p:spPr>
+        <p:style>
+          <a:lnRef idx="1">
+            <a:schemeClr val="accent3"/>
+          </a:lnRef>
+          <a:fillRef idx="2">
+            <a:schemeClr val="accent3"/>
+          </a:fillRef>
+          <a:effectRef idx="1">
+            <a:schemeClr val="accent3"/>
+          </a:effectRef>
+          <a:fontRef idx="minor">
+            <a:schemeClr val="dk1"/>
+          </a:fontRef>
+        </p:style>
+        <p:txBody>
+          <a:bodyPr rtlCol="0" anchor="ctr"/>
+          <a:lstStyle/>
+          <a:p>
+            <a:pPr algn="ctr"/>
+            <a:r>
+              <a:rPr lang="en-US" sz="650" b="1" dirty="0" err="1">
+                <a:solidFill>
+                  <a:schemeClr val="accent3">
+                    <a:lumMod val="75000"/>
+                  </a:schemeClr>
+                </a:solidFill>
+              </a:rPr>
+              <a:t>CompanyJobDetailsPanel</a:t>
+            </a:r>
+            <a:endParaRPr lang="en-SG" sz="650" b="1" dirty="0">
+              <a:solidFill>
+                <a:schemeClr val="accent3">
+                  <a:lumMod val="75000"/>
+                </a:schemeClr>
+              </a:solidFill>
+            </a:endParaRPr>
+          </a:p>
+        </p:txBody>
+      </p:sp>
+      <p:sp>
+        <p:nvSpPr>
+          <p:cNvPr id="37" name="Rectangle 11"/>
+          <p:cNvSpPr/>
+          <p:nvPr/>
+        </p:nvSpPr>
+        <p:spPr>
+          <a:xfrm>
+            <a:off x="4373488" y="4411359"/>
+            <a:ext cx="1040906" cy="236841"/>
+          </a:xfrm>
+          <a:prstGeom prst="rect">
+            <a:avLst/>
+          </a:prstGeom>
+          <a:ln w="19050">
+            <a:solidFill>
+              <a:schemeClr val="accent3"/>
+            </a:solidFill>
+          </a:ln>
+          <a:effectLst/>
+        </p:spPr>
+        <p:style>
+          <a:lnRef idx="1">
+            <a:schemeClr val="accent3"/>
+          </a:lnRef>
+          <a:fillRef idx="2">
+            <a:schemeClr val="accent3"/>
+          </a:fillRef>
+          <a:effectRef idx="1">
+            <a:schemeClr val="accent3"/>
+          </a:effectRef>
+          <a:fontRef idx="minor">
+            <a:schemeClr val="dk1"/>
+          </a:fontRef>
+        </p:style>
+        <p:txBody>
+          <a:bodyPr rtlCol="0" anchor="ctr"/>
+          <a:lstStyle/>
+          <a:p>
+            <a:pPr algn="ctr"/>
+            <a:r>
+              <a:rPr lang="en-US" sz="1050" b="1" dirty="0" err="1">
+                <a:solidFill>
+                  <a:schemeClr val="accent3">
+                    <a:lumMod val="75000"/>
+                  </a:schemeClr>
+                </a:solidFill>
+              </a:rPr>
+              <a:t>CompanyCard</a:t>
+            </a:r>
+            <a:endParaRPr lang="en-SG" sz="1050" b="1" dirty="0">
+              <a:solidFill>
+                <a:schemeClr val="accent3">
+                  <a:lumMod val="75000"/>
+                </a:schemeClr>
+              </a:solidFill>
+            </a:endParaRPr>
+          </a:p>
+        </p:txBody>
+      </p:sp>
+      <p:cxnSp>
+        <p:nvCxnSpPr>
+          <p:cNvPr id="137" name="Elbow Connector 136"/>
+          <p:cNvCxnSpPr>
+            <a:cxnSpLocks/>
+            <a:stCxn id="36" idx="2"/>
+            <a:endCxn id="37" idx="1"/>
+          </p:cNvCxnSpPr>
+          <p:nvPr/>
+        </p:nvCxnSpPr>
+        <p:spPr>
+          <a:xfrm rot="16200000" flipH="1">
+            <a:off x="3971284" y="4127575"/>
+            <a:ext cx="101939" cy="702470"/>
+          </a:xfrm>
+          <a:prstGeom prst="bentConnector2">
+            <a:avLst/>
+          </a:prstGeom>
+          <a:ln w="19050">
+            <a:solidFill>
+              <a:schemeClr val="accent3"/>
+            </a:solidFill>
+            <a:headEnd type="none" w="med" len="med"/>
+            <a:tailEnd type="arrow" w="med" len="med"/>
+          </a:ln>
+          <a:effectLst/>
+        </p:spPr>
+        <p:style>
+          <a:lnRef idx="1">
+            <a:schemeClr val="accent2"/>
+          </a:lnRef>
+          <a:fillRef idx="2">
+            <a:schemeClr val="accent2"/>
+          </a:fillRef>
+          <a:effectRef idx="1">
+            <a:schemeClr val="accent2"/>
+          </a:effectRef>
+          <a:fontRef idx="minor">
+            <a:schemeClr val="dk1"/>
+          </a:fontRef>
+        </p:style>
+      </p:cxnSp>
       <p:sp>
         <p:nvSpPr>
           <p:cNvPr id="118" name="Freeform 117"/>
@@ -5435,8 +5539,8 @@
         </p:nvSpPr>
         <p:spPr>
           <a:xfrm flipV="1">
-            <a:off x="4114799" y="4472708"/>
-            <a:ext cx="2642195" cy="101600"/>
+            <a:off x="4646473" y="4636462"/>
+            <a:ext cx="2080391" cy="45719"/>
           </a:xfrm>
           <a:custGeom>
             <a:avLst/>
@@ -5509,6 +5613,763 @@
           </a:p>
         </p:txBody>
       </p:sp>
+      <p:sp>
+        <p:nvSpPr>
+          <p:cNvPr id="42" name="Rectangle 11">
+            <a:extLst>
+              <a:ext uri="{FF2B5EF4-FFF2-40B4-BE49-F238E27FC236}">
+                <a16:creationId xmlns:a16="http://schemas.microsoft.com/office/drawing/2014/main" id="{11677187-4F00-4519-B1C8-5EACE4745630}"/>
+              </a:ext>
+            </a:extLst>
+          </p:cNvPr>
+          <p:cNvSpPr/>
+          <p:nvPr/>
+        </p:nvSpPr>
+        <p:spPr>
+          <a:xfrm>
+            <a:off x="4360582" y="3820138"/>
+            <a:ext cx="1040906" cy="236841"/>
+          </a:xfrm>
+          <a:prstGeom prst="rect">
+            <a:avLst/>
+          </a:prstGeom>
+          <a:ln w="19050">
+            <a:solidFill>
+              <a:schemeClr val="accent3"/>
+            </a:solidFill>
+          </a:ln>
+          <a:effectLst/>
+        </p:spPr>
+        <p:style>
+          <a:lnRef idx="1">
+            <a:schemeClr val="accent3"/>
+          </a:lnRef>
+          <a:fillRef idx="2">
+            <a:schemeClr val="accent3"/>
+          </a:fillRef>
+          <a:effectRef idx="1">
+            <a:schemeClr val="accent3"/>
+          </a:effectRef>
+          <a:fontRef idx="minor">
+            <a:schemeClr val="dk1"/>
+          </a:fontRef>
+        </p:style>
+        <p:txBody>
+          <a:bodyPr rtlCol="0" anchor="ctr"/>
+          <a:lstStyle/>
+          <a:p>
+            <a:pPr algn="ctr"/>
+            <a:r>
+              <a:rPr lang="en-US" sz="1050" b="1" dirty="0" err="1">
+                <a:solidFill>
+                  <a:schemeClr val="accent3">
+                    <a:lumMod val="75000"/>
+                  </a:schemeClr>
+                </a:solidFill>
+              </a:rPr>
+              <a:t>CandidateCard</a:t>
+            </a:r>
+            <a:endParaRPr lang="en-SG" sz="1050" b="1" dirty="0">
+              <a:solidFill>
+                <a:schemeClr val="accent3">
+                  <a:lumMod val="75000"/>
+                </a:schemeClr>
+              </a:solidFill>
+            </a:endParaRPr>
+          </a:p>
+        </p:txBody>
+      </p:sp>
+      <p:sp>
+        <p:nvSpPr>
+          <p:cNvPr id="45" name="Freeform 117">
+            <a:extLst>
+              <a:ext uri="{FF2B5EF4-FFF2-40B4-BE49-F238E27FC236}">
+                <a16:creationId xmlns:a16="http://schemas.microsoft.com/office/drawing/2014/main" id="{44318722-AFAE-4643-9F8D-E6BBDB7C6019}"/>
+              </a:ext>
+            </a:extLst>
+          </p:cNvPr>
+          <p:cNvSpPr/>
+          <p:nvPr/>
+        </p:nvSpPr>
+        <p:spPr>
+          <a:xfrm flipV="1">
+            <a:off x="4570274" y="4079214"/>
+            <a:ext cx="2150632" cy="164722"/>
+          </a:xfrm>
+          <a:custGeom>
+            <a:avLst/>
+            <a:gdLst>
+              <a:gd name="connsiteX0" fmla="*/ 0 w 3048000"/>
+              <a:gd name="connsiteY0" fmla="*/ 203200 h 203200"/>
+              <a:gd name="connsiteX1" fmla="*/ 221673 w 3048000"/>
+              <a:gd name="connsiteY1" fmla="*/ 0 h 203200"/>
+              <a:gd name="connsiteX2" fmla="*/ 3048000 w 3048000"/>
+              <a:gd name="connsiteY2" fmla="*/ 0 h 203200"/>
+            </a:gdLst>
+            <a:ahLst/>
+            <a:cxnLst>
+              <a:cxn ang="0">
+                <a:pos x="connsiteX0" y="connsiteY0"/>
+              </a:cxn>
+              <a:cxn ang="0">
+                <a:pos x="connsiteX1" y="connsiteY1"/>
+              </a:cxn>
+              <a:cxn ang="0">
+                <a:pos x="connsiteX2" y="connsiteY2"/>
+              </a:cxn>
+            </a:cxnLst>
+            <a:rect l="l" t="t" r="r" b="b"/>
+            <a:pathLst>
+              <a:path w="3048000" h="203200">
+                <a:moveTo>
+                  <a:pt x="0" y="203200"/>
+                </a:moveTo>
+                <a:lnTo>
+                  <a:pt x="221673" y="0"/>
+                </a:lnTo>
+                <a:lnTo>
+                  <a:pt x="3048000" y="0"/>
+                </a:lnTo>
+              </a:path>
+            </a:pathLst>
+          </a:custGeom>
+          <a:noFill/>
+          <a:ln w="19050">
+            <a:solidFill>
+              <a:schemeClr val="accent3"/>
+            </a:solidFill>
+            <a:prstDash val="sysDot"/>
+            <a:headEnd type="none" w="med" len="med"/>
+            <a:tailEnd type="arrow" w="med" len="med"/>
+          </a:ln>
+          <a:effectLst/>
+        </p:spPr>
+        <p:style>
+          <a:lnRef idx="1">
+            <a:schemeClr val="accent2"/>
+          </a:lnRef>
+          <a:fillRef idx="2">
+            <a:schemeClr val="accent2"/>
+          </a:fillRef>
+          <a:effectRef idx="1">
+            <a:schemeClr val="accent2"/>
+          </a:effectRef>
+          <a:fontRef idx="minor">
+            <a:schemeClr val="dk1"/>
+          </a:fontRef>
+        </p:style>
+        <p:txBody>
+          <a:bodyPr rtlCol="0" anchor="ctr"/>
+          <a:lstStyle/>
+          <a:p>
+            <a:pPr algn="ctr"/>
+            <a:endParaRPr lang="en-SG"/>
+          </a:p>
+        </p:txBody>
+      </p:sp>
+      <p:cxnSp>
+        <p:nvCxnSpPr>
+          <p:cNvPr id="46" name="Elbow Connector 136">
+            <a:extLst>
+              <a:ext uri="{FF2B5EF4-FFF2-40B4-BE49-F238E27FC236}">
+                <a16:creationId xmlns:a16="http://schemas.microsoft.com/office/drawing/2014/main" id="{9BFCC47C-1F08-496F-BE34-27195102FDCB}"/>
+              </a:ext>
+            </a:extLst>
+          </p:cNvPr>
+          <p:cNvCxnSpPr/>
+          <p:nvPr/>
+        </p:nvCxnSpPr>
+        <p:spPr>
+          <a:xfrm rot="16200000" flipH="1">
+            <a:off x="3967015" y="3601830"/>
+            <a:ext cx="118421" cy="699979"/>
+          </a:xfrm>
+          <a:prstGeom prst="bentConnector2">
+            <a:avLst/>
+          </a:prstGeom>
+          <a:ln w="19050">
+            <a:solidFill>
+              <a:schemeClr val="accent3"/>
+            </a:solidFill>
+            <a:headEnd type="none" w="med" len="med"/>
+            <a:tailEnd type="arrow" w="med" len="med"/>
+          </a:ln>
+          <a:effectLst/>
+        </p:spPr>
+        <p:style>
+          <a:lnRef idx="1">
+            <a:schemeClr val="accent2"/>
+          </a:lnRef>
+          <a:fillRef idx="2">
+            <a:schemeClr val="accent2"/>
+          </a:fillRef>
+          <a:effectRef idx="1">
+            <a:schemeClr val="accent2"/>
+          </a:effectRef>
+          <a:fontRef idx="minor">
+            <a:schemeClr val="dk1"/>
+          </a:fontRef>
+        </p:style>
+      </p:cxnSp>
+      <p:sp>
+        <p:nvSpPr>
+          <p:cNvPr id="51" name="Rectangle 11">
+            <a:extLst>
+              <a:ext uri="{FF2B5EF4-FFF2-40B4-BE49-F238E27FC236}">
+                <a16:creationId xmlns:a16="http://schemas.microsoft.com/office/drawing/2014/main" id="{93C17915-CD56-47AE-965E-002C6F7AACB4}"/>
+              </a:ext>
+            </a:extLst>
+          </p:cNvPr>
+          <p:cNvSpPr/>
+          <p:nvPr/>
+        </p:nvSpPr>
+        <p:spPr>
+          <a:xfrm>
+            <a:off x="4382191" y="4716159"/>
+            <a:ext cx="1040906" cy="236841"/>
+          </a:xfrm>
+          <a:prstGeom prst="rect">
+            <a:avLst/>
+          </a:prstGeom>
+          <a:ln w="19050">
+            <a:solidFill>
+              <a:schemeClr val="accent3"/>
+            </a:solidFill>
+          </a:ln>
+          <a:effectLst/>
+        </p:spPr>
+        <p:style>
+          <a:lnRef idx="1">
+            <a:schemeClr val="accent3"/>
+          </a:lnRef>
+          <a:fillRef idx="2">
+            <a:schemeClr val="accent3"/>
+          </a:fillRef>
+          <a:effectRef idx="1">
+            <a:schemeClr val="accent3"/>
+          </a:effectRef>
+          <a:fontRef idx="minor">
+            <a:schemeClr val="dk1"/>
+          </a:fontRef>
+        </p:style>
+        <p:txBody>
+          <a:bodyPr rtlCol="0" anchor="ctr"/>
+          <a:lstStyle/>
+          <a:p>
+            <a:pPr algn="ctr"/>
+            <a:r>
+              <a:rPr lang="en-US" sz="1050" b="1" dirty="0" err="1">
+                <a:solidFill>
+                  <a:schemeClr val="accent3">
+                    <a:lumMod val="75000"/>
+                  </a:schemeClr>
+                </a:solidFill>
+              </a:rPr>
+              <a:t>JobCard</a:t>
+            </a:r>
+            <a:endParaRPr lang="en-SG" sz="1050" b="1" dirty="0">
+              <a:solidFill>
+                <a:schemeClr val="accent3">
+                  <a:lumMod val="75000"/>
+                </a:schemeClr>
+              </a:solidFill>
+            </a:endParaRPr>
+          </a:p>
+        </p:txBody>
+      </p:sp>
+      <p:cxnSp>
+        <p:nvCxnSpPr>
+          <p:cNvPr id="58" name="Elbow Connector 136">
+            <a:extLst>
+              <a:ext uri="{FF2B5EF4-FFF2-40B4-BE49-F238E27FC236}">
+                <a16:creationId xmlns:a16="http://schemas.microsoft.com/office/drawing/2014/main" id="{FF9D1836-AE90-4870-9DB8-6EE546D74696}"/>
+              </a:ext>
+            </a:extLst>
+          </p:cNvPr>
+          <p:cNvCxnSpPr>
+            <a:cxnSpLocks/>
+            <a:stCxn id="36" idx="2"/>
+            <a:endCxn id="51" idx="1"/>
+          </p:cNvCxnSpPr>
+          <p:nvPr/>
+        </p:nvCxnSpPr>
+        <p:spPr>
+          <a:xfrm rot="16200000" flipH="1">
+            <a:off x="3823235" y="4275623"/>
+            <a:ext cx="406739" cy="711173"/>
+          </a:xfrm>
+          <a:prstGeom prst="bentConnector2">
+            <a:avLst/>
+          </a:prstGeom>
+          <a:ln w="19050">
+            <a:solidFill>
+              <a:schemeClr val="accent3"/>
+            </a:solidFill>
+            <a:headEnd type="none" w="med" len="med"/>
+            <a:tailEnd type="arrow" w="med" len="med"/>
+          </a:ln>
+          <a:effectLst/>
+        </p:spPr>
+        <p:style>
+          <a:lnRef idx="1">
+            <a:schemeClr val="accent2"/>
+          </a:lnRef>
+          <a:fillRef idx="2">
+            <a:schemeClr val="accent2"/>
+          </a:fillRef>
+          <a:effectRef idx="1">
+            <a:schemeClr val="accent2"/>
+          </a:effectRef>
+          <a:fontRef idx="minor">
+            <a:schemeClr val="dk1"/>
+          </a:fontRef>
+        </p:style>
+      </p:cxnSp>
+      <p:sp>
+        <p:nvSpPr>
+          <p:cNvPr id="62" name="Freeform 117">
+            <a:extLst>
+              <a:ext uri="{FF2B5EF4-FFF2-40B4-BE49-F238E27FC236}">
+                <a16:creationId xmlns:a16="http://schemas.microsoft.com/office/drawing/2014/main" id="{6F2D0B08-E377-4585-90CC-F561C0DBF698}"/>
+              </a:ext>
+            </a:extLst>
+          </p:cNvPr>
+          <p:cNvSpPr/>
+          <p:nvPr/>
+        </p:nvSpPr>
+        <p:spPr>
+          <a:xfrm flipV="1">
+            <a:off x="4642150" y="4953000"/>
+            <a:ext cx="2093365" cy="59298"/>
+          </a:xfrm>
+          <a:custGeom>
+            <a:avLst/>
+            <a:gdLst>
+              <a:gd name="connsiteX0" fmla="*/ 0 w 3048000"/>
+              <a:gd name="connsiteY0" fmla="*/ 203200 h 203200"/>
+              <a:gd name="connsiteX1" fmla="*/ 221673 w 3048000"/>
+              <a:gd name="connsiteY1" fmla="*/ 0 h 203200"/>
+              <a:gd name="connsiteX2" fmla="*/ 3048000 w 3048000"/>
+              <a:gd name="connsiteY2" fmla="*/ 0 h 203200"/>
+            </a:gdLst>
+            <a:ahLst/>
+            <a:cxnLst>
+              <a:cxn ang="0">
+                <a:pos x="connsiteX0" y="connsiteY0"/>
+              </a:cxn>
+              <a:cxn ang="0">
+                <a:pos x="connsiteX1" y="connsiteY1"/>
+              </a:cxn>
+              <a:cxn ang="0">
+                <a:pos x="connsiteX2" y="connsiteY2"/>
+              </a:cxn>
+            </a:cxnLst>
+            <a:rect l="l" t="t" r="r" b="b"/>
+            <a:pathLst>
+              <a:path w="3048000" h="203200">
+                <a:moveTo>
+                  <a:pt x="0" y="203200"/>
+                </a:moveTo>
+                <a:lnTo>
+                  <a:pt x="221673" y="0"/>
+                </a:lnTo>
+                <a:lnTo>
+                  <a:pt x="3048000" y="0"/>
+                </a:lnTo>
+              </a:path>
+            </a:pathLst>
+          </a:custGeom>
+          <a:noFill/>
+          <a:ln w="19050">
+            <a:solidFill>
+              <a:schemeClr val="accent3"/>
+            </a:solidFill>
+            <a:prstDash val="sysDot"/>
+            <a:headEnd type="none" w="med" len="med"/>
+            <a:tailEnd type="arrow" w="med" len="med"/>
+          </a:ln>
+          <a:effectLst/>
+        </p:spPr>
+        <p:style>
+          <a:lnRef idx="1">
+            <a:schemeClr val="accent2"/>
+          </a:lnRef>
+          <a:fillRef idx="2">
+            <a:schemeClr val="accent2"/>
+          </a:fillRef>
+          <a:effectRef idx="1">
+            <a:schemeClr val="accent2"/>
+          </a:effectRef>
+          <a:fontRef idx="minor">
+            <a:schemeClr val="dk1"/>
+          </a:fontRef>
+        </p:style>
+        <p:txBody>
+          <a:bodyPr rtlCol="0" anchor="ctr"/>
+          <a:lstStyle/>
+          <a:p>
+            <a:pPr algn="ctr"/>
+            <a:endParaRPr lang="en-SG"/>
+          </a:p>
+        </p:txBody>
+      </p:sp>
+      <p:cxnSp>
+        <p:nvCxnSpPr>
+          <p:cNvPr id="84" name="Elbow Connector 63">
+            <a:extLst>
+              <a:ext uri="{FF2B5EF4-FFF2-40B4-BE49-F238E27FC236}">
+                <a16:creationId xmlns:a16="http://schemas.microsoft.com/office/drawing/2014/main" id="{78BEF2E4-4BBD-4C41-99C2-BCE49BCCA10E}"/>
+              </a:ext>
+            </a:extLst>
+          </p:cNvPr>
+          <p:cNvCxnSpPr>
+            <a:cxnSpLocks/>
+            <a:endCxn id="36" idx="1"/>
+          </p:cNvCxnSpPr>
+          <p:nvPr/>
+        </p:nvCxnSpPr>
+        <p:spPr>
+          <a:xfrm rot="16200000" flipH="1">
+            <a:off x="2094874" y="3280095"/>
+            <a:ext cx="1348848" cy="709803"/>
+          </a:xfrm>
+          <a:prstGeom prst="bentConnector2">
+            <a:avLst/>
+          </a:prstGeom>
+          <a:ln w="19050">
+            <a:solidFill>
+              <a:schemeClr val="accent3"/>
+            </a:solidFill>
+            <a:headEnd type="none" w="med" len="med"/>
+            <a:tailEnd type="arrow" w="med" len="med"/>
+          </a:ln>
+          <a:effectLst/>
+        </p:spPr>
+        <p:style>
+          <a:lnRef idx="1">
+            <a:schemeClr val="accent2"/>
+          </a:lnRef>
+          <a:fillRef idx="2">
+            <a:schemeClr val="accent2"/>
+          </a:fillRef>
+          <a:effectRef idx="1">
+            <a:schemeClr val="accent2"/>
+          </a:effectRef>
+          <a:fontRef idx="minor">
+            <a:schemeClr val="dk1"/>
+          </a:fontRef>
+        </p:style>
+      </p:cxnSp>
+      <p:cxnSp>
+        <p:nvCxnSpPr>
+          <p:cNvPr id="87" name="Elbow Connector 63">
+            <a:extLst>
+              <a:ext uri="{FF2B5EF4-FFF2-40B4-BE49-F238E27FC236}">
+                <a16:creationId xmlns:a16="http://schemas.microsoft.com/office/drawing/2014/main" id="{30E8BB47-7464-429C-9F90-41420DDEC4AE}"/>
+              </a:ext>
+            </a:extLst>
+          </p:cNvPr>
+          <p:cNvCxnSpPr>
+            <a:cxnSpLocks/>
+            <a:stCxn id="39" idx="2"/>
+            <a:endCxn id="34" idx="1"/>
+          </p:cNvCxnSpPr>
+          <p:nvPr/>
+        </p:nvCxnSpPr>
+        <p:spPr>
+          <a:xfrm rot="16200000" flipH="1">
+            <a:off x="2320287" y="2963864"/>
+            <a:ext cx="899755" cy="708076"/>
+          </a:xfrm>
+          <a:prstGeom prst="bentConnector2">
+            <a:avLst/>
+          </a:prstGeom>
+          <a:ln w="19050">
+            <a:solidFill>
+              <a:schemeClr val="accent3"/>
+            </a:solidFill>
+            <a:headEnd type="none" w="med" len="med"/>
+            <a:tailEnd type="arrow" w="med" len="med"/>
+          </a:ln>
+          <a:effectLst/>
+        </p:spPr>
+        <p:style>
+          <a:lnRef idx="1">
+            <a:schemeClr val="accent2"/>
+          </a:lnRef>
+          <a:fillRef idx="2">
+            <a:schemeClr val="accent2"/>
+          </a:fillRef>
+          <a:effectRef idx="1">
+            <a:schemeClr val="accent2"/>
+          </a:effectRef>
+          <a:fontRef idx="minor">
+            <a:schemeClr val="dk1"/>
+          </a:fontRef>
+        </p:style>
+      </p:cxnSp>
+      <p:sp>
+        <p:nvSpPr>
+          <p:cNvPr id="90" name="Rectangle 11">
+            <a:extLst>
+              <a:ext uri="{FF2B5EF4-FFF2-40B4-BE49-F238E27FC236}">
+                <a16:creationId xmlns:a16="http://schemas.microsoft.com/office/drawing/2014/main" id="{F2C46377-7DB8-4F45-BFB9-57172555C2F6}"/>
+              </a:ext>
+            </a:extLst>
+          </p:cNvPr>
+          <p:cNvSpPr/>
+          <p:nvPr/>
+        </p:nvSpPr>
+        <p:spPr>
+          <a:xfrm>
+            <a:off x="2580518" y="5249559"/>
+            <a:ext cx="1095361" cy="236841"/>
+          </a:xfrm>
+          <a:prstGeom prst="rect">
+            <a:avLst/>
+          </a:prstGeom>
+          <a:ln w="19050">
+            <a:solidFill>
+              <a:schemeClr val="accent3"/>
+            </a:solidFill>
+          </a:ln>
+          <a:effectLst/>
+        </p:spPr>
+        <p:style>
+          <a:lnRef idx="1">
+            <a:schemeClr val="accent3"/>
+          </a:lnRef>
+          <a:fillRef idx="2">
+            <a:schemeClr val="accent3"/>
+          </a:fillRef>
+          <a:effectRef idx="1">
+            <a:schemeClr val="accent3"/>
+          </a:effectRef>
+          <a:fontRef idx="minor">
+            <a:schemeClr val="dk1"/>
+          </a:fontRef>
+        </p:style>
+        <p:txBody>
+          <a:bodyPr rtlCol="0" anchor="ctr"/>
+          <a:lstStyle/>
+          <a:p>
+            <a:pPr algn="ctr"/>
+            <a:r>
+              <a:rPr lang="en-US" sz="1050" b="1" dirty="0" err="1">
+                <a:solidFill>
+                  <a:schemeClr val="accent3">
+                    <a:lumMod val="75000"/>
+                  </a:schemeClr>
+                </a:solidFill>
+              </a:rPr>
+              <a:t>ShortlistPanel</a:t>
+            </a:r>
+            <a:endParaRPr lang="en-SG" sz="1050" b="1" dirty="0">
+              <a:solidFill>
+                <a:schemeClr val="accent3">
+                  <a:lumMod val="75000"/>
+                </a:schemeClr>
+              </a:solidFill>
+            </a:endParaRPr>
+          </a:p>
+        </p:txBody>
+      </p:sp>
+      <p:cxnSp>
+        <p:nvCxnSpPr>
+          <p:cNvPr id="92" name="Elbow Connector 63">
+            <a:extLst>
+              <a:ext uri="{FF2B5EF4-FFF2-40B4-BE49-F238E27FC236}">
+                <a16:creationId xmlns:a16="http://schemas.microsoft.com/office/drawing/2014/main" id="{776AB822-0BD9-4FE1-A4E7-964094B18B26}"/>
+              </a:ext>
+            </a:extLst>
+          </p:cNvPr>
+          <p:cNvCxnSpPr>
+            <a:cxnSpLocks/>
+            <a:stCxn id="39" idx="2"/>
+            <a:endCxn id="90" idx="1"/>
+          </p:cNvCxnSpPr>
+          <p:nvPr/>
+        </p:nvCxnSpPr>
+        <p:spPr>
+          <a:xfrm rot="16200000" flipH="1">
+            <a:off x="1248345" y="4035806"/>
+            <a:ext cx="2499955" cy="164392"/>
+          </a:xfrm>
+          <a:prstGeom prst="bentConnector2">
+            <a:avLst/>
+          </a:prstGeom>
+          <a:ln w="19050">
+            <a:solidFill>
+              <a:schemeClr val="accent3"/>
+            </a:solidFill>
+            <a:headEnd type="none" w="med" len="med"/>
+            <a:tailEnd type="arrow" w="med" len="med"/>
+          </a:ln>
+          <a:effectLst/>
+        </p:spPr>
+        <p:style>
+          <a:lnRef idx="1">
+            <a:schemeClr val="accent2"/>
+          </a:lnRef>
+          <a:fillRef idx="2">
+            <a:schemeClr val="accent2"/>
+          </a:fillRef>
+          <a:effectRef idx="1">
+            <a:schemeClr val="accent2"/>
+          </a:effectRef>
+          <a:fontRef idx="minor">
+            <a:schemeClr val="dk1"/>
+          </a:fontRef>
+        </p:style>
+      </p:cxnSp>
+      <p:cxnSp>
+        <p:nvCxnSpPr>
+          <p:cNvPr id="95" name="Elbow Connector 136">
+            <a:extLst>
+              <a:ext uri="{FF2B5EF4-FFF2-40B4-BE49-F238E27FC236}">
+                <a16:creationId xmlns:a16="http://schemas.microsoft.com/office/drawing/2014/main" id="{5D309582-4DBE-49A7-8329-93C5488FF88A}"/>
+              </a:ext>
+            </a:extLst>
+          </p:cNvPr>
+          <p:cNvCxnSpPr>
+            <a:cxnSpLocks/>
+          </p:cNvCxnSpPr>
+          <p:nvPr/>
+        </p:nvCxnSpPr>
+        <p:spPr>
+          <a:xfrm flipH="1" flipV="1">
+            <a:off x="3131337" y="3865089"/>
+            <a:ext cx="551677" cy="1447800"/>
+          </a:xfrm>
+          <a:prstGeom prst="bentConnector5">
+            <a:avLst>
+              <a:gd name="adj1" fmla="val -35013"/>
+              <a:gd name="adj2" fmla="val 23562"/>
+              <a:gd name="adj3" fmla="val 173559"/>
+            </a:avLst>
+          </a:prstGeom>
+          <a:ln w="19050">
+            <a:solidFill>
+              <a:schemeClr val="accent3"/>
+            </a:solidFill>
+            <a:headEnd type="none" w="med" len="med"/>
+            <a:tailEnd type="arrow" w="med" len="med"/>
+          </a:ln>
+          <a:effectLst/>
+        </p:spPr>
+        <p:style>
+          <a:lnRef idx="1">
+            <a:schemeClr val="accent2"/>
+          </a:lnRef>
+          <a:fillRef idx="2">
+            <a:schemeClr val="accent2"/>
+          </a:fillRef>
+          <a:effectRef idx="1">
+            <a:schemeClr val="accent2"/>
+          </a:effectRef>
+          <a:fontRef idx="minor">
+            <a:schemeClr val="dk1"/>
+          </a:fontRef>
+        </p:style>
+      </p:cxnSp>
+      <p:cxnSp>
+        <p:nvCxnSpPr>
+          <p:cNvPr id="112" name="Elbow Connector 136">
+            <a:extLst>
+              <a:ext uri="{FF2B5EF4-FFF2-40B4-BE49-F238E27FC236}">
+                <a16:creationId xmlns:a16="http://schemas.microsoft.com/office/drawing/2014/main" id="{590B79A1-0836-4261-9E5F-50736064889E}"/>
+              </a:ext>
+            </a:extLst>
+          </p:cNvPr>
+          <p:cNvCxnSpPr>
+            <a:cxnSpLocks/>
+          </p:cNvCxnSpPr>
+          <p:nvPr/>
+        </p:nvCxnSpPr>
+        <p:spPr>
+          <a:xfrm flipH="1" flipV="1">
+            <a:off x="3124200" y="4419600"/>
+            <a:ext cx="551679" cy="990600"/>
+          </a:xfrm>
+          <a:prstGeom prst="bentConnector5">
+            <a:avLst>
+              <a:gd name="adj1" fmla="val -46577"/>
+              <a:gd name="adj2" fmla="val 53577"/>
+              <a:gd name="adj3" fmla="val 141437"/>
+            </a:avLst>
+          </a:prstGeom>
+          <a:ln w="19050">
+            <a:solidFill>
+              <a:schemeClr val="accent3"/>
+            </a:solidFill>
+            <a:headEnd type="none" w="med" len="med"/>
+            <a:tailEnd type="arrow" w="med" len="med"/>
+          </a:ln>
+          <a:effectLst/>
+        </p:spPr>
+        <p:style>
+          <a:lnRef idx="1">
+            <a:schemeClr val="accent2"/>
+          </a:lnRef>
+          <a:fillRef idx="2">
+            <a:schemeClr val="accent2"/>
+          </a:fillRef>
+          <a:effectRef idx="1">
+            <a:schemeClr val="accent2"/>
+          </a:effectRef>
+          <a:fontRef idx="minor">
+            <a:schemeClr val="dk1"/>
+          </a:fontRef>
+        </p:style>
+      </p:cxnSp>
+      <p:cxnSp>
+        <p:nvCxnSpPr>
+          <p:cNvPr id="126" name="Elbow Connector 63">
+            <a:extLst>
+              <a:ext uri="{FF2B5EF4-FFF2-40B4-BE49-F238E27FC236}">
+                <a16:creationId xmlns:a16="http://schemas.microsoft.com/office/drawing/2014/main" id="{B1D01EE2-DF42-474F-AA37-E10A4E0AB54C}"/>
+              </a:ext>
+            </a:extLst>
+          </p:cNvPr>
+          <p:cNvCxnSpPr>
+            <a:cxnSpLocks/>
+            <a:stCxn id="16" idx="3"/>
+            <a:endCxn id="90" idx="3"/>
+          </p:cNvCxnSpPr>
+          <p:nvPr/>
+        </p:nvCxnSpPr>
+        <p:spPr>
+          <a:xfrm rot="5400000">
+            <a:off x="3061934" y="2899945"/>
+            <a:ext cx="3081980" cy="1854090"/>
+          </a:xfrm>
+          <a:prstGeom prst="bentConnector2">
+            <a:avLst/>
+          </a:prstGeom>
+          <a:ln w="6350">
+            <a:solidFill>
+              <a:schemeClr val="accent3"/>
+            </a:solidFill>
+            <a:headEnd type="none" w="med" len="med"/>
+            <a:tailEnd type="none" w="med" len="med"/>
+          </a:ln>
+          <a:effectLst/>
+        </p:spPr>
+        <p:style>
+          <a:lnRef idx="1">
+            <a:schemeClr val="accent2"/>
+          </a:lnRef>
+          <a:fillRef idx="2">
+            <a:schemeClr val="accent2"/>
+          </a:fillRef>
+          <a:effectRef idx="1">
+            <a:schemeClr val="accent2"/>
+          </a:effectRef>
+          <a:fontRef idx="minor">
+            <a:schemeClr val="dk1"/>
+          </a:fontRef>
+        </p:style>
+      </p:cxnSp>
     </p:spTree>
     <p:extLst>
       <p:ext uri="{BB962C8B-B14F-4D97-AF65-F5344CB8AC3E}">

--- a/docs/diagrams/UiComponentClassDiagram.pptx
+++ b/docs/diagrams/UiComponentClassDiagram.pptx
@@ -208,7 +208,7 @@
           <a:p>
             <a:fld id="{F5CC4B3F-88C1-4FFA-B1B6-F41C21DC6924}" type="datetimeFigureOut">
               <a:rPr lang="en-US" smtClean="0"/>
-              <a:t>1/7/2017</a:t>
+              <a:t>10/29/2018</a:t>
             </a:fld>
             <a:endParaRPr lang="en-US"/>
           </a:p>
@@ -654,7 +654,7 @@
           <a:p>
             <a:fld id="{78C97017-6FC3-485B-9764-EAC9E56C1D49}" type="datetimeFigureOut">
               <a:rPr lang="en-US" smtClean="0"/>
-              <a:t>1/7/2017</a:t>
+              <a:t>10/29/2018</a:t>
             </a:fld>
             <a:endParaRPr lang="en-US"/>
           </a:p>
@@ -822,7 +822,7 @@
           <a:p>
             <a:fld id="{78C97017-6FC3-485B-9764-EAC9E56C1D49}" type="datetimeFigureOut">
               <a:rPr lang="en-US" smtClean="0"/>
-              <a:t>1/7/2017</a:t>
+              <a:t>10/29/2018</a:t>
             </a:fld>
             <a:endParaRPr lang="en-US"/>
           </a:p>
@@ -1000,7 +1000,7 @@
           <a:p>
             <a:fld id="{78C97017-6FC3-485B-9764-EAC9E56C1D49}" type="datetimeFigureOut">
               <a:rPr lang="en-US" smtClean="0"/>
-              <a:t>1/7/2017</a:t>
+              <a:t>10/29/2018</a:t>
             </a:fld>
             <a:endParaRPr lang="en-US"/>
           </a:p>
@@ -1168,7 +1168,7 @@
           <a:p>
             <a:fld id="{78C97017-6FC3-485B-9764-EAC9E56C1D49}" type="datetimeFigureOut">
               <a:rPr lang="en-US" smtClean="0"/>
-              <a:t>1/7/2017</a:t>
+              <a:t>10/29/2018</a:t>
             </a:fld>
             <a:endParaRPr lang="en-US"/>
           </a:p>
@@ -1413,7 +1413,7 @@
           <a:p>
             <a:fld id="{78C97017-6FC3-485B-9764-EAC9E56C1D49}" type="datetimeFigureOut">
               <a:rPr lang="en-US" smtClean="0"/>
-              <a:t>1/7/2017</a:t>
+              <a:t>10/29/2018</a:t>
             </a:fld>
             <a:endParaRPr lang="en-US"/>
           </a:p>
@@ -1698,7 +1698,7 @@
           <a:p>
             <a:fld id="{78C97017-6FC3-485B-9764-EAC9E56C1D49}" type="datetimeFigureOut">
               <a:rPr lang="en-US" smtClean="0"/>
-              <a:t>1/7/2017</a:t>
+              <a:t>10/29/2018</a:t>
             </a:fld>
             <a:endParaRPr lang="en-US"/>
           </a:p>
@@ -2117,7 +2117,7 @@
           <a:p>
             <a:fld id="{78C97017-6FC3-485B-9764-EAC9E56C1D49}" type="datetimeFigureOut">
               <a:rPr lang="en-US" smtClean="0"/>
-              <a:t>1/7/2017</a:t>
+              <a:t>10/29/2018</a:t>
             </a:fld>
             <a:endParaRPr lang="en-US"/>
           </a:p>
@@ -2234,7 +2234,7 @@
           <a:p>
             <a:fld id="{78C97017-6FC3-485B-9764-EAC9E56C1D49}" type="datetimeFigureOut">
               <a:rPr lang="en-US" smtClean="0"/>
-              <a:t>1/7/2017</a:t>
+              <a:t>10/29/2018</a:t>
             </a:fld>
             <a:endParaRPr lang="en-US"/>
           </a:p>
@@ -2329,7 +2329,7 @@
           <a:p>
             <a:fld id="{78C97017-6FC3-485B-9764-EAC9E56C1D49}" type="datetimeFigureOut">
               <a:rPr lang="en-US" smtClean="0"/>
-              <a:t>1/7/2017</a:t>
+              <a:t>10/29/2018</a:t>
             </a:fld>
             <a:endParaRPr lang="en-US"/>
           </a:p>
@@ -2604,7 +2604,7 @@
           <a:p>
             <a:fld id="{78C97017-6FC3-485B-9764-EAC9E56C1D49}" type="datetimeFigureOut">
               <a:rPr lang="en-US" smtClean="0"/>
-              <a:t>1/7/2017</a:t>
+              <a:t>10/29/2018</a:t>
             </a:fld>
             <a:endParaRPr lang="en-US"/>
           </a:p>
@@ -2856,7 +2856,7 @@
           <a:p>
             <a:fld id="{78C97017-6FC3-485B-9764-EAC9E56C1D49}" type="datetimeFigureOut">
               <a:rPr lang="en-US" smtClean="0"/>
-              <a:t>1/7/2017</a:t>
+              <a:t>10/29/2018</a:t>
             </a:fld>
             <a:endParaRPr lang="en-US"/>
           </a:p>
@@ -3067,7 +3067,7 @@
           <a:p>
             <a:fld id="{78C97017-6FC3-485B-9764-EAC9E56C1D49}" type="datetimeFigureOut">
               <a:rPr lang="en-US" smtClean="0"/>
-              <a:t>1/7/2017</a:t>
+              <a:t>10/29/2018</a:t>
             </a:fld>
             <a:endParaRPr lang="en-US"/>
           </a:p>
@@ -3450,8 +3450,8 @@
         </p:nvSpPr>
         <p:spPr>
           <a:xfrm>
-            <a:off x="1217465" y="1447800"/>
-            <a:ext cx="4917083" cy="3962400"/>
+            <a:off x="1143000" y="1409701"/>
+            <a:ext cx="4917083" cy="5143500"/>
           </a:xfrm>
           <a:prstGeom prst="roundRect">
             <a:avLst>
@@ -3545,7 +3545,7 @@
           <a:p>
             <a:pPr algn="ctr"/>
             <a:r>
-              <a:rPr lang="en-US" sz="1050" b="1" dirty="0" err="1">
+              <a:rPr lang="en-US" sz="1050" b="1" dirty="0">
                 <a:solidFill>
                   <a:schemeClr val="accent3">
                     <a:lumMod val="75000"/>
@@ -3605,7 +3605,7 @@
           <a:p>
             <a:pPr algn="ctr"/>
             <a:r>
-              <a:rPr lang="en-US" sz="1050" b="1" dirty="0" err="1">
+              <a:rPr lang="en-US" sz="1050" b="1" dirty="0">
                 <a:solidFill>
                   <a:schemeClr val="accent3">
                     <a:lumMod val="75000"/>
@@ -3668,7 +3668,7 @@
           <a:p>
             <a:pPr algn="ctr"/>
             <a:r>
-              <a:rPr lang="en-US" sz="1050" dirty="0" err="1">
+              <a:rPr lang="en-US" sz="1050" dirty="0">
                 <a:solidFill>
                   <a:schemeClr val="bg1"/>
                 </a:solidFill>
@@ -3918,7 +3918,7 @@
           <a:p>
             <a:pPr algn="ctr"/>
             <a:r>
-              <a:rPr lang="en-US" sz="1050" b="1" dirty="0" err="1">
+              <a:rPr lang="en-US" sz="1050" b="1" dirty="0">
                 <a:solidFill>
                   <a:schemeClr val="accent3">
                     <a:lumMod val="75000"/>
@@ -3945,7 +3945,7 @@
         </p:nvSpPr>
         <p:spPr>
           <a:xfrm>
-            <a:off x="2592527" y="4563759"/>
+            <a:off x="2572271" y="5622514"/>
             <a:ext cx="1093635" cy="236841"/>
           </a:xfrm>
           <a:prstGeom prst="rect">
@@ -3978,7 +3978,7 @@
           <a:p>
             <a:pPr algn="ctr"/>
             <a:r>
-              <a:rPr lang="en-US" sz="1050" b="1" dirty="0" err="1">
+              <a:rPr lang="en-US" sz="1050" b="1" dirty="0">
                 <a:solidFill>
                   <a:schemeClr val="accent3">
                     <a:lumMod val="75000"/>
@@ -4038,7 +4038,7 @@
           <a:p>
             <a:pPr algn="ctr"/>
             <a:r>
-              <a:rPr lang="en-US" sz="1050" b="1" dirty="0" err="1">
+              <a:rPr lang="en-US" sz="1050" b="1" dirty="0">
                 <a:solidFill>
                   <a:schemeClr val="accent3">
                     <a:lumMod val="75000"/>
@@ -4098,7 +4098,7 @@
           <a:p>
             <a:pPr algn="ctr"/>
             <a:r>
-              <a:rPr lang="en-US" sz="1050" b="1" dirty="0" err="1">
+              <a:rPr lang="en-US" sz="1050" b="1" dirty="0">
                 <a:solidFill>
                   <a:schemeClr val="accent3">
                     <a:lumMod val="75000"/>
@@ -4125,7 +4125,7 @@
         </p:nvSpPr>
         <p:spPr>
           <a:xfrm>
-            <a:off x="2592528" y="4966000"/>
+            <a:off x="2582371" y="6012778"/>
             <a:ext cx="1093635" cy="236841"/>
           </a:xfrm>
           <a:prstGeom prst="rect">
@@ -4158,7 +4158,7 @@
           <a:p>
             <a:pPr algn="ctr"/>
             <a:r>
-              <a:rPr lang="en-US" sz="1050" b="1" dirty="0" err="1">
+              <a:rPr lang="en-US" sz="1050" b="1" dirty="0">
                 <a:solidFill>
                   <a:schemeClr val="accent3">
                     <a:lumMod val="75000"/>
@@ -4307,7 +4307,7 @@
           <a:p>
             <a:pPr algn="ctr"/>
             <a:r>
-              <a:rPr lang="en-US" sz="1050" b="1" dirty="0" err="1">
+              <a:rPr lang="en-US" sz="1050" b="1" dirty="0">
                 <a:solidFill>
                   <a:schemeClr val="accent3">
                     <a:lumMod val="75000"/>
@@ -4371,6 +4371,7 @@
         <p:nvCxnSpPr>
           <p:cNvPr id="47" name="Elbow Connector 63"/>
           <p:cNvCxnSpPr>
+            <a:cxnSpLocks/>
             <a:stCxn id="39" idx="2"/>
             <a:endCxn id="36" idx="1"/>
           </p:cNvCxnSpPr>
@@ -4412,15 +4413,14 @@
         <p:nvCxnSpPr>
           <p:cNvPr id="50" name="Elbow Connector 63"/>
           <p:cNvCxnSpPr>
-            <a:stCxn id="39" idx="2"/>
-            <a:endCxn id="35" idx="1"/>
+            <a:cxnSpLocks/>
           </p:cNvCxnSpPr>
           <p:nvPr/>
         </p:nvCxnSpPr>
         <p:spPr>
           <a:xfrm rot="16200000" flipH="1">
-            <a:off x="1597249" y="3686901"/>
-            <a:ext cx="1814155" cy="176401"/>
+            <a:off x="1041771" y="4232601"/>
+            <a:ext cx="2895664" cy="166509"/>
           </a:xfrm>
           <a:prstGeom prst="bentConnector2">
             <a:avLst/>
@@ -4453,14 +4453,14 @@
         <p:nvCxnSpPr>
           <p:cNvPr id="53" name="Elbow Connector 63"/>
           <p:cNvCxnSpPr>
-            <a:endCxn id="38" idx="1"/>
+            <a:cxnSpLocks/>
           </p:cNvCxnSpPr>
           <p:nvPr/>
         </p:nvCxnSpPr>
         <p:spPr>
           <a:xfrm rot="16200000" flipH="1">
-            <a:off x="1184119" y="3676012"/>
-            <a:ext cx="2396440" cy="420377"/>
+            <a:off x="644170" y="4211192"/>
+            <a:ext cx="3452749" cy="387265"/>
           </a:xfrm>
           <a:prstGeom prst="bentConnector2">
             <a:avLst/>
@@ -4549,7 +4549,7 @@
               </a:rPr>
             </a:br>
             <a:r>
-              <a:rPr lang="en-US" sz="1050" b="1" dirty="0" err="1">
+              <a:rPr lang="en-US" sz="1050" b="1" dirty="0">
                 <a:solidFill>
                   <a:schemeClr val="accent3">
                     <a:lumMod val="75000"/>
@@ -4743,8 +4743,8 @@
         </p:nvCxnSpPr>
         <p:spPr>
           <a:xfrm rot="5400000">
-            <a:off x="3409976" y="2562187"/>
-            <a:ext cx="2396180" cy="1843807"/>
+            <a:off x="2870471" y="3081436"/>
+            <a:ext cx="3454935" cy="1864063"/>
           </a:xfrm>
           <a:prstGeom prst="bentConnector2">
             <a:avLst/>
@@ -4784,8 +4784,8 @@
         </p:nvCxnSpPr>
         <p:spPr>
           <a:xfrm rot="5400000">
-            <a:off x="3208856" y="2763307"/>
-            <a:ext cx="2798421" cy="1843806"/>
+            <a:off x="2680389" y="3281618"/>
+            <a:ext cx="3845199" cy="1853963"/>
           </a:xfrm>
           <a:prstGeom prst="bentConnector2">
             <a:avLst/>
@@ -4863,8 +4863,8 @@
         </p:nvSpPr>
         <p:spPr>
           <a:xfrm rot="16200000">
-            <a:off x="6213739" y="4560376"/>
-            <a:ext cx="1371599" cy="328045"/>
+            <a:off x="5794029" y="4980085"/>
+            <a:ext cx="2211020" cy="328045"/>
           </a:xfrm>
           <a:prstGeom prst="roundRect">
             <a:avLst/>
@@ -4970,7 +4970,7 @@
           <a:p>
             <a:pPr algn="ctr"/>
             <a:r>
-              <a:rPr lang="en-US" sz="1050" dirty="0" err="1">
+              <a:rPr lang="en-US" sz="1050" dirty="0">
                 <a:solidFill>
                   <a:schemeClr val="bg1"/>
                 </a:solidFill>
@@ -5436,6 +5436,626 @@
         <p:spPr>
           <a:xfrm flipV="1">
             <a:off x="4114799" y="4472708"/>
+            <a:ext cx="2642195" cy="101600"/>
+          </a:xfrm>
+          <a:custGeom>
+            <a:avLst/>
+            <a:gdLst>
+              <a:gd name="connsiteX0" fmla="*/ 0 w 3048000"/>
+              <a:gd name="connsiteY0" fmla="*/ 203200 h 203200"/>
+              <a:gd name="connsiteX1" fmla="*/ 221673 w 3048000"/>
+              <a:gd name="connsiteY1" fmla="*/ 0 h 203200"/>
+              <a:gd name="connsiteX2" fmla="*/ 3048000 w 3048000"/>
+              <a:gd name="connsiteY2" fmla="*/ 0 h 203200"/>
+            </a:gdLst>
+            <a:ahLst/>
+            <a:cxnLst>
+              <a:cxn ang="0">
+                <a:pos x="connsiteX0" y="connsiteY0"/>
+              </a:cxn>
+              <a:cxn ang="0">
+                <a:pos x="connsiteX1" y="connsiteY1"/>
+              </a:cxn>
+              <a:cxn ang="0">
+                <a:pos x="connsiteX2" y="connsiteY2"/>
+              </a:cxn>
+            </a:cxnLst>
+            <a:rect l="l" t="t" r="r" b="b"/>
+            <a:pathLst>
+              <a:path w="3048000" h="203200">
+                <a:moveTo>
+                  <a:pt x="0" y="203200"/>
+                </a:moveTo>
+                <a:lnTo>
+                  <a:pt x="221673" y="0"/>
+                </a:lnTo>
+                <a:lnTo>
+                  <a:pt x="3048000" y="0"/>
+                </a:lnTo>
+              </a:path>
+            </a:pathLst>
+          </a:custGeom>
+          <a:noFill/>
+          <a:ln w="19050">
+            <a:solidFill>
+              <a:schemeClr val="accent3"/>
+            </a:solidFill>
+            <a:prstDash val="sysDot"/>
+            <a:headEnd type="none" w="med" len="med"/>
+            <a:tailEnd type="arrow" w="med" len="med"/>
+          </a:ln>
+          <a:effectLst/>
+        </p:spPr>
+        <p:style>
+          <a:lnRef idx="1">
+            <a:schemeClr val="accent2"/>
+          </a:lnRef>
+          <a:fillRef idx="2">
+            <a:schemeClr val="accent2"/>
+          </a:fillRef>
+          <a:effectRef idx="1">
+            <a:schemeClr val="accent2"/>
+          </a:effectRef>
+          <a:fontRef idx="minor">
+            <a:schemeClr val="dk1"/>
+          </a:fontRef>
+        </p:style>
+        <p:txBody>
+          <a:bodyPr rtlCol="0" anchor="ctr"/>
+          <a:lstStyle/>
+          <a:p>
+            <a:pPr algn="ctr"/>
+            <a:endParaRPr lang="en-SG"/>
+          </a:p>
+        </p:txBody>
+      </p:sp>
+      <p:cxnSp>
+        <p:nvCxnSpPr>
+          <p:cNvPr id="59" name="Elbow Connector 63">
+            <a:extLst>
+              <a:ext uri="{FF2B5EF4-FFF2-40B4-BE49-F238E27FC236}">
+                <a16:creationId xmlns:a16="http://schemas.microsoft.com/office/drawing/2014/main" id="{4E141416-92C2-440A-80B4-366CF35C0558}"/>
+              </a:ext>
+            </a:extLst>
+          </p:cNvPr>
+          <p:cNvCxnSpPr>
+            <a:cxnSpLocks/>
+          </p:cNvCxnSpPr>
+          <p:nvPr/>
+        </p:nvCxnSpPr>
+        <p:spPr>
+          <a:xfrm rot="16200000" flipH="1">
+            <a:off x="1488706" y="4125774"/>
+            <a:ext cx="2006326" cy="169838"/>
+          </a:xfrm>
+          <a:prstGeom prst="bentConnector2">
+            <a:avLst/>
+          </a:prstGeom>
+          <a:ln w="19050">
+            <a:solidFill>
+              <a:schemeClr val="accent3"/>
+            </a:solidFill>
+            <a:headEnd type="none" w="med" len="med"/>
+            <a:tailEnd type="arrow" w="med" len="med"/>
+          </a:ln>
+          <a:effectLst/>
+        </p:spPr>
+        <p:style>
+          <a:lnRef idx="1">
+            <a:schemeClr val="accent2"/>
+          </a:lnRef>
+          <a:fillRef idx="2">
+            <a:schemeClr val="accent2"/>
+          </a:fillRef>
+          <a:effectRef idx="1">
+            <a:schemeClr val="accent2"/>
+          </a:effectRef>
+          <a:fontRef idx="minor">
+            <a:schemeClr val="dk1"/>
+          </a:fontRef>
+        </p:style>
+      </p:cxnSp>
+      <p:sp>
+        <p:nvSpPr>
+          <p:cNvPr id="60" name="Rectangle 11">
+            <a:extLst>
+              <a:ext uri="{FF2B5EF4-FFF2-40B4-BE49-F238E27FC236}">
+                <a16:creationId xmlns:a16="http://schemas.microsoft.com/office/drawing/2014/main" id="{535049BE-FEC9-4700-996A-CAA3549170CD}"/>
+              </a:ext>
+            </a:extLst>
+          </p:cNvPr>
+          <p:cNvSpPr/>
+          <p:nvPr/>
+        </p:nvSpPr>
+        <p:spPr>
+          <a:xfrm>
+            <a:off x="2594514" y="4477799"/>
+            <a:ext cx="1093635" cy="236841"/>
+          </a:xfrm>
+          <a:prstGeom prst="rect">
+            <a:avLst/>
+          </a:prstGeom>
+          <a:ln w="19050">
+            <a:solidFill>
+              <a:schemeClr val="accent3"/>
+            </a:solidFill>
+          </a:ln>
+          <a:effectLst/>
+        </p:spPr>
+        <p:style>
+          <a:lnRef idx="1">
+            <a:schemeClr val="accent3"/>
+          </a:lnRef>
+          <a:fillRef idx="2">
+            <a:schemeClr val="accent3"/>
+          </a:fillRef>
+          <a:effectRef idx="1">
+            <a:schemeClr val="accent3"/>
+          </a:effectRef>
+          <a:fontRef idx="minor">
+            <a:schemeClr val="dk1"/>
+          </a:fontRef>
+        </p:style>
+        <p:txBody>
+          <a:bodyPr rtlCol="0" anchor="ctr"/>
+          <a:lstStyle/>
+          <a:p>
+            <a:pPr algn="ctr"/>
+            <a:r>
+              <a:rPr lang="en-US" sz="1050" b="1" dirty="0">
+                <a:solidFill>
+                  <a:schemeClr val="accent3">
+                    <a:lumMod val="75000"/>
+                  </a:schemeClr>
+                </a:solidFill>
+              </a:rPr>
+              <a:t>GroupListPanel</a:t>
+            </a:r>
+            <a:endParaRPr lang="en-SG" sz="1050" b="1" dirty="0">
+              <a:solidFill>
+                <a:schemeClr val="accent3">
+                  <a:lumMod val="75000"/>
+                </a:schemeClr>
+              </a:solidFill>
+            </a:endParaRPr>
+          </a:p>
+        </p:txBody>
+      </p:sp>
+      <p:sp>
+        <p:nvSpPr>
+          <p:cNvPr id="61" name="Rectangle 11">
+            <a:extLst>
+              <a:ext uri="{FF2B5EF4-FFF2-40B4-BE49-F238E27FC236}">
+                <a16:creationId xmlns:a16="http://schemas.microsoft.com/office/drawing/2014/main" id="{6C43F4AA-99DE-44A9-99A9-FA9EE0D360F9}"/>
+              </a:ext>
+            </a:extLst>
+          </p:cNvPr>
+          <p:cNvSpPr/>
+          <p:nvPr/>
+        </p:nvSpPr>
+        <p:spPr>
+          <a:xfrm>
+            <a:off x="3840642" y="4772128"/>
+            <a:ext cx="1040906" cy="236841"/>
+          </a:xfrm>
+          <a:prstGeom prst="rect">
+            <a:avLst/>
+          </a:prstGeom>
+          <a:ln w="19050">
+            <a:solidFill>
+              <a:schemeClr val="accent3"/>
+            </a:solidFill>
+          </a:ln>
+          <a:effectLst/>
+        </p:spPr>
+        <p:style>
+          <a:lnRef idx="1">
+            <a:schemeClr val="accent3"/>
+          </a:lnRef>
+          <a:fillRef idx="2">
+            <a:schemeClr val="accent3"/>
+          </a:fillRef>
+          <a:effectRef idx="1">
+            <a:schemeClr val="accent3"/>
+          </a:effectRef>
+          <a:fontRef idx="minor">
+            <a:schemeClr val="dk1"/>
+          </a:fontRef>
+        </p:style>
+        <p:txBody>
+          <a:bodyPr rtlCol="0" anchor="ctr"/>
+          <a:lstStyle/>
+          <a:p>
+            <a:pPr algn="ctr"/>
+            <a:r>
+              <a:rPr lang="en-US" sz="1050" b="1" dirty="0">
+                <a:solidFill>
+                  <a:schemeClr val="accent3">
+                    <a:lumMod val="75000"/>
+                  </a:schemeClr>
+                </a:solidFill>
+              </a:rPr>
+              <a:t>GroupCard</a:t>
+            </a:r>
+            <a:endParaRPr lang="en-SG" sz="1050" b="1" dirty="0">
+              <a:solidFill>
+                <a:schemeClr val="accent3">
+                  <a:lumMod val="75000"/>
+                </a:schemeClr>
+              </a:solidFill>
+            </a:endParaRPr>
+          </a:p>
+        </p:txBody>
+      </p:sp>
+      <p:cxnSp>
+        <p:nvCxnSpPr>
+          <p:cNvPr id="62" name="Elbow Connector 136">
+            <a:extLst>
+              <a:ext uri="{FF2B5EF4-FFF2-40B4-BE49-F238E27FC236}">
+                <a16:creationId xmlns:a16="http://schemas.microsoft.com/office/drawing/2014/main" id="{65DFC4EB-F136-4E71-B0B4-809170796EF9}"/>
+              </a:ext>
+            </a:extLst>
+          </p:cNvPr>
+          <p:cNvCxnSpPr/>
+          <p:nvPr/>
+        </p:nvCxnSpPr>
+        <p:spPr>
+          <a:xfrm rot="16200000" flipH="1">
+            <a:off x="3436803" y="4458863"/>
+            <a:ext cx="118421" cy="699979"/>
+          </a:xfrm>
+          <a:prstGeom prst="bentConnector2">
+            <a:avLst/>
+          </a:prstGeom>
+          <a:ln w="19050">
+            <a:solidFill>
+              <a:schemeClr val="accent3"/>
+            </a:solidFill>
+            <a:headEnd type="none" w="med" len="med"/>
+            <a:tailEnd type="arrow" w="med" len="med"/>
+          </a:ln>
+          <a:effectLst/>
+        </p:spPr>
+        <p:style>
+          <a:lnRef idx="1">
+            <a:schemeClr val="accent2"/>
+          </a:lnRef>
+          <a:fillRef idx="2">
+            <a:schemeClr val="accent2"/>
+          </a:fillRef>
+          <a:effectRef idx="1">
+            <a:schemeClr val="accent2"/>
+          </a:effectRef>
+          <a:fontRef idx="minor">
+            <a:schemeClr val="dk1"/>
+          </a:fontRef>
+        </p:style>
+      </p:cxnSp>
+      <p:sp>
+        <p:nvSpPr>
+          <p:cNvPr id="65" name="Freeform 117">
+            <a:extLst>
+              <a:ext uri="{FF2B5EF4-FFF2-40B4-BE49-F238E27FC236}">
+                <a16:creationId xmlns:a16="http://schemas.microsoft.com/office/drawing/2014/main" id="{83E0DA75-59AB-4F60-937F-30EC6CFBB702}"/>
+              </a:ext>
+            </a:extLst>
+          </p:cNvPr>
+          <p:cNvSpPr/>
+          <p:nvPr/>
+        </p:nvSpPr>
+        <p:spPr>
+          <a:xfrm flipV="1">
+            <a:off x="4100320" y="5028295"/>
+            <a:ext cx="2642195" cy="101600"/>
+          </a:xfrm>
+          <a:custGeom>
+            <a:avLst/>
+            <a:gdLst>
+              <a:gd name="connsiteX0" fmla="*/ 0 w 3048000"/>
+              <a:gd name="connsiteY0" fmla="*/ 203200 h 203200"/>
+              <a:gd name="connsiteX1" fmla="*/ 221673 w 3048000"/>
+              <a:gd name="connsiteY1" fmla="*/ 0 h 203200"/>
+              <a:gd name="connsiteX2" fmla="*/ 3048000 w 3048000"/>
+              <a:gd name="connsiteY2" fmla="*/ 0 h 203200"/>
+            </a:gdLst>
+            <a:ahLst/>
+            <a:cxnLst>
+              <a:cxn ang="0">
+                <a:pos x="connsiteX0" y="connsiteY0"/>
+              </a:cxn>
+              <a:cxn ang="0">
+                <a:pos x="connsiteX1" y="connsiteY1"/>
+              </a:cxn>
+              <a:cxn ang="0">
+                <a:pos x="connsiteX2" y="connsiteY2"/>
+              </a:cxn>
+            </a:cxnLst>
+            <a:rect l="l" t="t" r="r" b="b"/>
+            <a:pathLst>
+              <a:path w="3048000" h="203200">
+                <a:moveTo>
+                  <a:pt x="0" y="203200"/>
+                </a:moveTo>
+                <a:lnTo>
+                  <a:pt x="221673" y="0"/>
+                </a:lnTo>
+                <a:lnTo>
+                  <a:pt x="3048000" y="0"/>
+                </a:lnTo>
+              </a:path>
+            </a:pathLst>
+          </a:custGeom>
+          <a:noFill/>
+          <a:ln w="19050">
+            <a:solidFill>
+              <a:schemeClr val="accent3"/>
+            </a:solidFill>
+            <a:prstDash val="sysDot"/>
+            <a:headEnd type="none" w="med" len="med"/>
+            <a:tailEnd type="arrow" w="med" len="med"/>
+          </a:ln>
+          <a:effectLst/>
+        </p:spPr>
+        <p:style>
+          <a:lnRef idx="1">
+            <a:schemeClr val="accent2"/>
+          </a:lnRef>
+          <a:fillRef idx="2">
+            <a:schemeClr val="accent2"/>
+          </a:fillRef>
+          <a:effectRef idx="1">
+            <a:schemeClr val="accent2"/>
+          </a:effectRef>
+          <a:fontRef idx="minor">
+            <a:schemeClr val="dk1"/>
+          </a:fontRef>
+        </p:style>
+        <p:txBody>
+          <a:bodyPr rtlCol="0" anchor="ctr"/>
+          <a:lstStyle/>
+          <a:p>
+            <a:pPr algn="ctr"/>
+            <a:endParaRPr lang="en-SG"/>
+          </a:p>
+        </p:txBody>
+      </p:sp>
+      <p:cxnSp>
+        <p:nvCxnSpPr>
+          <p:cNvPr id="72" name="Elbow Connector 63">
+            <a:extLst>
+              <a:ext uri="{FF2B5EF4-FFF2-40B4-BE49-F238E27FC236}">
+                <a16:creationId xmlns:a16="http://schemas.microsoft.com/office/drawing/2014/main" id="{E4639CE1-4699-4416-9144-302F6536FF53}"/>
+              </a:ext>
+            </a:extLst>
+          </p:cNvPr>
+          <p:cNvCxnSpPr>
+            <a:cxnSpLocks/>
+          </p:cNvCxnSpPr>
+          <p:nvPr/>
+        </p:nvCxnSpPr>
+        <p:spPr>
+          <a:xfrm rot="16200000" flipH="1">
+            <a:off x="1646571" y="3614926"/>
+            <a:ext cx="1723820" cy="181216"/>
+          </a:xfrm>
+          <a:prstGeom prst="bentConnector2">
+            <a:avLst/>
+          </a:prstGeom>
+          <a:ln w="19050">
+            <a:solidFill>
+              <a:schemeClr val="accent3"/>
+            </a:solidFill>
+            <a:headEnd type="none" w="med" len="med"/>
+            <a:tailEnd type="arrow" w="med" len="med"/>
+          </a:ln>
+          <a:effectLst/>
+        </p:spPr>
+        <p:style>
+          <a:lnRef idx="1">
+            <a:schemeClr val="accent2"/>
+          </a:lnRef>
+          <a:fillRef idx="2">
+            <a:schemeClr val="accent2"/>
+          </a:fillRef>
+          <a:effectRef idx="1">
+            <a:schemeClr val="accent2"/>
+          </a:effectRef>
+          <a:fontRef idx="minor">
+            <a:schemeClr val="dk1"/>
+          </a:fontRef>
+        </p:style>
+      </p:cxnSp>
+      <p:sp>
+        <p:nvSpPr>
+          <p:cNvPr id="75" name="Rectangle 11">
+            <a:extLst>
+              <a:ext uri="{FF2B5EF4-FFF2-40B4-BE49-F238E27FC236}">
+                <a16:creationId xmlns:a16="http://schemas.microsoft.com/office/drawing/2014/main" id="{7405F62A-36B7-4E38-8F17-8F64AB703999}"/>
+              </a:ext>
+            </a:extLst>
+          </p:cNvPr>
+          <p:cNvSpPr/>
+          <p:nvPr/>
+        </p:nvSpPr>
+        <p:spPr>
+          <a:xfrm>
+            <a:off x="2564177" y="5082775"/>
+            <a:ext cx="1502240" cy="236841"/>
+          </a:xfrm>
+          <a:prstGeom prst="rect">
+            <a:avLst/>
+          </a:prstGeom>
+          <a:ln w="19050">
+            <a:solidFill>
+              <a:schemeClr val="accent3"/>
+            </a:solidFill>
+          </a:ln>
+          <a:effectLst/>
+        </p:spPr>
+        <p:style>
+          <a:lnRef idx="1">
+            <a:schemeClr val="accent3"/>
+          </a:lnRef>
+          <a:fillRef idx="2">
+            <a:schemeClr val="accent3"/>
+          </a:fillRef>
+          <a:effectRef idx="1">
+            <a:schemeClr val="accent3"/>
+          </a:effectRef>
+          <a:fontRef idx="minor">
+            <a:schemeClr val="dk1"/>
+          </a:fontRef>
+        </p:style>
+        <p:txBody>
+          <a:bodyPr rtlCol="0" anchor="ctr"/>
+          <a:lstStyle/>
+          <a:p>
+            <a:pPr algn="ctr"/>
+            <a:r>
+              <a:rPr lang="en-US" sz="1050" b="1" dirty="0">
+                <a:solidFill>
+                  <a:schemeClr val="accent3">
+                    <a:lumMod val="75000"/>
+                  </a:schemeClr>
+                </a:solidFill>
+              </a:rPr>
+              <a:t>GroupPerosnListPanel</a:t>
+            </a:r>
+            <a:endParaRPr lang="en-SG" sz="1050" b="1" dirty="0">
+              <a:solidFill>
+                <a:schemeClr val="accent3">
+                  <a:lumMod val="75000"/>
+                </a:schemeClr>
+              </a:solidFill>
+            </a:endParaRPr>
+          </a:p>
+        </p:txBody>
+      </p:sp>
+      <p:cxnSp>
+        <p:nvCxnSpPr>
+          <p:cNvPr id="76" name="Elbow Connector 136">
+            <a:extLst>
+              <a:ext uri="{FF2B5EF4-FFF2-40B4-BE49-F238E27FC236}">
+                <a16:creationId xmlns:a16="http://schemas.microsoft.com/office/drawing/2014/main" id="{74D7C997-9861-44EE-A148-CD3C5EC114CD}"/>
+              </a:ext>
+            </a:extLst>
+          </p:cNvPr>
+          <p:cNvCxnSpPr/>
+          <p:nvPr/>
+        </p:nvCxnSpPr>
+        <p:spPr>
+          <a:xfrm rot="16200000" flipH="1">
+            <a:off x="3439831" y="5057812"/>
+            <a:ext cx="118421" cy="699979"/>
+          </a:xfrm>
+          <a:prstGeom prst="bentConnector2">
+            <a:avLst/>
+          </a:prstGeom>
+          <a:ln w="19050">
+            <a:solidFill>
+              <a:schemeClr val="accent3"/>
+            </a:solidFill>
+            <a:headEnd type="none" w="med" len="med"/>
+            <a:tailEnd type="arrow" w="med" len="med"/>
+          </a:ln>
+          <a:effectLst/>
+        </p:spPr>
+        <p:style>
+          <a:lnRef idx="1">
+            <a:schemeClr val="accent2"/>
+          </a:lnRef>
+          <a:fillRef idx="2">
+            <a:schemeClr val="accent2"/>
+          </a:fillRef>
+          <a:effectRef idx="1">
+            <a:schemeClr val="accent2"/>
+          </a:effectRef>
+          <a:fontRef idx="minor">
+            <a:schemeClr val="dk1"/>
+          </a:fontRef>
+        </p:style>
+      </p:cxnSp>
+      <p:sp>
+        <p:nvSpPr>
+          <p:cNvPr id="78" name="Rectangle 11">
+            <a:extLst>
+              <a:ext uri="{FF2B5EF4-FFF2-40B4-BE49-F238E27FC236}">
+                <a16:creationId xmlns:a16="http://schemas.microsoft.com/office/drawing/2014/main" id="{296279F6-3823-4EF3-867C-827E5629DFF3}"/>
+              </a:ext>
+            </a:extLst>
+          </p:cNvPr>
+          <p:cNvSpPr/>
+          <p:nvPr/>
+        </p:nvSpPr>
+        <p:spPr>
+          <a:xfrm>
+            <a:off x="3828338" y="5366092"/>
+            <a:ext cx="1040906" cy="236841"/>
+          </a:xfrm>
+          <a:prstGeom prst="rect">
+            <a:avLst/>
+          </a:prstGeom>
+          <a:ln w="19050">
+            <a:solidFill>
+              <a:schemeClr val="accent3"/>
+            </a:solidFill>
+          </a:ln>
+          <a:effectLst/>
+        </p:spPr>
+        <p:style>
+          <a:lnRef idx="1">
+            <a:schemeClr val="accent3"/>
+          </a:lnRef>
+          <a:fillRef idx="2">
+            <a:schemeClr val="accent3"/>
+          </a:fillRef>
+          <a:effectRef idx="1">
+            <a:schemeClr val="accent3"/>
+          </a:effectRef>
+          <a:fontRef idx="minor">
+            <a:schemeClr val="dk1"/>
+          </a:fontRef>
+        </p:style>
+        <p:txBody>
+          <a:bodyPr rtlCol="0" anchor="ctr"/>
+          <a:lstStyle/>
+          <a:p>
+            <a:pPr algn="ctr"/>
+            <a:r>
+              <a:rPr lang="en-US" sz="1050" b="1" dirty="0">
+                <a:solidFill>
+                  <a:schemeClr val="accent3">
+                    <a:lumMod val="75000"/>
+                  </a:schemeClr>
+                </a:solidFill>
+              </a:rPr>
+              <a:t>PersonCard</a:t>
+            </a:r>
+            <a:endParaRPr lang="en-SG" sz="1050" b="1" dirty="0">
+              <a:solidFill>
+                <a:schemeClr val="accent3">
+                  <a:lumMod val="75000"/>
+                </a:schemeClr>
+              </a:solidFill>
+            </a:endParaRPr>
+          </a:p>
+        </p:txBody>
+      </p:sp>
+      <p:sp>
+        <p:nvSpPr>
+          <p:cNvPr id="79" name="Freeform 117">
+            <a:extLst>
+              <a:ext uri="{FF2B5EF4-FFF2-40B4-BE49-F238E27FC236}">
+                <a16:creationId xmlns:a16="http://schemas.microsoft.com/office/drawing/2014/main" id="{646C37F9-851C-4919-A86C-FEE86772657B}"/>
+              </a:ext>
+            </a:extLst>
+          </p:cNvPr>
+          <p:cNvSpPr/>
+          <p:nvPr/>
+        </p:nvSpPr>
+        <p:spPr>
+          <a:xfrm flipV="1">
+            <a:off x="4093320" y="5593499"/>
             <a:ext cx="2642195" cy="101600"/>
           </a:xfrm>
           <a:custGeom>

--- a/docs/diagrams/UiComponentClassDiagram.pptx
+++ b/docs/diagrams/UiComponentClassDiagram.pptx
@@ -208,7 +208,7 @@
           <a:p>
             <a:fld id="{F5CC4B3F-88C1-4FFA-B1B6-F41C21DC6924}" type="datetimeFigureOut">
               <a:rPr lang="en-US" smtClean="0"/>
-              <a:t>1/7/2017</a:t>
+              <a:t>10/31/2018</a:t>
             </a:fld>
             <a:endParaRPr lang="en-US"/>
           </a:p>
@@ -475,6 +475,90 @@
 </p:notesMaster>
 </file>
 
+<file path=ppt/notesSlides/notesSlide1.xml><?xml version="1.0" encoding="utf-8"?>
+<p:notes xmlns:a="http://schemas.openxmlformats.org/drawingml/2006/main" xmlns:r="http://schemas.openxmlformats.org/officeDocument/2006/relationships" xmlns:p="http://schemas.openxmlformats.org/presentationml/2006/main">
+  <p:cSld>
+    <p:spTree>
+      <p:nvGrpSpPr>
+        <p:cNvPr id="1" name=""/>
+        <p:cNvGrpSpPr/>
+        <p:nvPr/>
+      </p:nvGrpSpPr>
+      <p:grpSpPr>
+        <a:xfrm>
+          <a:off x="0" y="0"/>
+          <a:ext cx="0" cy="0"/>
+          <a:chOff x="0" y="0"/>
+          <a:chExt cx="0" cy="0"/>
+        </a:xfrm>
+      </p:grpSpPr>
+      <p:sp>
+        <p:nvSpPr>
+          <p:cNvPr id="2" name="Slide Image Placeholder 1"/>
+          <p:cNvSpPr>
+            <a:spLocks noGrp="1" noRot="1" noChangeAspect="1"/>
+          </p:cNvSpPr>
+          <p:nvPr>
+            <p:ph type="sldImg"/>
+          </p:nvPr>
+        </p:nvSpPr>
+        <p:spPr/>
+      </p:sp>
+      <p:sp>
+        <p:nvSpPr>
+          <p:cNvPr id="3" name="Notes Placeholder 2"/>
+          <p:cNvSpPr>
+            <a:spLocks noGrp="1"/>
+          </p:cNvSpPr>
+          <p:nvPr>
+            <p:ph type="body" idx="1"/>
+          </p:nvPr>
+        </p:nvSpPr>
+        <p:spPr/>
+        <p:txBody>
+          <a:bodyPr/>
+          <a:lstStyle/>
+          <a:p>
+            <a:endParaRPr lang="en-SG" dirty="0"/>
+          </a:p>
+        </p:txBody>
+      </p:sp>
+      <p:sp>
+        <p:nvSpPr>
+          <p:cNvPr id="4" name="Slide Number Placeholder 3"/>
+          <p:cNvSpPr>
+            <a:spLocks noGrp="1"/>
+          </p:cNvSpPr>
+          <p:nvPr>
+            <p:ph type="sldNum" sz="quarter" idx="10"/>
+          </p:nvPr>
+        </p:nvSpPr>
+        <p:spPr/>
+        <p:txBody>
+          <a:bodyPr/>
+          <a:lstStyle/>
+          <a:p>
+            <a:fld id="{5A7AB025-77E3-4BD1-A2FD-B3183DBA47A3}" type="slidenum">
+              <a:rPr lang="en-US" smtClean="0"/>
+              <a:t>1</a:t>
+            </a:fld>
+            <a:endParaRPr lang="en-US"/>
+          </a:p>
+        </p:txBody>
+      </p:sp>
+    </p:spTree>
+    <p:extLst>
+      <p:ext uri="{BB962C8B-B14F-4D97-AF65-F5344CB8AC3E}">
+        <p14:creationId xmlns:p14="http://schemas.microsoft.com/office/powerpoint/2010/main" val="1263588380"/>
+      </p:ext>
+    </p:extLst>
+  </p:cSld>
+  <p:clrMapOvr>
+    <a:masterClrMapping/>
+  </p:clrMapOvr>
+</p:notes>
+</file>
+
 <file path=ppt/slideLayouts/slideLayout1.xml><?xml version="1.0" encoding="utf-8"?>
 <p:sldLayout xmlns:a="http://schemas.openxmlformats.org/drawingml/2006/main" xmlns:r="http://schemas.openxmlformats.org/officeDocument/2006/relationships" xmlns:p="http://schemas.openxmlformats.org/presentationml/2006/main" type="title" preserve="1">
   <p:cSld name="Title Slide">
@@ -654,7 +738,7 @@
           <a:p>
             <a:fld id="{78C97017-6FC3-485B-9764-EAC9E56C1D49}" type="datetimeFigureOut">
               <a:rPr lang="en-US" smtClean="0"/>
-              <a:t>1/7/2017</a:t>
+              <a:t>10/31/2018</a:t>
             </a:fld>
             <a:endParaRPr lang="en-US"/>
           </a:p>
@@ -822,7 +906,7 @@
           <a:p>
             <a:fld id="{78C97017-6FC3-485B-9764-EAC9E56C1D49}" type="datetimeFigureOut">
               <a:rPr lang="en-US" smtClean="0"/>
-              <a:t>1/7/2017</a:t>
+              <a:t>10/31/2018</a:t>
             </a:fld>
             <a:endParaRPr lang="en-US"/>
           </a:p>
@@ -1000,7 +1084,7 @@
           <a:p>
             <a:fld id="{78C97017-6FC3-485B-9764-EAC9E56C1D49}" type="datetimeFigureOut">
               <a:rPr lang="en-US" smtClean="0"/>
-              <a:t>1/7/2017</a:t>
+              <a:t>10/31/2018</a:t>
             </a:fld>
             <a:endParaRPr lang="en-US"/>
           </a:p>
@@ -1168,7 +1252,7 @@
           <a:p>
             <a:fld id="{78C97017-6FC3-485B-9764-EAC9E56C1D49}" type="datetimeFigureOut">
               <a:rPr lang="en-US" smtClean="0"/>
-              <a:t>1/7/2017</a:t>
+              <a:t>10/31/2018</a:t>
             </a:fld>
             <a:endParaRPr lang="en-US"/>
           </a:p>
@@ -1413,7 +1497,7 @@
           <a:p>
             <a:fld id="{78C97017-6FC3-485B-9764-EAC9E56C1D49}" type="datetimeFigureOut">
               <a:rPr lang="en-US" smtClean="0"/>
-              <a:t>1/7/2017</a:t>
+              <a:t>10/31/2018</a:t>
             </a:fld>
             <a:endParaRPr lang="en-US"/>
           </a:p>
@@ -1698,7 +1782,7 @@
           <a:p>
             <a:fld id="{78C97017-6FC3-485B-9764-EAC9E56C1D49}" type="datetimeFigureOut">
               <a:rPr lang="en-US" smtClean="0"/>
-              <a:t>1/7/2017</a:t>
+              <a:t>10/31/2018</a:t>
             </a:fld>
             <a:endParaRPr lang="en-US"/>
           </a:p>
@@ -2117,7 +2201,7 @@
           <a:p>
             <a:fld id="{78C97017-6FC3-485B-9764-EAC9E56C1D49}" type="datetimeFigureOut">
               <a:rPr lang="en-US" smtClean="0"/>
-              <a:t>1/7/2017</a:t>
+              <a:t>10/31/2018</a:t>
             </a:fld>
             <a:endParaRPr lang="en-US"/>
           </a:p>
@@ -2234,7 +2318,7 @@
           <a:p>
             <a:fld id="{78C97017-6FC3-485B-9764-EAC9E56C1D49}" type="datetimeFigureOut">
               <a:rPr lang="en-US" smtClean="0"/>
-              <a:t>1/7/2017</a:t>
+              <a:t>10/31/2018</a:t>
             </a:fld>
             <a:endParaRPr lang="en-US"/>
           </a:p>
@@ -2329,7 +2413,7 @@
           <a:p>
             <a:fld id="{78C97017-6FC3-485B-9764-EAC9E56C1D49}" type="datetimeFigureOut">
               <a:rPr lang="en-US" smtClean="0"/>
-              <a:t>1/7/2017</a:t>
+              <a:t>10/31/2018</a:t>
             </a:fld>
             <a:endParaRPr lang="en-US"/>
           </a:p>
@@ -2604,7 +2688,7 @@
           <a:p>
             <a:fld id="{78C97017-6FC3-485B-9764-EAC9E56C1D49}" type="datetimeFigureOut">
               <a:rPr lang="en-US" smtClean="0"/>
-              <a:t>1/7/2017</a:t>
+              <a:t>10/31/2018</a:t>
             </a:fld>
             <a:endParaRPr lang="en-US"/>
           </a:p>
@@ -2856,7 +2940,7 @@
           <a:p>
             <a:fld id="{78C97017-6FC3-485B-9764-EAC9E56C1D49}" type="datetimeFigureOut">
               <a:rPr lang="en-US" smtClean="0"/>
-              <a:t>1/7/2017</a:t>
+              <a:t>10/31/2018</a:t>
             </a:fld>
             <a:endParaRPr lang="en-US"/>
           </a:p>
@@ -3067,7 +3151,7 @@
           <a:p>
             <a:fld id="{78C97017-6FC3-485B-9764-EAC9E56C1D49}" type="datetimeFigureOut">
               <a:rPr lang="en-US" smtClean="0"/>
-              <a:t>1/7/2017</a:t>
+              <a:t>10/31/2018</a:t>
             </a:fld>
             <a:endParaRPr lang="en-US"/>
           </a:p>
@@ -3450,8 +3534,8 @@
         </p:nvSpPr>
         <p:spPr>
           <a:xfrm>
-            <a:off x="1217465" y="1447800"/>
-            <a:ext cx="4917083" cy="3962400"/>
+            <a:off x="964875" y="-31102"/>
+            <a:ext cx="7028588" cy="6889102"/>
           </a:xfrm>
           <a:prstGeom prst="roundRect">
             <a:avLst>
@@ -3512,7 +3596,7 @@
         </p:nvSpPr>
         <p:spPr>
           <a:xfrm>
-            <a:off x="2095948" y="2341220"/>
+            <a:off x="1885173" y="862319"/>
             <a:ext cx="1093635" cy="346760"/>
           </a:xfrm>
           <a:prstGeom prst="rect">
@@ -3572,8 +3656,8 @@
         </p:nvSpPr>
         <p:spPr>
           <a:xfrm>
-            <a:off x="2592528" y="2971800"/>
-            <a:ext cx="1093635" cy="236841"/>
+            <a:off x="2381753" y="1492899"/>
+            <a:ext cx="1266670" cy="236841"/>
           </a:xfrm>
           <a:prstGeom prst="rect">
             <a:avLst/>
@@ -3632,7 +3716,7 @@
         </p:nvSpPr>
         <p:spPr>
           <a:xfrm>
-            <a:off x="2092842" y="1770924"/>
+            <a:off x="1882067" y="292023"/>
             <a:ext cx="1093635" cy="346760"/>
           </a:xfrm>
           <a:prstGeom prst="rect">
@@ -3694,7 +3778,7 @@
         </p:nvCxnSpPr>
         <p:spPr>
           <a:xfrm rot="16200000" flipH="1">
-            <a:off x="2529445" y="2227899"/>
+            <a:off x="2318670" y="748998"/>
             <a:ext cx="223536" cy="3106"/>
           </a:xfrm>
           <a:prstGeom prst="bentConnector3">
@@ -3734,7 +3818,7 @@
         </p:nvSpPr>
         <p:spPr>
           <a:xfrm rot="10800000" flipV="1">
-            <a:off x="5394717" y="2110477"/>
+            <a:off x="6234926" y="638783"/>
             <a:ext cx="270504" cy="175523"/>
           </a:xfrm>
           <a:prstGeom prst="triangle">
@@ -3782,7 +3866,7 @@
         </p:nvCxnSpPr>
         <p:spPr>
           <a:xfrm flipV="1">
-            <a:off x="644735" y="2991937"/>
+            <a:off x="433960" y="1513036"/>
             <a:ext cx="684904" cy="1"/>
           </a:xfrm>
           <a:prstGeom prst="bentConnector3">
@@ -3825,7 +3909,7 @@
         </p:nvSpPr>
         <p:spPr>
           <a:xfrm rot="16200000">
-            <a:off x="5703829" y="2464877"/>
+            <a:off x="7189319" y="985976"/>
             <a:ext cx="2362201" cy="328045"/>
           </a:xfrm>
           <a:prstGeom prst="roundRect">
@@ -3879,14 +3963,14 @@
       </p:sp>
       <p:sp>
         <p:nvSpPr>
-          <p:cNvPr id="34" name="Rectangle 11"/>
+          <p:cNvPr id="35" name="Rectangle 11"/>
           <p:cNvSpPr/>
           <p:nvPr/>
         </p:nvSpPr>
         <p:spPr>
           <a:xfrm>
-            <a:off x="2592528" y="3649359"/>
-            <a:ext cx="1093635" cy="236841"/>
+            <a:off x="2381752" y="2886995"/>
+            <a:ext cx="1266670" cy="305730"/>
           </a:xfrm>
           <a:prstGeom prst="rect">
             <a:avLst/>
@@ -3925,7 +4009,7 @@
                   </a:schemeClr>
                 </a:solidFill>
               </a:rPr>
-              <a:t>BrowserPanel</a:t>
+              <a:t>StatusBarFooter</a:t>
             </a:r>
             <a:endParaRPr lang="en-SG" sz="1050" b="1" dirty="0">
               <a:solidFill>
@@ -3939,14 +4023,14 @@
       </p:sp>
       <p:sp>
         <p:nvSpPr>
-          <p:cNvPr id="35" name="Rectangle 11"/>
+          <p:cNvPr id="36" name="Rectangle 11"/>
           <p:cNvSpPr/>
           <p:nvPr/>
         </p:nvSpPr>
         <p:spPr>
           <a:xfrm>
-            <a:off x="2592527" y="4563759"/>
-            <a:ext cx="1093635" cy="236841"/>
+            <a:off x="2381751" y="2152837"/>
+            <a:ext cx="1266670" cy="358026"/>
           </a:xfrm>
           <a:prstGeom prst="rect">
             <a:avLst/>
@@ -3985,7 +4069,7 @@
                   </a:schemeClr>
                 </a:solidFill>
               </a:rPr>
-              <a:t>StatusBarFooter</a:t>
+              <a:t>RecordListPanel</a:t>
             </a:r>
             <a:endParaRPr lang="en-SG" sz="1050" b="1" dirty="0">
               <a:solidFill>
@@ -3999,14 +4083,14 @@
       </p:sp>
       <p:sp>
         <p:nvSpPr>
-          <p:cNvPr id="36" name="Rectangle 11"/>
+          <p:cNvPr id="37" name="Rectangle 11"/>
           <p:cNvSpPr/>
           <p:nvPr/>
         </p:nvSpPr>
         <p:spPr>
           <a:xfrm>
-            <a:off x="2592526" y="3991960"/>
-            <a:ext cx="1093635" cy="236841"/>
+            <a:off x="3628548" y="2554016"/>
+            <a:ext cx="1040906" cy="246558"/>
           </a:xfrm>
           <a:prstGeom prst="rect">
             <a:avLst/>
@@ -4045,7 +4129,7 @@
                   </a:schemeClr>
                 </a:solidFill>
               </a:rPr>
-              <a:t>PersonListPanel</a:t>
+              <a:t>RecordCard</a:t>
             </a:r>
             <a:endParaRPr lang="en-SG" sz="1050" b="1" dirty="0">
               <a:solidFill>
@@ -4059,14 +4143,14 @@
       </p:sp>
       <p:sp>
         <p:nvSpPr>
-          <p:cNvPr id="37" name="Rectangle 11"/>
+          <p:cNvPr id="38" name="Rectangle 11"/>
           <p:cNvSpPr/>
           <p:nvPr/>
         </p:nvSpPr>
         <p:spPr>
           <a:xfrm>
-            <a:off x="3839323" y="4228801"/>
-            <a:ext cx="1040906" cy="236841"/>
+            <a:off x="2380022" y="6504902"/>
+            <a:ext cx="1266670" cy="236841"/>
           </a:xfrm>
           <a:prstGeom prst="rect">
             <a:avLst/>
@@ -4105,7 +4189,7 @@
                   </a:schemeClr>
                 </a:solidFill>
               </a:rPr>
-              <a:t>PersonCard</a:t>
+              <a:t>HelpWindow</a:t>
             </a:r>
             <a:endParaRPr lang="en-SG" sz="1050" b="1" dirty="0">
               <a:solidFill>
@@ -4119,73 +4203,13 @@
       </p:sp>
       <p:sp>
         <p:nvSpPr>
-          <p:cNvPr id="38" name="Rectangle 11"/>
-          <p:cNvSpPr/>
-          <p:nvPr/>
-        </p:nvSpPr>
-        <p:spPr>
-          <a:xfrm>
-            <a:off x="2592528" y="4966000"/>
-            <a:ext cx="1093635" cy="236841"/>
-          </a:xfrm>
-          <a:prstGeom prst="rect">
-            <a:avLst/>
-          </a:prstGeom>
-          <a:ln w="19050">
-            <a:solidFill>
-              <a:schemeClr val="accent3"/>
-            </a:solidFill>
-          </a:ln>
-          <a:effectLst/>
-        </p:spPr>
-        <p:style>
-          <a:lnRef idx="1">
-            <a:schemeClr val="accent3"/>
-          </a:lnRef>
-          <a:fillRef idx="2">
-            <a:schemeClr val="accent3"/>
-          </a:fillRef>
-          <a:effectRef idx="1">
-            <a:schemeClr val="accent3"/>
-          </a:effectRef>
-          <a:fontRef idx="minor">
-            <a:schemeClr val="dk1"/>
-          </a:fontRef>
-        </p:style>
-        <p:txBody>
-          <a:bodyPr rtlCol="0" anchor="ctr"/>
-          <a:lstStyle/>
-          <a:p>
-            <a:pPr algn="ctr"/>
-            <a:r>
-              <a:rPr lang="en-US" sz="1050" b="1" dirty="0" err="1">
-                <a:solidFill>
-                  <a:schemeClr val="accent3">
-                    <a:lumMod val="75000"/>
-                  </a:schemeClr>
-                </a:solidFill>
-              </a:rPr>
-              <a:t>HelpWindow</a:t>
-            </a:r>
-            <a:endParaRPr lang="en-SG" sz="1050" b="1" dirty="0">
-              <a:solidFill>
-                <a:schemeClr val="accent3">
-                  <a:lumMod val="75000"/>
-                </a:schemeClr>
-              </a:solidFill>
-            </a:endParaRPr>
-          </a:p>
-        </p:txBody>
-      </p:sp>
-      <p:sp>
-        <p:nvSpPr>
           <p:cNvPr id="39" name="Flowchart: Decision 38"/>
           <p:cNvSpPr/>
           <p:nvPr/>
         </p:nvSpPr>
         <p:spPr>
           <a:xfrm>
-            <a:off x="2324548" y="2706452"/>
+            <a:off x="2113773" y="1227551"/>
             <a:ext cx="183156" cy="161573"/>
           </a:xfrm>
           <a:prstGeom prst="flowChartDecision">
@@ -4229,6 +4253,7 @@
         <p:nvCxnSpPr>
           <p:cNvPr id="40" name="Elbow Connector 63"/>
           <p:cNvCxnSpPr>
+            <a:cxnSpLocks/>
             <a:stCxn id="39" idx="2"/>
             <a:endCxn id="3" idx="1"/>
           </p:cNvCxnSpPr>
@@ -4236,7 +4261,7 @@
         </p:nvCxnSpPr>
         <p:spPr>
           <a:xfrm rot="16200000" flipH="1">
-            <a:off x="2393229" y="2890922"/>
+            <a:off x="2182454" y="1412021"/>
             <a:ext cx="222196" cy="176402"/>
           </a:xfrm>
           <a:prstGeom prst="bentConnector2">
@@ -4274,8 +4299,8 @@
         </p:nvSpPr>
         <p:spPr>
           <a:xfrm>
-            <a:off x="2590799" y="3304308"/>
-            <a:ext cx="1095361" cy="236841"/>
+            <a:off x="2380024" y="1825407"/>
+            <a:ext cx="1268669" cy="236841"/>
           </a:xfrm>
           <a:prstGeom prst="rect">
             <a:avLst/>
@@ -4328,17 +4353,18 @@
       </p:sp>
       <p:cxnSp>
         <p:nvCxnSpPr>
-          <p:cNvPr id="44" name="Elbow Connector 63"/>
+          <p:cNvPr id="47" name="Elbow Connector 63"/>
           <p:cNvCxnSpPr>
+            <a:cxnSpLocks/>
             <a:stCxn id="39" idx="2"/>
-            <a:endCxn id="34" idx="1"/>
+            <a:endCxn id="36" idx="1"/>
           </p:cNvCxnSpPr>
           <p:nvPr/>
         </p:nvCxnSpPr>
         <p:spPr>
           <a:xfrm rot="16200000" flipH="1">
-            <a:off x="2054450" y="3229701"/>
-            <a:ext cx="899755" cy="176402"/>
+            <a:off x="1822188" y="1772287"/>
+            <a:ext cx="942726" cy="176400"/>
           </a:xfrm>
           <a:prstGeom prst="bentConnector2">
             <a:avLst/>
@@ -4369,17 +4395,18 @@
       </p:cxnSp>
       <p:cxnSp>
         <p:nvCxnSpPr>
-          <p:cNvPr id="47" name="Elbow Connector 63"/>
+          <p:cNvPr id="50" name="Elbow Connector 63"/>
           <p:cNvCxnSpPr>
+            <a:cxnSpLocks/>
             <a:stCxn id="39" idx="2"/>
-            <a:endCxn id="36" idx="1"/>
+            <a:endCxn id="35" idx="1"/>
           </p:cNvCxnSpPr>
           <p:nvPr/>
         </p:nvCxnSpPr>
         <p:spPr>
           <a:xfrm rot="16200000" flipH="1">
-            <a:off x="1883148" y="3401003"/>
-            <a:ext cx="1242356" cy="176400"/>
+            <a:off x="1468183" y="2126291"/>
+            <a:ext cx="1650736" cy="176401"/>
           </a:xfrm>
           <a:prstGeom prst="bentConnector2">
             <a:avLst/>
@@ -4410,20 +4437,23 @@
       </p:cxnSp>
       <p:cxnSp>
         <p:nvCxnSpPr>
-          <p:cNvPr id="50" name="Elbow Connector 63"/>
+          <p:cNvPr id="53" name="Elbow Connector 63"/>
           <p:cNvCxnSpPr>
-            <a:stCxn id="39" idx="2"/>
-            <a:endCxn id="35" idx="1"/>
+            <a:cxnSpLocks/>
+            <a:stCxn id="2" idx="1"/>
+            <a:endCxn id="38" idx="1"/>
           </p:cNvCxnSpPr>
           <p:nvPr/>
         </p:nvCxnSpPr>
         <p:spPr>
-          <a:xfrm rot="16200000" flipH="1">
-            <a:off x="1597249" y="3686901"/>
-            <a:ext cx="1814155" cy="176401"/>
-          </a:xfrm>
-          <a:prstGeom prst="bentConnector2">
-            <a:avLst/>
+          <a:xfrm rot="10800000" flipH="1" flipV="1">
+            <a:off x="1885172" y="1035699"/>
+            <a:ext cx="494849" cy="5587624"/>
+          </a:xfrm>
+          <a:prstGeom prst="bentConnector3">
+            <a:avLst>
+              <a:gd name="adj1" fmla="val -46196"/>
+            </a:avLst>
           </a:prstGeom>
           <a:ln w="19050">
             <a:solidFill>
@@ -4449,46 +4479,6 @@
           </a:fontRef>
         </p:style>
       </p:cxnSp>
-      <p:cxnSp>
-        <p:nvCxnSpPr>
-          <p:cNvPr id="53" name="Elbow Connector 63"/>
-          <p:cNvCxnSpPr>
-            <a:endCxn id="38" idx="1"/>
-          </p:cNvCxnSpPr>
-          <p:nvPr/>
-        </p:nvCxnSpPr>
-        <p:spPr>
-          <a:xfrm rot="16200000" flipH="1">
-            <a:off x="1184119" y="3676012"/>
-            <a:ext cx="2396440" cy="420377"/>
-          </a:xfrm>
-          <a:prstGeom prst="bentConnector2">
-            <a:avLst/>
-          </a:prstGeom>
-          <a:ln w="19050">
-            <a:solidFill>
-              <a:schemeClr val="accent3"/>
-            </a:solidFill>
-            <a:headEnd type="none" w="med" len="med"/>
-            <a:tailEnd type="arrow" w="med" len="med"/>
-          </a:ln>
-          <a:effectLst/>
-        </p:spPr>
-        <p:style>
-          <a:lnRef idx="1">
-            <a:schemeClr val="accent2"/>
-          </a:lnRef>
-          <a:fillRef idx="2">
-            <a:schemeClr val="accent2"/>
-          </a:fillRef>
-          <a:effectRef idx="1">
-            <a:schemeClr val="accent2"/>
-          </a:effectRef>
-          <a:fontRef idx="minor">
-            <a:schemeClr val="dk1"/>
-          </a:fontRef>
-        </p:style>
-      </p:cxnSp>
       <p:sp>
         <p:nvSpPr>
           <p:cNvPr id="73" name="Rectangle 62"/>
@@ -4497,7 +4487,7 @@
         </p:nvSpPr>
         <p:spPr>
           <a:xfrm>
-            <a:off x="5143948" y="1770924"/>
+            <a:off x="5984157" y="292023"/>
             <a:ext cx="772043" cy="346760"/>
           </a:xfrm>
           <a:prstGeom prst="rect">
@@ -4572,6 +4562,7 @@
         <p:nvCxnSpPr>
           <p:cNvPr id="74" name="Elbow Connector 63"/>
           <p:cNvCxnSpPr>
+            <a:cxnSpLocks/>
             <a:stCxn id="43" idx="3"/>
             <a:endCxn id="16" idx="3"/>
           </p:cNvCxnSpPr>
@@ -4579,8 +4570,8 @@
         </p:nvCxnSpPr>
         <p:spPr>
           <a:xfrm flipV="1">
-            <a:off x="3686160" y="2286000"/>
-            <a:ext cx="1843809" cy="1136729"/>
+            <a:off x="3648693" y="814306"/>
+            <a:ext cx="2721485" cy="1129522"/>
           </a:xfrm>
           <a:prstGeom prst="bentConnector2">
             <a:avLst/>
@@ -4613,6 +4604,7 @@
         <p:nvCxnSpPr>
           <p:cNvPr id="77" name="Elbow Connector 63"/>
           <p:cNvCxnSpPr>
+            <a:cxnSpLocks/>
             <a:stCxn id="16" idx="3"/>
             <a:endCxn id="37" idx="3"/>
           </p:cNvCxnSpPr>
@@ -4620,49 +4612,8 @@
         </p:nvCxnSpPr>
         <p:spPr>
           <a:xfrm rot="5400000">
-            <a:off x="4174488" y="2991741"/>
-            <a:ext cx="2061222" cy="649740"/>
-          </a:xfrm>
-          <a:prstGeom prst="bentConnector2">
-            <a:avLst/>
-          </a:prstGeom>
-          <a:ln w="6350">
-            <a:solidFill>
-              <a:schemeClr val="accent3"/>
-            </a:solidFill>
-            <a:headEnd type="none" w="med" len="med"/>
-            <a:tailEnd type="none" w="med" len="med"/>
-          </a:ln>
-          <a:effectLst/>
-        </p:spPr>
-        <p:style>
-          <a:lnRef idx="1">
-            <a:schemeClr val="accent2"/>
-          </a:lnRef>
-          <a:fillRef idx="2">
-            <a:schemeClr val="accent2"/>
-          </a:fillRef>
-          <a:effectRef idx="1">
-            <a:schemeClr val="accent2"/>
-          </a:effectRef>
-          <a:fontRef idx="minor">
-            <a:schemeClr val="dk1"/>
-          </a:fontRef>
-        </p:style>
-      </p:cxnSp>
-      <p:cxnSp>
-        <p:nvCxnSpPr>
-          <p:cNvPr id="82" name="Elbow Connector 63"/>
-          <p:cNvCxnSpPr>
-            <a:stCxn id="16" idx="3"/>
-            <a:endCxn id="34" idx="3"/>
-          </p:cNvCxnSpPr>
-          <p:nvPr/>
-        </p:nvCxnSpPr>
-        <p:spPr>
-          <a:xfrm rot="5400000">
-            <a:off x="3867176" y="2104987"/>
-            <a:ext cx="1481780" cy="1843806"/>
+            <a:off x="4588322" y="895438"/>
+            <a:ext cx="1862989" cy="1700724"/>
           </a:xfrm>
           <a:prstGeom prst="bentConnector2">
             <a:avLst/>
@@ -4702,8 +4653,8 @@
         </p:nvCxnSpPr>
         <p:spPr>
           <a:xfrm flipV="1">
-            <a:off x="3189583" y="2286000"/>
-            <a:ext cx="2340386" cy="228600"/>
+            <a:off x="2978808" y="814306"/>
+            <a:ext cx="3391370" cy="221393"/>
           </a:xfrm>
           <a:prstGeom prst="bentConnector2">
             <a:avLst/>
@@ -4736,6 +4687,7 @@
         <p:nvCxnSpPr>
           <p:cNvPr id="91" name="Elbow Connector 63"/>
           <p:cNvCxnSpPr>
+            <a:cxnSpLocks/>
             <a:stCxn id="16" idx="3"/>
             <a:endCxn id="35" idx="3"/>
           </p:cNvCxnSpPr>
@@ -4743,8 +4695,8 @@
         </p:nvCxnSpPr>
         <p:spPr>
           <a:xfrm rot="5400000">
-            <a:off x="3409976" y="2562187"/>
-            <a:ext cx="2396180" cy="1843807"/>
+            <a:off x="3896523" y="566205"/>
+            <a:ext cx="2225554" cy="2721756"/>
           </a:xfrm>
           <a:prstGeom prst="bentConnector2">
             <a:avLst/>
@@ -4777,6 +4729,7 @@
         <p:nvCxnSpPr>
           <p:cNvPr id="94" name="Elbow Connector 63"/>
           <p:cNvCxnSpPr>
+            <a:cxnSpLocks/>
             <a:stCxn id="16" idx="3"/>
             <a:endCxn id="38" idx="3"/>
           </p:cNvCxnSpPr>
@@ -4784,8 +4737,8 @@
         </p:nvCxnSpPr>
         <p:spPr>
           <a:xfrm rot="5400000">
-            <a:off x="3208856" y="2763307"/>
-            <a:ext cx="2798421" cy="1843806"/>
+            <a:off x="2103927" y="2357071"/>
+            <a:ext cx="5809017" cy="2723486"/>
           </a:xfrm>
           <a:prstGeom prst="bentConnector2">
             <a:avLst/>
@@ -4818,14 +4771,15 @@
         <p:nvCxnSpPr>
           <p:cNvPr id="107" name="Elbow Connector 106"/>
           <p:cNvCxnSpPr>
+            <a:cxnSpLocks/>
             <a:stCxn id="9" idx="0"/>
           </p:cNvCxnSpPr>
           <p:nvPr/>
         </p:nvCxnSpPr>
         <p:spPr>
           <a:xfrm rot="5400000" flipH="1" flipV="1">
-            <a:off x="4594921" y="-355061"/>
-            <a:ext cx="170724" cy="4081246"/>
+            <a:off x="5236267" y="-2657289"/>
+            <a:ext cx="141930" cy="5756695"/>
           </a:xfrm>
           <a:prstGeom prst="bentConnector2">
             <a:avLst/>
@@ -4863,8 +4817,8 @@
         </p:nvSpPr>
         <p:spPr>
           <a:xfrm rot="16200000">
-            <a:off x="6213739" y="4560376"/>
-            <a:ext cx="1371599" cy="328045"/>
+            <a:off x="7360830" y="3419873"/>
+            <a:ext cx="2048398" cy="328045"/>
           </a:xfrm>
           <a:prstGeom prst="roundRect">
             <a:avLst/>
@@ -4923,7 +4877,7 @@
         </p:nvSpPr>
         <p:spPr>
           <a:xfrm rot="16200000">
-            <a:off x="956202" y="2861202"/>
+            <a:off x="745427" y="1382301"/>
             <a:ext cx="1093635" cy="346760"/>
           </a:xfrm>
           <a:prstGeom prst="rect">
@@ -4993,7 +4947,7 @@
         </p:nvSpPr>
         <p:spPr>
           <a:xfrm flipV="1">
-            <a:off x="1367767" y="2286001"/>
+            <a:off x="1156992" y="807100"/>
             <a:ext cx="270504" cy="175523"/>
           </a:xfrm>
           <a:prstGeom prst="triangle">
@@ -5044,7 +4998,7 @@
         </p:nvCxnSpPr>
         <p:spPr>
           <a:xfrm rot="10800000" flipV="1">
-            <a:off x="1503020" y="1944303"/>
+            <a:off x="1292245" y="465402"/>
             <a:ext cx="589823" cy="341697"/>
           </a:xfrm>
           <a:prstGeom prst="bentConnector2">
@@ -5079,6 +5033,7 @@
         <p:nvCxnSpPr>
           <p:cNvPr id="131" name="Elbow Connector 130"/>
           <p:cNvCxnSpPr>
+            <a:cxnSpLocks/>
             <a:stCxn id="39" idx="2"/>
             <a:endCxn id="43" idx="1"/>
           </p:cNvCxnSpPr>
@@ -5086,7 +5041,7 @@
         </p:nvCxnSpPr>
         <p:spPr>
           <a:xfrm rot="16200000" flipH="1">
-            <a:off x="2226110" y="3058040"/>
+            <a:off x="2015335" y="1579139"/>
             <a:ext cx="554704" cy="174673"/>
           </a:xfrm>
           <a:prstGeom prst="bentConnector2">
@@ -5120,6 +5075,7 @@
         <p:nvCxnSpPr>
           <p:cNvPr id="132" name="Elbow Connector 63"/>
           <p:cNvCxnSpPr>
+            <a:cxnSpLocks/>
             <a:stCxn id="16" idx="3"/>
             <a:endCxn id="3" idx="3"/>
           </p:cNvCxnSpPr>
@@ -5127,8 +5083,8 @@
         </p:nvCxnSpPr>
         <p:spPr>
           <a:xfrm rot="5400000">
-            <a:off x="4205956" y="1766207"/>
-            <a:ext cx="804221" cy="1843806"/>
+            <a:off x="4610794" y="-148064"/>
+            <a:ext cx="797014" cy="2721755"/>
           </a:xfrm>
           <a:prstGeom prst="bentConnector2">
             <a:avLst/>
@@ -5161,6 +5117,7 @@
         <p:nvCxnSpPr>
           <p:cNvPr id="137" name="Elbow Connector 136"/>
           <p:cNvCxnSpPr>
+            <a:cxnSpLocks/>
             <a:stCxn id="36" idx="2"/>
             <a:endCxn id="37" idx="1"/>
           </p:cNvCxnSpPr>
@@ -5168,8 +5125,8 @@
         </p:nvCxnSpPr>
         <p:spPr>
           <a:xfrm rot="16200000" flipH="1">
-            <a:off x="3430123" y="3938021"/>
-            <a:ext cx="118421" cy="699979"/>
+            <a:off x="3238601" y="2287348"/>
+            <a:ext cx="166432" cy="613462"/>
           </a:xfrm>
           <a:prstGeom prst="bentConnector2">
             <a:avLst/>
@@ -5202,6 +5159,7 @@
         <p:nvCxnSpPr>
           <p:cNvPr id="140" name="Elbow Connector 63"/>
           <p:cNvCxnSpPr>
+            <a:cxnSpLocks/>
             <a:stCxn id="16" idx="3"/>
             <a:endCxn id="36" idx="3"/>
           </p:cNvCxnSpPr>
@@ -5209,8 +5167,8 @@
         </p:nvCxnSpPr>
         <p:spPr>
           <a:xfrm rot="5400000">
-            <a:off x="3695875" y="2276286"/>
-            <a:ext cx="1824381" cy="1843808"/>
+            <a:off x="4250528" y="212200"/>
+            <a:ext cx="1517544" cy="2721757"/>
           </a:xfrm>
           <a:prstGeom prst="bentConnector2">
             <a:avLst/>
@@ -5247,7 +5205,7 @@
         </p:nvSpPr>
         <p:spPr>
           <a:xfrm>
-            <a:off x="5435896" y="2743200"/>
+            <a:off x="5225121" y="1264299"/>
             <a:ext cx="229325" cy="166560"/>
           </a:xfrm>
           <a:prstGeom prst="rect">
@@ -5300,8 +5258,8 @@
         </p:nvSpPr>
         <p:spPr>
           <a:xfrm>
-            <a:off x="3687515" y="2828802"/>
-            <a:ext cx="3048000" cy="203200"/>
+            <a:off x="3476740" y="1249786"/>
+            <a:ext cx="4708840" cy="303315"/>
           </a:xfrm>
           <a:custGeom>
             <a:avLst/>
@@ -5382,7 +5340,7 @@
         </p:nvSpPr>
         <p:spPr>
           <a:xfrm>
-            <a:off x="5431573" y="4488138"/>
+            <a:off x="5220798" y="3009237"/>
             <a:ext cx="229325" cy="160062"/>
           </a:xfrm>
           <a:prstGeom prst="rect">
@@ -5435,8 +5393,8 @@
         </p:nvSpPr>
         <p:spPr>
           <a:xfrm flipV="1">
-            <a:off x="4114799" y="4472708"/>
-            <a:ext cx="2642195" cy="101600"/>
+            <a:off x="3911211" y="2803122"/>
+            <a:ext cx="4302373" cy="133850"/>
           </a:xfrm>
           <a:custGeom>
             <a:avLst/>
@@ -5505,10 +5463,1058 @@
           <a:lstStyle/>
           <a:p>
             <a:pPr algn="ctr"/>
+            <a:endParaRPr lang="en-SG" dirty="0"/>
+          </a:p>
+        </p:txBody>
+      </p:sp>
+      <p:sp>
+        <p:nvSpPr>
+          <p:cNvPr id="42" name="Rectangle 11">
+            <a:extLst>
+              <a:ext uri="{FF2B5EF4-FFF2-40B4-BE49-F238E27FC236}">
+                <a16:creationId xmlns:a16="http://schemas.microsoft.com/office/drawing/2014/main" id="{745777C7-779F-4462-8681-BC568C5B01C0}"/>
+              </a:ext>
+            </a:extLst>
+          </p:cNvPr>
+          <p:cNvSpPr/>
+          <p:nvPr/>
+        </p:nvSpPr>
+        <p:spPr>
+          <a:xfrm>
+            <a:off x="2378290" y="3294094"/>
+            <a:ext cx="1266670" cy="472550"/>
+          </a:xfrm>
+          <a:prstGeom prst="rect">
+            <a:avLst/>
+          </a:prstGeom>
+          <a:ln w="19050">
+            <a:solidFill>
+              <a:schemeClr val="accent3"/>
+            </a:solidFill>
+          </a:ln>
+          <a:effectLst/>
+        </p:spPr>
+        <p:style>
+          <a:lnRef idx="1">
+            <a:schemeClr val="accent3"/>
+          </a:lnRef>
+          <a:fillRef idx="2">
+            <a:schemeClr val="accent3"/>
+          </a:fillRef>
+          <a:effectRef idx="1">
+            <a:schemeClr val="accent3"/>
+          </a:effectRef>
+          <a:fontRef idx="minor">
+            <a:schemeClr val="dk1"/>
+          </a:fontRef>
+        </p:style>
+        <p:txBody>
+          <a:bodyPr rtlCol="0" anchor="ctr"/>
+          <a:lstStyle/>
+          <a:p>
+            <a:pPr algn="ctr"/>
+            <a:r>
+              <a:rPr lang="en-US" sz="1050" b="1" dirty="0" err="1">
+                <a:solidFill>
+                  <a:schemeClr val="accent3">
+                    <a:lumMod val="75000"/>
+                  </a:schemeClr>
+                </a:solidFill>
+              </a:rPr>
+              <a:t>DetailedRecord</a:t>
+            </a:r>
+            <a:endParaRPr lang="en-US" sz="1050" b="1" dirty="0">
+              <a:solidFill>
+                <a:schemeClr val="accent3">
+                  <a:lumMod val="75000"/>
+                </a:schemeClr>
+              </a:solidFill>
+            </a:endParaRPr>
+          </a:p>
+          <a:p>
+            <a:pPr algn="ctr"/>
+            <a:r>
+              <a:rPr lang="en-US" sz="1050" b="1" dirty="0">
+                <a:solidFill>
+                  <a:schemeClr val="accent3">
+                    <a:lumMod val="75000"/>
+                  </a:schemeClr>
+                </a:solidFill>
+              </a:rPr>
+              <a:t>Panel</a:t>
+            </a:r>
+            <a:endParaRPr lang="en-SG" sz="1050" b="1" dirty="0">
+              <a:solidFill>
+                <a:schemeClr val="accent3">
+                  <a:lumMod val="75000"/>
+                </a:schemeClr>
+              </a:solidFill>
+            </a:endParaRPr>
+          </a:p>
+        </p:txBody>
+      </p:sp>
+      <p:sp>
+        <p:nvSpPr>
+          <p:cNvPr id="45" name="Rectangle 11">
+            <a:extLst>
+              <a:ext uri="{FF2B5EF4-FFF2-40B4-BE49-F238E27FC236}">
+                <a16:creationId xmlns:a16="http://schemas.microsoft.com/office/drawing/2014/main" id="{3AE1B54A-F22D-403C-9AE0-2F75CA611E33}"/>
+              </a:ext>
+            </a:extLst>
+          </p:cNvPr>
+          <p:cNvSpPr/>
+          <p:nvPr/>
+        </p:nvSpPr>
+        <p:spPr>
+          <a:xfrm>
+            <a:off x="2375200" y="3870243"/>
+            <a:ext cx="1266670" cy="561968"/>
+          </a:xfrm>
+          <a:prstGeom prst="rect">
+            <a:avLst/>
+          </a:prstGeom>
+          <a:ln w="19050">
+            <a:solidFill>
+              <a:schemeClr val="accent3"/>
+            </a:solidFill>
+          </a:ln>
+          <a:effectLst/>
+        </p:spPr>
+        <p:style>
+          <a:lnRef idx="1">
+            <a:schemeClr val="accent3"/>
+          </a:lnRef>
+          <a:fillRef idx="2">
+            <a:schemeClr val="accent3"/>
+          </a:fillRef>
+          <a:effectRef idx="1">
+            <a:schemeClr val="accent3"/>
+          </a:effectRef>
+          <a:fontRef idx="minor">
+            <a:schemeClr val="dk1"/>
+          </a:fontRef>
+        </p:style>
+        <p:txBody>
+          <a:bodyPr rtlCol="0" anchor="ctr"/>
+          <a:lstStyle/>
+          <a:p>
+            <a:pPr algn="ctr"/>
+            <a:r>
+              <a:rPr lang="en-US" sz="1050" b="1" dirty="0" err="1">
+                <a:solidFill>
+                  <a:schemeClr val="accent3">
+                    <a:lumMod val="75000"/>
+                  </a:schemeClr>
+                </a:solidFill>
+              </a:rPr>
+              <a:t>WelcomePanel</a:t>
+            </a:r>
+            <a:endParaRPr lang="en-SG" sz="1050" b="1" dirty="0">
+              <a:solidFill>
+                <a:schemeClr val="accent3">
+                  <a:lumMod val="75000"/>
+                </a:schemeClr>
+              </a:solidFill>
+            </a:endParaRPr>
+          </a:p>
+        </p:txBody>
+      </p:sp>
+      <p:sp>
+        <p:nvSpPr>
+          <p:cNvPr id="46" name="Rectangle 11">
+            <a:extLst>
+              <a:ext uri="{FF2B5EF4-FFF2-40B4-BE49-F238E27FC236}">
+                <a16:creationId xmlns:a16="http://schemas.microsoft.com/office/drawing/2014/main" id="{ADEB9E32-20B2-4CE6-91EA-8DFF4EBF39B2}"/>
+              </a:ext>
+            </a:extLst>
+          </p:cNvPr>
+          <p:cNvSpPr/>
+          <p:nvPr/>
+        </p:nvSpPr>
+        <p:spPr>
+          <a:xfrm>
+            <a:off x="2381753" y="4552043"/>
+            <a:ext cx="1266668" cy="621133"/>
+          </a:xfrm>
+          <a:prstGeom prst="rect">
+            <a:avLst/>
+          </a:prstGeom>
+          <a:ln w="19050">
+            <a:solidFill>
+              <a:schemeClr val="accent3"/>
+            </a:solidFill>
+          </a:ln>
+          <a:effectLst/>
+        </p:spPr>
+        <p:style>
+          <a:lnRef idx="1">
+            <a:schemeClr val="accent3"/>
+          </a:lnRef>
+          <a:fillRef idx="2">
+            <a:schemeClr val="accent3"/>
+          </a:fillRef>
+          <a:effectRef idx="1">
+            <a:schemeClr val="accent3"/>
+          </a:effectRef>
+          <a:fontRef idx="minor">
+            <a:schemeClr val="dk1"/>
+          </a:fontRef>
+        </p:style>
+        <p:txBody>
+          <a:bodyPr rtlCol="0" anchor="ctr"/>
+          <a:lstStyle/>
+          <a:p>
+            <a:pPr algn="ctr"/>
+            <a:r>
+              <a:rPr lang="en-US" sz="1050" b="1" dirty="0" err="1">
+                <a:solidFill>
+                  <a:schemeClr val="accent3">
+                    <a:lumMod val="75000"/>
+                  </a:schemeClr>
+                </a:solidFill>
+              </a:rPr>
+              <a:t>StatsDisplayPanel</a:t>
+            </a:r>
+            <a:endParaRPr lang="en-SG" sz="1050" b="1" dirty="0">
+              <a:solidFill>
+                <a:schemeClr val="accent3">
+                  <a:lumMod val="75000"/>
+                </a:schemeClr>
+              </a:solidFill>
+            </a:endParaRPr>
+          </a:p>
+        </p:txBody>
+      </p:sp>
+      <p:cxnSp>
+        <p:nvCxnSpPr>
+          <p:cNvPr id="75" name="Elbow Connector 63">
+            <a:extLst>
+              <a:ext uri="{FF2B5EF4-FFF2-40B4-BE49-F238E27FC236}">
+                <a16:creationId xmlns:a16="http://schemas.microsoft.com/office/drawing/2014/main" id="{17A74D93-20E7-4C9A-A3A4-605D554D7D57}"/>
+              </a:ext>
+            </a:extLst>
+          </p:cNvPr>
+          <p:cNvCxnSpPr>
+            <a:cxnSpLocks/>
+            <a:stCxn id="39" idx="2"/>
+            <a:endCxn id="42" idx="1"/>
+          </p:cNvCxnSpPr>
+          <p:nvPr/>
+        </p:nvCxnSpPr>
+        <p:spPr>
+          <a:xfrm rot="16200000" flipH="1">
+            <a:off x="1221198" y="2373276"/>
+            <a:ext cx="2141245" cy="172939"/>
+          </a:xfrm>
+          <a:prstGeom prst="bentConnector2">
+            <a:avLst/>
+          </a:prstGeom>
+          <a:ln w="19050">
+            <a:solidFill>
+              <a:schemeClr val="accent3"/>
+            </a:solidFill>
+            <a:headEnd type="none" w="med" len="med"/>
+            <a:tailEnd type="arrow" w="med" len="med"/>
+          </a:ln>
+          <a:effectLst/>
+        </p:spPr>
+        <p:style>
+          <a:lnRef idx="1">
+            <a:schemeClr val="accent2"/>
+          </a:lnRef>
+          <a:fillRef idx="2">
+            <a:schemeClr val="accent2"/>
+          </a:fillRef>
+          <a:effectRef idx="1">
+            <a:schemeClr val="accent2"/>
+          </a:effectRef>
+          <a:fontRef idx="minor">
+            <a:schemeClr val="dk1"/>
+          </a:fontRef>
+        </p:style>
+      </p:cxnSp>
+      <p:cxnSp>
+        <p:nvCxnSpPr>
+          <p:cNvPr id="78" name="Elbow Connector 63">
+            <a:extLst>
+              <a:ext uri="{FF2B5EF4-FFF2-40B4-BE49-F238E27FC236}">
+                <a16:creationId xmlns:a16="http://schemas.microsoft.com/office/drawing/2014/main" id="{3145ACF2-5AC0-4104-BBDC-628759E5CD27}"/>
+              </a:ext>
+            </a:extLst>
+          </p:cNvPr>
+          <p:cNvCxnSpPr>
+            <a:cxnSpLocks/>
+            <a:stCxn id="39" idx="2"/>
+            <a:endCxn id="46" idx="1"/>
+          </p:cNvCxnSpPr>
+          <p:nvPr/>
+        </p:nvCxnSpPr>
+        <p:spPr>
+          <a:xfrm rot="16200000" flipH="1">
+            <a:off x="556809" y="3037666"/>
+            <a:ext cx="3473486" cy="176402"/>
+          </a:xfrm>
+          <a:prstGeom prst="bentConnector2">
+            <a:avLst/>
+          </a:prstGeom>
+          <a:ln w="19050">
+            <a:solidFill>
+              <a:schemeClr val="accent3"/>
+            </a:solidFill>
+            <a:headEnd type="none" w="med" len="med"/>
+            <a:tailEnd type="arrow" w="med" len="med"/>
+          </a:ln>
+          <a:effectLst/>
+        </p:spPr>
+        <p:style>
+          <a:lnRef idx="1">
+            <a:schemeClr val="accent2"/>
+          </a:lnRef>
+          <a:fillRef idx="2">
+            <a:schemeClr val="accent2"/>
+          </a:fillRef>
+          <a:effectRef idx="1">
+            <a:schemeClr val="accent2"/>
+          </a:effectRef>
+          <a:fontRef idx="minor">
+            <a:schemeClr val="dk1"/>
+          </a:fontRef>
+        </p:style>
+      </p:cxnSp>
+      <p:cxnSp>
+        <p:nvCxnSpPr>
+          <p:cNvPr id="79" name="Elbow Connector 63">
+            <a:extLst>
+              <a:ext uri="{FF2B5EF4-FFF2-40B4-BE49-F238E27FC236}">
+                <a16:creationId xmlns:a16="http://schemas.microsoft.com/office/drawing/2014/main" id="{55520632-63DA-48D1-89A9-CB491D336EBA}"/>
+              </a:ext>
+            </a:extLst>
+          </p:cNvPr>
+          <p:cNvCxnSpPr>
+            <a:cxnSpLocks/>
+            <a:stCxn id="39" idx="2"/>
+            <a:endCxn id="45" idx="1"/>
+          </p:cNvCxnSpPr>
+          <p:nvPr/>
+        </p:nvCxnSpPr>
+        <p:spPr>
+          <a:xfrm rot="16200000" flipH="1">
+            <a:off x="909224" y="2685250"/>
+            <a:ext cx="2762103" cy="169849"/>
+          </a:xfrm>
+          <a:prstGeom prst="bentConnector2">
+            <a:avLst/>
+          </a:prstGeom>
+          <a:ln w="19050">
+            <a:solidFill>
+              <a:schemeClr val="accent3"/>
+            </a:solidFill>
+            <a:headEnd type="none" w="med" len="med"/>
+            <a:tailEnd type="arrow" w="med" len="med"/>
+          </a:ln>
+          <a:effectLst/>
+        </p:spPr>
+        <p:style>
+          <a:lnRef idx="1">
+            <a:schemeClr val="accent2"/>
+          </a:lnRef>
+          <a:fillRef idx="2">
+            <a:schemeClr val="accent2"/>
+          </a:fillRef>
+          <a:effectRef idx="1">
+            <a:schemeClr val="accent2"/>
+          </a:effectRef>
+          <a:fontRef idx="minor">
+            <a:schemeClr val="dk1"/>
+          </a:fontRef>
+        </p:style>
+      </p:cxnSp>
+      <p:sp>
+        <p:nvSpPr>
+          <p:cNvPr id="100" name="Rectangle 11">
+            <a:extLst>
+              <a:ext uri="{FF2B5EF4-FFF2-40B4-BE49-F238E27FC236}">
+                <a16:creationId xmlns:a16="http://schemas.microsoft.com/office/drawing/2014/main" id="{F4FDCA02-B933-41EE-8ACB-DD8B98D8A6B0}"/>
+              </a:ext>
+            </a:extLst>
+          </p:cNvPr>
+          <p:cNvSpPr/>
+          <p:nvPr/>
+        </p:nvSpPr>
+        <p:spPr>
+          <a:xfrm>
+            <a:off x="4252069" y="6084721"/>
+            <a:ext cx="1412074" cy="386466"/>
+          </a:xfrm>
+          <a:prstGeom prst="rect">
+            <a:avLst/>
+          </a:prstGeom>
+          <a:ln w="19050">
+            <a:solidFill>
+              <a:schemeClr val="accent3"/>
+            </a:solidFill>
+          </a:ln>
+          <a:effectLst/>
+        </p:spPr>
+        <p:style>
+          <a:lnRef idx="1">
+            <a:schemeClr val="accent3"/>
+          </a:lnRef>
+          <a:fillRef idx="2">
+            <a:schemeClr val="accent3"/>
+          </a:fillRef>
+          <a:effectRef idx="1">
+            <a:schemeClr val="accent3"/>
+          </a:effectRef>
+          <a:fontRef idx="minor">
+            <a:schemeClr val="dk1"/>
+          </a:fontRef>
+        </p:style>
+        <p:txBody>
+          <a:bodyPr rtlCol="0" anchor="ctr"/>
+          <a:lstStyle/>
+          <a:p>
+            <a:pPr algn="ctr"/>
+            <a:r>
+              <a:rPr lang="en-SG" sz="1050" b="1" dirty="0" err="1">
+                <a:solidFill>
+                  <a:schemeClr val="accent3">
+                    <a:lumMod val="75000"/>
+                  </a:schemeClr>
+                </a:solidFill>
+              </a:rPr>
+              <a:t>SummaryDisplay</a:t>
+            </a:r>
+            <a:endParaRPr lang="en-SG" sz="1050" b="1" dirty="0">
+              <a:solidFill>
+                <a:schemeClr val="accent3">
+                  <a:lumMod val="75000"/>
+                </a:schemeClr>
+              </a:solidFill>
+            </a:endParaRPr>
+          </a:p>
+        </p:txBody>
+      </p:sp>
+      <p:sp>
+        <p:nvSpPr>
+          <p:cNvPr id="101" name="Rectangle 11">
+            <a:extLst>
+              <a:ext uri="{FF2B5EF4-FFF2-40B4-BE49-F238E27FC236}">
+                <a16:creationId xmlns:a16="http://schemas.microsoft.com/office/drawing/2014/main" id="{F9B3B0C4-DB9C-4A2A-88C8-1FB7CAAAB627}"/>
+              </a:ext>
+            </a:extLst>
+          </p:cNvPr>
+          <p:cNvSpPr/>
+          <p:nvPr/>
+        </p:nvSpPr>
+        <p:spPr>
+          <a:xfrm>
+            <a:off x="4252069" y="4985371"/>
+            <a:ext cx="1412074" cy="668798"/>
+          </a:xfrm>
+          <a:prstGeom prst="rect">
+            <a:avLst/>
+          </a:prstGeom>
+          <a:ln w="19050">
+            <a:solidFill>
+              <a:schemeClr val="accent3"/>
+            </a:solidFill>
+          </a:ln>
+          <a:effectLst/>
+        </p:spPr>
+        <p:style>
+          <a:lnRef idx="1">
+            <a:schemeClr val="accent3"/>
+          </a:lnRef>
+          <a:fillRef idx="2">
+            <a:schemeClr val="accent3"/>
+          </a:fillRef>
+          <a:effectRef idx="1">
+            <a:schemeClr val="accent3"/>
+          </a:effectRef>
+          <a:fontRef idx="minor">
+            <a:schemeClr val="dk1"/>
+          </a:fontRef>
+        </p:style>
+        <p:txBody>
+          <a:bodyPr rtlCol="0" anchor="ctr"/>
+          <a:lstStyle/>
+          <a:p>
+            <a:pPr algn="ctr"/>
+            <a:r>
+              <a:rPr lang="en-US" sz="1050" b="1" dirty="0" err="1">
+                <a:solidFill>
+                  <a:schemeClr val="accent3">
+                    <a:lumMod val="75000"/>
+                  </a:schemeClr>
+                </a:solidFill>
+              </a:rPr>
+              <a:t>CategoryBreakdown</a:t>
+            </a:r>
+            <a:endParaRPr lang="en-SG" sz="1050" b="1" dirty="0">
+              <a:solidFill>
+                <a:schemeClr val="accent3">
+                  <a:lumMod val="75000"/>
+                </a:schemeClr>
+              </a:solidFill>
+            </a:endParaRPr>
+          </a:p>
+        </p:txBody>
+      </p:sp>
+      <p:sp>
+        <p:nvSpPr>
+          <p:cNvPr id="113" name="Flowchart: Decision 112">
+            <a:extLst>
+              <a:ext uri="{FF2B5EF4-FFF2-40B4-BE49-F238E27FC236}">
+                <a16:creationId xmlns:a16="http://schemas.microsoft.com/office/drawing/2014/main" id="{334950D5-33FE-43B1-BE58-E4EABF27C32D}"/>
+              </a:ext>
+            </a:extLst>
+          </p:cNvPr>
+          <p:cNvSpPr/>
+          <p:nvPr/>
+        </p:nvSpPr>
+        <p:spPr>
+          <a:xfrm>
+            <a:off x="2910936" y="5173176"/>
+            <a:ext cx="183156" cy="161573"/>
+          </a:xfrm>
+          <a:prstGeom prst="flowChartDecision">
+            <a:avLst/>
+          </a:prstGeom>
+          <a:solidFill>
+            <a:schemeClr val="accent3"/>
+          </a:solidFill>
+          <a:ln>
+            <a:solidFill>
+              <a:schemeClr val="accent3"/>
+            </a:solidFill>
+          </a:ln>
+        </p:spPr>
+        <p:style>
+          <a:lnRef idx="2">
+            <a:schemeClr val="accent1">
+              <a:shade val="50000"/>
+            </a:schemeClr>
+          </a:lnRef>
+          <a:fillRef idx="1">
+            <a:schemeClr val="accent1"/>
+          </a:fillRef>
+          <a:effectRef idx="0">
+            <a:schemeClr val="accent1"/>
+          </a:effectRef>
+          <a:fontRef idx="minor">
+            <a:schemeClr val="lt1"/>
+          </a:fontRef>
+        </p:style>
+        <p:txBody>
+          <a:bodyPr rtlCol="0" anchor="ctr"/>
+          <a:lstStyle/>
+          <a:p>
+            <a:pPr algn="ctr"/>
             <a:endParaRPr lang="en-SG"/>
           </a:p>
         </p:txBody>
       </p:sp>
+      <p:cxnSp>
+        <p:nvCxnSpPr>
+          <p:cNvPr id="122" name="Elbow Connector 63">
+            <a:extLst>
+              <a:ext uri="{FF2B5EF4-FFF2-40B4-BE49-F238E27FC236}">
+                <a16:creationId xmlns:a16="http://schemas.microsoft.com/office/drawing/2014/main" id="{EFAEAAE4-7E01-4258-BC19-F33AF10CF0E2}"/>
+              </a:ext>
+            </a:extLst>
+          </p:cNvPr>
+          <p:cNvCxnSpPr>
+            <a:cxnSpLocks/>
+            <a:stCxn id="113" idx="2"/>
+            <a:endCxn id="101" idx="2"/>
+          </p:cNvCxnSpPr>
+          <p:nvPr/>
+        </p:nvCxnSpPr>
+        <p:spPr>
+          <a:xfrm rot="16200000" flipH="1">
+            <a:off x="3820600" y="4516663"/>
+            <a:ext cx="319420" cy="1955592"/>
+          </a:xfrm>
+          <a:prstGeom prst="bentConnector3">
+            <a:avLst>
+              <a:gd name="adj1" fmla="val 171567"/>
+            </a:avLst>
+          </a:prstGeom>
+          <a:ln w="19050">
+            <a:solidFill>
+              <a:schemeClr val="accent3"/>
+            </a:solidFill>
+            <a:headEnd type="none" w="med" len="med"/>
+            <a:tailEnd type="arrow" w="med" len="med"/>
+          </a:ln>
+          <a:effectLst/>
+        </p:spPr>
+        <p:style>
+          <a:lnRef idx="1">
+            <a:schemeClr val="accent2"/>
+          </a:lnRef>
+          <a:fillRef idx="2">
+            <a:schemeClr val="accent2"/>
+          </a:fillRef>
+          <a:effectRef idx="1">
+            <a:schemeClr val="accent2"/>
+          </a:effectRef>
+          <a:fontRef idx="minor">
+            <a:schemeClr val="dk1"/>
+          </a:fontRef>
+        </p:style>
+      </p:cxnSp>
+      <p:cxnSp>
+        <p:nvCxnSpPr>
+          <p:cNvPr id="123" name="Elbow Connector 63">
+            <a:extLst>
+              <a:ext uri="{FF2B5EF4-FFF2-40B4-BE49-F238E27FC236}">
+                <a16:creationId xmlns:a16="http://schemas.microsoft.com/office/drawing/2014/main" id="{66A22CE7-DA1D-4F79-A004-6DE53E2CFB85}"/>
+              </a:ext>
+            </a:extLst>
+          </p:cNvPr>
+          <p:cNvCxnSpPr>
+            <a:cxnSpLocks/>
+            <a:stCxn id="113" idx="2"/>
+            <a:endCxn id="100" idx="1"/>
+          </p:cNvCxnSpPr>
+          <p:nvPr/>
+        </p:nvCxnSpPr>
+        <p:spPr>
+          <a:xfrm rot="16200000" flipH="1">
+            <a:off x="3155689" y="5181573"/>
+            <a:ext cx="943205" cy="1249555"/>
+          </a:xfrm>
+          <a:prstGeom prst="bentConnector2">
+            <a:avLst/>
+          </a:prstGeom>
+          <a:ln w="19050">
+            <a:solidFill>
+              <a:schemeClr val="accent3"/>
+            </a:solidFill>
+            <a:headEnd type="none" w="med" len="med"/>
+            <a:tailEnd type="arrow" w="med" len="med"/>
+          </a:ln>
+          <a:effectLst/>
+        </p:spPr>
+        <p:style>
+          <a:lnRef idx="1">
+            <a:schemeClr val="accent2"/>
+          </a:lnRef>
+          <a:fillRef idx="2">
+            <a:schemeClr val="accent2"/>
+          </a:fillRef>
+          <a:effectRef idx="1">
+            <a:schemeClr val="accent2"/>
+          </a:effectRef>
+          <a:fontRef idx="minor">
+            <a:schemeClr val="dk1"/>
+          </a:fontRef>
+        </p:style>
+      </p:cxnSp>
+      <p:cxnSp>
+        <p:nvCxnSpPr>
+          <p:cNvPr id="124" name="Elbow Connector 63">
+            <a:extLst>
+              <a:ext uri="{FF2B5EF4-FFF2-40B4-BE49-F238E27FC236}">
+                <a16:creationId xmlns:a16="http://schemas.microsoft.com/office/drawing/2014/main" id="{D07E749F-12A7-4CD4-8D21-7094F0C39AA9}"/>
+              </a:ext>
+            </a:extLst>
+          </p:cNvPr>
+          <p:cNvCxnSpPr>
+            <a:cxnSpLocks/>
+            <a:stCxn id="16" idx="3"/>
+            <a:endCxn id="101" idx="3"/>
+          </p:cNvCxnSpPr>
+          <p:nvPr/>
+        </p:nvCxnSpPr>
+        <p:spPr>
+          <a:xfrm rot="5400000">
+            <a:off x="3764429" y="2714021"/>
+            <a:ext cx="4505464" cy="706035"/>
+          </a:xfrm>
+          <a:prstGeom prst="bentConnector2">
+            <a:avLst/>
+          </a:prstGeom>
+          <a:ln w="6350">
+            <a:solidFill>
+              <a:schemeClr val="accent3"/>
+            </a:solidFill>
+            <a:headEnd type="none" w="med" len="med"/>
+            <a:tailEnd type="none" w="med" len="med"/>
+          </a:ln>
+          <a:effectLst/>
+        </p:spPr>
+        <p:style>
+          <a:lnRef idx="1">
+            <a:schemeClr val="accent2"/>
+          </a:lnRef>
+          <a:fillRef idx="2">
+            <a:schemeClr val="accent2"/>
+          </a:fillRef>
+          <a:effectRef idx="1">
+            <a:schemeClr val="accent2"/>
+          </a:effectRef>
+          <a:fontRef idx="minor">
+            <a:schemeClr val="dk1"/>
+          </a:fontRef>
+        </p:style>
+      </p:cxnSp>
+      <p:cxnSp>
+        <p:nvCxnSpPr>
+          <p:cNvPr id="126" name="Elbow Connector 63">
+            <a:extLst>
+              <a:ext uri="{FF2B5EF4-FFF2-40B4-BE49-F238E27FC236}">
+                <a16:creationId xmlns:a16="http://schemas.microsoft.com/office/drawing/2014/main" id="{10EE4D43-91C7-4B4C-96A9-8FFED8A45763}"/>
+              </a:ext>
+            </a:extLst>
+          </p:cNvPr>
+          <p:cNvCxnSpPr>
+            <a:cxnSpLocks/>
+            <a:stCxn id="16" idx="3"/>
+            <a:endCxn id="100" idx="3"/>
+          </p:cNvCxnSpPr>
+          <p:nvPr/>
+        </p:nvCxnSpPr>
+        <p:spPr>
+          <a:xfrm rot="5400000">
+            <a:off x="3285337" y="3193113"/>
+            <a:ext cx="5463648" cy="706035"/>
+          </a:xfrm>
+          <a:prstGeom prst="bentConnector2">
+            <a:avLst/>
+          </a:prstGeom>
+          <a:ln w="6350">
+            <a:solidFill>
+              <a:schemeClr val="accent3"/>
+            </a:solidFill>
+            <a:headEnd type="none" w="med" len="med"/>
+            <a:tailEnd type="none" w="med" len="med"/>
+          </a:ln>
+          <a:effectLst/>
+        </p:spPr>
+        <p:style>
+          <a:lnRef idx="1">
+            <a:schemeClr val="accent2"/>
+          </a:lnRef>
+          <a:fillRef idx="2">
+            <a:schemeClr val="accent2"/>
+          </a:fillRef>
+          <a:effectRef idx="1">
+            <a:schemeClr val="accent2"/>
+          </a:effectRef>
+          <a:fontRef idx="minor">
+            <a:schemeClr val="dk1"/>
+          </a:fontRef>
+        </p:style>
+      </p:cxnSp>
+      <p:sp>
+        <p:nvSpPr>
+          <p:cNvPr id="129" name="Rectangle 11">
+            <a:extLst>
+              <a:ext uri="{FF2B5EF4-FFF2-40B4-BE49-F238E27FC236}">
+                <a16:creationId xmlns:a16="http://schemas.microsoft.com/office/drawing/2014/main" id="{D7C63294-2B87-4E04-8E68-80AFBD6B0EFF}"/>
+              </a:ext>
+            </a:extLst>
+          </p:cNvPr>
+          <p:cNvSpPr/>
+          <p:nvPr/>
+        </p:nvSpPr>
+        <p:spPr>
+          <a:xfrm>
+            <a:off x="4256381" y="3547796"/>
+            <a:ext cx="1410345" cy="479837"/>
+          </a:xfrm>
+          <a:prstGeom prst="rect">
+            <a:avLst/>
+          </a:prstGeom>
+          <a:ln w="19050">
+            <a:solidFill>
+              <a:schemeClr val="accent3"/>
+            </a:solidFill>
+          </a:ln>
+          <a:effectLst/>
+        </p:spPr>
+        <p:style>
+          <a:lnRef idx="1">
+            <a:schemeClr val="accent3"/>
+          </a:lnRef>
+          <a:fillRef idx="2">
+            <a:schemeClr val="accent3"/>
+          </a:fillRef>
+          <a:effectRef idx="1">
+            <a:schemeClr val="accent3"/>
+          </a:effectRef>
+          <a:fontRef idx="minor">
+            <a:schemeClr val="dk1"/>
+          </a:fontRef>
+        </p:style>
+        <p:txBody>
+          <a:bodyPr rtlCol="0" anchor="ctr"/>
+          <a:lstStyle/>
+          <a:p>
+            <a:pPr algn="ctr"/>
+            <a:r>
+              <a:rPr lang="en-US" sz="1050" b="1" dirty="0" err="1">
+                <a:solidFill>
+                  <a:schemeClr val="accent3">
+                    <a:lumMod val="75000"/>
+                  </a:schemeClr>
+                </a:solidFill>
+              </a:rPr>
+              <a:t>CustomPieChart</a:t>
+            </a:r>
+            <a:endParaRPr lang="en-SG" sz="1050" b="1" dirty="0">
+              <a:solidFill>
+                <a:schemeClr val="accent3">
+                  <a:lumMod val="75000"/>
+                </a:schemeClr>
+              </a:solidFill>
+            </a:endParaRPr>
+          </a:p>
+        </p:txBody>
+      </p:sp>
+      <p:cxnSp>
+        <p:nvCxnSpPr>
+          <p:cNvPr id="145" name="Elbow Connector 63">
+            <a:extLst>
+              <a:ext uri="{FF2B5EF4-FFF2-40B4-BE49-F238E27FC236}">
+                <a16:creationId xmlns:a16="http://schemas.microsoft.com/office/drawing/2014/main" id="{50E5CBBA-375C-4F84-B773-0492465D4CDA}"/>
+              </a:ext>
+            </a:extLst>
+          </p:cNvPr>
+          <p:cNvCxnSpPr>
+            <a:cxnSpLocks/>
+            <a:stCxn id="101" idx="0"/>
+            <a:endCxn id="129" idx="2"/>
+          </p:cNvCxnSpPr>
+          <p:nvPr/>
+        </p:nvCxnSpPr>
+        <p:spPr>
+          <a:xfrm rot="5400000" flipH="1" flipV="1">
+            <a:off x="4480961" y="4504778"/>
+            <a:ext cx="957738" cy="3448"/>
+          </a:xfrm>
+          <a:prstGeom prst="bentConnector3">
+            <a:avLst>
+              <a:gd name="adj1" fmla="val 50000"/>
+            </a:avLst>
+          </a:prstGeom>
+          <a:ln w="19050">
+            <a:solidFill>
+              <a:schemeClr val="accent3"/>
+            </a:solidFill>
+            <a:headEnd type="none" w="med" len="med"/>
+            <a:tailEnd type="arrow" w="med" len="med"/>
+          </a:ln>
+          <a:effectLst/>
+        </p:spPr>
+        <p:style>
+          <a:lnRef idx="1">
+            <a:schemeClr val="accent2"/>
+          </a:lnRef>
+          <a:fillRef idx="2">
+            <a:schemeClr val="accent2"/>
+          </a:fillRef>
+          <a:effectRef idx="1">
+            <a:schemeClr val="accent2"/>
+          </a:effectRef>
+          <a:fontRef idx="minor">
+            <a:schemeClr val="dk1"/>
+          </a:fontRef>
+        </p:style>
+      </p:cxnSp>
+      <p:cxnSp>
+        <p:nvCxnSpPr>
+          <p:cNvPr id="153" name="Connector: Elbow 152">
+            <a:extLst>
+              <a:ext uri="{FF2B5EF4-FFF2-40B4-BE49-F238E27FC236}">
+                <a16:creationId xmlns:a16="http://schemas.microsoft.com/office/drawing/2014/main" id="{28AC9FBF-215C-4A54-B2AE-30EB5DD5F25A}"/>
+              </a:ext>
+            </a:extLst>
+          </p:cNvPr>
+          <p:cNvCxnSpPr>
+            <a:cxnSpLocks/>
+            <a:endCxn id="117" idx="1"/>
+          </p:cNvCxnSpPr>
+          <p:nvPr/>
+        </p:nvCxnSpPr>
+        <p:spPr>
+          <a:xfrm flipV="1">
+            <a:off x="5666726" y="4608095"/>
+            <a:ext cx="2718304" cy="421108"/>
+          </a:xfrm>
+          <a:prstGeom prst="bentConnector2">
+            <a:avLst/>
+          </a:prstGeom>
+          <a:ln w="19050">
+            <a:solidFill>
+              <a:srgbClr val="A8C46E"/>
+            </a:solidFill>
+            <a:prstDash val="sysDot"/>
+            <a:tailEnd type="arrow" w="med" len="med"/>
+          </a:ln>
+        </p:spPr>
+        <p:style>
+          <a:lnRef idx="1">
+            <a:schemeClr val="accent1"/>
+          </a:lnRef>
+          <a:fillRef idx="0">
+            <a:schemeClr val="accent1"/>
+          </a:fillRef>
+          <a:effectRef idx="0">
+            <a:schemeClr val="accent1"/>
+          </a:effectRef>
+          <a:fontRef idx="minor">
+            <a:schemeClr val="tx1"/>
+          </a:fontRef>
+        </p:style>
+      </p:cxnSp>
+      <p:cxnSp>
+        <p:nvCxnSpPr>
+          <p:cNvPr id="162" name="Connector: Elbow 161">
+            <a:extLst>
+              <a:ext uri="{FF2B5EF4-FFF2-40B4-BE49-F238E27FC236}">
+                <a16:creationId xmlns:a16="http://schemas.microsoft.com/office/drawing/2014/main" id="{C7EC97E6-2ED9-4E9D-BA2A-EC32970DA947}"/>
+              </a:ext>
+            </a:extLst>
+          </p:cNvPr>
+          <p:cNvCxnSpPr>
+            <a:cxnSpLocks/>
+            <a:endCxn id="117" idx="1"/>
+          </p:cNvCxnSpPr>
+          <p:nvPr/>
+        </p:nvCxnSpPr>
+        <p:spPr>
+          <a:xfrm flipV="1">
+            <a:off x="5677544" y="4608095"/>
+            <a:ext cx="2707486" cy="1600446"/>
+          </a:xfrm>
+          <a:prstGeom prst="bentConnector2">
+            <a:avLst/>
+          </a:prstGeom>
+          <a:ln w="19050">
+            <a:solidFill>
+              <a:srgbClr val="A8C46E"/>
+            </a:solidFill>
+            <a:prstDash val="sysDot"/>
+            <a:tailEnd type="arrow" w="med" len="med"/>
+          </a:ln>
+        </p:spPr>
+        <p:style>
+          <a:lnRef idx="1">
+            <a:schemeClr val="accent1"/>
+          </a:lnRef>
+          <a:fillRef idx="0">
+            <a:schemeClr val="accent1"/>
+          </a:fillRef>
+          <a:effectRef idx="0">
+            <a:schemeClr val="accent1"/>
+          </a:effectRef>
+          <a:fontRef idx="minor">
+            <a:schemeClr val="tx1"/>
+          </a:fontRef>
+        </p:style>
+      </p:cxnSp>
+      <p:cxnSp>
+        <p:nvCxnSpPr>
+          <p:cNvPr id="186" name="Elbow Connector 63">
+            <a:extLst>
+              <a:ext uri="{FF2B5EF4-FFF2-40B4-BE49-F238E27FC236}">
+                <a16:creationId xmlns:a16="http://schemas.microsoft.com/office/drawing/2014/main" id="{CDB66CB0-D1D2-4C79-8532-E31229836F81}"/>
+              </a:ext>
+            </a:extLst>
+          </p:cNvPr>
+          <p:cNvCxnSpPr>
+            <a:cxnSpLocks/>
+            <a:stCxn id="45" idx="3"/>
+            <a:endCxn id="101" idx="1"/>
+          </p:cNvCxnSpPr>
+          <p:nvPr/>
+        </p:nvCxnSpPr>
+        <p:spPr>
+          <a:xfrm>
+            <a:off x="3641870" y="4151227"/>
+            <a:ext cx="610199" cy="1168543"/>
+          </a:xfrm>
+          <a:prstGeom prst="bentConnector3">
+            <a:avLst>
+              <a:gd name="adj1" fmla="val 50000"/>
+            </a:avLst>
+          </a:prstGeom>
+          <a:ln w="19050">
+            <a:solidFill>
+              <a:schemeClr val="accent3"/>
+            </a:solidFill>
+            <a:headEnd type="none" w="med" len="med"/>
+            <a:tailEnd type="arrow" w="med" len="med"/>
+          </a:ln>
+          <a:effectLst/>
+        </p:spPr>
+        <p:style>
+          <a:lnRef idx="1">
+            <a:schemeClr val="accent2"/>
+          </a:lnRef>
+          <a:fillRef idx="2">
+            <a:schemeClr val="accent2"/>
+          </a:fillRef>
+          <a:effectRef idx="1">
+            <a:schemeClr val="accent2"/>
+          </a:effectRef>
+          <a:fontRef idx="minor">
+            <a:schemeClr val="dk1"/>
+          </a:fontRef>
+        </p:style>
+      </p:cxnSp>
+      <p:cxnSp>
+        <p:nvCxnSpPr>
+          <p:cNvPr id="61" name="Elbow Connector 63">
+            <a:extLst>
+              <a:ext uri="{FF2B5EF4-FFF2-40B4-BE49-F238E27FC236}">
+                <a16:creationId xmlns:a16="http://schemas.microsoft.com/office/drawing/2014/main" id="{87816F54-9533-453E-8B27-93EE79D79748}"/>
+              </a:ext>
+            </a:extLst>
+          </p:cNvPr>
+          <p:cNvCxnSpPr>
+            <a:cxnSpLocks/>
+            <a:stCxn id="16" idx="3"/>
+            <a:endCxn id="46" idx="3"/>
+          </p:cNvCxnSpPr>
+          <p:nvPr/>
+        </p:nvCxnSpPr>
+        <p:spPr>
+          <a:xfrm rot="5400000">
+            <a:off x="2985148" y="1477580"/>
+            <a:ext cx="4048304" cy="2721757"/>
+          </a:xfrm>
+          <a:prstGeom prst="bentConnector2">
+            <a:avLst/>
+          </a:prstGeom>
+          <a:ln w="6350">
+            <a:solidFill>
+              <a:schemeClr val="accent3"/>
+            </a:solidFill>
+            <a:headEnd type="none" w="med" len="med"/>
+            <a:tailEnd type="none" w="med" len="med"/>
+          </a:ln>
+          <a:effectLst/>
+        </p:spPr>
+        <p:style>
+          <a:lnRef idx="1">
+            <a:schemeClr val="accent2"/>
+          </a:lnRef>
+          <a:fillRef idx="2">
+            <a:schemeClr val="accent2"/>
+          </a:fillRef>
+          <a:effectRef idx="1">
+            <a:schemeClr val="accent2"/>
+          </a:effectRef>
+          <a:fontRef idx="minor">
+            <a:schemeClr val="dk1"/>
+          </a:fontRef>
+        </p:style>
+      </p:cxnSp>
     </p:spTree>
     <p:extLst>
       <p:ext uri="{BB962C8B-B14F-4D97-AF65-F5344CB8AC3E}">

--- a/docs/diagrams/UiComponentClassDiagram.pptx
+++ b/docs/diagrams/UiComponentClassDiagram.pptx
@@ -6414,56 +6414,6 @@
           </a:effectRef>
           <a:fontRef idx="minor">
             <a:schemeClr val="tx1"/>
-          </a:fontRef>
-        </p:style>
-      </p:cxnSp>
-      <p:cxnSp>
-        <p:nvCxnSpPr>
-          <p:cNvPr id="186" name="Elbow Connector 63">
-            <a:extLst>
-              <a:ext uri="{FF2B5EF4-FFF2-40B4-BE49-F238E27FC236}">
-                <a16:creationId xmlns:a16="http://schemas.microsoft.com/office/drawing/2014/main" id="{CDB66CB0-D1D2-4C79-8532-E31229836F81}"/>
-              </a:ext>
-            </a:extLst>
-          </p:cNvPr>
-          <p:cNvCxnSpPr>
-            <a:cxnSpLocks/>
-            <a:stCxn id="45" idx="3"/>
-            <a:endCxn id="101" idx="1"/>
-          </p:cNvCxnSpPr>
-          <p:nvPr/>
-        </p:nvCxnSpPr>
-        <p:spPr>
-          <a:xfrm>
-            <a:off x="3641870" y="4151227"/>
-            <a:ext cx="610199" cy="1168543"/>
-          </a:xfrm>
-          <a:prstGeom prst="bentConnector3">
-            <a:avLst>
-              <a:gd name="adj1" fmla="val 50000"/>
-            </a:avLst>
-          </a:prstGeom>
-          <a:ln w="19050">
-            <a:solidFill>
-              <a:schemeClr val="accent3"/>
-            </a:solidFill>
-            <a:headEnd type="none" w="med" len="med"/>
-            <a:tailEnd type="arrow" w="med" len="med"/>
-          </a:ln>
-          <a:effectLst/>
-        </p:spPr>
-        <p:style>
-          <a:lnRef idx="1">
-            <a:schemeClr val="accent2"/>
-          </a:lnRef>
-          <a:fillRef idx="2">
-            <a:schemeClr val="accent2"/>
-          </a:fillRef>
-          <a:effectRef idx="1">
-            <a:schemeClr val="accent2"/>
-          </a:effectRef>
-          <a:fontRef idx="minor">
-            <a:schemeClr val="dk1"/>
           </a:fontRef>
         </p:style>
       </p:cxnSp>

--- a/docs/diagrams/UiComponentClassDiagram.pptx
+++ b/docs/diagrams/UiComponentClassDiagram.pptx
@@ -208,7 +208,7 @@
           <a:p>
             <a:fld id="{F5CC4B3F-88C1-4FFA-B1B6-F41C21DC6924}" type="datetimeFigureOut">
               <a:rPr lang="en-US" smtClean="0"/>
-              <a:t>1/7/2017</a:t>
+              <a:t>11/2/18</a:t>
             </a:fld>
             <a:endParaRPr lang="en-US"/>
           </a:p>
@@ -654,7 +654,7 @@
           <a:p>
             <a:fld id="{78C97017-6FC3-485B-9764-EAC9E56C1D49}" type="datetimeFigureOut">
               <a:rPr lang="en-US" smtClean="0"/>
-              <a:t>1/7/2017</a:t>
+              <a:t>11/2/18</a:t>
             </a:fld>
             <a:endParaRPr lang="en-US"/>
           </a:p>
@@ -822,7 +822,7 @@
           <a:p>
             <a:fld id="{78C97017-6FC3-485B-9764-EAC9E56C1D49}" type="datetimeFigureOut">
               <a:rPr lang="en-US" smtClean="0"/>
-              <a:t>1/7/2017</a:t>
+              <a:t>11/2/18</a:t>
             </a:fld>
             <a:endParaRPr lang="en-US"/>
           </a:p>
@@ -1000,7 +1000,7 @@
           <a:p>
             <a:fld id="{78C97017-6FC3-485B-9764-EAC9E56C1D49}" type="datetimeFigureOut">
               <a:rPr lang="en-US" smtClean="0"/>
-              <a:t>1/7/2017</a:t>
+              <a:t>11/2/18</a:t>
             </a:fld>
             <a:endParaRPr lang="en-US"/>
           </a:p>
@@ -1168,7 +1168,7 @@
           <a:p>
             <a:fld id="{78C97017-6FC3-485B-9764-EAC9E56C1D49}" type="datetimeFigureOut">
               <a:rPr lang="en-US" smtClean="0"/>
-              <a:t>1/7/2017</a:t>
+              <a:t>11/2/18</a:t>
             </a:fld>
             <a:endParaRPr lang="en-US"/>
           </a:p>
@@ -1413,7 +1413,7 @@
           <a:p>
             <a:fld id="{78C97017-6FC3-485B-9764-EAC9E56C1D49}" type="datetimeFigureOut">
               <a:rPr lang="en-US" smtClean="0"/>
-              <a:t>1/7/2017</a:t>
+              <a:t>11/2/18</a:t>
             </a:fld>
             <a:endParaRPr lang="en-US"/>
           </a:p>
@@ -1698,7 +1698,7 @@
           <a:p>
             <a:fld id="{78C97017-6FC3-485B-9764-EAC9E56C1D49}" type="datetimeFigureOut">
               <a:rPr lang="en-US" smtClean="0"/>
-              <a:t>1/7/2017</a:t>
+              <a:t>11/2/18</a:t>
             </a:fld>
             <a:endParaRPr lang="en-US"/>
           </a:p>
@@ -2117,7 +2117,7 @@
           <a:p>
             <a:fld id="{78C97017-6FC3-485B-9764-EAC9E56C1D49}" type="datetimeFigureOut">
               <a:rPr lang="en-US" smtClean="0"/>
-              <a:t>1/7/2017</a:t>
+              <a:t>11/2/18</a:t>
             </a:fld>
             <a:endParaRPr lang="en-US"/>
           </a:p>
@@ -2234,7 +2234,7 @@
           <a:p>
             <a:fld id="{78C97017-6FC3-485B-9764-EAC9E56C1D49}" type="datetimeFigureOut">
               <a:rPr lang="en-US" smtClean="0"/>
-              <a:t>1/7/2017</a:t>
+              <a:t>11/2/18</a:t>
             </a:fld>
             <a:endParaRPr lang="en-US"/>
           </a:p>
@@ -2329,7 +2329,7 @@
           <a:p>
             <a:fld id="{78C97017-6FC3-485B-9764-EAC9E56C1D49}" type="datetimeFigureOut">
               <a:rPr lang="en-US" smtClean="0"/>
-              <a:t>1/7/2017</a:t>
+              <a:t>11/2/18</a:t>
             </a:fld>
             <a:endParaRPr lang="en-US"/>
           </a:p>
@@ -2604,7 +2604,7 @@
           <a:p>
             <a:fld id="{78C97017-6FC3-485B-9764-EAC9E56C1D49}" type="datetimeFigureOut">
               <a:rPr lang="en-US" smtClean="0"/>
-              <a:t>1/7/2017</a:t>
+              <a:t>11/2/18</a:t>
             </a:fld>
             <a:endParaRPr lang="en-US"/>
           </a:p>
@@ -2856,7 +2856,7 @@
           <a:p>
             <a:fld id="{78C97017-6FC3-485B-9764-EAC9E56C1D49}" type="datetimeFigureOut">
               <a:rPr lang="en-US" smtClean="0"/>
-              <a:t>1/7/2017</a:t>
+              <a:t>11/2/18</a:t>
             </a:fld>
             <a:endParaRPr lang="en-US"/>
           </a:p>
@@ -3067,7 +3067,7 @@
           <a:p>
             <a:fld id="{78C97017-6FC3-485B-9764-EAC9E56C1D49}" type="datetimeFigureOut">
               <a:rPr lang="en-US" smtClean="0"/>
-              <a:t>1/7/2017</a:t>
+              <a:t>11/2/18</a:t>
             </a:fld>
             <a:endParaRPr lang="en-US"/>
           </a:p>
@@ -4045,7 +4045,7 @@
                   </a:schemeClr>
                 </a:solidFill>
               </a:rPr>
-              <a:t>PersonListPanel</a:t>
+              <a:t>EventListPanel</a:t>
             </a:r>
             <a:endParaRPr lang="en-SG" sz="1050" b="1" dirty="0">
               <a:solidFill>
@@ -4105,7 +4105,7 @@
                   </a:schemeClr>
                 </a:solidFill>
               </a:rPr>
-              <a:t>PersonCard</a:t>
+              <a:t>EventCard</a:t>
             </a:r>
             <a:endParaRPr lang="en-SG" sz="1050" b="1" dirty="0">
               <a:solidFill>

--- a/docs/diagrams/UiComponentClassDiagram.pptx
+++ b/docs/diagrams/UiComponentClassDiagram.pptx
@@ -208,7 +208,7 @@
           <a:p>
             <a:fld id="{F5CC4B3F-88C1-4FFA-B1B6-F41C21DC6924}" type="datetimeFigureOut">
               <a:rPr lang="en-US" smtClean="0"/>
-              <a:t>10/16/2018</a:t>
+              <a:t>11/4/2018</a:t>
             </a:fld>
             <a:endParaRPr lang="en-US"/>
           </a:p>
@@ -654,7 +654,7 @@
           <a:p>
             <a:fld id="{78C97017-6FC3-485B-9764-EAC9E56C1D49}" type="datetimeFigureOut">
               <a:rPr lang="en-US" smtClean="0"/>
-              <a:t>10/16/2018</a:t>
+              <a:t>11/4/2018</a:t>
             </a:fld>
             <a:endParaRPr lang="en-US"/>
           </a:p>
@@ -822,7 +822,7 @@
           <a:p>
             <a:fld id="{78C97017-6FC3-485B-9764-EAC9E56C1D49}" type="datetimeFigureOut">
               <a:rPr lang="en-US" smtClean="0"/>
-              <a:t>10/16/2018</a:t>
+              <a:t>11/4/2018</a:t>
             </a:fld>
             <a:endParaRPr lang="en-US"/>
           </a:p>
@@ -1000,7 +1000,7 @@
           <a:p>
             <a:fld id="{78C97017-6FC3-485B-9764-EAC9E56C1D49}" type="datetimeFigureOut">
               <a:rPr lang="en-US" smtClean="0"/>
-              <a:t>10/16/2018</a:t>
+              <a:t>11/4/2018</a:t>
             </a:fld>
             <a:endParaRPr lang="en-US"/>
           </a:p>
@@ -1168,7 +1168,7 @@
           <a:p>
             <a:fld id="{78C97017-6FC3-485B-9764-EAC9E56C1D49}" type="datetimeFigureOut">
               <a:rPr lang="en-US" smtClean="0"/>
-              <a:t>10/16/2018</a:t>
+              <a:t>11/4/2018</a:t>
             </a:fld>
             <a:endParaRPr lang="en-US"/>
           </a:p>
@@ -1413,7 +1413,7 @@
           <a:p>
             <a:fld id="{78C97017-6FC3-485B-9764-EAC9E56C1D49}" type="datetimeFigureOut">
               <a:rPr lang="en-US" smtClean="0"/>
-              <a:t>10/16/2018</a:t>
+              <a:t>11/4/2018</a:t>
             </a:fld>
             <a:endParaRPr lang="en-US"/>
           </a:p>
@@ -1698,7 +1698,7 @@
           <a:p>
             <a:fld id="{78C97017-6FC3-485B-9764-EAC9E56C1D49}" type="datetimeFigureOut">
               <a:rPr lang="en-US" smtClean="0"/>
-              <a:t>10/16/2018</a:t>
+              <a:t>11/4/2018</a:t>
             </a:fld>
             <a:endParaRPr lang="en-US"/>
           </a:p>
@@ -2117,7 +2117,7 @@
           <a:p>
             <a:fld id="{78C97017-6FC3-485B-9764-EAC9E56C1D49}" type="datetimeFigureOut">
               <a:rPr lang="en-US" smtClean="0"/>
-              <a:t>10/16/2018</a:t>
+              <a:t>11/4/2018</a:t>
             </a:fld>
             <a:endParaRPr lang="en-US"/>
           </a:p>
@@ -2234,7 +2234,7 @@
           <a:p>
             <a:fld id="{78C97017-6FC3-485B-9764-EAC9E56C1D49}" type="datetimeFigureOut">
               <a:rPr lang="en-US" smtClean="0"/>
-              <a:t>10/16/2018</a:t>
+              <a:t>11/4/2018</a:t>
             </a:fld>
             <a:endParaRPr lang="en-US"/>
           </a:p>
@@ -2329,7 +2329,7 @@
           <a:p>
             <a:fld id="{78C97017-6FC3-485B-9764-EAC9E56C1D49}" type="datetimeFigureOut">
               <a:rPr lang="en-US" smtClean="0"/>
-              <a:t>10/16/2018</a:t>
+              <a:t>11/4/2018</a:t>
             </a:fld>
             <a:endParaRPr lang="en-US"/>
           </a:p>
@@ -2604,7 +2604,7 @@
           <a:p>
             <a:fld id="{78C97017-6FC3-485B-9764-EAC9E56C1D49}" type="datetimeFigureOut">
               <a:rPr lang="en-US" smtClean="0"/>
-              <a:t>10/16/2018</a:t>
+              <a:t>11/4/2018</a:t>
             </a:fld>
             <a:endParaRPr lang="en-US"/>
           </a:p>
@@ -2856,7 +2856,7 @@
           <a:p>
             <a:fld id="{78C97017-6FC3-485B-9764-EAC9E56C1D49}" type="datetimeFigureOut">
               <a:rPr lang="en-US" smtClean="0"/>
-              <a:t>10/16/2018</a:t>
+              <a:t>11/4/2018</a:t>
             </a:fld>
             <a:endParaRPr lang="en-US"/>
           </a:p>
@@ -3067,7 +3067,7 @@
           <a:p>
             <a:fld id="{78C97017-6FC3-485B-9764-EAC9E56C1D49}" type="datetimeFigureOut">
               <a:rPr lang="en-US" smtClean="0"/>
-              <a:t>10/16/2018</a:t>
+              <a:t>11/4/2018</a:t>
             </a:fld>
             <a:endParaRPr lang="en-US"/>
           </a:p>
@@ -5624,6 +5624,94 @@
                 </a:schemeClr>
               </a:solidFill>
             </a:endParaRPr>
+          </a:p>
+        </p:txBody>
+      </p:sp>
+      <p:sp>
+        <p:nvSpPr>
+          <p:cNvPr id="45" name="Freeform 115">
+            <a:extLst>
+              <a:ext uri="{FF2B5EF4-FFF2-40B4-BE49-F238E27FC236}">
+                <a16:creationId xmlns:a16="http://schemas.microsoft.com/office/drawing/2014/main" id="{5C35D14F-89D6-4FD3-8081-E0386D1DA101}"/>
+              </a:ext>
+            </a:extLst>
+          </p:cNvPr>
+          <p:cNvSpPr/>
+          <p:nvPr/>
+        </p:nvSpPr>
+        <p:spPr>
+          <a:xfrm>
+            <a:off x="3687515" y="2581634"/>
+            <a:ext cx="3048000" cy="203200"/>
+          </a:xfrm>
+          <a:custGeom>
+            <a:avLst/>
+            <a:gdLst>
+              <a:gd name="connsiteX0" fmla="*/ 0 w 3048000"/>
+              <a:gd name="connsiteY0" fmla="*/ 203200 h 203200"/>
+              <a:gd name="connsiteX1" fmla="*/ 221673 w 3048000"/>
+              <a:gd name="connsiteY1" fmla="*/ 0 h 203200"/>
+              <a:gd name="connsiteX2" fmla="*/ 3048000 w 3048000"/>
+              <a:gd name="connsiteY2" fmla="*/ 0 h 203200"/>
+            </a:gdLst>
+            <a:ahLst/>
+            <a:cxnLst>
+              <a:cxn ang="0">
+                <a:pos x="connsiteX0" y="connsiteY0"/>
+              </a:cxn>
+              <a:cxn ang="0">
+                <a:pos x="connsiteX1" y="connsiteY1"/>
+              </a:cxn>
+              <a:cxn ang="0">
+                <a:pos x="connsiteX2" y="connsiteY2"/>
+              </a:cxn>
+            </a:cxnLst>
+            <a:rect l="l" t="t" r="r" b="b"/>
+            <a:pathLst>
+              <a:path w="3048000" h="203200">
+                <a:moveTo>
+                  <a:pt x="0" y="203200"/>
+                </a:moveTo>
+                <a:lnTo>
+                  <a:pt x="221673" y="0"/>
+                </a:lnTo>
+                <a:lnTo>
+                  <a:pt x="3048000" y="0"/>
+                </a:lnTo>
+              </a:path>
+            </a:pathLst>
+          </a:custGeom>
+          <a:noFill/>
+          <a:ln w="19050">
+            <a:solidFill>
+              <a:schemeClr val="accent3"/>
+            </a:solidFill>
+            <a:prstDash val="solid"/>
+            <a:headEnd type="none" w="med" len="med"/>
+            <a:tailEnd type="arrow" w="med" len="med"/>
+          </a:ln>
+          <a:effectLst/>
+        </p:spPr>
+        <p:style>
+          <a:lnRef idx="1">
+            <a:schemeClr val="accent2"/>
+          </a:lnRef>
+          <a:fillRef idx="2">
+            <a:schemeClr val="accent2"/>
+          </a:fillRef>
+          <a:effectRef idx="1">
+            <a:schemeClr val="accent2"/>
+          </a:effectRef>
+          <a:fontRef idx="minor">
+            <a:schemeClr val="dk1"/>
+          </a:fontRef>
+        </p:style>
+        <p:txBody>
+          <a:bodyPr rtlCol="0" anchor="ctr"/>
+          <a:lstStyle/>
+          <a:p>
+            <a:pPr algn="ctr"/>
+            <a:endParaRPr lang="en-SG"/>
           </a:p>
         </p:txBody>
       </p:sp>

--- a/docs/diagrams/UiComponentClassDiagram.pptx
+++ b/docs/diagrams/UiComponentClassDiagram.pptx
@@ -208,7 +208,7 @@
           <a:p>
             <a:fld id="{F5CC4B3F-88C1-4FFA-B1B6-F41C21DC6924}" type="datetimeFigureOut">
               <a:rPr lang="en-US" smtClean="0"/>
-              <a:t>1/7/2017</a:t>
+              <a:t>11/7/2018</a:t>
             </a:fld>
             <a:endParaRPr lang="en-US"/>
           </a:p>
@@ -654,7 +654,7 @@
           <a:p>
             <a:fld id="{78C97017-6FC3-485B-9764-EAC9E56C1D49}" type="datetimeFigureOut">
               <a:rPr lang="en-US" smtClean="0"/>
-              <a:t>1/7/2017</a:t>
+              <a:t>11/7/2018</a:t>
             </a:fld>
             <a:endParaRPr lang="en-US"/>
           </a:p>
@@ -822,7 +822,7 @@
           <a:p>
             <a:fld id="{78C97017-6FC3-485B-9764-EAC9E56C1D49}" type="datetimeFigureOut">
               <a:rPr lang="en-US" smtClean="0"/>
-              <a:t>1/7/2017</a:t>
+              <a:t>11/7/2018</a:t>
             </a:fld>
             <a:endParaRPr lang="en-US"/>
           </a:p>
@@ -1000,7 +1000,7 @@
           <a:p>
             <a:fld id="{78C97017-6FC3-485B-9764-EAC9E56C1D49}" type="datetimeFigureOut">
               <a:rPr lang="en-US" smtClean="0"/>
-              <a:t>1/7/2017</a:t>
+              <a:t>11/7/2018</a:t>
             </a:fld>
             <a:endParaRPr lang="en-US"/>
           </a:p>
@@ -1168,7 +1168,7 @@
           <a:p>
             <a:fld id="{78C97017-6FC3-485B-9764-EAC9E56C1D49}" type="datetimeFigureOut">
               <a:rPr lang="en-US" smtClean="0"/>
-              <a:t>1/7/2017</a:t>
+              <a:t>11/7/2018</a:t>
             </a:fld>
             <a:endParaRPr lang="en-US"/>
           </a:p>
@@ -1413,7 +1413,7 @@
           <a:p>
             <a:fld id="{78C97017-6FC3-485B-9764-EAC9E56C1D49}" type="datetimeFigureOut">
               <a:rPr lang="en-US" smtClean="0"/>
-              <a:t>1/7/2017</a:t>
+              <a:t>11/7/2018</a:t>
             </a:fld>
             <a:endParaRPr lang="en-US"/>
           </a:p>
@@ -1698,7 +1698,7 @@
           <a:p>
             <a:fld id="{78C97017-6FC3-485B-9764-EAC9E56C1D49}" type="datetimeFigureOut">
               <a:rPr lang="en-US" smtClean="0"/>
-              <a:t>1/7/2017</a:t>
+              <a:t>11/7/2018</a:t>
             </a:fld>
             <a:endParaRPr lang="en-US"/>
           </a:p>
@@ -2117,7 +2117,7 @@
           <a:p>
             <a:fld id="{78C97017-6FC3-485B-9764-EAC9E56C1D49}" type="datetimeFigureOut">
               <a:rPr lang="en-US" smtClean="0"/>
-              <a:t>1/7/2017</a:t>
+              <a:t>11/7/2018</a:t>
             </a:fld>
             <a:endParaRPr lang="en-US"/>
           </a:p>
@@ -2234,7 +2234,7 @@
           <a:p>
             <a:fld id="{78C97017-6FC3-485B-9764-EAC9E56C1D49}" type="datetimeFigureOut">
               <a:rPr lang="en-US" smtClean="0"/>
-              <a:t>1/7/2017</a:t>
+              <a:t>11/7/2018</a:t>
             </a:fld>
             <a:endParaRPr lang="en-US"/>
           </a:p>
@@ -2329,7 +2329,7 @@
           <a:p>
             <a:fld id="{78C97017-6FC3-485B-9764-EAC9E56C1D49}" type="datetimeFigureOut">
               <a:rPr lang="en-US" smtClean="0"/>
-              <a:t>1/7/2017</a:t>
+              <a:t>11/7/2018</a:t>
             </a:fld>
             <a:endParaRPr lang="en-US"/>
           </a:p>
@@ -2604,7 +2604,7 @@
           <a:p>
             <a:fld id="{78C97017-6FC3-485B-9764-EAC9E56C1D49}" type="datetimeFigureOut">
               <a:rPr lang="en-US" smtClean="0"/>
-              <a:t>1/7/2017</a:t>
+              <a:t>11/7/2018</a:t>
             </a:fld>
             <a:endParaRPr lang="en-US"/>
           </a:p>
@@ -2856,7 +2856,7 @@
           <a:p>
             <a:fld id="{78C97017-6FC3-485B-9764-EAC9E56C1D49}" type="datetimeFigureOut">
               <a:rPr lang="en-US" smtClean="0"/>
-              <a:t>1/7/2017</a:t>
+              <a:t>11/7/2018</a:t>
             </a:fld>
             <a:endParaRPr lang="en-US"/>
           </a:p>
@@ -3067,7 +3067,7 @@
           <a:p>
             <a:fld id="{78C97017-6FC3-485B-9764-EAC9E56C1D49}" type="datetimeFigureOut">
               <a:rPr lang="en-US" smtClean="0"/>
-              <a:t>1/7/2017</a:t>
+              <a:t>11/7/2018</a:t>
             </a:fld>
             <a:endParaRPr lang="en-US"/>
           </a:p>
@@ -3450,8 +3450,8 @@
         </p:nvSpPr>
         <p:spPr>
           <a:xfrm>
-            <a:off x="1217465" y="1447800"/>
-            <a:ext cx="4917083" cy="3962400"/>
+            <a:off x="1217465" y="1447799"/>
+            <a:ext cx="4917083" cy="4267183"/>
           </a:xfrm>
           <a:prstGeom prst="roundRect">
             <a:avLst>
@@ -3825,8 +3825,8 @@
         </p:nvSpPr>
         <p:spPr>
           <a:xfrm rot="16200000">
-            <a:off x="5703829" y="2464877"/>
-            <a:ext cx="2362201" cy="328045"/>
+            <a:off x="5818129" y="2350576"/>
+            <a:ext cx="2133601" cy="328045"/>
           </a:xfrm>
           <a:prstGeom prst="roundRect">
             <a:avLst/>
@@ -3925,7 +3925,7 @@
                   </a:schemeClr>
                 </a:solidFill>
               </a:rPr>
-              <a:t>BrowserPanel</a:t>
+              <a:t>EventListPanel</a:t>
             </a:r>
             <a:endParaRPr lang="en-SG" sz="1050" b="1" dirty="0">
               <a:solidFill>
@@ -3945,7 +3945,7 @@
         </p:nvSpPr>
         <p:spPr>
           <a:xfrm>
-            <a:off x="2592527" y="4563759"/>
+            <a:off x="2592527" y="4836182"/>
             <a:ext cx="1093635" cy="236841"/>
           </a:xfrm>
           <a:prstGeom prst="rect">
@@ -4005,7 +4005,7 @@
         </p:nvSpPr>
         <p:spPr>
           <a:xfrm>
-            <a:off x="2592526" y="3991960"/>
+            <a:off x="2592526" y="4244826"/>
             <a:ext cx="1093635" cy="236841"/>
           </a:xfrm>
           <a:prstGeom prst="rect">
@@ -4065,7 +4065,7 @@
         </p:nvSpPr>
         <p:spPr>
           <a:xfrm>
-            <a:off x="3839323" y="4228801"/>
+            <a:off x="3839323" y="4481667"/>
             <a:ext cx="1040906" cy="236841"/>
           </a:xfrm>
           <a:prstGeom prst="rect">
@@ -4125,7 +4125,7 @@
         </p:nvSpPr>
         <p:spPr>
           <a:xfrm>
-            <a:off x="2592528" y="4966000"/>
+            <a:off x="2592528" y="5270558"/>
             <a:ext cx="1093635" cy="236841"/>
           </a:xfrm>
           <a:prstGeom prst="rect">
@@ -4378,8 +4378,8 @@
         </p:nvCxnSpPr>
         <p:spPr>
           <a:xfrm rot="16200000" flipH="1">
-            <a:off x="1883148" y="3401003"/>
-            <a:ext cx="1242356" cy="176400"/>
+            <a:off x="1756715" y="3527436"/>
+            <a:ext cx="1495222" cy="176400"/>
           </a:xfrm>
           <a:prstGeom prst="bentConnector2">
             <a:avLst/>
@@ -4419,8 +4419,8 @@
         </p:nvCxnSpPr>
         <p:spPr>
           <a:xfrm rot="16200000" flipH="1">
-            <a:off x="1597249" y="3686901"/>
-            <a:ext cx="1814155" cy="176401"/>
+            <a:off x="1461037" y="3823113"/>
+            <a:ext cx="2086578" cy="176401"/>
           </a:xfrm>
           <a:prstGeom prst="bentConnector2">
             <a:avLst/>
@@ -4459,7 +4459,7 @@
         </p:nvCxnSpPr>
         <p:spPr>
           <a:xfrm rot="16200000" flipH="1">
-            <a:off x="1184119" y="3676012"/>
+            <a:off x="1184119" y="3980570"/>
             <a:ext cx="2396440" cy="420377"/>
           </a:xfrm>
           <a:prstGeom prst="bentConnector2">
@@ -4613,14 +4613,14 @@
         <p:nvCxnSpPr>
           <p:cNvPr id="77" name="Elbow Connector 63"/>
           <p:cNvCxnSpPr>
-            <a:stCxn id="16" idx="3"/>
+            <a:cxnSpLocks/>
             <a:endCxn id="37" idx="3"/>
           </p:cNvCxnSpPr>
           <p:nvPr/>
         </p:nvCxnSpPr>
         <p:spPr>
           <a:xfrm rot="5400000">
-            <a:off x="4174488" y="2991741"/>
+            <a:off x="4174488" y="3244607"/>
             <a:ext cx="2061222" cy="649740"/>
           </a:xfrm>
           <a:prstGeom prst="bentConnector2">
@@ -4743,8 +4743,8 @@
         </p:nvCxnSpPr>
         <p:spPr>
           <a:xfrm rot="5400000">
-            <a:off x="3409976" y="2562187"/>
-            <a:ext cx="2396180" cy="1843807"/>
+            <a:off x="3273765" y="2698398"/>
+            <a:ext cx="2668603" cy="1843807"/>
           </a:xfrm>
           <a:prstGeom prst="bentConnector2">
             <a:avLst/>
@@ -4784,8 +4784,8 @@
         </p:nvCxnSpPr>
         <p:spPr>
           <a:xfrm rot="5400000">
-            <a:off x="3208856" y="2763307"/>
-            <a:ext cx="2798421" cy="1843806"/>
+            <a:off x="3056577" y="2915586"/>
+            <a:ext cx="3102979" cy="1843806"/>
           </a:xfrm>
           <a:prstGeom prst="bentConnector2">
             <a:avLst/>
@@ -4863,8 +4863,8 @@
         </p:nvSpPr>
         <p:spPr>
           <a:xfrm rot="16200000">
-            <a:off x="6213739" y="4560376"/>
-            <a:ext cx="1371599" cy="328045"/>
+            <a:off x="6019120" y="4365756"/>
+            <a:ext cx="1760839" cy="328045"/>
           </a:xfrm>
           <a:prstGeom prst="roundRect">
             <a:avLst/>
@@ -5168,7 +5168,7 @@
         </p:nvCxnSpPr>
         <p:spPr>
           <a:xfrm rot="16200000" flipH="1">
-            <a:off x="3430123" y="3938021"/>
+            <a:off x="3430123" y="4190887"/>
             <a:ext cx="118421" cy="699979"/>
           </a:xfrm>
           <a:prstGeom prst="bentConnector2">
@@ -5202,14 +5202,14 @@
         <p:nvCxnSpPr>
           <p:cNvPr id="140" name="Elbow Connector 63"/>
           <p:cNvCxnSpPr>
-            <a:stCxn id="16" idx="3"/>
+            <a:cxnSpLocks/>
             <a:endCxn id="36" idx="3"/>
           </p:cNvCxnSpPr>
           <p:nvPr/>
         </p:nvCxnSpPr>
         <p:spPr>
           <a:xfrm rot="5400000">
-            <a:off x="3695875" y="2276286"/>
+            <a:off x="3695875" y="2529152"/>
             <a:ext cx="1824381" cy="1843808"/>
           </a:xfrm>
           <a:prstGeom prst="bentConnector2">
@@ -5382,7 +5382,7 @@
         </p:nvSpPr>
         <p:spPr>
           <a:xfrm>
-            <a:off x="5431573" y="4488138"/>
+            <a:off x="5456089" y="4181617"/>
             <a:ext cx="229325" cy="160062"/>
           </a:xfrm>
           <a:prstGeom prst="rect">
@@ -5429,13 +5429,272 @@
       </p:sp>
       <p:sp>
         <p:nvSpPr>
+          <p:cNvPr id="49" name="Rectangle 11">
+            <a:extLst>
+              <a:ext uri="{FF2B5EF4-FFF2-40B4-BE49-F238E27FC236}">
+                <a16:creationId xmlns:a16="http://schemas.microsoft.com/office/drawing/2014/main" id="{33FDC631-2E0E-46C0-B64F-62A8A11FDD0F}"/>
+              </a:ext>
+            </a:extLst>
+          </p:cNvPr>
+          <p:cNvSpPr/>
+          <p:nvPr/>
+        </p:nvSpPr>
+        <p:spPr>
+          <a:xfrm>
+            <a:off x="3834999" y="3909075"/>
+            <a:ext cx="1040906" cy="236841"/>
+          </a:xfrm>
+          <a:prstGeom prst="rect">
+            <a:avLst/>
+          </a:prstGeom>
+          <a:ln w="19050">
+            <a:solidFill>
+              <a:schemeClr val="accent3"/>
+            </a:solidFill>
+          </a:ln>
+          <a:effectLst/>
+        </p:spPr>
+        <p:style>
+          <a:lnRef idx="1">
+            <a:schemeClr val="accent3"/>
+          </a:lnRef>
+          <a:fillRef idx="2">
+            <a:schemeClr val="accent3"/>
+          </a:fillRef>
+          <a:effectRef idx="1">
+            <a:schemeClr val="accent3"/>
+          </a:effectRef>
+          <a:fontRef idx="minor">
+            <a:schemeClr val="dk1"/>
+          </a:fontRef>
+        </p:style>
+        <p:txBody>
+          <a:bodyPr rtlCol="0" anchor="ctr"/>
+          <a:lstStyle/>
+          <a:p>
+            <a:pPr algn="ctr"/>
+            <a:r>
+              <a:rPr lang="en-US" sz="1050" b="1" dirty="0" err="1">
+                <a:solidFill>
+                  <a:schemeClr val="accent3">
+                    <a:lumMod val="75000"/>
+                  </a:schemeClr>
+                </a:solidFill>
+              </a:rPr>
+              <a:t>EventCard</a:t>
+            </a:r>
+            <a:endParaRPr lang="en-SG" sz="1050" b="1" dirty="0">
+              <a:solidFill>
+                <a:schemeClr val="accent3">
+                  <a:lumMod val="75000"/>
+                </a:schemeClr>
+              </a:solidFill>
+            </a:endParaRPr>
+          </a:p>
+        </p:txBody>
+      </p:sp>
+      <p:cxnSp>
+        <p:nvCxnSpPr>
+          <p:cNvPr id="51" name="Elbow Connector 136">
+            <a:extLst>
+              <a:ext uri="{FF2B5EF4-FFF2-40B4-BE49-F238E27FC236}">
+                <a16:creationId xmlns:a16="http://schemas.microsoft.com/office/drawing/2014/main" id="{33E919AE-4BE0-49EE-A220-DB6EDD997F96}"/>
+              </a:ext>
+            </a:extLst>
+          </p:cNvPr>
+          <p:cNvCxnSpPr>
+            <a:endCxn id="49" idx="1"/>
+          </p:cNvCxnSpPr>
+          <p:nvPr/>
+        </p:nvCxnSpPr>
+        <p:spPr>
+          <a:xfrm rot="16200000" flipH="1">
+            <a:off x="3425799" y="3618295"/>
+            <a:ext cx="118421" cy="699979"/>
+          </a:xfrm>
+          <a:prstGeom prst="bentConnector2">
+            <a:avLst/>
+          </a:prstGeom>
+          <a:ln w="19050">
+            <a:solidFill>
+              <a:schemeClr val="accent3"/>
+            </a:solidFill>
+            <a:headEnd type="none" w="med" len="med"/>
+            <a:tailEnd type="arrow" w="med" len="med"/>
+          </a:ln>
+          <a:effectLst/>
+        </p:spPr>
+        <p:style>
+          <a:lnRef idx="1">
+            <a:schemeClr val="accent2"/>
+          </a:lnRef>
+          <a:fillRef idx="2">
+            <a:schemeClr val="accent2"/>
+          </a:fillRef>
+          <a:effectRef idx="1">
+            <a:schemeClr val="accent2"/>
+          </a:effectRef>
+          <a:fontRef idx="minor">
+            <a:schemeClr val="dk1"/>
+          </a:fontRef>
+        </p:style>
+      </p:cxnSp>
+      <p:sp>
+        <p:nvSpPr>
+          <p:cNvPr id="52" name="Freeform 117">
+            <a:extLst>
+              <a:ext uri="{FF2B5EF4-FFF2-40B4-BE49-F238E27FC236}">
+                <a16:creationId xmlns:a16="http://schemas.microsoft.com/office/drawing/2014/main" id="{467812DF-8950-4E37-BA28-AC71D19394E8}"/>
+              </a:ext>
+            </a:extLst>
+          </p:cNvPr>
+          <p:cNvSpPr/>
+          <p:nvPr/>
+        </p:nvSpPr>
+        <p:spPr>
+          <a:xfrm flipV="1">
+            <a:off x="4110475" y="4152982"/>
+            <a:ext cx="2642195" cy="101600"/>
+          </a:xfrm>
+          <a:custGeom>
+            <a:avLst/>
+            <a:gdLst>
+              <a:gd name="connsiteX0" fmla="*/ 0 w 3048000"/>
+              <a:gd name="connsiteY0" fmla="*/ 203200 h 203200"/>
+              <a:gd name="connsiteX1" fmla="*/ 221673 w 3048000"/>
+              <a:gd name="connsiteY1" fmla="*/ 0 h 203200"/>
+              <a:gd name="connsiteX2" fmla="*/ 3048000 w 3048000"/>
+              <a:gd name="connsiteY2" fmla="*/ 0 h 203200"/>
+            </a:gdLst>
+            <a:ahLst/>
+            <a:cxnLst>
+              <a:cxn ang="0">
+                <a:pos x="connsiteX0" y="connsiteY0"/>
+              </a:cxn>
+              <a:cxn ang="0">
+                <a:pos x="connsiteX1" y="connsiteY1"/>
+              </a:cxn>
+              <a:cxn ang="0">
+                <a:pos x="connsiteX2" y="connsiteY2"/>
+              </a:cxn>
+            </a:cxnLst>
+            <a:rect l="l" t="t" r="r" b="b"/>
+            <a:pathLst>
+              <a:path w="3048000" h="203200">
+                <a:moveTo>
+                  <a:pt x="0" y="203200"/>
+                </a:moveTo>
+                <a:lnTo>
+                  <a:pt x="221673" y="0"/>
+                </a:lnTo>
+                <a:lnTo>
+                  <a:pt x="3048000" y="0"/>
+                </a:lnTo>
+              </a:path>
+            </a:pathLst>
+          </a:custGeom>
+          <a:noFill/>
+          <a:ln w="19050">
+            <a:solidFill>
+              <a:schemeClr val="accent3"/>
+            </a:solidFill>
+            <a:prstDash val="sysDot"/>
+            <a:headEnd type="none" w="med" len="med"/>
+            <a:tailEnd type="arrow" w="med" len="med"/>
+          </a:ln>
+          <a:effectLst/>
+        </p:spPr>
+        <p:style>
+          <a:lnRef idx="1">
+            <a:schemeClr val="accent2"/>
+          </a:lnRef>
+          <a:fillRef idx="2">
+            <a:schemeClr val="accent2"/>
+          </a:fillRef>
+          <a:effectRef idx="1">
+            <a:schemeClr val="accent2"/>
+          </a:effectRef>
+          <a:fontRef idx="minor">
+            <a:schemeClr val="dk1"/>
+          </a:fontRef>
+        </p:style>
+        <p:txBody>
+          <a:bodyPr rtlCol="0" anchor="ctr"/>
+          <a:lstStyle/>
+          <a:p>
+            <a:pPr algn="ctr"/>
+            <a:endParaRPr lang="en-SG"/>
+          </a:p>
+        </p:txBody>
+      </p:sp>
+      <p:sp>
+        <p:nvSpPr>
+          <p:cNvPr id="54" name="Rectangle 53">
+            <a:extLst>
+              <a:ext uri="{FF2B5EF4-FFF2-40B4-BE49-F238E27FC236}">
+                <a16:creationId xmlns:a16="http://schemas.microsoft.com/office/drawing/2014/main" id="{E5140D97-82A5-46D1-9BA1-090CB81ACB07}"/>
+              </a:ext>
+            </a:extLst>
+          </p:cNvPr>
+          <p:cNvSpPr/>
+          <p:nvPr/>
+        </p:nvSpPr>
+        <p:spPr>
+          <a:xfrm>
+            <a:off x="5403597" y="4725294"/>
+            <a:ext cx="229325" cy="160062"/>
+          </a:xfrm>
+          <a:prstGeom prst="rect">
+            <a:avLst/>
+          </a:prstGeom>
+          <a:solidFill>
+            <a:schemeClr val="accent3">
+              <a:lumMod val="20000"/>
+              <a:lumOff val="80000"/>
+              <a:alpha val="80000"/>
+            </a:schemeClr>
+          </a:solidFill>
+          <a:ln>
+            <a:noFill/>
+          </a:ln>
+          <a:effectLst>
+            <a:softEdge rad="31750"/>
+          </a:effectLst>
+        </p:spPr>
+        <p:style>
+          <a:lnRef idx="2">
+            <a:schemeClr val="accent1">
+              <a:shade val="50000"/>
+            </a:schemeClr>
+          </a:lnRef>
+          <a:fillRef idx="1">
+            <a:schemeClr val="accent1"/>
+          </a:fillRef>
+          <a:effectRef idx="0">
+            <a:schemeClr val="accent1"/>
+          </a:effectRef>
+          <a:fontRef idx="minor">
+            <a:schemeClr val="lt1"/>
+          </a:fontRef>
+        </p:style>
+        <p:txBody>
+          <a:bodyPr rtlCol="0" anchor="ctr"/>
+          <a:lstStyle/>
+          <a:p>
+            <a:pPr algn="ctr"/>
+            <a:endParaRPr lang="en-SG"/>
+          </a:p>
+        </p:txBody>
+      </p:sp>
+      <p:sp>
+        <p:nvSpPr>
           <p:cNvPr id="118" name="Freeform 117"/>
           <p:cNvSpPr/>
           <p:nvPr/>
         </p:nvSpPr>
         <p:spPr>
           <a:xfrm flipV="1">
-            <a:off x="4114799" y="4472708"/>
+            <a:off x="4114799" y="4725574"/>
             <a:ext cx="2642195" cy="101600"/>
           </a:xfrm>
           <a:custGeom>

--- a/docs/diagrams/UiComponentClassDiagram.pptx
+++ b/docs/diagrams/UiComponentClassDiagram.pptx
@@ -208,7 +208,7 @@
           <a:p>
             <a:fld id="{F5CC4B3F-88C1-4FFA-B1B6-F41C21DC6924}" type="datetimeFigureOut">
               <a:rPr lang="en-US" smtClean="0"/>
-              <a:t>10/26/2018</a:t>
+              <a:t>11/7/2018</a:t>
             </a:fld>
             <a:endParaRPr lang="en-US"/>
           </a:p>
@@ -738,7 +738,7 @@
           <a:p>
             <a:fld id="{78C97017-6FC3-485B-9764-EAC9E56C1D49}" type="datetimeFigureOut">
               <a:rPr lang="en-US" smtClean="0"/>
-              <a:t>10/26/2018</a:t>
+              <a:t>11/7/2018</a:t>
             </a:fld>
             <a:endParaRPr lang="en-US"/>
           </a:p>
@@ -906,7 +906,7 @@
           <a:p>
             <a:fld id="{78C97017-6FC3-485B-9764-EAC9E56C1D49}" type="datetimeFigureOut">
               <a:rPr lang="en-US" smtClean="0"/>
-              <a:t>10/26/2018</a:t>
+              <a:t>11/7/2018</a:t>
             </a:fld>
             <a:endParaRPr lang="en-US"/>
           </a:p>
@@ -1084,7 +1084,7 @@
           <a:p>
             <a:fld id="{78C97017-6FC3-485B-9764-EAC9E56C1D49}" type="datetimeFigureOut">
               <a:rPr lang="en-US" smtClean="0"/>
-              <a:t>10/26/2018</a:t>
+              <a:t>11/7/2018</a:t>
             </a:fld>
             <a:endParaRPr lang="en-US"/>
           </a:p>
@@ -1252,7 +1252,7 @@
           <a:p>
             <a:fld id="{78C97017-6FC3-485B-9764-EAC9E56C1D49}" type="datetimeFigureOut">
               <a:rPr lang="en-US" smtClean="0"/>
-              <a:t>10/26/2018</a:t>
+              <a:t>11/7/2018</a:t>
             </a:fld>
             <a:endParaRPr lang="en-US"/>
           </a:p>
@@ -1497,7 +1497,7 @@
           <a:p>
             <a:fld id="{78C97017-6FC3-485B-9764-EAC9E56C1D49}" type="datetimeFigureOut">
               <a:rPr lang="en-US" smtClean="0"/>
-              <a:t>10/26/2018</a:t>
+              <a:t>11/7/2018</a:t>
             </a:fld>
             <a:endParaRPr lang="en-US"/>
           </a:p>
@@ -1782,7 +1782,7 @@
           <a:p>
             <a:fld id="{78C97017-6FC3-485B-9764-EAC9E56C1D49}" type="datetimeFigureOut">
               <a:rPr lang="en-US" smtClean="0"/>
-              <a:t>10/26/2018</a:t>
+              <a:t>11/7/2018</a:t>
             </a:fld>
             <a:endParaRPr lang="en-US"/>
           </a:p>
@@ -2201,7 +2201,7 @@
           <a:p>
             <a:fld id="{78C97017-6FC3-485B-9764-EAC9E56C1D49}" type="datetimeFigureOut">
               <a:rPr lang="en-US" smtClean="0"/>
-              <a:t>10/26/2018</a:t>
+              <a:t>11/7/2018</a:t>
             </a:fld>
             <a:endParaRPr lang="en-US"/>
           </a:p>
@@ -2318,7 +2318,7 @@
           <a:p>
             <a:fld id="{78C97017-6FC3-485B-9764-EAC9E56C1D49}" type="datetimeFigureOut">
               <a:rPr lang="en-US" smtClean="0"/>
-              <a:t>10/26/2018</a:t>
+              <a:t>11/7/2018</a:t>
             </a:fld>
             <a:endParaRPr lang="en-US"/>
           </a:p>
@@ -2413,7 +2413,7 @@
           <a:p>
             <a:fld id="{78C97017-6FC3-485B-9764-EAC9E56C1D49}" type="datetimeFigureOut">
               <a:rPr lang="en-US" smtClean="0"/>
-              <a:t>10/26/2018</a:t>
+              <a:t>11/7/2018</a:t>
             </a:fld>
             <a:endParaRPr lang="en-US"/>
           </a:p>
@@ -2688,7 +2688,7 @@
           <a:p>
             <a:fld id="{78C97017-6FC3-485B-9764-EAC9E56C1D49}" type="datetimeFigureOut">
               <a:rPr lang="en-US" smtClean="0"/>
-              <a:t>10/26/2018</a:t>
+              <a:t>11/7/2018</a:t>
             </a:fld>
             <a:endParaRPr lang="en-US"/>
           </a:p>
@@ -2940,7 +2940,7 @@
           <a:p>
             <a:fld id="{78C97017-6FC3-485B-9764-EAC9E56C1D49}" type="datetimeFigureOut">
               <a:rPr lang="en-US" smtClean="0"/>
-              <a:t>10/26/2018</a:t>
+              <a:t>11/7/2018</a:t>
             </a:fld>
             <a:endParaRPr lang="en-US"/>
           </a:p>
@@ -3151,7 +3151,7 @@
           <a:p>
             <a:fld id="{78C97017-6FC3-485B-9764-EAC9E56C1D49}" type="datetimeFigureOut">
               <a:rPr lang="en-US" smtClean="0"/>
-              <a:t>10/26/2018</a:t>
+              <a:t>11/7/2018</a:t>
             </a:fld>
             <a:endParaRPr lang="en-US"/>
           </a:p>
@@ -3534,8 +3534,8 @@
         </p:nvSpPr>
         <p:spPr>
           <a:xfrm>
-            <a:off x="1217465" y="1447799"/>
-            <a:ext cx="4917083" cy="4724400"/>
+            <a:off x="1217465" y="1467676"/>
+            <a:ext cx="4917083" cy="5364483"/>
           </a:xfrm>
           <a:prstGeom prst="roundRect">
             <a:avLst>
@@ -3909,7 +3909,7 @@
         </p:nvSpPr>
         <p:spPr>
           <a:xfrm rot="16200000">
-            <a:off x="5703829" y="2464877"/>
+            <a:off x="5703829" y="2435060"/>
             <a:ext cx="2362201" cy="328045"/>
           </a:xfrm>
           <a:prstGeom prst="roundRect">
@@ -3969,8 +3969,8 @@
         </p:nvSpPr>
         <p:spPr>
           <a:xfrm>
-            <a:off x="2592527" y="5554359"/>
-            <a:ext cx="1093635" cy="236841"/>
+            <a:off x="2592527" y="5650706"/>
+            <a:ext cx="1369873" cy="216694"/>
           </a:xfrm>
           <a:prstGeom prst="rect">
             <a:avLst/>
@@ -4002,16 +4002,16 @@
           <a:p>
             <a:pPr algn="ctr"/>
             <a:r>
-              <a:rPr lang="en-US" sz="1050" b="1" dirty="0" err="1">
+              <a:rPr lang="en-US" sz="800" b="1" dirty="0" err="1">
                 <a:solidFill>
                   <a:schemeClr val="accent3">
                     <a:lumMod val="75000"/>
                   </a:schemeClr>
                 </a:solidFill>
               </a:rPr>
-              <a:t>StatusBarFooter</a:t>
-            </a:r>
-            <a:endParaRPr lang="en-SG" sz="1050" b="1" dirty="0">
+              <a:t>MasterCandidateListPanel</a:t>
+            </a:r>
+            <a:endParaRPr lang="en-SG" sz="800" b="1" dirty="0">
               <a:solidFill>
                 <a:schemeClr val="accent3">
                   <a:lumMod val="75000"/>
@@ -4029,7 +4029,7 @@
         </p:nvSpPr>
         <p:spPr>
           <a:xfrm>
-            <a:off x="2592528" y="5859159"/>
+            <a:off x="2592528" y="6544959"/>
             <a:ext cx="1093635" cy="236841"/>
           </a:xfrm>
           <a:prstGeom prst="rect">
@@ -4234,6 +4234,7 @@
         <p:nvCxnSpPr>
           <p:cNvPr id="50" name="Elbow Connector 63"/>
           <p:cNvCxnSpPr>
+            <a:cxnSpLocks/>
             <a:stCxn id="39" idx="2"/>
             <a:endCxn id="35" idx="1"/>
           </p:cNvCxnSpPr>
@@ -4241,8 +4242,8 @@
         </p:nvCxnSpPr>
         <p:spPr>
           <a:xfrm rot="16200000" flipH="1">
-            <a:off x="1101949" y="4182201"/>
-            <a:ext cx="2804755" cy="176401"/>
+            <a:off x="1058812" y="4225338"/>
+            <a:ext cx="2891028" cy="176401"/>
           </a:xfrm>
           <a:prstGeom prst="bentConnector2">
             <a:avLst/>
@@ -4282,8 +4283,8 @@
         </p:nvCxnSpPr>
         <p:spPr>
           <a:xfrm rot="16200000" flipH="1">
-            <a:off x="753196" y="4138248"/>
-            <a:ext cx="3295936" cy="382728"/>
+            <a:off x="425444" y="4496295"/>
+            <a:ext cx="3987407" cy="346761"/>
           </a:xfrm>
           <a:prstGeom prst="bentConnector2">
             <a:avLst/>
@@ -4569,8 +4570,8 @@
         </p:nvCxnSpPr>
         <p:spPr>
           <a:xfrm rot="5400000">
-            <a:off x="2914676" y="3057487"/>
-            <a:ext cx="3386780" cy="1843807"/>
+            <a:off x="3009659" y="3238742"/>
+            <a:ext cx="3473053" cy="1567569"/>
           </a:xfrm>
           <a:prstGeom prst="bentConnector2">
             <a:avLst/>
@@ -4610,8 +4611,8 @@
         </p:nvCxnSpPr>
         <p:spPr>
           <a:xfrm rot="5400000">
-            <a:off x="2762276" y="3209887"/>
-            <a:ext cx="3691580" cy="1843806"/>
+            <a:off x="2419376" y="3552787"/>
+            <a:ext cx="4377380" cy="1843806"/>
           </a:xfrm>
           <a:prstGeom prst="bentConnector2">
             <a:avLst/>
@@ -5776,16 +5777,21 @@
               </a:ext>
             </a:extLst>
           </p:cNvPr>
-          <p:cNvCxnSpPr/>
+          <p:cNvCxnSpPr>
+            <a:cxnSpLocks/>
+            <a:endCxn id="42" idx="1"/>
+          </p:cNvCxnSpPr>
           <p:nvPr/>
         </p:nvCxnSpPr>
         <p:spPr>
-          <a:xfrm rot="16200000" flipH="1">
-            <a:off x="3967015" y="3601830"/>
-            <a:ext cx="118421" cy="699979"/>
-          </a:xfrm>
-          <a:prstGeom prst="bentConnector2">
-            <a:avLst/>
+          <a:xfrm>
+            <a:off x="3676236" y="3892609"/>
+            <a:ext cx="684346" cy="45950"/>
+          </a:xfrm>
+          <a:prstGeom prst="bentConnector3">
+            <a:avLst>
+              <a:gd name="adj1" fmla="val 50000"/>
+            </a:avLst>
           </a:prstGeom>
           <a:ln w="19050">
             <a:solidFill>
@@ -6352,6 +6358,334 @@
             </a:solidFill>
             <a:headEnd type="none" w="med" len="med"/>
             <a:tailEnd type="none" w="med" len="med"/>
+          </a:ln>
+          <a:effectLst/>
+        </p:spPr>
+        <p:style>
+          <a:lnRef idx="1">
+            <a:schemeClr val="accent2"/>
+          </a:lnRef>
+          <a:fillRef idx="2">
+            <a:schemeClr val="accent2"/>
+          </a:fillRef>
+          <a:effectRef idx="1">
+            <a:schemeClr val="accent2"/>
+          </a:effectRef>
+          <a:fontRef idx="minor">
+            <a:schemeClr val="dk1"/>
+          </a:fontRef>
+        </p:style>
+      </p:cxnSp>
+      <p:sp>
+        <p:nvSpPr>
+          <p:cNvPr id="63" name="Rectangle 11">
+            <a:extLst>
+              <a:ext uri="{FF2B5EF4-FFF2-40B4-BE49-F238E27FC236}">
+                <a16:creationId xmlns:a16="http://schemas.microsoft.com/office/drawing/2014/main" id="{4D8820CF-CB00-4F35-AC47-FCE86559C2E5}"/>
+              </a:ext>
+            </a:extLst>
+          </p:cNvPr>
+          <p:cNvSpPr/>
+          <p:nvPr/>
+        </p:nvSpPr>
+        <p:spPr>
+          <a:xfrm>
+            <a:off x="2591661" y="6240159"/>
+            <a:ext cx="1093635" cy="236841"/>
+          </a:xfrm>
+          <a:prstGeom prst="rect">
+            <a:avLst/>
+          </a:prstGeom>
+          <a:ln w="19050">
+            <a:solidFill>
+              <a:schemeClr val="accent3"/>
+            </a:solidFill>
+          </a:ln>
+          <a:effectLst/>
+        </p:spPr>
+        <p:style>
+          <a:lnRef idx="1">
+            <a:schemeClr val="accent3"/>
+          </a:lnRef>
+          <a:fillRef idx="2">
+            <a:schemeClr val="accent3"/>
+          </a:fillRef>
+          <a:effectRef idx="1">
+            <a:schemeClr val="accent3"/>
+          </a:effectRef>
+          <a:fontRef idx="minor">
+            <a:schemeClr val="dk1"/>
+          </a:fontRef>
+        </p:style>
+        <p:txBody>
+          <a:bodyPr rtlCol="0" anchor="ctr"/>
+          <a:lstStyle/>
+          <a:p>
+            <a:pPr algn="ctr"/>
+            <a:r>
+              <a:rPr lang="en-US" sz="1050" b="1" dirty="0" err="1">
+                <a:solidFill>
+                  <a:schemeClr val="accent3">
+                    <a:lumMod val="75000"/>
+                  </a:schemeClr>
+                </a:solidFill>
+              </a:rPr>
+              <a:t>StatusBarFooter</a:t>
+            </a:r>
+            <a:endParaRPr lang="en-SG" sz="1050" b="1" dirty="0">
+              <a:solidFill>
+                <a:schemeClr val="accent3">
+                  <a:lumMod val="75000"/>
+                </a:schemeClr>
+              </a:solidFill>
+            </a:endParaRPr>
+          </a:p>
+        </p:txBody>
+      </p:sp>
+      <p:sp>
+        <p:nvSpPr>
+          <p:cNvPr id="68" name="Rectangle 11">
+            <a:extLst>
+              <a:ext uri="{FF2B5EF4-FFF2-40B4-BE49-F238E27FC236}">
+                <a16:creationId xmlns:a16="http://schemas.microsoft.com/office/drawing/2014/main" id="{64F1239F-575B-494D-8CBB-B83B17125A23}"/>
+              </a:ext>
+            </a:extLst>
+          </p:cNvPr>
+          <p:cNvSpPr/>
+          <p:nvPr/>
+        </p:nvSpPr>
+        <p:spPr>
+          <a:xfrm>
+            <a:off x="2589381" y="5943600"/>
+            <a:ext cx="1093635" cy="236841"/>
+          </a:xfrm>
+          <a:prstGeom prst="rect">
+            <a:avLst/>
+          </a:prstGeom>
+          <a:ln w="19050">
+            <a:solidFill>
+              <a:schemeClr val="accent3"/>
+            </a:solidFill>
+          </a:ln>
+          <a:effectLst/>
+        </p:spPr>
+        <p:style>
+          <a:lnRef idx="1">
+            <a:schemeClr val="accent3"/>
+          </a:lnRef>
+          <a:fillRef idx="2">
+            <a:schemeClr val="accent3"/>
+          </a:fillRef>
+          <a:effectRef idx="1">
+            <a:schemeClr val="accent3"/>
+          </a:effectRef>
+          <a:fontRef idx="minor">
+            <a:schemeClr val="dk1"/>
+          </a:fontRef>
+        </p:style>
+        <p:txBody>
+          <a:bodyPr rtlCol="0" anchor="ctr"/>
+          <a:lstStyle/>
+          <a:p>
+            <a:pPr algn="ctr"/>
+            <a:r>
+              <a:rPr lang="en-US" sz="800" b="1" dirty="0" err="1">
+                <a:solidFill>
+                  <a:schemeClr val="accent3">
+                    <a:lumMod val="75000"/>
+                  </a:schemeClr>
+                </a:solidFill>
+              </a:rPr>
+              <a:t>MasterJobListPanel</a:t>
+            </a:r>
+            <a:endParaRPr lang="en-SG" sz="800" b="1" dirty="0">
+              <a:solidFill>
+                <a:schemeClr val="accent3">
+                  <a:lumMod val="75000"/>
+                </a:schemeClr>
+              </a:solidFill>
+            </a:endParaRPr>
+          </a:p>
+        </p:txBody>
+      </p:sp>
+      <p:cxnSp>
+        <p:nvCxnSpPr>
+          <p:cNvPr id="71" name="Elbow Connector 63">
+            <a:extLst>
+              <a:ext uri="{FF2B5EF4-FFF2-40B4-BE49-F238E27FC236}">
+                <a16:creationId xmlns:a16="http://schemas.microsoft.com/office/drawing/2014/main" id="{3D46D389-F7B4-4CE8-8E1B-4D26551DE898}"/>
+              </a:ext>
+            </a:extLst>
+          </p:cNvPr>
+          <p:cNvCxnSpPr>
+            <a:cxnSpLocks/>
+            <a:stCxn id="39" idx="2"/>
+            <a:endCxn id="63" idx="1"/>
+          </p:cNvCxnSpPr>
+          <p:nvPr/>
+        </p:nvCxnSpPr>
+        <p:spPr>
+          <a:xfrm rot="16200000" flipH="1">
+            <a:off x="758616" y="4525534"/>
+            <a:ext cx="3490555" cy="175535"/>
+          </a:xfrm>
+          <a:prstGeom prst="bentConnector2">
+            <a:avLst/>
+          </a:prstGeom>
+          <a:ln w="19050">
+            <a:solidFill>
+              <a:schemeClr val="accent3"/>
+            </a:solidFill>
+            <a:headEnd type="none" w="med" len="med"/>
+            <a:tailEnd type="arrow" w="med" len="med"/>
+          </a:ln>
+          <a:effectLst/>
+        </p:spPr>
+        <p:style>
+          <a:lnRef idx="1">
+            <a:schemeClr val="accent2"/>
+          </a:lnRef>
+          <a:fillRef idx="2">
+            <a:schemeClr val="accent2"/>
+          </a:fillRef>
+          <a:effectRef idx="1">
+            <a:schemeClr val="accent2"/>
+          </a:effectRef>
+          <a:fontRef idx="minor">
+            <a:schemeClr val="dk1"/>
+          </a:fontRef>
+        </p:style>
+      </p:cxnSp>
+      <p:cxnSp>
+        <p:nvCxnSpPr>
+          <p:cNvPr id="75" name="Elbow Connector 63">
+            <a:extLst>
+              <a:ext uri="{FF2B5EF4-FFF2-40B4-BE49-F238E27FC236}">
+                <a16:creationId xmlns:a16="http://schemas.microsoft.com/office/drawing/2014/main" id="{F98A5578-91C3-4658-8769-B02CD4BEF018}"/>
+              </a:ext>
+            </a:extLst>
+          </p:cNvPr>
+          <p:cNvCxnSpPr>
+            <a:cxnSpLocks/>
+            <a:stCxn id="39" idx="2"/>
+            <a:endCxn id="68" idx="1"/>
+          </p:cNvCxnSpPr>
+          <p:nvPr/>
+        </p:nvCxnSpPr>
+        <p:spPr>
+          <a:xfrm rot="16200000" flipH="1">
+            <a:off x="905755" y="4378395"/>
+            <a:ext cx="3193996" cy="173255"/>
+          </a:xfrm>
+          <a:prstGeom prst="bentConnector2">
+            <a:avLst/>
+          </a:prstGeom>
+          <a:ln w="19050">
+            <a:solidFill>
+              <a:schemeClr val="accent3"/>
+            </a:solidFill>
+            <a:headEnd type="none" w="med" len="med"/>
+            <a:tailEnd type="arrow" w="med" len="med"/>
+          </a:ln>
+          <a:effectLst/>
+        </p:spPr>
+        <p:style>
+          <a:lnRef idx="1">
+            <a:schemeClr val="accent2"/>
+          </a:lnRef>
+          <a:fillRef idx="2">
+            <a:schemeClr val="accent2"/>
+          </a:fillRef>
+          <a:effectRef idx="1">
+            <a:schemeClr val="accent2"/>
+          </a:effectRef>
+          <a:fontRef idx="minor">
+            <a:schemeClr val="dk1"/>
+          </a:fontRef>
+        </p:style>
+      </p:cxnSp>
+      <p:cxnSp>
+        <p:nvCxnSpPr>
+          <p:cNvPr id="78" name="Elbow Connector 136">
+            <a:extLst>
+              <a:ext uri="{FF2B5EF4-FFF2-40B4-BE49-F238E27FC236}">
+                <a16:creationId xmlns:a16="http://schemas.microsoft.com/office/drawing/2014/main" id="{BE6BB732-CF4F-459C-89DD-1CFD5EC9E9C7}"/>
+              </a:ext>
+            </a:extLst>
+          </p:cNvPr>
+          <p:cNvCxnSpPr>
+            <a:cxnSpLocks/>
+            <a:stCxn id="35" idx="3"/>
+            <a:endCxn id="42" idx="3"/>
+          </p:cNvCxnSpPr>
+          <p:nvPr/>
+        </p:nvCxnSpPr>
+        <p:spPr>
+          <a:xfrm flipV="1">
+            <a:off x="3962400" y="3938559"/>
+            <a:ext cx="1439088" cy="1820494"/>
+          </a:xfrm>
+          <a:prstGeom prst="bentConnector3">
+            <a:avLst>
+              <a:gd name="adj1" fmla="val 115885"/>
+            </a:avLst>
+          </a:prstGeom>
+          <a:ln w="19050">
+            <a:solidFill>
+              <a:schemeClr val="accent3"/>
+            </a:solidFill>
+            <a:headEnd type="none" w="med" len="med"/>
+            <a:tailEnd type="arrow" w="med" len="med"/>
+          </a:ln>
+          <a:effectLst/>
+        </p:spPr>
+        <p:style>
+          <a:lnRef idx="1">
+            <a:schemeClr val="accent2"/>
+          </a:lnRef>
+          <a:fillRef idx="2">
+            <a:schemeClr val="accent2"/>
+          </a:fillRef>
+          <a:effectRef idx="1">
+            <a:schemeClr val="accent2"/>
+          </a:effectRef>
+          <a:fontRef idx="minor">
+            <a:schemeClr val="dk1"/>
+          </a:fontRef>
+        </p:style>
+      </p:cxnSp>
+      <p:cxnSp>
+        <p:nvCxnSpPr>
+          <p:cNvPr id="83" name="Elbow Connector 136">
+            <a:extLst>
+              <a:ext uri="{FF2B5EF4-FFF2-40B4-BE49-F238E27FC236}">
+                <a16:creationId xmlns:a16="http://schemas.microsoft.com/office/drawing/2014/main" id="{79CD085A-C363-48D4-A386-DEFFA6D76935}"/>
+              </a:ext>
+            </a:extLst>
+          </p:cNvPr>
+          <p:cNvCxnSpPr>
+            <a:cxnSpLocks/>
+            <a:stCxn id="68" idx="3"/>
+            <a:endCxn id="51" idx="1"/>
+          </p:cNvCxnSpPr>
+          <p:nvPr/>
+        </p:nvCxnSpPr>
+        <p:spPr>
+          <a:xfrm flipV="1">
+            <a:off x="3683016" y="4834580"/>
+            <a:ext cx="699175" cy="1227441"/>
+          </a:xfrm>
+          <a:prstGeom prst="bentConnector3">
+            <a:avLst>
+              <a:gd name="adj1" fmla="val 50000"/>
+            </a:avLst>
+          </a:prstGeom>
+          <a:ln w="19050">
+            <a:solidFill>
+              <a:schemeClr val="accent3"/>
+            </a:solidFill>
+            <a:headEnd type="none" w="med" len="med"/>
+            <a:tailEnd type="arrow" w="med" len="med"/>
           </a:ln>
           <a:effectLst/>
         </p:spPr>

--- a/docs/diagrams/UiComponentClassDiagram.pptx
+++ b/docs/diagrams/UiComponentClassDiagram.pptx
@@ -208,7 +208,7 @@
           <a:p>
             <a:fld id="{F5CC4B3F-88C1-4FFA-B1B6-F41C21DC6924}" type="datetimeFigureOut">
               <a:rPr lang="en-US" smtClean="0"/>
-              <a:t>1/7/2017</a:t>
+              <a:t>11/9/2018</a:t>
             </a:fld>
             <a:endParaRPr lang="en-US"/>
           </a:p>
@@ -654,7 +654,7 @@
           <a:p>
             <a:fld id="{78C97017-6FC3-485B-9764-EAC9E56C1D49}" type="datetimeFigureOut">
               <a:rPr lang="en-US" smtClean="0"/>
-              <a:t>1/7/2017</a:t>
+              <a:t>11/9/2018</a:t>
             </a:fld>
             <a:endParaRPr lang="en-US"/>
           </a:p>
@@ -822,7 +822,7 @@
           <a:p>
             <a:fld id="{78C97017-6FC3-485B-9764-EAC9E56C1D49}" type="datetimeFigureOut">
               <a:rPr lang="en-US" smtClean="0"/>
-              <a:t>1/7/2017</a:t>
+              <a:t>11/9/2018</a:t>
             </a:fld>
             <a:endParaRPr lang="en-US"/>
           </a:p>
@@ -1000,7 +1000,7 @@
           <a:p>
             <a:fld id="{78C97017-6FC3-485B-9764-EAC9E56C1D49}" type="datetimeFigureOut">
               <a:rPr lang="en-US" smtClean="0"/>
-              <a:t>1/7/2017</a:t>
+              <a:t>11/9/2018</a:t>
             </a:fld>
             <a:endParaRPr lang="en-US"/>
           </a:p>
@@ -1168,7 +1168,7 @@
           <a:p>
             <a:fld id="{78C97017-6FC3-485B-9764-EAC9E56C1D49}" type="datetimeFigureOut">
               <a:rPr lang="en-US" smtClean="0"/>
-              <a:t>1/7/2017</a:t>
+              <a:t>11/9/2018</a:t>
             </a:fld>
             <a:endParaRPr lang="en-US"/>
           </a:p>
@@ -1413,7 +1413,7 @@
           <a:p>
             <a:fld id="{78C97017-6FC3-485B-9764-EAC9E56C1D49}" type="datetimeFigureOut">
               <a:rPr lang="en-US" smtClean="0"/>
-              <a:t>1/7/2017</a:t>
+              <a:t>11/9/2018</a:t>
             </a:fld>
             <a:endParaRPr lang="en-US"/>
           </a:p>
@@ -1698,7 +1698,7 @@
           <a:p>
             <a:fld id="{78C97017-6FC3-485B-9764-EAC9E56C1D49}" type="datetimeFigureOut">
               <a:rPr lang="en-US" smtClean="0"/>
-              <a:t>1/7/2017</a:t>
+              <a:t>11/9/2018</a:t>
             </a:fld>
             <a:endParaRPr lang="en-US"/>
           </a:p>
@@ -2117,7 +2117,7 @@
           <a:p>
             <a:fld id="{78C97017-6FC3-485B-9764-EAC9E56C1D49}" type="datetimeFigureOut">
               <a:rPr lang="en-US" smtClean="0"/>
-              <a:t>1/7/2017</a:t>
+              <a:t>11/9/2018</a:t>
             </a:fld>
             <a:endParaRPr lang="en-US"/>
           </a:p>
@@ -2234,7 +2234,7 @@
           <a:p>
             <a:fld id="{78C97017-6FC3-485B-9764-EAC9E56C1D49}" type="datetimeFigureOut">
               <a:rPr lang="en-US" smtClean="0"/>
-              <a:t>1/7/2017</a:t>
+              <a:t>11/9/2018</a:t>
             </a:fld>
             <a:endParaRPr lang="en-US"/>
           </a:p>
@@ -2329,7 +2329,7 @@
           <a:p>
             <a:fld id="{78C97017-6FC3-485B-9764-EAC9E56C1D49}" type="datetimeFigureOut">
               <a:rPr lang="en-US" smtClean="0"/>
-              <a:t>1/7/2017</a:t>
+              <a:t>11/9/2018</a:t>
             </a:fld>
             <a:endParaRPr lang="en-US"/>
           </a:p>
@@ -2604,7 +2604,7 @@
           <a:p>
             <a:fld id="{78C97017-6FC3-485B-9764-EAC9E56C1D49}" type="datetimeFigureOut">
               <a:rPr lang="en-US" smtClean="0"/>
-              <a:t>1/7/2017</a:t>
+              <a:t>11/9/2018</a:t>
             </a:fld>
             <a:endParaRPr lang="en-US"/>
           </a:p>
@@ -2856,7 +2856,7 @@
           <a:p>
             <a:fld id="{78C97017-6FC3-485B-9764-EAC9E56C1D49}" type="datetimeFigureOut">
               <a:rPr lang="en-US" smtClean="0"/>
-              <a:t>1/7/2017</a:t>
+              <a:t>11/9/2018</a:t>
             </a:fld>
             <a:endParaRPr lang="en-US"/>
           </a:p>
@@ -3067,7 +3067,7 @@
           <a:p>
             <a:fld id="{78C97017-6FC3-485B-9764-EAC9E56C1D49}" type="datetimeFigureOut">
               <a:rPr lang="en-US" smtClean="0"/>
-              <a:t>1/7/2017</a:t>
+              <a:t>11/9/2018</a:t>
             </a:fld>
             <a:endParaRPr lang="en-US"/>
           </a:p>
@@ -3825,8 +3825,8 @@
         </p:nvSpPr>
         <p:spPr>
           <a:xfrm rot="16200000">
-            <a:off x="5703829" y="2464877"/>
-            <a:ext cx="2362201" cy="328045"/>
+            <a:off x="5007409" y="3161296"/>
+            <a:ext cx="3755042" cy="328045"/>
           </a:xfrm>
           <a:prstGeom prst="roundRect">
             <a:avLst/>
@@ -3999,14 +3999,14 @@
       </p:sp>
       <p:sp>
         <p:nvSpPr>
-          <p:cNvPr id="36" name="Rectangle 11"/>
+          <p:cNvPr id="37" name="Rectangle 11"/>
           <p:cNvSpPr/>
           <p:nvPr/>
         </p:nvSpPr>
         <p:spPr>
           <a:xfrm>
-            <a:off x="2592526" y="3991960"/>
-            <a:ext cx="1093635" cy="236841"/>
+            <a:off x="3675512" y="3947563"/>
+            <a:ext cx="1304625" cy="182786"/>
           </a:xfrm>
           <a:prstGeom prst="rect">
             <a:avLst/>
@@ -4038,74 +4038,14 @@
           <a:p>
             <a:pPr algn="ctr"/>
             <a:r>
-              <a:rPr lang="en-US" sz="1050" b="1" dirty="0" err="1">
+              <a:rPr lang="en-SG" sz="1050" b="1" dirty="0" err="1">
                 <a:solidFill>
                   <a:schemeClr val="accent3">
                     <a:lumMod val="75000"/>
                   </a:schemeClr>
                 </a:solidFill>
               </a:rPr>
-              <a:t>PersonListPanel</a:t>
-            </a:r>
-            <a:endParaRPr lang="en-SG" sz="1050" b="1" dirty="0">
-              <a:solidFill>
-                <a:schemeClr val="accent3">
-                  <a:lumMod val="75000"/>
-                </a:schemeClr>
-              </a:solidFill>
-            </a:endParaRPr>
-          </a:p>
-        </p:txBody>
-      </p:sp>
-      <p:sp>
-        <p:nvSpPr>
-          <p:cNvPr id="37" name="Rectangle 11"/>
-          <p:cNvSpPr/>
-          <p:nvPr/>
-        </p:nvSpPr>
-        <p:spPr>
-          <a:xfrm>
-            <a:off x="3839323" y="4228801"/>
-            <a:ext cx="1040906" cy="236841"/>
-          </a:xfrm>
-          <a:prstGeom prst="rect">
-            <a:avLst/>
-          </a:prstGeom>
-          <a:ln w="19050">
-            <a:solidFill>
-              <a:schemeClr val="accent3"/>
-            </a:solidFill>
-          </a:ln>
-          <a:effectLst/>
-        </p:spPr>
-        <p:style>
-          <a:lnRef idx="1">
-            <a:schemeClr val="accent3"/>
-          </a:lnRef>
-          <a:fillRef idx="2">
-            <a:schemeClr val="accent3"/>
-          </a:fillRef>
-          <a:effectRef idx="1">
-            <a:schemeClr val="accent3"/>
-          </a:effectRef>
-          <a:fontRef idx="minor">
-            <a:schemeClr val="dk1"/>
-          </a:fontRef>
-        </p:style>
-        <p:txBody>
-          <a:bodyPr rtlCol="0" anchor="ctr"/>
-          <a:lstStyle/>
-          <a:p>
-            <a:pPr algn="ctr"/>
-            <a:r>
-              <a:rPr lang="en-US" sz="1050" b="1" dirty="0" err="1">
-                <a:solidFill>
-                  <a:schemeClr val="accent3">
-                    <a:lumMod val="75000"/>
-                  </a:schemeClr>
-                </a:solidFill>
-              </a:rPr>
-              <a:t>PersonCard</a:t>
+              <a:t>HtmlTableProcessor</a:t>
             </a:r>
             <a:endParaRPr lang="en-SG" sz="1050" b="1" dirty="0">
               <a:solidFill>
@@ -4369,47 +4309,6 @@
       </p:cxnSp>
       <p:cxnSp>
         <p:nvCxnSpPr>
-          <p:cNvPr id="47" name="Elbow Connector 63"/>
-          <p:cNvCxnSpPr>
-            <a:stCxn id="39" idx="2"/>
-            <a:endCxn id="36" idx="1"/>
-          </p:cNvCxnSpPr>
-          <p:nvPr/>
-        </p:nvCxnSpPr>
-        <p:spPr>
-          <a:xfrm rot="16200000" flipH="1">
-            <a:off x="1883148" y="3401003"/>
-            <a:ext cx="1242356" cy="176400"/>
-          </a:xfrm>
-          <a:prstGeom prst="bentConnector2">
-            <a:avLst/>
-          </a:prstGeom>
-          <a:ln w="19050">
-            <a:solidFill>
-              <a:schemeClr val="accent3"/>
-            </a:solidFill>
-            <a:headEnd type="none" w="med" len="med"/>
-            <a:tailEnd type="arrow" w="med" len="med"/>
-          </a:ln>
-          <a:effectLst/>
-        </p:spPr>
-        <p:style>
-          <a:lnRef idx="1">
-            <a:schemeClr val="accent2"/>
-          </a:lnRef>
-          <a:fillRef idx="2">
-            <a:schemeClr val="accent2"/>
-          </a:fillRef>
-          <a:effectRef idx="1">
-            <a:schemeClr val="accent2"/>
-          </a:effectRef>
-          <a:fontRef idx="minor">
-            <a:schemeClr val="dk1"/>
-          </a:fontRef>
-        </p:style>
-      </p:cxnSp>
-      <p:cxnSp>
-        <p:nvCxnSpPr>
           <p:cNvPr id="50" name="Elbow Connector 63"/>
           <p:cNvCxnSpPr>
             <a:stCxn id="39" idx="2"/>
@@ -4581,47 +4480,6 @@
           <a:xfrm flipV="1">
             <a:off x="3686160" y="2286000"/>
             <a:ext cx="1843809" cy="1136729"/>
-          </a:xfrm>
-          <a:prstGeom prst="bentConnector2">
-            <a:avLst/>
-          </a:prstGeom>
-          <a:ln w="6350">
-            <a:solidFill>
-              <a:schemeClr val="accent3"/>
-            </a:solidFill>
-            <a:headEnd type="none" w="med" len="med"/>
-            <a:tailEnd type="none" w="med" len="med"/>
-          </a:ln>
-          <a:effectLst/>
-        </p:spPr>
-        <p:style>
-          <a:lnRef idx="1">
-            <a:schemeClr val="accent2"/>
-          </a:lnRef>
-          <a:fillRef idx="2">
-            <a:schemeClr val="accent2"/>
-          </a:fillRef>
-          <a:effectRef idx="1">
-            <a:schemeClr val="accent2"/>
-          </a:effectRef>
-          <a:fontRef idx="minor">
-            <a:schemeClr val="dk1"/>
-          </a:fontRef>
-        </p:style>
-      </p:cxnSp>
-      <p:cxnSp>
-        <p:nvCxnSpPr>
-          <p:cNvPr id="77" name="Elbow Connector 63"/>
-          <p:cNvCxnSpPr>
-            <a:stCxn id="16" idx="3"/>
-            <a:endCxn id="37" idx="3"/>
-          </p:cNvCxnSpPr>
-          <p:nvPr/>
-        </p:nvCxnSpPr>
-        <p:spPr>
-          <a:xfrm rot="5400000">
-            <a:off x="4174488" y="2991741"/>
-            <a:ext cx="2061222" cy="649740"/>
           </a:xfrm>
           <a:prstGeom prst="bentConnector2">
             <a:avLst/>
@@ -4736,14 +4594,13 @@
         <p:nvCxnSpPr>
           <p:cNvPr id="91" name="Elbow Connector 63"/>
           <p:cNvCxnSpPr>
-            <a:stCxn id="16" idx="3"/>
-            <a:endCxn id="35" idx="3"/>
+            <a:cxnSpLocks/>
           </p:cNvCxnSpPr>
           <p:nvPr/>
         </p:nvCxnSpPr>
         <p:spPr>
           <a:xfrm rot="5400000">
-            <a:off x="3409976" y="2562187"/>
+            <a:off x="3409976" y="2562189"/>
             <a:ext cx="2396180" cy="1843807"/>
           </a:xfrm>
           <a:prstGeom prst="bentConnector2">
@@ -4857,66 +4714,6 @@
       </p:cxnSp>
       <p:sp>
         <p:nvSpPr>
-          <p:cNvPr id="117" name="Rectangle 65"/>
-          <p:cNvSpPr/>
-          <p:nvPr/>
-        </p:nvSpPr>
-        <p:spPr>
-          <a:xfrm rot="16200000">
-            <a:off x="6213739" y="4560376"/>
-            <a:ext cx="1371599" cy="328045"/>
-          </a:xfrm>
-          <a:prstGeom prst="roundRect">
-            <a:avLst/>
-          </a:prstGeom>
-          <a:solidFill>
-            <a:schemeClr val="accent4">
-              <a:lumMod val="20000"/>
-              <a:lumOff val="80000"/>
-            </a:schemeClr>
-          </a:solidFill>
-          <a:ln w="19050">
-            <a:noFill/>
-          </a:ln>
-          <a:effectLst/>
-        </p:spPr>
-        <p:style>
-          <a:lnRef idx="1">
-            <a:schemeClr val="accent2"/>
-          </a:lnRef>
-          <a:fillRef idx="2">
-            <a:schemeClr val="accent2"/>
-          </a:fillRef>
-          <a:effectRef idx="1">
-            <a:schemeClr val="accent2"/>
-          </a:effectRef>
-          <a:fontRef idx="minor">
-            <a:schemeClr val="dk1"/>
-          </a:fontRef>
-        </p:style>
-        <p:txBody>
-          <a:bodyPr rtlCol="0" anchor="ctr"/>
-          <a:lstStyle/>
-          <a:p>
-            <a:pPr algn="ctr"/>
-            <a:r>
-              <a:rPr lang="en-US" sz="1100" b="1" dirty="0">
-                <a:solidFill>
-                  <a:schemeClr val="bg1"/>
-                </a:solidFill>
-              </a:rPr>
-              <a:t>Model</a:t>
-            </a:r>
-            <a:endParaRPr lang="en-SG" sz="1100" b="1" dirty="0">
-              <a:solidFill>
-                <a:schemeClr val="bg1"/>
-              </a:solidFill>
-            </a:endParaRPr>
-          </a:p>
-        </p:txBody>
-      </p:sp>
-      <p:sp>
-        <p:nvSpPr>
           <p:cNvPr id="119" name="Rectangle 62"/>
           <p:cNvSpPr/>
           <p:nvPr/>
@@ -5120,97 +4917,14 @@
         <p:nvCxnSpPr>
           <p:cNvPr id="132" name="Elbow Connector 63"/>
           <p:cNvCxnSpPr>
-            <a:stCxn id="16" idx="3"/>
-            <a:endCxn id="3" idx="3"/>
+            <a:cxnSpLocks/>
           </p:cNvCxnSpPr>
           <p:nvPr/>
         </p:nvCxnSpPr>
         <p:spPr>
           <a:xfrm rot="5400000">
-            <a:off x="4205956" y="1766207"/>
+            <a:off x="4205956" y="1766208"/>
             <a:ext cx="804221" cy="1843806"/>
-          </a:xfrm>
-          <a:prstGeom prst="bentConnector2">
-            <a:avLst/>
-          </a:prstGeom>
-          <a:ln w="6350">
-            <a:solidFill>
-              <a:schemeClr val="accent3"/>
-            </a:solidFill>
-            <a:headEnd type="none" w="med" len="med"/>
-            <a:tailEnd type="none" w="med" len="med"/>
-          </a:ln>
-          <a:effectLst/>
-        </p:spPr>
-        <p:style>
-          <a:lnRef idx="1">
-            <a:schemeClr val="accent2"/>
-          </a:lnRef>
-          <a:fillRef idx="2">
-            <a:schemeClr val="accent2"/>
-          </a:fillRef>
-          <a:effectRef idx="1">
-            <a:schemeClr val="accent2"/>
-          </a:effectRef>
-          <a:fontRef idx="minor">
-            <a:schemeClr val="dk1"/>
-          </a:fontRef>
-        </p:style>
-      </p:cxnSp>
-      <p:cxnSp>
-        <p:nvCxnSpPr>
-          <p:cNvPr id="137" name="Elbow Connector 136"/>
-          <p:cNvCxnSpPr>
-            <a:stCxn id="36" idx="2"/>
-            <a:endCxn id="37" idx="1"/>
-          </p:cNvCxnSpPr>
-          <p:nvPr/>
-        </p:nvCxnSpPr>
-        <p:spPr>
-          <a:xfrm rot="16200000" flipH="1">
-            <a:off x="3430123" y="3938021"/>
-            <a:ext cx="118421" cy="699979"/>
-          </a:xfrm>
-          <a:prstGeom prst="bentConnector2">
-            <a:avLst/>
-          </a:prstGeom>
-          <a:ln w="19050">
-            <a:solidFill>
-              <a:schemeClr val="accent3"/>
-            </a:solidFill>
-            <a:headEnd type="none" w="med" len="med"/>
-            <a:tailEnd type="arrow" w="med" len="med"/>
-          </a:ln>
-          <a:effectLst/>
-        </p:spPr>
-        <p:style>
-          <a:lnRef idx="1">
-            <a:schemeClr val="accent2"/>
-          </a:lnRef>
-          <a:fillRef idx="2">
-            <a:schemeClr val="accent2"/>
-          </a:fillRef>
-          <a:effectRef idx="1">
-            <a:schemeClr val="accent2"/>
-          </a:effectRef>
-          <a:fontRef idx="minor">
-            <a:schemeClr val="dk1"/>
-          </a:fontRef>
-        </p:style>
-      </p:cxnSp>
-      <p:cxnSp>
-        <p:nvCxnSpPr>
-          <p:cNvPr id="140" name="Elbow Connector 63"/>
-          <p:cNvCxnSpPr>
-            <a:stCxn id="16" idx="3"/>
-            <a:endCxn id="36" idx="3"/>
-          </p:cNvCxnSpPr>
-          <p:nvPr/>
-        </p:nvCxnSpPr>
-        <p:spPr>
-          <a:xfrm rot="5400000">
-            <a:off x="3695875" y="2276286"/>
-            <a:ext cx="1824381" cy="1843808"/>
           </a:xfrm>
           <a:prstGeom prst="bentConnector2">
             <a:avLst/>
@@ -5374,113 +5088,35 @@
           </a:p>
         </p:txBody>
       </p:sp>
-      <p:sp>
-        <p:nvSpPr>
-          <p:cNvPr id="144" name="Rectangle 143"/>
-          <p:cNvSpPr/>
+      <p:cxnSp>
+        <p:nvCxnSpPr>
+          <p:cNvPr id="51" name="Elbow Connector 136">
+            <a:extLst>
+              <a:ext uri="{FF2B5EF4-FFF2-40B4-BE49-F238E27FC236}">
+                <a16:creationId xmlns:a16="http://schemas.microsoft.com/office/drawing/2014/main" id="{ACF87068-A983-418E-89F4-E4F675A3AE19}"/>
+              </a:ext>
+            </a:extLst>
+          </p:cNvPr>
+          <p:cNvCxnSpPr>
+            <a:cxnSpLocks/>
+            <a:endCxn id="37" idx="1"/>
+          </p:cNvCxnSpPr>
           <p:nvPr/>
-        </p:nvSpPr>
+        </p:nvCxnSpPr>
         <p:spPr>
           <a:xfrm>
-            <a:off x="5431573" y="4488138"/>
-            <a:ext cx="229325" cy="160062"/>
-          </a:xfrm>
-          <a:prstGeom prst="rect">
-            <a:avLst/>
+            <a:off x="3065763" y="3899691"/>
+            <a:ext cx="609749" cy="139265"/>
+          </a:xfrm>
+          <a:prstGeom prst="bentConnector3">
+            <a:avLst>
+              <a:gd name="adj1" fmla="val 670"/>
+            </a:avLst>
           </a:prstGeom>
-          <a:solidFill>
-            <a:schemeClr val="accent3">
-              <a:lumMod val="20000"/>
-              <a:lumOff val="80000"/>
-              <a:alpha val="80000"/>
-            </a:schemeClr>
-          </a:solidFill>
-          <a:ln>
-            <a:noFill/>
-          </a:ln>
-          <a:effectLst>
-            <a:softEdge rad="31750"/>
-          </a:effectLst>
-        </p:spPr>
-        <p:style>
-          <a:lnRef idx="2">
-            <a:schemeClr val="accent1">
-              <a:shade val="50000"/>
-            </a:schemeClr>
-          </a:lnRef>
-          <a:fillRef idx="1">
-            <a:schemeClr val="accent1"/>
-          </a:fillRef>
-          <a:effectRef idx="0">
-            <a:schemeClr val="accent1"/>
-          </a:effectRef>
-          <a:fontRef idx="minor">
-            <a:schemeClr val="lt1"/>
-          </a:fontRef>
-        </p:style>
-        <p:txBody>
-          <a:bodyPr rtlCol="0" anchor="ctr"/>
-          <a:lstStyle/>
-          <a:p>
-            <a:pPr algn="ctr"/>
-            <a:endParaRPr lang="en-SG"/>
-          </a:p>
-        </p:txBody>
-      </p:sp>
-      <p:sp>
-        <p:nvSpPr>
-          <p:cNvPr id="118" name="Freeform 117"/>
-          <p:cNvSpPr/>
-          <p:nvPr/>
-        </p:nvSpPr>
-        <p:spPr>
-          <a:xfrm flipV="1">
-            <a:off x="4114799" y="4472708"/>
-            <a:ext cx="2642195" cy="101600"/>
-          </a:xfrm>
-          <a:custGeom>
-            <a:avLst/>
-            <a:gdLst>
-              <a:gd name="connsiteX0" fmla="*/ 0 w 3048000"/>
-              <a:gd name="connsiteY0" fmla="*/ 203200 h 203200"/>
-              <a:gd name="connsiteX1" fmla="*/ 221673 w 3048000"/>
-              <a:gd name="connsiteY1" fmla="*/ 0 h 203200"/>
-              <a:gd name="connsiteX2" fmla="*/ 3048000 w 3048000"/>
-              <a:gd name="connsiteY2" fmla="*/ 0 h 203200"/>
-            </a:gdLst>
-            <a:ahLst/>
-            <a:cxnLst>
-              <a:cxn ang="0">
-                <a:pos x="connsiteX0" y="connsiteY0"/>
-              </a:cxn>
-              <a:cxn ang="0">
-                <a:pos x="connsiteX1" y="connsiteY1"/>
-              </a:cxn>
-              <a:cxn ang="0">
-                <a:pos x="connsiteX2" y="connsiteY2"/>
-              </a:cxn>
-            </a:cxnLst>
-            <a:rect l="l" t="t" r="r" b="b"/>
-            <a:pathLst>
-              <a:path w="3048000" h="203200">
-                <a:moveTo>
-                  <a:pt x="0" y="203200"/>
-                </a:moveTo>
-                <a:lnTo>
-                  <a:pt x="221673" y="0"/>
-                </a:lnTo>
-                <a:lnTo>
-                  <a:pt x="3048000" y="0"/>
-                </a:lnTo>
-              </a:path>
-            </a:pathLst>
-          </a:custGeom>
-          <a:noFill/>
           <a:ln w="19050">
             <a:solidFill>
               <a:schemeClr val="accent3"/>
             </a:solidFill>
-            <a:prstDash val="sysDot"/>
             <a:headEnd type="none" w="med" len="med"/>
             <a:tailEnd type="arrow" w="med" len="med"/>
           </a:ln>
@@ -5500,15 +5136,218 @@
             <a:schemeClr val="dk1"/>
           </a:fontRef>
         </p:style>
+      </p:cxnSp>
+      <p:sp>
+        <p:nvSpPr>
+          <p:cNvPr id="59" name="Rectangle 11">
+            <a:extLst>
+              <a:ext uri="{FF2B5EF4-FFF2-40B4-BE49-F238E27FC236}">
+                <a16:creationId xmlns:a16="http://schemas.microsoft.com/office/drawing/2014/main" id="{A4F65A7E-1154-4AA4-84F0-62F0BC8C928A}"/>
+              </a:ext>
+            </a:extLst>
+          </p:cNvPr>
+          <p:cNvSpPr/>
+          <p:nvPr/>
+        </p:nvSpPr>
+        <p:spPr>
+          <a:xfrm>
+            <a:off x="3673192" y="4183451"/>
+            <a:ext cx="1304625" cy="182786"/>
+          </a:xfrm>
+          <a:prstGeom prst="rect">
+            <a:avLst/>
+          </a:prstGeom>
+          <a:ln w="19050">
+            <a:solidFill>
+              <a:schemeClr val="accent3"/>
+            </a:solidFill>
+          </a:ln>
+          <a:effectLst/>
+        </p:spPr>
+        <p:style>
+          <a:lnRef idx="1">
+            <a:schemeClr val="accent3"/>
+          </a:lnRef>
+          <a:fillRef idx="2">
+            <a:schemeClr val="accent3"/>
+          </a:fillRef>
+          <a:effectRef idx="1">
+            <a:schemeClr val="accent3"/>
+          </a:effectRef>
+          <a:fontRef idx="minor">
+            <a:schemeClr val="dk1"/>
+          </a:fontRef>
+        </p:style>
         <p:txBody>
           <a:bodyPr rtlCol="0" anchor="ctr"/>
           <a:lstStyle/>
           <a:p>
             <a:pPr algn="ctr"/>
-            <a:endParaRPr lang="en-SG"/>
-          </a:p>
-        </p:txBody>
-      </p:sp>
+            <a:r>
+              <a:rPr lang="en-SG" sz="1050" b="1" dirty="0" err="1">
+                <a:solidFill>
+                  <a:schemeClr val="accent3">
+                    <a:lumMod val="75000"/>
+                  </a:schemeClr>
+                </a:solidFill>
+              </a:rPr>
+              <a:t>HtmlCardProcessor</a:t>
+            </a:r>
+            <a:endParaRPr lang="en-SG" sz="1050" b="1" dirty="0">
+              <a:solidFill>
+                <a:schemeClr val="accent3">
+                  <a:lumMod val="75000"/>
+                </a:schemeClr>
+              </a:solidFill>
+            </a:endParaRPr>
+          </a:p>
+        </p:txBody>
+      </p:sp>
+      <p:cxnSp>
+        <p:nvCxnSpPr>
+          <p:cNvPr id="60" name="Elbow Connector 136">
+            <a:extLst>
+              <a:ext uri="{FF2B5EF4-FFF2-40B4-BE49-F238E27FC236}">
+                <a16:creationId xmlns:a16="http://schemas.microsoft.com/office/drawing/2014/main" id="{89D789E0-20B5-4F09-A289-6E517019204D}"/>
+              </a:ext>
+            </a:extLst>
+          </p:cNvPr>
+          <p:cNvCxnSpPr>
+            <a:cxnSpLocks/>
+            <a:endCxn id="59" idx="1"/>
+          </p:cNvCxnSpPr>
+          <p:nvPr/>
+        </p:nvCxnSpPr>
+        <p:spPr>
+          <a:xfrm>
+            <a:off x="2823535" y="3899630"/>
+            <a:ext cx="849657" cy="375214"/>
+          </a:xfrm>
+          <a:prstGeom prst="bentConnector3">
+            <a:avLst>
+              <a:gd name="adj1" fmla="val -978"/>
+            </a:avLst>
+          </a:prstGeom>
+          <a:ln w="19050">
+            <a:solidFill>
+              <a:schemeClr val="accent3"/>
+            </a:solidFill>
+            <a:headEnd type="none" w="med" len="med"/>
+            <a:tailEnd type="arrow" w="med" len="med"/>
+          </a:ln>
+          <a:effectLst/>
+        </p:spPr>
+        <p:style>
+          <a:lnRef idx="1">
+            <a:schemeClr val="accent2"/>
+          </a:lnRef>
+          <a:fillRef idx="2">
+            <a:schemeClr val="accent2"/>
+          </a:fillRef>
+          <a:effectRef idx="1">
+            <a:schemeClr val="accent2"/>
+          </a:effectRef>
+          <a:fontRef idx="minor">
+            <a:schemeClr val="dk1"/>
+          </a:fontRef>
+        </p:style>
+      </p:cxnSp>
+      <p:cxnSp>
+        <p:nvCxnSpPr>
+          <p:cNvPr id="87" name="Elbow Connector 63">
+            <a:extLst>
+              <a:ext uri="{FF2B5EF4-FFF2-40B4-BE49-F238E27FC236}">
+                <a16:creationId xmlns:a16="http://schemas.microsoft.com/office/drawing/2014/main" id="{AF100D8F-6704-45F7-952D-18C5C8B19D98}"/>
+              </a:ext>
+            </a:extLst>
+          </p:cNvPr>
+          <p:cNvCxnSpPr>
+            <a:cxnSpLocks/>
+          </p:cNvCxnSpPr>
+          <p:nvPr/>
+        </p:nvCxnSpPr>
+        <p:spPr>
+          <a:xfrm flipV="1">
+            <a:off x="4977817" y="4270020"/>
+            <a:ext cx="552152" cy="4825"/>
+          </a:xfrm>
+          <a:prstGeom prst="bentConnector3">
+            <a:avLst>
+              <a:gd name="adj1" fmla="val 50000"/>
+            </a:avLst>
+          </a:prstGeom>
+          <a:ln w="6350">
+            <a:solidFill>
+              <a:schemeClr val="accent3"/>
+            </a:solidFill>
+            <a:headEnd type="none" w="med" len="med"/>
+            <a:tailEnd type="none" w="med" len="med"/>
+          </a:ln>
+          <a:effectLst/>
+        </p:spPr>
+        <p:style>
+          <a:lnRef idx="1">
+            <a:schemeClr val="accent2"/>
+          </a:lnRef>
+          <a:fillRef idx="2">
+            <a:schemeClr val="accent2"/>
+          </a:fillRef>
+          <a:effectRef idx="1">
+            <a:schemeClr val="accent2"/>
+          </a:effectRef>
+          <a:fontRef idx="minor">
+            <a:schemeClr val="dk1"/>
+          </a:fontRef>
+        </p:style>
+      </p:cxnSp>
+      <p:cxnSp>
+        <p:nvCxnSpPr>
+          <p:cNvPr id="95" name="Elbow Connector 63">
+            <a:extLst>
+              <a:ext uri="{FF2B5EF4-FFF2-40B4-BE49-F238E27FC236}">
+                <a16:creationId xmlns:a16="http://schemas.microsoft.com/office/drawing/2014/main" id="{9D90D5E3-870A-4685-82DD-B17DBB7B5873}"/>
+              </a:ext>
+            </a:extLst>
+          </p:cNvPr>
+          <p:cNvCxnSpPr>
+            <a:cxnSpLocks/>
+          </p:cNvCxnSpPr>
+          <p:nvPr/>
+        </p:nvCxnSpPr>
+        <p:spPr>
+          <a:xfrm flipV="1">
+            <a:off x="4973910" y="4010215"/>
+            <a:ext cx="552152" cy="4825"/>
+          </a:xfrm>
+          <a:prstGeom prst="bentConnector3">
+            <a:avLst>
+              <a:gd name="adj1" fmla="val 50000"/>
+            </a:avLst>
+          </a:prstGeom>
+          <a:ln w="6350">
+            <a:solidFill>
+              <a:schemeClr val="accent3"/>
+            </a:solidFill>
+            <a:headEnd type="none" w="med" len="med"/>
+            <a:tailEnd type="none" w="med" len="med"/>
+          </a:ln>
+          <a:effectLst/>
+        </p:spPr>
+        <p:style>
+          <a:lnRef idx="1">
+            <a:schemeClr val="accent2"/>
+          </a:lnRef>
+          <a:fillRef idx="2">
+            <a:schemeClr val="accent2"/>
+          </a:fillRef>
+          <a:effectRef idx="1">
+            <a:schemeClr val="accent2"/>
+          </a:effectRef>
+          <a:fontRef idx="minor">
+            <a:schemeClr val="dk1"/>
+          </a:fontRef>
+        </p:style>
+      </p:cxnSp>
     </p:spTree>
     <p:extLst>
       <p:ext uri="{BB962C8B-B14F-4D97-AF65-F5344CB8AC3E}">

--- a/docs/diagrams/UiComponentClassDiagram.pptx
+++ b/docs/diagrams/UiComponentClassDiagram.pptx
@@ -208,7 +208,7 @@
           <a:p>
             <a:fld id="{F5CC4B3F-88C1-4FFA-B1B6-F41C21DC6924}" type="datetimeFigureOut">
               <a:rPr lang="en-US" smtClean="0"/>
-              <a:t>10/31/2018</a:t>
+              <a:t>11/10/2018</a:t>
             </a:fld>
             <a:endParaRPr lang="en-US"/>
           </a:p>
@@ -738,7 +738,7 @@
           <a:p>
             <a:fld id="{78C97017-6FC3-485B-9764-EAC9E56C1D49}" type="datetimeFigureOut">
               <a:rPr lang="en-US" smtClean="0"/>
-              <a:t>10/31/2018</a:t>
+              <a:t>11/10/2018</a:t>
             </a:fld>
             <a:endParaRPr lang="en-US"/>
           </a:p>
@@ -906,7 +906,7 @@
           <a:p>
             <a:fld id="{78C97017-6FC3-485B-9764-EAC9E56C1D49}" type="datetimeFigureOut">
               <a:rPr lang="en-US" smtClean="0"/>
-              <a:t>10/31/2018</a:t>
+              <a:t>11/10/2018</a:t>
             </a:fld>
             <a:endParaRPr lang="en-US"/>
           </a:p>
@@ -1084,7 +1084,7 @@
           <a:p>
             <a:fld id="{78C97017-6FC3-485B-9764-EAC9E56C1D49}" type="datetimeFigureOut">
               <a:rPr lang="en-US" smtClean="0"/>
-              <a:t>10/31/2018</a:t>
+              <a:t>11/10/2018</a:t>
             </a:fld>
             <a:endParaRPr lang="en-US"/>
           </a:p>
@@ -1252,7 +1252,7 @@
           <a:p>
             <a:fld id="{78C97017-6FC3-485B-9764-EAC9E56C1D49}" type="datetimeFigureOut">
               <a:rPr lang="en-US" smtClean="0"/>
-              <a:t>10/31/2018</a:t>
+              <a:t>11/10/2018</a:t>
             </a:fld>
             <a:endParaRPr lang="en-US"/>
           </a:p>
@@ -1497,7 +1497,7 @@
           <a:p>
             <a:fld id="{78C97017-6FC3-485B-9764-EAC9E56C1D49}" type="datetimeFigureOut">
               <a:rPr lang="en-US" smtClean="0"/>
-              <a:t>10/31/2018</a:t>
+              <a:t>11/10/2018</a:t>
             </a:fld>
             <a:endParaRPr lang="en-US"/>
           </a:p>
@@ -1782,7 +1782,7 @@
           <a:p>
             <a:fld id="{78C97017-6FC3-485B-9764-EAC9E56C1D49}" type="datetimeFigureOut">
               <a:rPr lang="en-US" smtClean="0"/>
-              <a:t>10/31/2018</a:t>
+              <a:t>11/10/2018</a:t>
             </a:fld>
             <a:endParaRPr lang="en-US"/>
           </a:p>
@@ -2201,7 +2201,7 @@
           <a:p>
             <a:fld id="{78C97017-6FC3-485B-9764-EAC9E56C1D49}" type="datetimeFigureOut">
               <a:rPr lang="en-US" smtClean="0"/>
-              <a:t>10/31/2018</a:t>
+              <a:t>11/10/2018</a:t>
             </a:fld>
             <a:endParaRPr lang="en-US"/>
           </a:p>
@@ -2318,7 +2318,7 @@
           <a:p>
             <a:fld id="{78C97017-6FC3-485B-9764-EAC9E56C1D49}" type="datetimeFigureOut">
               <a:rPr lang="en-US" smtClean="0"/>
-              <a:t>10/31/2018</a:t>
+              <a:t>11/10/2018</a:t>
             </a:fld>
             <a:endParaRPr lang="en-US"/>
           </a:p>
@@ -2413,7 +2413,7 @@
           <a:p>
             <a:fld id="{78C97017-6FC3-485B-9764-EAC9E56C1D49}" type="datetimeFigureOut">
               <a:rPr lang="en-US" smtClean="0"/>
-              <a:t>10/31/2018</a:t>
+              <a:t>11/10/2018</a:t>
             </a:fld>
             <a:endParaRPr lang="en-US"/>
           </a:p>
@@ -2688,7 +2688,7 @@
           <a:p>
             <a:fld id="{78C97017-6FC3-485B-9764-EAC9E56C1D49}" type="datetimeFigureOut">
               <a:rPr lang="en-US" smtClean="0"/>
-              <a:t>10/31/2018</a:t>
+              <a:t>11/10/2018</a:t>
             </a:fld>
             <a:endParaRPr lang="en-US"/>
           </a:p>
@@ -2940,7 +2940,7 @@
           <a:p>
             <a:fld id="{78C97017-6FC3-485B-9764-EAC9E56C1D49}" type="datetimeFigureOut">
               <a:rPr lang="en-US" smtClean="0"/>
-              <a:t>10/31/2018</a:t>
+              <a:t>11/10/2018</a:t>
             </a:fld>
             <a:endParaRPr lang="en-US"/>
           </a:p>
@@ -3151,7 +3151,7 @@
           <a:p>
             <a:fld id="{78C97017-6FC3-485B-9764-EAC9E56C1D49}" type="datetimeFigureOut">
               <a:rPr lang="en-US" smtClean="0"/>
-              <a:t>10/31/2018</a:t>
+              <a:t>11/10/2018</a:t>
             </a:fld>
             <a:endParaRPr lang="en-US"/>
           </a:p>
@@ -6209,122 +6209,6 @@
           </a:fontRef>
         </p:style>
       </p:cxnSp>
-      <p:sp>
-        <p:nvSpPr>
-          <p:cNvPr id="129" name="Rectangle 11">
-            <a:extLst>
-              <a:ext uri="{FF2B5EF4-FFF2-40B4-BE49-F238E27FC236}">
-                <a16:creationId xmlns:a16="http://schemas.microsoft.com/office/drawing/2014/main" id="{D7C63294-2B87-4E04-8E68-80AFBD6B0EFF}"/>
-              </a:ext>
-            </a:extLst>
-          </p:cNvPr>
-          <p:cNvSpPr/>
-          <p:nvPr/>
-        </p:nvSpPr>
-        <p:spPr>
-          <a:xfrm>
-            <a:off x="4256381" y="3547796"/>
-            <a:ext cx="1410345" cy="479837"/>
-          </a:xfrm>
-          <a:prstGeom prst="rect">
-            <a:avLst/>
-          </a:prstGeom>
-          <a:ln w="19050">
-            <a:solidFill>
-              <a:schemeClr val="accent3"/>
-            </a:solidFill>
-          </a:ln>
-          <a:effectLst/>
-        </p:spPr>
-        <p:style>
-          <a:lnRef idx="1">
-            <a:schemeClr val="accent3"/>
-          </a:lnRef>
-          <a:fillRef idx="2">
-            <a:schemeClr val="accent3"/>
-          </a:fillRef>
-          <a:effectRef idx="1">
-            <a:schemeClr val="accent3"/>
-          </a:effectRef>
-          <a:fontRef idx="minor">
-            <a:schemeClr val="dk1"/>
-          </a:fontRef>
-        </p:style>
-        <p:txBody>
-          <a:bodyPr rtlCol="0" anchor="ctr"/>
-          <a:lstStyle/>
-          <a:p>
-            <a:pPr algn="ctr"/>
-            <a:r>
-              <a:rPr lang="en-US" sz="1050" b="1" dirty="0" err="1">
-                <a:solidFill>
-                  <a:schemeClr val="accent3">
-                    <a:lumMod val="75000"/>
-                  </a:schemeClr>
-                </a:solidFill>
-              </a:rPr>
-              <a:t>CustomPieChart</a:t>
-            </a:r>
-            <a:endParaRPr lang="en-SG" sz="1050" b="1" dirty="0">
-              <a:solidFill>
-                <a:schemeClr val="accent3">
-                  <a:lumMod val="75000"/>
-                </a:schemeClr>
-              </a:solidFill>
-            </a:endParaRPr>
-          </a:p>
-        </p:txBody>
-      </p:sp>
-      <p:cxnSp>
-        <p:nvCxnSpPr>
-          <p:cNvPr id="145" name="Elbow Connector 63">
-            <a:extLst>
-              <a:ext uri="{FF2B5EF4-FFF2-40B4-BE49-F238E27FC236}">
-                <a16:creationId xmlns:a16="http://schemas.microsoft.com/office/drawing/2014/main" id="{50E5CBBA-375C-4F84-B773-0492465D4CDA}"/>
-              </a:ext>
-            </a:extLst>
-          </p:cNvPr>
-          <p:cNvCxnSpPr>
-            <a:cxnSpLocks/>
-            <a:stCxn id="101" idx="0"/>
-            <a:endCxn id="129" idx="2"/>
-          </p:cNvCxnSpPr>
-          <p:nvPr/>
-        </p:nvCxnSpPr>
-        <p:spPr>
-          <a:xfrm rot="5400000" flipH="1" flipV="1">
-            <a:off x="4480961" y="4504778"/>
-            <a:ext cx="957738" cy="3448"/>
-          </a:xfrm>
-          <a:prstGeom prst="bentConnector3">
-            <a:avLst>
-              <a:gd name="adj1" fmla="val 50000"/>
-            </a:avLst>
-          </a:prstGeom>
-          <a:ln w="19050">
-            <a:solidFill>
-              <a:schemeClr val="accent3"/>
-            </a:solidFill>
-            <a:headEnd type="none" w="med" len="med"/>
-            <a:tailEnd type="arrow" w="med" len="med"/>
-          </a:ln>
-          <a:effectLst/>
-        </p:spPr>
-        <p:style>
-          <a:lnRef idx="1">
-            <a:schemeClr val="accent2"/>
-          </a:lnRef>
-          <a:fillRef idx="2">
-            <a:schemeClr val="accent2"/>
-          </a:fillRef>
-          <a:effectRef idx="1">
-            <a:schemeClr val="accent2"/>
-          </a:effectRef>
-          <a:fontRef idx="minor">
-            <a:schemeClr val="dk1"/>
-          </a:fontRef>
-        </p:style>
-      </p:cxnSp>
       <p:cxnSp>
         <p:nvCxnSpPr>
           <p:cNvPr id="153" name="Connector: Elbow 152">
@@ -6447,6 +6331,54 @@
             </a:solidFill>
             <a:headEnd type="none" w="med" len="med"/>
             <a:tailEnd type="none" w="med" len="med"/>
+          </a:ln>
+          <a:effectLst/>
+        </p:spPr>
+        <p:style>
+          <a:lnRef idx="1">
+            <a:schemeClr val="accent2"/>
+          </a:lnRef>
+          <a:fillRef idx="2">
+            <a:schemeClr val="accent2"/>
+          </a:fillRef>
+          <a:effectRef idx="1">
+            <a:schemeClr val="accent2"/>
+          </a:effectRef>
+          <a:fontRef idx="minor">
+            <a:schemeClr val="dk1"/>
+          </a:fontRef>
+        </p:style>
+      </p:cxnSp>
+      <p:cxnSp>
+        <p:nvCxnSpPr>
+          <p:cNvPr id="64" name="Elbow Connector 63">
+            <a:extLst>
+              <a:ext uri="{FF2B5EF4-FFF2-40B4-BE49-F238E27FC236}">
+                <a16:creationId xmlns:a16="http://schemas.microsoft.com/office/drawing/2014/main" id="{5EA57A18-1998-4980-863F-BA0DC3CD6277}"/>
+              </a:ext>
+            </a:extLst>
+          </p:cNvPr>
+          <p:cNvCxnSpPr>
+            <a:cxnSpLocks/>
+            <a:stCxn id="45" idx="3"/>
+            <a:endCxn id="101" idx="0"/>
+          </p:cNvCxnSpPr>
+          <p:nvPr/>
+        </p:nvCxnSpPr>
+        <p:spPr>
+          <a:xfrm>
+            <a:off x="3641870" y="4151227"/>
+            <a:ext cx="1316236" cy="834144"/>
+          </a:xfrm>
+          <a:prstGeom prst="bentConnector2">
+            <a:avLst/>
+          </a:prstGeom>
+          <a:ln w="19050">
+            <a:solidFill>
+              <a:schemeClr val="accent3"/>
+            </a:solidFill>
+            <a:headEnd type="none" w="med" len="med"/>
+            <a:tailEnd type="arrow" w="med" len="med"/>
           </a:ln>
           <a:effectLst/>
         </p:spPr>

--- a/docs/diagrams/UiComponentClassDiagram.pptx
+++ b/docs/diagrams/UiComponentClassDiagram.pptx
@@ -208,7 +208,7 @@
           <a:p>
             <a:fld id="{F5CC4B3F-88C1-4FFA-B1B6-F41C21DC6924}" type="datetimeFigureOut">
               <a:rPr lang="en-US" smtClean="0"/>
-              <a:t>1/7/2017</a:t>
+              <a:t>11/11/18</a:t>
             </a:fld>
             <a:endParaRPr lang="en-US"/>
           </a:p>
@@ -654,7 +654,7 @@
           <a:p>
             <a:fld id="{78C97017-6FC3-485B-9764-EAC9E56C1D49}" type="datetimeFigureOut">
               <a:rPr lang="en-US" smtClean="0"/>
-              <a:t>1/7/2017</a:t>
+              <a:t>11/11/18</a:t>
             </a:fld>
             <a:endParaRPr lang="en-US"/>
           </a:p>
@@ -822,7 +822,7 @@
           <a:p>
             <a:fld id="{78C97017-6FC3-485B-9764-EAC9E56C1D49}" type="datetimeFigureOut">
               <a:rPr lang="en-US" smtClean="0"/>
-              <a:t>1/7/2017</a:t>
+              <a:t>11/11/18</a:t>
             </a:fld>
             <a:endParaRPr lang="en-US"/>
           </a:p>
@@ -1000,7 +1000,7 @@
           <a:p>
             <a:fld id="{78C97017-6FC3-485B-9764-EAC9E56C1D49}" type="datetimeFigureOut">
               <a:rPr lang="en-US" smtClean="0"/>
-              <a:t>1/7/2017</a:t>
+              <a:t>11/11/18</a:t>
             </a:fld>
             <a:endParaRPr lang="en-US"/>
           </a:p>
@@ -1168,7 +1168,7 @@
           <a:p>
             <a:fld id="{78C97017-6FC3-485B-9764-EAC9E56C1D49}" type="datetimeFigureOut">
               <a:rPr lang="en-US" smtClean="0"/>
-              <a:t>1/7/2017</a:t>
+              <a:t>11/11/18</a:t>
             </a:fld>
             <a:endParaRPr lang="en-US"/>
           </a:p>
@@ -1413,7 +1413,7 @@
           <a:p>
             <a:fld id="{78C97017-6FC3-485B-9764-EAC9E56C1D49}" type="datetimeFigureOut">
               <a:rPr lang="en-US" smtClean="0"/>
-              <a:t>1/7/2017</a:t>
+              <a:t>11/11/18</a:t>
             </a:fld>
             <a:endParaRPr lang="en-US"/>
           </a:p>
@@ -1698,7 +1698,7 @@
           <a:p>
             <a:fld id="{78C97017-6FC3-485B-9764-EAC9E56C1D49}" type="datetimeFigureOut">
               <a:rPr lang="en-US" smtClean="0"/>
-              <a:t>1/7/2017</a:t>
+              <a:t>11/11/18</a:t>
             </a:fld>
             <a:endParaRPr lang="en-US"/>
           </a:p>
@@ -2117,7 +2117,7 @@
           <a:p>
             <a:fld id="{78C97017-6FC3-485B-9764-EAC9E56C1D49}" type="datetimeFigureOut">
               <a:rPr lang="en-US" smtClean="0"/>
-              <a:t>1/7/2017</a:t>
+              <a:t>11/11/18</a:t>
             </a:fld>
             <a:endParaRPr lang="en-US"/>
           </a:p>
@@ -2234,7 +2234,7 @@
           <a:p>
             <a:fld id="{78C97017-6FC3-485B-9764-EAC9E56C1D49}" type="datetimeFigureOut">
               <a:rPr lang="en-US" smtClean="0"/>
-              <a:t>1/7/2017</a:t>
+              <a:t>11/11/18</a:t>
             </a:fld>
             <a:endParaRPr lang="en-US"/>
           </a:p>
@@ -2329,7 +2329,7 @@
           <a:p>
             <a:fld id="{78C97017-6FC3-485B-9764-EAC9E56C1D49}" type="datetimeFigureOut">
               <a:rPr lang="en-US" smtClean="0"/>
-              <a:t>1/7/2017</a:t>
+              <a:t>11/11/18</a:t>
             </a:fld>
             <a:endParaRPr lang="en-US"/>
           </a:p>
@@ -2604,7 +2604,7 @@
           <a:p>
             <a:fld id="{78C97017-6FC3-485B-9764-EAC9E56C1D49}" type="datetimeFigureOut">
               <a:rPr lang="en-US" smtClean="0"/>
-              <a:t>1/7/2017</a:t>
+              <a:t>11/11/18</a:t>
             </a:fld>
             <a:endParaRPr lang="en-US"/>
           </a:p>
@@ -2856,7 +2856,7 @@
           <a:p>
             <a:fld id="{78C97017-6FC3-485B-9764-EAC9E56C1D49}" type="datetimeFigureOut">
               <a:rPr lang="en-US" smtClean="0"/>
-              <a:t>1/7/2017</a:t>
+              <a:t>11/11/18</a:t>
             </a:fld>
             <a:endParaRPr lang="en-US"/>
           </a:p>
@@ -3067,7 +3067,7 @@
           <a:p>
             <a:fld id="{78C97017-6FC3-485B-9764-EAC9E56C1D49}" type="datetimeFigureOut">
               <a:rPr lang="en-US" smtClean="0"/>
-              <a:t>1/7/2017</a:t>
+              <a:t>11/11/18</a:t>
             </a:fld>
             <a:endParaRPr lang="en-US"/>
           </a:p>
@@ -3442,2073 +3442,42 @@
           <a:chExt cx="0" cy="0"/>
         </a:xfrm>
       </p:grpSpPr>
-      <p:sp>
-        <p:nvSpPr>
-          <p:cNvPr id="23" name="Rectangle 65"/>
-          <p:cNvSpPr/>
+      <p:pic>
+        <p:nvPicPr>
+          <p:cNvPr id="7" name="Picture 6">
+            <a:extLst>
+              <a:ext uri="{FF2B5EF4-FFF2-40B4-BE49-F238E27FC236}">
+                <a16:creationId xmlns:a16="http://schemas.microsoft.com/office/drawing/2014/main" id="{3CEB87EB-9999-3A4A-9374-8FB11D40A53E}"/>
+              </a:ext>
+            </a:extLst>
+          </p:cNvPr>
+          <p:cNvPicPr>
+            <a:picLocks noChangeAspect="1"/>
+          </p:cNvPicPr>
           <p:nvPr/>
-        </p:nvSpPr>
+        </p:nvPicPr>
+        <p:blipFill>
+          <a:blip r:embed="rId2">
+            <a:extLst>
+              <a:ext uri="{28A0092B-C50C-407E-A947-70E740481C1C}">
+                <a14:useLocalDpi xmlns:a14="http://schemas.microsoft.com/office/drawing/2010/main" val="0"/>
+              </a:ext>
+            </a:extLst>
+          </a:blip>
+          <a:stretch>
+            <a:fillRect/>
+          </a:stretch>
+        </p:blipFill>
         <p:spPr>
           <a:xfrm>
-            <a:off x="1217465" y="1447800"/>
-            <a:ext cx="4917083" cy="3962400"/>
-          </a:xfrm>
-          <a:prstGeom prst="roundRect">
-            <a:avLst>
-              <a:gd name="adj" fmla="val 3484"/>
-            </a:avLst>
-          </a:prstGeom>
-          <a:solidFill>
-            <a:srgbClr val="F1F5E9"/>
-          </a:solidFill>
-          <a:ln w="19050">
-            <a:noFill/>
-          </a:ln>
-          <a:effectLst/>
-        </p:spPr>
-        <p:style>
-          <a:lnRef idx="1">
-            <a:schemeClr val="accent2"/>
-          </a:lnRef>
-          <a:fillRef idx="2">
-            <a:schemeClr val="accent2"/>
-          </a:fillRef>
-          <a:effectRef idx="1">
-            <a:schemeClr val="accent2"/>
-          </a:effectRef>
-          <a:fontRef idx="minor">
-            <a:schemeClr val="dk1"/>
-          </a:fontRef>
-        </p:style>
-        <p:txBody>
-          <a:bodyPr rtlCol="0" anchor="t"/>
-          <a:lstStyle/>
-          <a:p>
-            <a:r>
-              <a:rPr lang="en-US" sz="1200" b="1" dirty="0">
-                <a:solidFill>
-                  <a:schemeClr val="accent3">
-                    <a:lumMod val="75000"/>
-                  </a:schemeClr>
-                </a:solidFill>
-              </a:rPr>
-              <a:t>UI</a:t>
-            </a:r>
-            <a:endParaRPr lang="en-SG" sz="1200" b="1" dirty="0">
-              <a:solidFill>
-                <a:schemeClr val="accent3">
-                  <a:lumMod val="75000"/>
-                </a:schemeClr>
-              </a:solidFill>
-            </a:endParaRPr>
-          </a:p>
-        </p:txBody>
-      </p:sp>
-      <p:sp>
-        <p:nvSpPr>
-          <p:cNvPr id="2" name="Rectangle 8"/>
-          <p:cNvSpPr/>
-          <p:nvPr/>
-        </p:nvSpPr>
-        <p:spPr>
-          <a:xfrm>
-            <a:off x="2095948" y="2341220"/>
-            <a:ext cx="1093635" cy="346760"/>
+            <a:off x="1020679" y="1193800"/>
+            <a:ext cx="7102642" cy="4470400"/>
           </a:xfrm>
           <a:prstGeom prst="rect">
             <a:avLst/>
           </a:prstGeom>
-          <a:ln w="19050">
-            <a:solidFill>
-              <a:schemeClr val="accent3"/>
-            </a:solidFill>
-          </a:ln>
-          <a:effectLst/>
         </p:spPr>
-        <p:style>
-          <a:lnRef idx="1">
-            <a:schemeClr val="accent3"/>
-          </a:lnRef>
-          <a:fillRef idx="2">
-            <a:schemeClr val="accent3"/>
-          </a:fillRef>
-          <a:effectRef idx="1">
-            <a:schemeClr val="accent3"/>
-          </a:effectRef>
-          <a:fontRef idx="minor">
-            <a:schemeClr val="dk1"/>
-          </a:fontRef>
-        </p:style>
-        <p:txBody>
-          <a:bodyPr rtlCol="0" anchor="ctr"/>
-          <a:lstStyle/>
-          <a:p>
-            <a:pPr algn="ctr"/>
-            <a:r>
-              <a:rPr lang="en-US" sz="1050" b="1" dirty="0" err="1">
-                <a:solidFill>
-                  <a:schemeClr val="accent3">
-                    <a:lumMod val="75000"/>
-                  </a:schemeClr>
-                </a:solidFill>
-              </a:rPr>
-              <a:t>MainWindow</a:t>
-            </a:r>
-            <a:endParaRPr lang="en-SG" sz="1050" b="1" dirty="0">
-              <a:solidFill>
-                <a:schemeClr val="accent3">
-                  <a:lumMod val="75000"/>
-                </a:schemeClr>
-              </a:solidFill>
-            </a:endParaRPr>
-          </a:p>
-        </p:txBody>
-      </p:sp>
-      <p:sp>
-        <p:nvSpPr>
-          <p:cNvPr id="3" name="Rectangle 11"/>
-          <p:cNvSpPr/>
-          <p:nvPr/>
-        </p:nvSpPr>
-        <p:spPr>
-          <a:xfrm>
-            <a:off x="2592528" y="2971800"/>
-            <a:ext cx="1093635" cy="236841"/>
-          </a:xfrm>
-          <a:prstGeom prst="rect">
-            <a:avLst/>
-          </a:prstGeom>
-          <a:ln w="19050">
-            <a:solidFill>
-              <a:schemeClr val="accent3"/>
-            </a:solidFill>
-          </a:ln>
-          <a:effectLst/>
-        </p:spPr>
-        <p:style>
-          <a:lnRef idx="1">
-            <a:schemeClr val="accent3"/>
-          </a:lnRef>
-          <a:fillRef idx="2">
-            <a:schemeClr val="accent3"/>
-          </a:fillRef>
-          <a:effectRef idx="1">
-            <a:schemeClr val="accent3"/>
-          </a:effectRef>
-          <a:fontRef idx="minor">
-            <a:schemeClr val="dk1"/>
-          </a:fontRef>
-        </p:style>
-        <p:txBody>
-          <a:bodyPr rtlCol="0" anchor="ctr"/>
-          <a:lstStyle/>
-          <a:p>
-            <a:pPr algn="ctr"/>
-            <a:r>
-              <a:rPr lang="en-US" sz="1050" b="1" dirty="0" err="1">
-                <a:solidFill>
-                  <a:schemeClr val="accent3">
-                    <a:lumMod val="75000"/>
-                  </a:schemeClr>
-                </a:solidFill>
-              </a:rPr>
-              <a:t>CommandBox</a:t>
-            </a:r>
-            <a:endParaRPr lang="en-SG" sz="1050" b="1" dirty="0">
-              <a:solidFill>
-                <a:schemeClr val="accent3">
-                  <a:lumMod val="75000"/>
-                </a:schemeClr>
-              </a:solidFill>
-            </a:endParaRPr>
-          </a:p>
-        </p:txBody>
-      </p:sp>
-      <p:sp>
-        <p:nvSpPr>
-          <p:cNvPr id="9" name="Rectangle 62"/>
-          <p:cNvSpPr/>
-          <p:nvPr/>
-        </p:nvSpPr>
-        <p:spPr>
-          <a:xfrm>
-            <a:off x="2092842" y="1770924"/>
-            <a:ext cx="1093635" cy="346760"/>
-          </a:xfrm>
-          <a:prstGeom prst="rect">
-            <a:avLst/>
-          </a:prstGeom>
-          <a:solidFill>
-            <a:srgbClr val="00B050"/>
-          </a:solidFill>
-          <a:ln w="19050">
-            <a:solidFill>
-              <a:srgbClr val="00B050"/>
-            </a:solidFill>
-          </a:ln>
-          <a:effectLst/>
-        </p:spPr>
-        <p:style>
-          <a:lnRef idx="1">
-            <a:schemeClr val="accent2"/>
-          </a:lnRef>
-          <a:fillRef idx="2">
-            <a:schemeClr val="accent2"/>
-          </a:fillRef>
-          <a:effectRef idx="1">
-            <a:schemeClr val="accent2"/>
-          </a:effectRef>
-          <a:fontRef idx="minor">
-            <a:schemeClr val="dk1"/>
-          </a:fontRef>
-        </p:style>
-        <p:txBody>
-          <a:bodyPr rtlCol="0" anchor="ctr"/>
-          <a:lstStyle/>
-          <a:p>
-            <a:pPr algn="ctr"/>
-            <a:r>
-              <a:rPr lang="en-US" sz="1050" dirty="0" err="1">
-                <a:solidFill>
-                  <a:schemeClr val="bg1"/>
-                </a:solidFill>
-              </a:rPr>
-              <a:t>UiManager</a:t>
-            </a:r>
-            <a:endParaRPr lang="en-SG" sz="1050" dirty="0">
-              <a:solidFill>
-                <a:schemeClr val="bg1"/>
-              </a:solidFill>
-            </a:endParaRPr>
-          </a:p>
-        </p:txBody>
-      </p:sp>
-      <p:cxnSp>
-        <p:nvCxnSpPr>
-          <p:cNvPr id="10" name="Elbow Connector 63"/>
-          <p:cNvCxnSpPr>
-            <a:stCxn id="9" idx="2"/>
-            <a:endCxn id="2" idx="0"/>
-          </p:cNvCxnSpPr>
-          <p:nvPr/>
-        </p:nvCxnSpPr>
-        <p:spPr>
-          <a:xfrm rot="16200000" flipH="1">
-            <a:off x="2529445" y="2227899"/>
-            <a:ext cx="223536" cy="3106"/>
-          </a:xfrm>
-          <a:prstGeom prst="bentConnector3">
-            <a:avLst>
-              <a:gd name="adj1" fmla="val 50000"/>
-            </a:avLst>
-          </a:prstGeom>
-          <a:ln w="19050">
-            <a:solidFill>
-              <a:srgbClr val="00B050"/>
-            </a:solidFill>
-            <a:headEnd type="none" w="med" len="med"/>
-            <a:tailEnd type="arrow" w="med" len="med"/>
-          </a:ln>
-          <a:effectLst/>
-        </p:spPr>
-        <p:style>
-          <a:lnRef idx="1">
-            <a:schemeClr val="accent2"/>
-          </a:lnRef>
-          <a:fillRef idx="2">
-            <a:schemeClr val="accent2"/>
-          </a:fillRef>
-          <a:effectRef idx="1">
-            <a:schemeClr val="accent2"/>
-          </a:effectRef>
-          <a:fontRef idx="minor">
-            <a:schemeClr val="dk1"/>
-          </a:fontRef>
-        </p:style>
-      </p:cxnSp>
-      <p:sp>
-        <p:nvSpPr>
-          <p:cNvPr id="16" name="Isosceles Triangle 102"/>
-          <p:cNvSpPr/>
-          <p:nvPr/>
-        </p:nvSpPr>
-        <p:spPr>
-          <a:xfrm rot="10800000" flipV="1">
-            <a:off x="5394717" y="2110477"/>
-            <a:ext cx="270504" cy="175523"/>
-          </a:xfrm>
-          <a:prstGeom prst="triangle">
-            <a:avLst/>
-          </a:prstGeom>
-          <a:ln w="6350">
-            <a:solidFill>
-              <a:schemeClr val="accent3"/>
-            </a:solidFill>
-          </a:ln>
-          <a:effectLst/>
-        </p:spPr>
-        <p:style>
-          <a:lnRef idx="1">
-            <a:schemeClr val="accent3"/>
-          </a:lnRef>
-          <a:fillRef idx="2">
-            <a:schemeClr val="accent3"/>
-          </a:fillRef>
-          <a:effectRef idx="1">
-            <a:schemeClr val="accent3"/>
-          </a:effectRef>
-          <a:fontRef idx="minor">
-            <a:schemeClr val="dk1"/>
-          </a:fontRef>
-        </p:style>
-        <p:txBody>
-          <a:bodyPr rtlCol="0" anchor="ctr"/>
-          <a:lstStyle/>
-          <a:p>
-            <a:pPr algn="ctr"/>
-            <a:endParaRPr lang="en-SG" sz="1050" b="1">
-              <a:solidFill>
-                <a:srgbClr val="92D050"/>
-              </a:solidFill>
-            </a:endParaRPr>
-          </a:p>
-        </p:txBody>
-      </p:sp>
-      <p:cxnSp>
-        <p:nvCxnSpPr>
-          <p:cNvPr id="19" name="Elbow Connector 122"/>
-          <p:cNvCxnSpPr/>
-          <p:nvPr/>
-        </p:nvCxnSpPr>
-        <p:spPr>
-          <a:xfrm flipV="1">
-            <a:off x="644735" y="2991937"/>
-            <a:ext cx="684904" cy="1"/>
-          </a:xfrm>
-          <a:prstGeom prst="bentConnector3">
-            <a:avLst>
-              <a:gd name="adj1" fmla="val 50000"/>
-            </a:avLst>
-          </a:prstGeom>
-          <a:ln w="19050">
-            <a:solidFill>
-              <a:schemeClr val="bg1">
-                <a:lumMod val="75000"/>
-              </a:schemeClr>
-            </a:solidFill>
-            <a:prstDash val="sysDot"/>
-            <a:headEnd type="none" w="med" len="med"/>
-            <a:tailEnd type="arrow" w="med" len="med"/>
-          </a:ln>
-          <a:effectLst/>
-        </p:spPr>
-        <p:style>
-          <a:lnRef idx="1">
-            <a:schemeClr val="accent2"/>
-          </a:lnRef>
-          <a:fillRef idx="2">
-            <a:schemeClr val="accent2"/>
-          </a:fillRef>
-          <a:effectRef idx="1">
-            <a:schemeClr val="accent2"/>
-          </a:effectRef>
-          <a:fontRef idx="minor">
-            <a:schemeClr val="dk1"/>
-          </a:fontRef>
-        </p:style>
-      </p:cxnSp>
-      <p:sp>
-        <p:nvSpPr>
-          <p:cNvPr id="22" name="Rectangle 65"/>
-          <p:cNvSpPr/>
-          <p:nvPr/>
-        </p:nvSpPr>
-        <p:spPr>
-          <a:xfrm rot="16200000">
-            <a:off x="5703829" y="2464877"/>
-            <a:ext cx="2362201" cy="328045"/>
-          </a:xfrm>
-          <a:prstGeom prst="roundRect">
-            <a:avLst/>
-          </a:prstGeom>
-          <a:solidFill>
-            <a:schemeClr val="accent1">
-              <a:lumMod val="20000"/>
-              <a:lumOff val="80000"/>
-            </a:schemeClr>
-          </a:solidFill>
-          <a:ln w="19050">
-            <a:noFill/>
-          </a:ln>
-          <a:effectLst/>
-        </p:spPr>
-        <p:style>
-          <a:lnRef idx="1">
-            <a:schemeClr val="accent2"/>
-          </a:lnRef>
-          <a:fillRef idx="2">
-            <a:schemeClr val="accent2"/>
-          </a:fillRef>
-          <a:effectRef idx="1">
-            <a:schemeClr val="accent2"/>
-          </a:effectRef>
-          <a:fontRef idx="minor">
-            <a:schemeClr val="dk1"/>
-          </a:fontRef>
-        </p:style>
-        <p:txBody>
-          <a:bodyPr rtlCol="0" anchor="ctr"/>
-          <a:lstStyle/>
-          <a:p>
-            <a:pPr algn="ctr"/>
-            <a:r>
-              <a:rPr lang="en-US" sz="1100" b="1" dirty="0">
-                <a:solidFill>
-                  <a:schemeClr val="bg1"/>
-                </a:solidFill>
-              </a:rPr>
-              <a:t>Logic</a:t>
-            </a:r>
-            <a:endParaRPr lang="en-SG" sz="1100" b="1" dirty="0">
-              <a:solidFill>
-                <a:schemeClr val="bg1"/>
-              </a:solidFill>
-            </a:endParaRPr>
-          </a:p>
-        </p:txBody>
-      </p:sp>
-      <p:sp>
-        <p:nvSpPr>
-          <p:cNvPr id="34" name="Rectangle 11"/>
-          <p:cNvSpPr/>
-          <p:nvPr/>
-        </p:nvSpPr>
-        <p:spPr>
-          <a:xfrm>
-            <a:off x="2592528" y="3649359"/>
-            <a:ext cx="1093635" cy="236841"/>
-          </a:xfrm>
-          <a:prstGeom prst="rect">
-            <a:avLst/>
-          </a:prstGeom>
-          <a:ln w="19050">
-            <a:solidFill>
-              <a:schemeClr val="accent3"/>
-            </a:solidFill>
-          </a:ln>
-          <a:effectLst/>
-        </p:spPr>
-        <p:style>
-          <a:lnRef idx="1">
-            <a:schemeClr val="accent3"/>
-          </a:lnRef>
-          <a:fillRef idx="2">
-            <a:schemeClr val="accent3"/>
-          </a:fillRef>
-          <a:effectRef idx="1">
-            <a:schemeClr val="accent3"/>
-          </a:effectRef>
-          <a:fontRef idx="minor">
-            <a:schemeClr val="dk1"/>
-          </a:fontRef>
-        </p:style>
-        <p:txBody>
-          <a:bodyPr rtlCol="0" anchor="ctr"/>
-          <a:lstStyle/>
-          <a:p>
-            <a:pPr algn="ctr"/>
-            <a:r>
-              <a:rPr lang="en-US" sz="1050" b="1" dirty="0" err="1">
-                <a:solidFill>
-                  <a:schemeClr val="accent3">
-                    <a:lumMod val="75000"/>
-                  </a:schemeClr>
-                </a:solidFill>
-              </a:rPr>
-              <a:t>BrowserPanel</a:t>
-            </a:r>
-            <a:endParaRPr lang="en-SG" sz="1050" b="1" dirty="0">
-              <a:solidFill>
-                <a:schemeClr val="accent3">
-                  <a:lumMod val="75000"/>
-                </a:schemeClr>
-              </a:solidFill>
-            </a:endParaRPr>
-          </a:p>
-        </p:txBody>
-      </p:sp>
-      <p:sp>
-        <p:nvSpPr>
-          <p:cNvPr id="35" name="Rectangle 11"/>
-          <p:cNvSpPr/>
-          <p:nvPr/>
-        </p:nvSpPr>
-        <p:spPr>
-          <a:xfrm>
-            <a:off x="2592527" y="4563759"/>
-            <a:ext cx="1093635" cy="236841"/>
-          </a:xfrm>
-          <a:prstGeom prst="rect">
-            <a:avLst/>
-          </a:prstGeom>
-          <a:ln w="19050">
-            <a:solidFill>
-              <a:schemeClr val="accent3"/>
-            </a:solidFill>
-          </a:ln>
-          <a:effectLst/>
-        </p:spPr>
-        <p:style>
-          <a:lnRef idx="1">
-            <a:schemeClr val="accent3"/>
-          </a:lnRef>
-          <a:fillRef idx="2">
-            <a:schemeClr val="accent3"/>
-          </a:fillRef>
-          <a:effectRef idx="1">
-            <a:schemeClr val="accent3"/>
-          </a:effectRef>
-          <a:fontRef idx="minor">
-            <a:schemeClr val="dk1"/>
-          </a:fontRef>
-        </p:style>
-        <p:txBody>
-          <a:bodyPr rtlCol="0" anchor="ctr"/>
-          <a:lstStyle/>
-          <a:p>
-            <a:pPr algn="ctr"/>
-            <a:r>
-              <a:rPr lang="en-US" sz="1050" b="1" dirty="0" err="1">
-                <a:solidFill>
-                  <a:schemeClr val="accent3">
-                    <a:lumMod val="75000"/>
-                  </a:schemeClr>
-                </a:solidFill>
-              </a:rPr>
-              <a:t>StatusBarFooter</a:t>
-            </a:r>
-            <a:endParaRPr lang="en-SG" sz="1050" b="1" dirty="0">
-              <a:solidFill>
-                <a:schemeClr val="accent3">
-                  <a:lumMod val="75000"/>
-                </a:schemeClr>
-              </a:solidFill>
-            </a:endParaRPr>
-          </a:p>
-        </p:txBody>
-      </p:sp>
-      <p:sp>
-        <p:nvSpPr>
-          <p:cNvPr id="36" name="Rectangle 11"/>
-          <p:cNvSpPr/>
-          <p:nvPr/>
-        </p:nvSpPr>
-        <p:spPr>
-          <a:xfrm>
-            <a:off x="2592526" y="3991960"/>
-            <a:ext cx="1093635" cy="236841"/>
-          </a:xfrm>
-          <a:prstGeom prst="rect">
-            <a:avLst/>
-          </a:prstGeom>
-          <a:ln w="19050">
-            <a:solidFill>
-              <a:schemeClr val="accent3"/>
-            </a:solidFill>
-          </a:ln>
-          <a:effectLst/>
-        </p:spPr>
-        <p:style>
-          <a:lnRef idx="1">
-            <a:schemeClr val="accent3"/>
-          </a:lnRef>
-          <a:fillRef idx="2">
-            <a:schemeClr val="accent3"/>
-          </a:fillRef>
-          <a:effectRef idx="1">
-            <a:schemeClr val="accent3"/>
-          </a:effectRef>
-          <a:fontRef idx="minor">
-            <a:schemeClr val="dk1"/>
-          </a:fontRef>
-        </p:style>
-        <p:txBody>
-          <a:bodyPr rtlCol="0" anchor="ctr"/>
-          <a:lstStyle/>
-          <a:p>
-            <a:pPr algn="ctr"/>
-            <a:r>
-              <a:rPr lang="en-US" sz="1050" b="1" dirty="0" err="1">
-                <a:solidFill>
-                  <a:schemeClr val="accent3">
-                    <a:lumMod val="75000"/>
-                  </a:schemeClr>
-                </a:solidFill>
-              </a:rPr>
-              <a:t>PersonListPanel</a:t>
-            </a:r>
-            <a:endParaRPr lang="en-SG" sz="1050" b="1" dirty="0">
-              <a:solidFill>
-                <a:schemeClr val="accent3">
-                  <a:lumMod val="75000"/>
-                </a:schemeClr>
-              </a:solidFill>
-            </a:endParaRPr>
-          </a:p>
-        </p:txBody>
-      </p:sp>
-      <p:sp>
-        <p:nvSpPr>
-          <p:cNvPr id="37" name="Rectangle 11"/>
-          <p:cNvSpPr/>
-          <p:nvPr/>
-        </p:nvSpPr>
-        <p:spPr>
-          <a:xfrm>
-            <a:off x="3839323" y="4228801"/>
-            <a:ext cx="1040906" cy="236841"/>
-          </a:xfrm>
-          <a:prstGeom prst="rect">
-            <a:avLst/>
-          </a:prstGeom>
-          <a:ln w="19050">
-            <a:solidFill>
-              <a:schemeClr val="accent3"/>
-            </a:solidFill>
-          </a:ln>
-          <a:effectLst/>
-        </p:spPr>
-        <p:style>
-          <a:lnRef idx="1">
-            <a:schemeClr val="accent3"/>
-          </a:lnRef>
-          <a:fillRef idx="2">
-            <a:schemeClr val="accent3"/>
-          </a:fillRef>
-          <a:effectRef idx="1">
-            <a:schemeClr val="accent3"/>
-          </a:effectRef>
-          <a:fontRef idx="minor">
-            <a:schemeClr val="dk1"/>
-          </a:fontRef>
-        </p:style>
-        <p:txBody>
-          <a:bodyPr rtlCol="0" anchor="ctr"/>
-          <a:lstStyle/>
-          <a:p>
-            <a:pPr algn="ctr"/>
-            <a:r>
-              <a:rPr lang="en-US" sz="1050" b="1" dirty="0" err="1">
-                <a:solidFill>
-                  <a:schemeClr val="accent3">
-                    <a:lumMod val="75000"/>
-                  </a:schemeClr>
-                </a:solidFill>
-              </a:rPr>
-              <a:t>PersonCard</a:t>
-            </a:r>
-            <a:endParaRPr lang="en-SG" sz="1050" b="1" dirty="0">
-              <a:solidFill>
-                <a:schemeClr val="accent3">
-                  <a:lumMod val="75000"/>
-                </a:schemeClr>
-              </a:solidFill>
-            </a:endParaRPr>
-          </a:p>
-        </p:txBody>
-      </p:sp>
-      <p:sp>
-        <p:nvSpPr>
-          <p:cNvPr id="38" name="Rectangle 11"/>
-          <p:cNvSpPr/>
-          <p:nvPr/>
-        </p:nvSpPr>
-        <p:spPr>
-          <a:xfrm>
-            <a:off x="2592528" y="4966000"/>
-            <a:ext cx="1093635" cy="236841"/>
-          </a:xfrm>
-          <a:prstGeom prst="rect">
-            <a:avLst/>
-          </a:prstGeom>
-          <a:ln w="19050">
-            <a:solidFill>
-              <a:schemeClr val="accent3"/>
-            </a:solidFill>
-          </a:ln>
-          <a:effectLst/>
-        </p:spPr>
-        <p:style>
-          <a:lnRef idx="1">
-            <a:schemeClr val="accent3"/>
-          </a:lnRef>
-          <a:fillRef idx="2">
-            <a:schemeClr val="accent3"/>
-          </a:fillRef>
-          <a:effectRef idx="1">
-            <a:schemeClr val="accent3"/>
-          </a:effectRef>
-          <a:fontRef idx="minor">
-            <a:schemeClr val="dk1"/>
-          </a:fontRef>
-        </p:style>
-        <p:txBody>
-          <a:bodyPr rtlCol="0" anchor="ctr"/>
-          <a:lstStyle/>
-          <a:p>
-            <a:pPr algn="ctr"/>
-            <a:r>
-              <a:rPr lang="en-US" sz="1050" b="1" dirty="0" err="1">
-                <a:solidFill>
-                  <a:schemeClr val="accent3">
-                    <a:lumMod val="75000"/>
-                  </a:schemeClr>
-                </a:solidFill>
-              </a:rPr>
-              <a:t>HelpWindow</a:t>
-            </a:r>
-            <a:endParaRPr lang="en-SG" sz="1050" b="1" dirty="0">
-              <a:solidFill>
-                <a:schemeClr val="accent3">
-                  <a:lumMod val="75000"/>
-                </a:schemeClr>
-              </a:solidFill>
-            </a:endParaRPr>
-          </a:p>
-        </p:txBody>
-      </p:sp>
-      <p:sp>
-        <p:nvSpPr>
-          <p:cNvPr id="39" name="Flowchart: Decision 38"/>
-          <p:cNvSpPr/>
-          <p:nvPr/>
-        </p:nvSpPr>
-        <p:spPr>
-          <a:xfrm>
-            <a:off x="2324548" y="2706452"/>
-            <a:ext cx="183156" cy="161573"/>
-          </a:xfrm>
-          <a:prstGeom prst="flowChartDecision">
-            <a:avLst/>
-          </a:prstGeom>
-          <a:solidFill>
-            <a:schemeClr val="accent3"/>
-          </a:solidFill>
-          <a:ln>
-            <a:solidFill>
-              <a:schemeClr val="accent3"/>
-            </a:solidFill>
-          </a:ln>
-        </p:spPr>
-        <p:style>
-          <a:lnRef idx="2">
-            <a:schemeClr val="accent1">
-              <a:shade val="50000"/>
-            </a:schemeClr>
-          </a:lnRef>
-          <a:fillRef idx="1">
-            <a:schemeClr val="accent1"/>
-          </a:fillRef>
-          <a:effectRef idx="0">
-            <a:schemeClr val="accent1"/>
-          </a:effectRef>
-          <a:fontRef idx="minor">
-            <a:schemeClr val="lt1"/>
-          </a:fontRef>
-        </p:style>
-        <p:txBody>
-          <a:bodyPr rtlCol="0" anchor="ctr"/>
-          <a:lstStyle/>
-          <a:p>
-            <a:pPr algn="ctr"/>
-            <a:endParaRPr lang="en-SG"/>
-          </a:p>
-        </p:txBody>
-      </p:sp>
-      <p:cxnSp>
-        <p:nvCxnSpPr>
-          <p:cNvPr id="40" name="Elbow Connector 63"/>
-          <p:cNvCxnSpPr>
-            <a:stCxn id="39" idx="2"/>
-            <a:endCxn id="3" idx="1"/>
-          </p:cNvCxnSpPr>
-          <p:nvPr/>
-        </p:nvCxnSpPr>
-        <p:spPr>
-          <a:xfrm rot="16200000" flipH="1">
-            <a:off x="2393229" y="2890922"/>
-            <a:ext cx="222196" cy="176402"/>
-          </a:xfrm>
-          <a:prstGeom prst="bentConnector2">
-            <a:avLst/>
-          </a:prstGeom>
-          <a:ln w="19050">
-            <a:solidFill>
-              <a:schemeClr val="accent3"/>
-            </a:solidFill>
-            <a:headEnd type="none" w="med" len="med"/>
-            <a:tailEnd type="arrow" w="med" len="med"/>
-          </a:ln>
-          <a:effectLst/>
-        </p:spPr>
-        <p:style>
-          <a:lnRef idx="1">
-            <a:schemeClr val="accent2"/>
-          </a:lnRef>
-          <a:fillRef idx="2">
-            <a:schemeClr val="accent2"/>
-          </a:fillRef>
-          <a:effectRef idx="1">
-            <a:schemeClr val="accent2"/>
-          </a:effectRef>
-          <a:fontRef idx="minor">
-            <a:schemeClr val="dk1"/>
-          </a:fontRef>
-        </p:style>
-      </p:cxnSp>
-      <p:sp>
-        <p:nvSpPr>
-          <p:cNvPr id="43" name="Rectangle 11"/>
-          <p:cNvSpPr/>
-          <p:nvPr/>
-        </p:nvSpPr>
-        <p:spPr>
-          <a:xfrm>
-            <a:off x="2590799" y="3304308"/>
-            <a:ext cx="1095361" cy="236841"/>
-          </a:xfrm>
-          <a:prstGeom prst="rect">
-            <a:avLst/>
-          </a:prstGeom>
-          <a:ln w="19050">
-            <a:solidFill>
-              <a:schemeClr val="accent3"/>
-            </a:solidFill>
-          </a:ln>
-          <a:effectLst/>
-        </p:spPr>
-        <p:style>
-          <a:lnRef idx="1">
-            <a:schemeClr val="accent3"/>
-          </a:lnRef>
-          <a:fillRef idx="2">
-            <a:schemeClr val="accent3"/>
-          </a:fillRef>
-          <a:effectRef idx="1">
-            <a:schemeClr val="accent3"/>
-          </a:effectRef>
-          <a:fontRef idx="minor">
-            <a:schemeClr val="dk1"/>
-          </a:fontRef>
-        </p:style>
-        <p:txBody>
-          <a:bodyPr rtlCol="0" anchor="ctr"/>
-          <a:lstStyle/>
-          <a:p>
-            <a:pPr algn="ctr"/>
-            <a:r>
-              <a:rPr lang="en-US" sz="1050" b="1" dirty="0" err="1">
-                <a:solidFill>
-                  <a:schemeClr val="accent3">
-                    <a:lumMod val="75000"/>
-                  </a:schemeClr>
-                </a:solidFill>
-              </a:rPr>
-              <a:t>ResultDisplay</a:t>
-            </a:r>
-            <a:endParaRPr lang="en-SG" sz="1050" b="1" dirty="0">
-              <a:solidFill>
-                <a:schemeClr val="accent3">
-                  <a:lumMod val="75000"/>
-                </a:schemeClr>
-              </a:solidFill>
-            </a:endParaRPr>
-          </a:p>
-        </p:txBody>
-      </p:sp>
-      <p:cxnSp>
-        <p:nvCxnSpPr>
-          <p:cNvPr id="44" name="Elbow Connector 63"/>
-          <p:cNvCxnSpPr>
-            <a:stCxn id="39" idx="2"/>
-            <a:endCxn id="34" idx="1"/>
-          </p:cNvCxnSpPr>
-          <p:nvPr/>
-        </p:nvCxnSpPr>
-        <p:spPr>
-          <a:xfrm rot="16200000" flipH="1">
-            <a:off x="2054450" y="3229701"/>
-            <a:ext cx="899755" cy="176402"/>
-          </a:xfrm>
-          <a:prstGeom prst="bentConnector2">
-            <a:avLst/>
-          </a:prstGeom>
-          <a:ln w="19050">
-            <a:solidFill>
-              <a:schemeClr val="accent3"/>
-            </a:solidFill>
-            <a:headEnd type="none" w="med" len="med"/>
-            <a:tailEnd type="arrow" w="med" len="med"/>
-          </a:ln>
-          <a:effectLst/>
-        </p:spPr>
-        <p:style>
-          <a:lnRef idx="1">
-            <a:schemeClr val="accent2"/>
-          </a:lnRef>
-          <a:fillRef idx="2">
-            <a:schemeClr val="accent2"/>
-          </a:fillRef>
-          <a:effectRef idx="1">
-            <a:schemeClr val="accent2"/>
-          </a:effectRef>
-          <a:fontRef idx="minor">
-            <a:schemeClr val="dk1"/>
-          </a:fontRef>
-        </p:style>
-      </p:cxnSp>
-      <p:cxnSp>
-        <p:nvCxnSpPr>
-          <p:cNvPr id="47" name="Elbow Connector 63"/>
-          <p:cNvCxnSpPr>
-            <a:stCxn id="39" idx="2"/>
-            <a:endCxn id="36" idx="1"/>
-          </p:cNvCxnSpPr>
-          <p:nvPr/>
-        </p:nvCxnSpPr>
-        <p:spPr>
-          <a:xfrm rot="16200000" flipH="1">
-            <a:off x="1883148" y="3401003"/>
-            <a:ext cx="1242356" cy="176400"/>
-          </a:xfrm>
-          <a:prstGeom prst="bentConnector2">
-            <a:avLst/>
-          </a:prstGeom>
-          <a:ln w="19050">
-            <a:solidFill>
-              <a:schemeClr val="accent3"/>
-            </a:solidFill>
-            <a:headEnd type="none" w="med" len="med"/>
-            <a:tailEnd type="arrow" w="med" len="med"/>
-          </a:ln>
-          <a:effectLst/>
-        </p:spPr>
-        <p:style>
-          <a:lnRef idx="1">
-            <a:schemeClr val="accent2"/>
-          </a:lnRef>
-          <a:fillRef idx="2">
-            <a:schemeClr val="accent2"/>
-          </a:fillRef>
-          <a:effectRef idx="1">
-            <a:schemeClr val="accent2"/>
-          </a:effectRef>
-          <a:fontRef idx="minor">
-            <a:schemeClr val="dk1"/>
-          </a:fontRef>
-        </p:style>
-      </p:cxnSp>
-      <p:cxnSp>
-        <p:nvCxnSpPr>
-          <p:cNvPr id="50" name="Elbow Connector 63"/>
-          <p:cNvCxnSpPr>
-            <a:stCxn id="39" idx="2"/>
-            <a:endCxn id="35" idx="1"/>
-          </p:cNvCxnSpPr>
-          <p:nvPr/>
-        </p:nvCxnSpPr>
-        <p:spPr>
-          <a:xfrm rot="16200000" flipH="1">
-            <a:off x="1597249" y="3686901"/>
-            <a:ext cx="1814155" cy="176401"/>
-          </a:xfrm>
-          <a:prstGeom prst="bentConnector2">
-            <a:avLst/>
-          </a:prstGeom>
-          <a:ln w="19050">
-            <a:solidFill>
-              <a:schemeClr val="accent3"/>
-            </a:solidFill>
-            <a:headEnd type="none" w="med" len="med"/>
-            <a:tailEnd type="arrow" w="med" len="med"/>
-          </a:ln>
-          <a:effectLst/>
-        </p:spPr>
-        <p:style>
-          <a:lnRef idx="1">
-            <a:schemeClr val="accent2"/>
-          </a:lnRef>
-          <a:fillRef idx="2">
-            <a:schemeClr val="accent2"/>
-          </a:fillRef>
-          <a:effectRef idx="1">
-            <a:schemeClr val="accent2"/>
-          </a:effectRef>
-          <a:fontRef idx="minor">
-            <a:schemeClr val="dk1"/>
-          </a:fontRef>
-        </p:style>
-      </p:cxnSp>
-      <p:cxnSp>
-        <p:nvCxnSpPr>
-          <p:cNvPr id="53" name="Elbow Connector 63"/>
-          <p:cNvCxnSpPr>
-            <a:endCxn id="38" idx="1"/>
-          </p:cNvCxnSpPr>
-          <p:nvPr/>
-        </p:nvCxnSpPr>
-        <p:spPr>
-          <a:xfrm rot="16200000" flipH="1">
-            <a:off x="1184119" y="3676012"/>
-            <a:ext cx="2396440" cy="420377"/>
-          </a:xfrm>
-          <a:prstGeom prst="bentConnector2">
-            <a:avLst/>
-          </a:prstGeom>
-          <a:ln w="19050">
-            <a:solidFill>
-              <a:schemeClr val="accent3"/>
-            </a:solidFill>
-            <a:headEnd type="none" w="med" len="med"/>
-            <a:tailEnd type="arrow" w="med" len="med"/>
-          </a:ln>
-          <a:effectLst/>
-        </p:spPr>
-        <p:style>
-          <a:lnRef idx="1">
-            <a:schemeClr val="accent2"/>
-          </a:lnRef>
-          <a:fillRef idx="2">
-            <a:schemeClr val="accent2"/>
-          </a:fillRef>
-          <a:effectRef idx="1">
-            <a:schemeClr val="accent2"/>
-          </a:effectRef>
-          <a:fontRef idx="minor">
-            <a:schemeClr val="dk1"/>
-          </a:fontRef>
-        </p:style>
-      </p:cxnSp>
-      <p:sp>
-        <p:nvSpPr>
-          <p:cNvPr id="73" name="Rectangle 62"/>
-          <p:cNvSpPr/>
-          <p:nvPr/>
-        </p:nvSpPr>
-        <p:spPr>
-          <a:xfrm>
-            <a:off x="5143948" y="1770924"/>
-            <a:ext cx="772043" cy="346760"/>
-          </a:xfrm>
-          <a:prstGeom prst="rect">
-            <a:avLst/>
-          </a:prstGeom>
-          <a:ln w="6350">
-            <a:solidFill>
-              <a:schemeClr val="accent3"/>
-            </a:solidFill>
-          </a:ln>
-          <a:effectLst/>
-        </p:spPr>
-        <p:style>
-          <a:lnRef idx="1">
-            <a:schemeClr val="accent3"/>
-          </a:lnRef>
-          <a:fillRef idx="2">
-            <a:schemeClr val="accent3"/>
-          </a:fillRef>
-          <a:effectRef idx="1">
-            <a:schemeClr val="accent3"/>
-          </a:effectRef>
-          <a:fontRef idx="minor">
-            <a:schemeClr val="dk1"/>
-          </a:fontRef>
-        </p:style>
-        <p:txBody>
-          <a:bodyPr rtlCol="0" anchor="ctr"/>
-          <a:lstStyle/>
-          <a:p>
-            <a:pPr algn="ctr"/>
-            <a:r>
-              <a:rPr lang="en-US" sz="1050" b="1" dirty="0">
-                <a:solidFill>
-                  <a:schemeClr val="accent3">
-                    <a:lumMod val="75000"/>
-                  </a:schemeClr>
-                </a:solidFill>
-              </a:rPr>
-              <a:t>{abstract}</a:t>
-            </a:r>
-            <a:br>
-              <a:rPr lang="en-US" sz="1050" b="1" dirty="0">
-                <a:solidFill>
-                  <a:schemeClr val="accent3">
-                    <a:lumMod val="75000"/>
-                  </a:schemeClr>
-                </a:solidFill>
-              </a:rPr>
-            </a:br>
-            <a:r>
-              <a:rPr lang="en-US" sz="1050" b="1" dirty="0" err="1">
-                <a:solidFill>
-                  <a:schemeClr val="accent3">
-                    <a:lumMod val="75000"/>
-                  </a:schemeClr>
-                </a:solidFill>
-              </a:rPr>
-              <a:t>UiPart</a:t>
-            </a:r>
-            <a:endParaRPr lang="en-SG" sz="1050" b="1" dirty="0">
-              <a:solidFill>
-                <a:schemeClr val="accent3">
-                  <a:lumMod val="75000"/>
-                </a:schemeClr>
-              </a:solidFill>
-            </a:endParaRPr>
-          </a:p>
-        </p:txBody>
-      </p:sp>
-      <p:cxnSp>
-        <p:nvCxnSpPr>
-          <p:cNvPr id="74" name="Elbow Connector 63"/>
-          <p:cNvCxnSpPr>
-            <a:stCxn id="43" idx="3"/>
-            <a:endCxn id="16" idx="3"/>
-          </p:cNvCxnSpPr>
-          <p:nvPr/>
-        </p:nvCxnSpPr>
-        <p:spPr>
-          <a:xfrm flipV="1">
-            <a:off x="3686160" y="2286000"/>
-            <a:ext cx="1843809" cy="1136729"/>
-          </a:xfrm>
-          <a:prstGeom prst="bentConnector2">
-            <a:avLst/>
-          </a:prstGeom>
-          <a:ln w="6350">
-            <a:solidFill>
-              <a:schemeClr val="accent3"/>
-            </a:solidFill>
-            <a:headEnd type="none" w="med" len="med"/>
-            <a:tailEnd type="none" w="med" len="med"/>
-          </a:ln>
-          <a:effectLst/>
-        </p:spPr>
-        <p:style>
-          <a:lnRef idx="1">
-            <a:schemeClr val="accent2"/>
-          </a:lnRef>
-          <a:fillRef idx="2">
-            <a:schemeClr val="accent2"/>
-          </a:fillRef>
-          <a:effectRef idx="1">
-            <a:schemeClr val="accent2"/>
-          </a:effectRef>
-          <a:fontRef idx="minor">
-            <a:schemeClr val="dk1"/>
-          </a:fontRef>
-        </p:style>
-      </p:cxnSp>
-      <p:cxnSp>
-        <p:nvCxnSpPr>
-          <p:cNvPr id="77" name="Elbow Connector 63"/>
-          <p:cNvCxnSpPr>
-            <a:stCxn id="16" idx="3"/>
-            <a:endCxn id="37" idx="3"/>
-          </p:cNvCxnSpPr>
-          <p:nvPr/>
-        </p:nvCxnSpPr>
-        <p:spPr>
-          <a:xfrm rot="5400000">
-            <a:off x="4174488" y="2991741"/>
-            <a:ext cx="2061222" cy="649740"/>
-          </a:xfrm>
-          <a:prstGeom prst="bentConnector2">
-            <a:avLst/>
-          </a:prstGeom>
-          <a:ln w="6350">
-            <a:solidFill>
-              <a:schemeClr val="accent3"/>
-            </a:solidFill>
-            <a:headEnd type="none" w="med" len="med"/>
-            <a:tailEnd type="none" w="med" len="med"/>
-          </a:ln>
-          <a:effectLst/>
-        </p:spPr>
-        <p:style>
-          <a:lnRef idx="1">
-            <a:schemeClr val="accent2"/>
-          </a:lnRef>
-          <a:fillRef idx="2">
-            <a:schemeClr val="accent2"/>
-          </a:fillRef>
-          <a:effectRef idx="1">
-            <a:schemeClr val="accent2"/>
-          </a:effectRef>
-          <a:fontRef idx="minor">
-            <a:schemeClr val="dk1"/>
-          </a:fontRef>
-        </p:style>
-      </p:cxnSp>
-      <p:cxnSp>
-        <p:nvCxnSpPr>
-          <p:cNvPr id="82" name="Elbow Connector 63"/>
-          <p:cNvCxnSpPr>
-            <a:stCxn id="16" idx="3"/>
-            <a:endCxn id="34" idx="3"/>
-          </p:cNvCxnSpPr>
-          <p:nvPr/>
-        </p:nvCxnSpPr>
-        <p:spPr>
-          <a:xfrm rot="5400000">
-            <a:off x="3867176" y="2104987"/>
-            <a:ext cx="1481780" cy="1843806"/>
-          </a:xfrm>
-          <a:prstGeom prst="bentConnector2">
-            <a:avLst/>
-          </a:prstGeom>
-          <a:ln w="6350">
-            <a:solidFill>
-              <a:schemeClr val="accent3"/>
-            </a:solidFill>
-            <a:headEnd type="none" w="med" len="med"/>
-            <a:tailEnd type="none" w="med" len="med"/>
-          </a:ln>
-          <a:effectLst/>
-        </p:spPr>
-        <p:style>
-          <a:lnRef idx="1">
-            <a:schemeClr val="accent2"/>
-          </a:lnRef>
-          <a:fillRef idx="2">
-            <a:schemeClr val="accent2"/>
-          </a:fillRef>
-          <a:effectRef idx="1">
-            <a:schemeClr val="accent2"/>
-          </a:effectRef>
-          <a:fontRef idx="minor">
-            <a:schemeClr val="dk1"/>
-          </a:fontRef>
-        </p:style>
-      </p:cxnSp>
-      <p:cxnSp>
-        <p:nvCxnSpPr>
-          <p:cNvPr id="88" name="Elbow Connector 63"/>
-          <p:cNvCxnSpPr>
-            <a:stCxn id="2" idx="3"/>
-            <a:endCxn id="16" idx="3"/>
-          </p:cNvCxnSpPr>
-          <p:nvPr/>
-        </p:nvCxnSpPr>
-        <p:spPr>
-          <a:xfrm flipV="1">
-            <a:off x="3189583" y="2286000"/>
-            <a:ext cx="2340386" cy="228600"/>
-          </a:xfrm>
-          <a:prstGeom prst="bentConnector2">
-            <a:avLst/>
-          </a:prstGeom>
-          <a:ln w="6350">
-            <a:solidFill>
-              <a:schemeClr val="accent3"/>
-            </a:solidFill>
-            <a:headEnd type="none" w="med" len="med"/>
-            <a:tailEnd type="none" w="med" len="med"/>
-          </a:ln>
-          <a:effectLst/>
-        </p:spPr>
-        <p:style>
-          <a:lnRef idx="1">
-            <a:schemeClr val="accent2"/>
-          </a:lnRef>
-          <a:fillRef idx="2">
-            <a:schemeClr val="accent2"/>
-          </a:fillRef>
-          <a:effectRef idx="1">
-            <a:schemeClr val="accent2"/>
-          </a:effectRef>
-          <a:fontRef idx="minor">
-            <a:schemeClr val="dk1"/>
-          </a:fontRef>
-        </p:style>
-      </p:cxnSp>
-      <p:cxnSp>
-        <p:nvCxnSpPr>
-          <p:cNvPr id="91" name="Elbow Connector 63"/>
-          <p:cNvCxnSpPr>
-            <a:stCxn id="16" idx="3"/>
-            <a:endCxn id="35" idx="3"/>
-          </p:cNvCxnSpPr>
-          <p:nvPr/>
-        </p:nvCxnSpPr>
-        <p:spPr>
-          <a:xfrm rot="5400000">
-            <a:off x="3409976" y="2562187"/>
-            <a:ext cx="2396180" cy="1843807"/>
-          </a:xfrm>
-          <a:prstGeom prst="bentConnector2">
-            <a:avLst/>
-          </a:prstGeom>
-          <a:ln w="6350">
-            <a:solidFill>
-              <a:schemeClr val="accent3"/>
-            </a:solidFill>
-            <a:headEnd type="none" w="med" len="med"/>
-            <a:tailEnd type="none" w="med" len="med"/>
-          </a:ln>
-          <a:effectLst/>
-        </p:spPr>
-        <p:style>
-          <a:lnRef idx="1">
-            <a:schemeClr val="accent2"/>
-          </a:lnRef>
-          <a:fillRef idx="2">
-            <a:schemeClr val="accent2"/>
-          </a:fillRef>
-          <a:effectRef idx="1">
-            <a:schemeClr val="accent2"/>
-          </a:effectRef>
-          <a:fontRef idx="minor">
-            <a:schemeClr val="dk1"/>
-          </a:fontRef>
-        </p:style>
-      </p:cxnSp>
-      <p:cxnSp>
-        <p:nvCxnSpPr>
-          <p:cNvPr id="94" name="Elbow Connector 63"/>
-          <p:cNvCxnSpPr>
-            <a:stCxn id="16" idx="3"/>
-            <a:endCxn id="38" idx="3"/>
-          </p:cNvCxnSpPr>
-          <p:nvPr/>
-        </p:nvCxnSpPr>
-        <p:spPr>
-          <a:xfrm rot="5400000">
-            <a:off x="3208856" y="2763307"/>
-            <a:ext cx="2798421" cy="1843806"/>
-          </a:xfrm>
-          <a:prstGeom prst="bentConnector2">
-            <a:avLst/>
-          </a:prstGeom>
-          <a:ln w="6350">
-            <a:solidFill>
-              <a:schemeClr val="accent3"/>
-            </a:solidFill>
-            <a:headEnd type="none" w="med" len="med"/>
-            <a:tailEnd type="none" w="med" len="med"/>
-          </a:ln>
-          <a:effectLst/>
-        </p:spPr>
-        <p:style>
-          <a:lnRef idx="1">
-            <a:schemeClr val="accent2"/>
-          </a:lnRef>
-          <a:fillRef idx="2">
-            <a:schemeClr val="accent2"/>
-          </a:fillRef>
-          <a:effectRef idx="1">
-            <a:schemeClr val="accent2"/>
-          </a:effectRef>
-          <a:fontRef idx="minor">
-            <a:schemeClr val="dk1"/>
-          </a:fontRef>
-        </p:style>
-      </p:cxnSp>
-      <p:cxnSp>
-        <p:nvCxnSpPr>
-          <p:cNvPr id="107" name="Elbow Connector 106"/>
-          <p:cNvCxnSpPr>
-            <a:stCxn id="9" idx="0"/>
-          </p:cNvCxnSpPr>
-          <p:nvPr/>
-        </p:nvCxnSpPr>
-        <p:spPr>
-          <a:xfrm rot="5400000" flipH="1" flipV="1">
-            <a:off x="4594921" y="-355061"/>
-            <a:ext cx="170724" cy="4081246"/>
-          </a:xfrm>
-          <a:prstGeom prst="bentConnector2">
-            <a:avLst/>
-          </a:prstGeom>
-          <a:ln w="19050">
-            <a:solidFill>
-              <a:srgbClr val="00B050"/>
-            </a:solidFill>
-            <a:prstDash val="solid"/>
-            <a:headEnd type="none" w="med" len="med"/>
-            <a:tailEnd type="arrow" w="med" len="med"/>
-          </a:ln>
-          <a:effectLst/>
-        </p:spPr>
-        <p:style>
-          <a:lnRef idx="1">
-            <a:schemeClr val="accent2"/>
-          </a:lnRef>
-          <a:fillRef idx="2">
-            <a:schemeClr val="accent2"/>
-          </a:fillRef>
-          <a:effectRef idx="1">
-            <a:schemeClr val="accent2"/>
-          </a:effectRef>
-          <a:fontRef idx="minor">
-            <a:schemeClr val="dk1"/>
-          </a:fontRef>
-        </p:style>
-      </p:cxnSp>
-      <p:sp>
-        <p:nvSpPr>
-          <p:cNvPr id="117" name="Rectangle 65"/>
-          <p:cNvSpPr/>
-          <p:nvPr/>
-        </p:nvSpPr>
-        <p:spPr>
-          <a:xfrm rot="16200000">
-            <a:off x="6213739" y="4560376"/>
-            <a:ext cx="1371599" cy="328045"/>
-          </a:xfrm>
-          <a:prstGeom prst="roundRect">
-            <a:avLst/>
-          </a:prstGeom>
-          <a:solidFill>
-            <a:schemeClr val="accent4">
-              <a:lumMod val="20000"/>
-              <a:lumOff val="80000"/>
-            </a:schemeClr>
-          </a:solidFill>
-          <a:ln w="19050">
-            <a:noFill/>
-          </a:ln>
-          <a:effectLst/>
-        </p:spPr>
-        <p:style>
-          <a:lnRef idx="1">
-            <a:schemeClr val="accent2"/>
-          </a:lnRef>
-          <a:fillRef idx="2">
-            <a:schemeClr val="accent2"/>
-          </a:fillRef>
-          <a:effectRef idx="1">
-            <a:schemeClr val="accent2"/>
-          </a:effectRef>
-          <a:fontRef idx="minor">
-            <a:schemeClr val="dk1"/>
-          </a:fontRef>
-        </p:style>
-        <p:txBody>
-          <a:bodyPr rtlCol="0" anchor="ctr"/>
-          <a:lstStyle/>
-          <a:p>
-            <a:pPr algn="ctr"/>
-            <a:r>
-              <a:rPr lang="en-US" sz="1100" b="1" dirty="0">
-                <a:solidFill>
-                  <a:schemeClr val="bg1"/>
-                </a:solidFill>
-              </a:rPr>
-              <a:t>Model</a:t>
-            </a:r>
-            <a:endParaRPr lang="en-SG" sz="1100" b="1" dirty="0">
-              <a:solidFill>
-                <a:schemeClr val="bg1"/>
-              </a:solidFill>
-            </a:endParaRPr>
-          </a:p>
-        </p:txBody>
-      </p:sp>
-      <p:sp>
-        <p:nvSpPr>
-          <p:cNvPr id="119" name="Rectangle 62"/>
-          <p:cNvSpPr/>
-          <p:nvPr/>
-        </p:nvSpPr>
-        <p:spPr>
-          <a:xfrm rot="16200000">
-            <a:off x="956202" y="2861202"/>
-            <a:ext cx="1093635" cy="346760"/>
-          </a:xfrm>
-          <a:prstGeom prst="rect">
-            <a:avLst/>
-          </a:prstGeom>
-          <a:solidFill>
-            <a:srgbClr val="00B050"/>
-          </a:solidFill>
-          <a:ln w="19050">
-            <a:solidFill>
-              <a:srgbClr val="00B050"/>
-            </a:solidFill>
-          </a:ln>
-          <a:effectLst/>
-        </p:spPr>
-        <p:style>
-          <a:lnRef idx="1">
-            <a:schemeClr val="accent2"/>
-          </a:lnRef>
-          <a:fillRef idx="2">
-            <a:schemeClr val="accent2"/>
-          </a:fillRef>
-          <a:effectRef idx="1">
-            <a:schemeClr val="accent2"/>
-          </a:effectRef>
-          <a:fontRef idx="minor">
-            <a:schemeClr val="dk1"/>
-          </a:fontRef>
-        </p:style>
-        <p:txBody>
-          <a:bodyPr rtlCol="0" anchor="ctr"/>
-          <a:lstStyle/>
-          <a:p>
-            <a:pPr algn="ctr"/>
-            <a:r>
-              <a:rPr lang="en-US" sz="1050" dirty="0">
-                <a:solidFill>
-                  <a:schemeClr val="bg1"/>
-                </a:solidFill>
-              </a:rPr>
-              <a:t>&lt;&lt;interface&gt;&gt;</a:t>
-            </a:r>
-          </a:p>
-          <a:p>
-            <a:pPr algn="ctr"/>
-            <a:r>
-              <a:rPr lang="en-US" sz="1050" dirty="0" err="1">
-                <a:solidFill>
-                  <a:schemeClr val="bg1"/>
-                </a:solidFill>
-              </a:rPr>
-              <a:t>Ui</a:t>
-            </a:r>
-            <a:endParaRPr lang="en-SG" sz="1050" dirty="0">
-              <a:solidFill>
-                <a:schemeClr val="bg1"/>
-              </a:solidFill>
-            </a:endParaRPr>
-          </a:p>
-        </p:txBody>
-      </p:sp>
-      <p:sp>
-        <p:nvSpPr>
-          <p:cNvPr id="120" name="Isosceles Triangle 102"/>
-          <p:cNvSpPr/>
-          <p:nvPr/>
-        </p:nvSpPr>
-        <p:spPr>
-          <a:xfrm flipV="1">
-            <a:off x="1367767" y="2286001"/>
-            <a:ext cx="270504" cy="175523"/>
-          </a:xfrm>
-          <a:prstGeom prst="triangle">
-            <a:avLst/>
-          </a:prstGeom>
-          <a:ln w="19050">
-            <a:solidFill>
-              <a:srgbClr val="00B050"/>
-            </a:solidFill>
-          </a:ln>
-          <a:effectLst/>
-        </p:spPr>
-        <p:style>
-          <a:lnRef idx="1">
-            <a:schemeClr val="accent3"/>
-          </a:lnRef>
-          <a:fillRef idx="2">
-            <a:schemeClr val="accent3"/>
-          </a:fillRef>
-          <a:effectRef idx="1">
-            <a:schemeClr val="accent3"/>
-          </a:effectRef>
-          <a:fontRef idx="minor">
-            <a:schemeClr val="dk1"/>
-          </a:fontRef>
-        </p:style>
-        <p:txBody>
-          <a:bodyPr rtlCol="0" anchor="ctr"/>
-          <a:lstStyle/>
-          <a:p>
-            <a:pPr algn="ctr"/>
-            <a:endParaRPr lang="en-SG" sz="1050" b="1">
-              <a:solidFill>
-                <a:srgbClr val="92D050"/>
-              </a:solidFill>
-            </a:endParaRPr>
-          </a:p>
-        </p:txBody>
-      </p:sp>
-      <p:cxnSp>
-        <p:nvCxnSpPr>
-          <p:cNvPr id="121" name="Elbow Connector 63"/>
-          <p:cNvCxnSpPr>
-            <a:stCxn id="9" idx="1"/>
-            <a:endCxn id="120" idx="3"/>
-          </p:cNvCxnSpPr>
-          <p:nvPr/>
-        </p:nvCxnSpPr>
-        <p:spPr>
-          <a:xfrm rot="10800000" flipV="1">
-            <a:off x="1503020" y="1944303"/>
-            <a:ext cx="589823" cy="341697"/>
-          </a:xfrm>
-          <a:prstGeom prst="bentConnector2">
-            <a:avLst/>
-          </a:prstGeom>
-          <a:ln w="19050">
-            <a:solidFill>
-              <a:srgbClr val="00B050"/>
-            </a:solidFill>
-            <a:prstDash val="sysDot"/>
-            <a:headEnd type="none" w="med" len="med"/>
-            <a:tailEnd type="none" w="med" len="med"/>
-          </a:ln>
-          <a:effectLst/>
-        </p:spPr>
-        <p:style>
-          <a:lnRef idx="1">
-            <a:schemeClr val="accent2"/>
-          </a:lnRef>
-          <a:fillRef idx="2">
-            <a:schemeClr val="accent2"/>
-          </a:fillRef>
-          <a:effectRef idx="1">
-            <a:schemeClr val="accent2"/>
-          </a:effectRef>
-          <a:fontRef idx="minor">
-            <a:schemeClr val="dk1"/>
-          </a:fontRef>
-        </p:style>
-      </p:cxnSp>
-      <p:cxnSp>
-        <p:nvCxnSpPr>
-          <p:cNvPr id="131" name="Elbow Connector 130"/>
-          <p:cNvCxnSpPr>
-            <a:stCxn id="39" idx="2"/>
-            <a:endCxn id="43" idx="1"/>
-          </p:cNvCxnSpPr>
-          <p:nvPr/>
-        </p:nvCxnSpPr>
-        <p:spPr>
-          <a:xfrm rot="16200000" flipH="1">
-            <a:off x="2226110" y="3058040"/>
-            <a:ext cx="554704" cy="174673"/>
-          </a:xfrm>
-          <a:prstGeom prst="bentConnector2">
-            <a:avLst/>
-          </a:prstGeom>
-          <a:ln w="19050">
-            <a:solidFill>
-              <a:schemeClr val="accent3"/>
-            </a:solidFill>
-            <a:headEnd type="none" w="med" len="med"/>
-            <a:tailEnd type="arrow" w="med" len="med"/>
-          </a:ln>
-          <a:effectLst/>
-        </p:spPr>
-        <p:style>
-          <a:lnRef idx="1">
-            <a:schemeClr val="accent2"/>
-          </a:lnRef>
-          <a:fillRef idx="2">
-            <a:schemeClr val="accent2"/>
-          </a:fillRef>
-          <a:effectRef idx="1">
-            <a:schemeClr val="accent2"/>
-          </a:effectRef>
-          <a:fontRef idx="minor">
-            <a:schemeClr val="dk1"/>
-          </a:fontRef>
-        </p:style>
-      </p:cxnSp>
-      <p:cxnSp>
-        <p:nvCxnSpPr>
-          <p:cNvPr id="132" name="Elbow Connector 63"/>
-          <p:cNvCxnSpPr>
-            <a:stCxn id="16" idx="3"/>
-            <a:endCxn id="3" idx="3"/>
-          </p:cNvCxnSpPr>
-          <p:nvPr/>
-        </p:nvCxnSpPr>
-        <p:spPr>
-          <a:xfrm rot="5400000">
-            <a:off x="4205956" y="1766207"/>
-            <a:ext cx="804221" cy="1843806"/>
-          </a:xfrm>
-          <a:prstGeom prst="bentConnector2">
-            <a:avLst/>
-          </a:prstGeom>
-          <a:ln w="6350">
-            <a:solidFill>
-              <a:schemeClr val="accent3"/>
-            </a:solidFill>
-            <a:headEnd type="none" w="med" len="med"/>
-            <a:tailEnd type="none" w="med" len="med"/>
-          </a:ln>
-          <a:effectLst/>
-        </p:spPr>
-        <p:style>
-          <a:lnRef idx="1">
-            <a:schemeClr val="accent2"/>
-          </a:lnRef>
-          <a:fillRef idx="2">
-            <a:schemeClr val="accent2"/>
-          </a:fillRef>
-          <a:effectRef idx="1">
-            <a:schemeClr val="accent2"/>
-          </a:effectRef>
-          <a:fontRef idx="minor">
-            <a:schemeClr val="dk1"/>
-          </a:fontRef>
-        </p:style>
-      </p:cxnSp>
-      <p:cxnSp>
-        <p:nvCxnSpPr>
-          <p:cNvPr id="137" name="Elbow Connector 136"/>
-          <p:cNvCxnSpPr>
-            <a:stCxn id="36" idx="2"/>
-            <a:endCxn id="37" idx="1"/>
-          </p:cNvCxnSpPr>
-          <p:nvPr/>
-        </p:nvCxnSpPr>
-        <p:spPr>
-          <a:xfrm rot="16200000" flipH="1">
-            <a:off x="3430123" y="3938021"/>
-            <a:ext cx="118421" cy="699979"/>
-          </a:xfrm>
-          <a:prstGeom prst="bentConnector2">
-            <a:avLst/>
-          </a:prstGeom>
-          <a:ln w="19050">
-            <a:solidFill>
-              <a:schemeClr val="accent3"/>
-            </a:solidFill>
-            <a:headEnd type="none" w="med" len="med"/>
-            <a:tailEnd type="arrow" w="med" len="med"/>
-          </a:ln>
-          <a:effectLst/>
-        </p:spPr>
-        <p:style>
-          <a:lnRef idx="1">
-            <a:schemeClr val="accent2"/>
-          </a:lnRef>
-          <a:fillRef idx="2">
-            <a:schemeClr val="accent2"/>
-          </a:fillRef>
-          <a:effectRef idx="1">
-            <a:schemeClr val="accent2"/>
-          </a:effectRef>
-          <a:fontRef idx="minor">
-            <a:schemeClr val="dk1"/>
-          </a:fontRef>
-        </p:style>
-      </p:cxnSp>
-      <p:cxnSp>
-        <p:nvCxnSpPr>
-          <p:cNvPr id="140" name="Elbow Connector 63"/>
-          <p:cNvCxnSpPr>
-            <a:stCxn id="16" idx="3"/>
-            <a:endCxn id="36" idx="3"/>
-          </p:cNvCxnSpPr>
-          <p:nvPr/>
-        </p:nvCxnSpPr>
-        <p:spPr>
-          <a:xfrm rot="5400000">
-            <a:off x="3695875" y="2276286"/>
-            <a:ext cx="1824381" cy="1843808"/>
-          </a:xfrm>
-          <a:prstGeom prst="bentConnector2">
-            <a:avLst/>
-          </a:prstGeom>
-          <a:ln w="6350">
-            <a:solidFill>
-              <a:schemeClr val="accent3"/>
-            </a:solidFill>
-            <a:headEnd type="none" w="med" len="med"/>
-            <a:tailEnd type="none" w="med" len="med"/>
-          </a:ln>
-          <a:effectLst/>
-        </p:spPr>
-        <p:style>
-          <a:lnRef idx="1">
-            <a:schemeClr val="accent2"/>
-          </a:lnRef>
-          <a:fillRef idx="2">
-            <a:schemeClr val="accent2"/>
-          </a:fillRef>
-          <a:effectRef idx="1">
-            <a:schemeClr val="accent2"/>
-          </a:effectRef>
-          <a:fontRef idx="minor">
-            <a:schemeClr val="dk1"/>
-          </a:fontRef>
-        </p:style>
-      </p:cxnSp>
-      <p:sp>
-        <p:nvSpPr>
-          <p:cNvPr id="143" name="Rectangle 142"/>
-          <p:cNvSpPr/>
-          <p:nvPr/>
-        </p:nvSpPr>
-        <p:spPr>
-          <a:xfrm>
-            <a:off x="5435896" y="2743200"/>
-            <a:ext cx="229325" cy="166560"/>
-          </a:xfrm>
-          <a:prstGeom prst="rect">
-            <a:avLst/>
-          </a:prstGeom>
-          <a:solidFill>
-            <a:schemeClr val="accent3">
-              <a:lumMod val="20000"/>
-              <a:lumOff val="80000"/>
-              <a:alpha val="80000"/>
-            </a:schemeClr>
-          </a:solidFill>
-          <a:ln>
-            <a:noFill/>
-          </a:ln>
-          <a:effectLst>
-            <a:softEdge rad="31750"/>
-          </a:effectLst>
-        </p:spPr>
-        <p:style>
-          <a:lnRef idx="2">
-            <a:schemeClr val="accent1">
-              <a:shade val="50000"/>
-            </a:schemeClr>
-          </a:lnRef>
-          <a:fillRef idx="1">
-            <a:schemeClr val="accent1"/>
-          </a:fillRef>
-          <a:effectRef idx="0">
-            <a:schemeClr val="accent1"/>
-          </a:effectRef>
-          <a:fontRef idx="minor">
-            <a:schemeClr val="lt1"/>
-          </a:fontRef>
-        </p:style>
-        <p:txBody>
-          <a:bodyPr rtlCol="0" anchor="ctr"/>
-          <a:lstStyle/>
-          <a:p>
-            <a:pPr algn="ctr"/>
-            <a:endParaRPr lang="en-SG"/>
-          </a:p>
-        </p:txBody>
-      </p:sp>
-      <p:sp>
-        <p:nvSpPr>
-          <p:cNvPr id="116" name="Freeform 115"/>
-          <p:cNvSpPr/>
-          <p:nvPr/>
-        </p:nvSpPr>
-        <p:spPr>
-          <a:xfrm>
-            <a:off x="3687515" y="2828802"/>
-            <a:ext cx="3048000" cy="203200"/>
-          </a:xfrm>
-          <a:custGeom>
-            <a:avLst/>
-            <a:gdLst>
-              <a:gd name="connsiteX0" fmla="*/ 0 w 3048000"/>
-              <a:gd name="connsiteY0" fmla="*/ 203200 h 203200"/>
-              <a:gd name="connsiteX1" fmla="*/ 221673 w 3048000"/>
-              <a:gd name="connsiteY1" fmla="*/ 0 h 203200"/>
-              <a:gd name="connsiteX2" fmla="*/ 3048000 w 3048000"/>
-              <a:gd name="connsiteY2" fmla="*/ 0 h 203200"/>
-            </a:gdLst>
-            <a:ahLst/>
-            <a:cxnLst>
-              <a:cxn ang="0">
-                <a:pos x="connsiteX0" y="connsiteY0"/>
-              </a:cxn>
-              <a:cxn ang="0">
-                <a:pos x="connsiteX1" y="connsiteY1"/>
-              </a:cxn>
-              <a:cxn ang="0">
-                <a:pos x="connsiteX2" y="connsiteY2"/>
-              </a:cxn>
-            </a:cxnLst>
-            <a:rect l="l" t="t" r="r" b="b"/>
-            <a:pathLst>
-              <a:path w="3048000" h="203200">
-                <a:moveTo>
-                  <a:pt x="0" y="203200"/>
-                </a:moveTo>
-                <a:lnTo>
-                  <a:pt x="221673" y="0"/>
-                </a:lnTo>
-                <a:lnTo>
-                  <a:pt x="3048000" y="0"/>
-                </a:lnTo>
-              </a:path>
-            </a:pathLst>
-          </a:custGeom>
-          <a:noFill/>
-          <a:ln w="19050">
-            <a:solidFill>
-              <a:schemeClr val="accent3"/>
-            </a:solidFill>
-            <a:prstDash val="solid"/>
-            <a:headEnd type="none" w="med" len="med"/>
-            <a:tailEnd type="arrow" w="med" len="med"/>
-          </a:ln>
-          <a:effectLst/>
-        </p:spPr>
-        <p:style>
-          <a:lnRef idx="1">
-            <a:schemeClr val="accent2"/>
-          </a:lnRef>
-          <a:fillRef idx="2">
-            <a:schemeClr val="accent2"/>
-          </a:fillRef>
-          <a:effectRef idx="1">
-            <a:schemeClr val="accent2"/>
-          </a:effectRef>
-          <a:fontRef idx="minor">
-            <a:schemeClr val="dk1"/>
-          </a:fontRef>
-        </p:style>
-        <p:txBody>
-          <a:bodyPr rtlCol="0" anchor="ctr"/>
-          <a:lstStyle/>
-          <a:p>
-            <a:pPr algn="ctr"/>
-            <a:endParaRPr lang="en-SG"/>
-          </a:p>
-        </p:txBody>
-      </p:sp>
-      <p:sp>
-        <p:nvSpPr>
-          <p:cNvPr id="144" name="Rectangle 143"/>
-          <p:cNvSpPr/>
-          <p:nvPr/>
-        </p:nvSpPr>
-        <p:spPr>
-          <a:xfrm>
-            <a:off x="5431573" y="4488138"/>
-            <a:ext cx="229325" cy="160062"/>
-          </a:xfrm>
-          <a:prstGeom prst="rect">
-            <a:avLst/>
-          </a:prstGeom>
-          <a:solidFill>
-            <a:schemeClr val="accent3">
-              <a:lumMod val="20000"/>
-              <a:lumOff val="80000"/>
-              <a:alpha val="80000"/>
-            </a:schemeClr>
-          </a:solidFill>
-          <a:ln>
-            <a:noFill/>
-          </a:ln>
-          <a:effectLst>
-            <a:softEdge rad="31750"/>
-          </a:effectLst>
-        </p:spPr>
-        <p:style>
-          <a:lnRef idx="2">
-            <a:schemeClr val="accent1">
-              <a:shade val="50000"/>
-            </a:schemeClr>
-          </a:lnRef>
-          <a:fillRef idx="1">
-            <a:schemeClr val="accent1"/>
-          </a:fillRef>
-          <a:effectRef idx="0">
-            <a:schemeClr val="accent1"/>
-          </a:effectRef>
-          <a:fontRef idx="minor">
-            <a:schemeClr val="lt1"/>
-          </a:fontRef>
-        </p:style>
-        <p:txBody>
-          <a:bodyPr rtlCol="0" anchor="ctr"/>
-          <a:lstStyle/>
-          <a:p>
-            <a:pPr algn="ctr"/>
-            <a:endParaRPr lang="en-SG"/>
-          </a:p>
-        </p:txBody>
-      </p:sp>
-      <p:sp>
-        <p:nvSpPr>
-          <p:cNvPr id="118" name="Freeform 117"/>
-          <p:cNvSpPr/>
-          <p:nvPr/>
-        </p:nvSpPr>
-        <p:spPr>
-          <a:xfrm flipV="1">
-            <a:off x="4114799" y="4472708"/>
-            <a:ext cx="2642195" cy="101600"/>
-          </a:xfrm>
-          <a:custGeom>
-            <a:avLst/>
-            <a:gdLst>
-              <a:gd name="connsiteX0" fmla="*/ 0 w 3048000"/>
-              <a:gd name="connsiteY0" fmla="*/ 203200 h 203200"/>
-              <a:gd name="connsiteX1" fmla="*/ 221673 w 3048000"/>
-              <a:gd name="connsiteY1" fmla="*/ 0 h 203200"/>
-              <a:gd name="connsiteX2" fmla="*/ 3048000 w 3048000"/>
-              <a:gd name="connsiteY2" fmla="*/ 0 h 203200"/>
-            </a:gdLst>
-            <a:ahLst/>
-            <a:cxnLst>
-              <a:cxn ang="0">
-                <a:pos x="connsiteX0" y="connsiteY0"/>
-              </a:cxn>
-              <a:cxn ang="0">
-                <a:pos x="connsiteX1" y="connsiteY1"/>
-              </a:cxn>
-              <a:cxn ang="0">
-                <a:pos x="connsiteX2" y="connsiteY2"/>
-              </a:cxn>
-            </a:cxnLst>
-            <a:rect l="l" t="t" r="r" b="b"/>
-            <a:pathLst>
-              <a:path w="3048000" h="203200">
-                <a:moveTo>
-                  <a:pt x="0" y="203200"/>
-                </a:moveTo>
-                <a:lnTo>
-                  <a:pt x="221673" y="0"/>
-                </a:lnTo>
-                <a:lnTo>
-                  <a:pt x="3048000" y="0"/>
-                </a:lnTo>
-              </a:path>
-            </a:pathLst>
-          </a:custGeom>
-          <a:noFill/>
-          <a:ln w="19050">
-            <a:solidFill>
-              <a:schemeClr val="accent3"/>
-            </a:solidFill>
-            <a:prstDash val="sysDot"/>
-            <a:headEnd type="none" w="med" len="med"/>
-            <a:tailEnd type="arrow" w="med" len="med"/>
-          </a:ln>
-          <a:effectLst/>
-        </p:spPr>
-        <p:style>
-          <a:lnRef idx="1">
-            <a:schemeClr val="accent2"/>
-          </a:lnRef>
-          <a:fillRef idx="2">
-            <a:schemeClr val="accent2"/>
-          </a:fillRef>
-          <a:effectRef idx="1">
-            <a:schemeClr val="accent2"/>
-          </a:effectRef>
-          <a:fontRef idx="minor">
-            <a:schemeClr val="dk1"/>
-          </a:fontRef>
-        </p:style>
-        <p:txBody>
-          <a:bodyPr rtlCol="0" anchor="ctr"/>
-          <a:lstStyle/>
-          <a:p>
-            <a:pPr algn="ctr"/>
-            <a:endParaRPr lang="en-SG"/>
-          </a:p>
-        </p:txBody>
-      </p:sp>
+      </p:pic>
     </p:spTree>
     <p:extLst>
       <p:ext uri="{BB962C8B-B14F-4D97-AF65-F5344CB8AC3E}">

--- a/docs/diagrams/UiComponentClassDiagram.pptx
+++ b/docs/diagrams/UiComponentClassDiagram.pptx
@@ -175,7 +175,7 @@
             </a:lvl1pPr>
           </a:lstStyle>
           <a:p>
-            <a:endParaRPr lang="en-US"/>
+            <a:endParaRPr lang="en-US" dirty="0"/>
           </a:p>
         </p:txBody>
       </p:sp>
@@ -208,9 +208,9 @@
           <a:p>
             <a:fld id="{F5CC4B3F-88C1-4FFA-B1B6-F41C21DC6924}" type="datetimeFigureOut">
               <a:rPr lang="en-US" smtClean="0"/>
-              <a:t>1/7/2017</a:t>
+              <a:t>11/12/2018</a:t>
             </a:fld>
-            <a:endParaRPr lang="en-US"/>
+            <a:endParaRPr lang="en-US" dirty="0"/>
           </a:p>
         </p:txBody>
       </p:sp>
@@ -243,7 +243,7 @@
           <a:bodyPr vert="horz" lIns="91440" tIns="45720" rIns="91440" bIns="45720" rtlCol="0" anchor="ctr"/>
           <a:lstStyle/>
           <a:p>
-            <a:endParaRPr lang="en-US"/>
+            <a:endParaRPr lang="en-US" dirty="0"/>
           </a:p>
         </p:txBody>
       </p:sp>
@@ -333,7 +333,7 @@
             </a:lvl1pPr>
           </a:lstStyle>
           <a:p>
-            <a:endParaRPr lang="en-US"/>
+            <a:endParaRPr lang="en-US" dirty="0"/>
           </a:p>
         </p:txBody>
       </p:sp>
@@ -368,7 +368,7 @@
               <a:rPr lang="en-US" smtClean="0"/>
               <a:t>‹#›</a:t>
             </a:fld>
-            <a:endParaRPr lang="en-US"/>
+            <a:endParaRPr lang="en-US" dirty="0"/>
           </a:p>
         </p:txBody>
       </p:sp>
@@ -654,9 +654,9 @@
           <a:p>
             <a:fld id="{78C97017-6FC3-485B-9764-EAC9E56C1D49}" type="datetimeFigureOut">
               <a:rPr lang="en-US" smtClean="0"/>
-              <a:t>1/7/2017</a:t>
+              <a:t>11/12/2018</a:t>
             </a:fld>
-            <a:endParaRPr lang="en-US"/>
+            <a:endParaRPr lang="en-US" dirty="0"/>
           </a:p>
         </p:txBody>
       </p:sp>
@@ -675,7 +675,7 @@
           <a:bodyPr/>
           <a:lstStyle/>
           <a:p>
-            <a:endParaRPr lang="en-US"/>
+            <a:endParaRPr lang="en-US" dirty="0"/>
           </a:p>
         </p:txBody>
       </p:sp>
@@ -698,7 +698,7 @@
               <a:rPr lang="en-US" smtClean="0"/>
               <a:t>‹#›</a:t>
             </a:fld>
-            <a:endParaRPr lang="en-US"/>
+            <a:endParaRPr lang="en-US" dirty="0"/>
           </a:p>
         </p:txBody>
       </p:sp>
@@ -822,9 +822,9 @@
           <a:p>
             <a:fld id="{78C97017-6FC3-485B-9764-EAC9E56C1D49}" type="datetimeFigureOut">
               <a:rPr lang="en-US" smtClean="0"/>
-              <a:t>1/7/2017</a:t>
+              <a:t>11/12/2018</a:t>
             </a:fld>
-            <a:endParaRPr lang="en-US"/>
+            <a:endParaRPr lang="en-US" dirty="0"/>
           </a:p>
         </p:txBody>
       </p:sp>
@@ -843,7 +843,7 @@
           <a:bodyPr/>
           <a:lstStyle/>
           <a:p>
-            <a:endParaRPr lang="en-US"/>
+            <a:endParaRPr lang="en-US" dirty="0"/>
           </a:p>
         </p:txBody>
       </p:sp>
@@ -866,7 +866,7 @@
               <a:rPr lang="en-US" smtClean="0"/>
               <a:t>‹#›</a:t>
             </a:fld>
-            <a:endParaRPr lang="en-US"/>
+            <a:endParaRPr lang="en-US" dirty="0"/>
           </a:p>
         </p:txBody>
       </p:sp>
@@ -1000,9 +1000,9 @@
           <a:p>
             <a:fld id="{78C97017-6FC3-485B-9764-EAC9E56C1D49}" type="datetimeFigureOut">
               <a:rPr lang="en-US" smtClean="0"/>
-              <a:t>1/7/2017</a:t>
+              <a:t>11/12/2018</a:t>
             </a:fld>
-            <a:endParaRPr lang="en-US"/>
+            <a:endParaRPr lang="en-US" dirty="0"/>
           </a:p>
         </p:txBody>
       </p:sp>
@@ -1021,7 +1021,7 @@
           <a:bodyPr/>
           <a:lstStyle/>
           <a:p>
-            <a:endParaRPr lang="en-US"/>
+            <a:endParaRPr lang="en-US" dirty="0"/>
           </a:p>
         </p:txBody>
       </p:sp>
@@ -1044,7 +1044,7 @@
               <a:rPr lang="en-US" smtClean="0"/>
               <a:t>‹#›</a:t>
             </a:fld>
-            <a:endParaRPr lang="en-US"/>
+            <a:endParaRPr lang="en-US" dirty="0"/>
           </a:p>
         </p:txBody>
       </p:sp>
@@ -1168,9 +1168,9 @@
           <a:p>
             <a:fld id="{78C97017-6FC3-485B-9764-EAC9E56C1D49}" type="datetimeFigureOut">
               <a:rPr lang="en-US" smtClean="0"/>
-              <a:t>1/7/2017</a:t>
+              <a:t>11/12/2018</a:t>
             </a:fld>
-            <a:endParaRPr lang="en-US"/>
+            <a:endParaRPr lang="en-US" dirty="0"/>
           </a:p>
         </p:txBody>
       </p:sp>
@@ -1189,7 +1189,7 @@
           <a:bodyPr/>
           <a:lstStyle/>
           <a:p>
-            <a:endParaRPr lang="en-US"/>
+            <a:endParaRPr lang="en-US" dirty="0"/>
           </a:p>
         </p:txBody>
       </p:sp>
@@ -1212,7 +1212,7 @@
               <a:rPr lang="en-US" smtClean="0"/>
               <a:t>‹#›</a:t>
             </a:fld>
-            <a:endParaRPr lang="en-US"/>
+            <a:endParaRPr lang="en-US" dirty="0"/>
           </a:p>
         </p:txBody>
       </p:sp>
@@ -1413,9 +1413,9 @@
           <a:p>
             <a:fld id="{78C97017-6FC3-485B-9764-EAC9E56C1D49}" type="datetimeFigureOut">
               <a:rPr lang="en-US" smtClean="0"/>
-              <a:t>1/7/2017</a:t>
+              <a:t>11/12/2018</a:t>
             </a:fld>
-            <a:endParaRPr lang="en-US"/>
+            <a:endParaRPr lang="en-US" dirty="0"/>
           </a:p>
         </p:txBody>
       </p:sp>
@@ -1434,7 +1434,7 @@
           <a:bodyPr/>
           <a:lstStyle/>
           <a:p>
-            <a:endParaRPr lang="en-US"/>
+            <a:endParaRPr lang="en-US" dirty="0"/>
           </a:p>
         </p:txBody>
       </p:sp>
@@ -1457,7 +1457,7 @@
               <a:rPr lang="en-US" smtClean="0"/>
               <a:t>‹#›</a:t>
             </a:fld>
-            <a:endParaRPr lang="en-US"/>
+            <a:endParaRPr lang="en-US" dirty="0"/>
           </a:p>
         </p:txBody>
       </p:sp>
@@ -1698,9 +1698,9 @@
           <a:p>
             <a:fld id="{78C97017-6FC3-485B-9764-EAC9E56C1D49}" type="datetimeFigureOut">
               <a:rPr lang="en-US" smtClean="0"/>
-              <a:t>1/7/2017</a:t>
+              <a:t>11/12/2018</a:t>
             </a:fld>
-            <a:endParaRPr lang="en-US"/>
+            <a:endParaRPr lang="en-US" dirty="0"/>
           </a:p>
         </p:txBody>
       </p:sp>
@@ -1719,7 +1719,7 @@
           <a:bodyPr/>
           <a:lstStyle/>
           <a:p>
-            <a:endParaRPr lang="en-US"/>
+            <a:endParaRPr lang="en-US" dirty="0"/>
           </a:p>
         </p:txBody>
       </p:sp>
@@ -1742,7 +1742,7 @@
               <a:rPr lang="en-US" smtClean="0"/>
               <a:t>‹#›</a:t>
             </a:fld>
-            <a:endParaRPr lang="en-US"/>
+            <a:endParaRPr lang="en-US" dirty="0"/>
           </a:p>
         </p:txBody>
       </p:sp>
@@ -2117,9 +2117,9 @@
           <a:p>
             <a:fld id="{78C97017-6FC3-485B-9764-EAC9E56C1D49}" type="datetimeFigureOut">
               <a:rPr lang="en-US" smtClean="0"/>
-              <a:t>1/7/2017</a:t>
+              <a:t>11/12/2018</a:t>
             </a:fld>
-            <a:endParaRPr lang="en-US"/>
+            <a:endParaRPr lang="en-US" dirty="0"/>
           </a:p>
         </p:txBody>
       </p:sp>
@@ -2138,7 +2138,7 @@
           <a:bodyPr/>
           <a:lstStyle/>
           <a:p>
-            <a:endParaRPr lang="en-US"/>
+            <a:endParaRPr lang="en-US" dirty="0"/>
           </a:p>
         </p:txBody>
       </p:sp>
@@ -2161,7 +2161,7 @@
               <a:rPr lang="en-US" smtClean="0"/>
               <a:t>‹#›</a:t>
             </a:fld>
-            <a:endParaRPr lang="en-US"/>
+            <a:endParaRPr lang="en-US" dirty="0"/>
           </a:p>
         </p:txBody>
       </p:sp>
@@ -2234,9 +2234,9 @@
           <a:p>
             <a:fld id="{78C97017-6FC3-485B-9764-EAC9E56C1D49}" type="datetimeFigureOut">
               <a:rPr lang="en-US" smtClean="0"/>
-              <a:t>1/7/2017</a:t>
+              <a:t>11/12/2018</a:t>
             </a:fld>
-            <a:endParaRPr lang="en-US"/>
+            <a:endParaRPr lang="en-US" dirty="0"/>
           </a:p>
         </p:txBody>
       </p:sp>
@@ -2255,7 +2255,7 @@
           <a:bodyPr/>
           <a:lstStyle/>
           <a:p>
-            <a:endParaRPr lang="en-US"/>
+            <a:endParaRPr lang="en-US" dirty="0"/>
           </a:p>
         </p:txBody>
       </p:sp>
@@ -2278,7 +2278,7 @@
               <a:rPr lang="en-US" smtClean="0"/>
               <a:t>‹#›</a:t>
             </a:fld>
-            <a:endParaRPr lang="en-US"/>
+            <a:endParaRPr lang="en-US" dirty="0"/>
           </a:p>
         </p:txBody>
       </p:sp>
@@ -2329,9 +2329,9 @@
           <a:p>
             <a:fld id="{78C97017-6FC3-485B-9764-EAC9E56C1D49}" type="datetimeFigureOut">
               <a:rPr lang="en-US" smtClean="0"/>
-              <a:t>1/7/2017</a:t>
+              <a:t>11/12/2018</a:t>
             </a:fld>
-            <a:endParaRPr lang="en-US"/>
+            <a:endParaRPr lang="en-US" dirty="0"/>
           </a:p>
         </p:txBody>
       </p:sp>
@@ -2350,7 +2350,7 @@
           <a:bodyPr/>
           <a:lstStyle/>
           <a:p>
-            <a:endParaRPr lang="en-US"/>
+            <a:endParaRPr lang="en-US" dirty="0"/>
           </a:p>
         </p:txBody>
       </p:sp>
@@ -2373,7 +2373,7 @@
               <a:rPr lang="en-US" smtClean="0"/>
               <a:t>‹#›</a:t>
             </a:fld>
-            <a:endParaRPr lang="en-US"/>
+            <a:endParaRPr lang="en-US" dirty="0"/>
           </a:p>
         </p:txBody>
       </p:sp>
@@ -2604,9 +2604,9 @@
           <a:p>
             <a:fld id="{78C97017-6FC3-485B-9764-EAC9E56C1D49}" type="datetimeFigureOut">
               <a:rPr lang="en-US" smtClean="0"/>
-              <a:t>1/7/2017</a:t>
+              <a:t>11/12/2018</a:t>
             </a:fld>
-            <a:endParaRPr lang="en-US"/>
+            <a:endParaRPr lang="en-US" dirty="0"/>
           </a:p>
         </p:txBody>
       </p:sp>
@@ -2625,7 +2625,7 @@
           <a:bodyPr/>
           <a:lstStyle/>
           <a:p>
-            <a:endParaRPr lang="en-US"/>
+            <a:endParaRPr lang="en-US" dirty="0"/>
           </a:p>
         </p:txBody>
       </p:sp>
@@ -2648,7 +2648,7 @@
               <a:rPr lang="en-US" smtClean="0"/>
               <a:t>‹#›</a:t>
             </a:fld>
-            <a:endParaRPr lang="en-US"/>
+            <a:endParaRPr lang="en-US" dirty="0"/>
           </a:p>
         </p:txBody>
       </p:sp>
@@ -2770,7 +2770,7 @@
             </a:lvl9pPr>
           </a:lstStyle>
           <a:p>
-            <a:endParaRPr lang="en-US"/>
+            <a:endParaRPr lang="en-US" dirty="0"/>
           </a:p>
         </p:txBody>
       </p:sp>
@@ -2856,9 +2856,9 @@
           <a:p>
             <a:fld id="{78C97017-6FC3-485B-9764-EAC9E56C1D49}" type="datetimeFigureOut">
               <a:rPr lang="en-US" smtClean="0"/>
-              <a:t>1/7/2017</a:t>
+              <a:t>11/12/2018</a:t>
             </a:fld>
-            <a:endParaRPr lang="en-US"/>
+            <a:endParaRPr lang="en-US" dirty="0"/>
           </a:p>
         </p:txBody>
       </p:sp>
@@ -2877,7 +2877,7 @@
           <a:bodyPr/>
           <a:lstStyle/>
           <a:p>
-            <a:endParaRPr lang="en-US"/>
+            <a:endParaRPr lang="en-US" dirty="0"/>
           </a:p>
         </p:txBody>
       </p:sp>
@@ -2900,7 +2900,7 @@
               <a:rPr lang="en-US" smtClean="0"/>
               <a:t>‹#›</a:t>
             </a:fld>
-            <a:endParaRPr lang="en-US"/>
+            <a:endParaRPr lang="en-US" dirty="0"/>
           </a:p>
         </p:txBody>
       </p:sp>
@@ -3067,9 +3067,9 @@
           <a:p>
             <a:fld id="{78C97017-6FC3-485B-9764-EAC9E56C1D49}" type="datetimeFigureOut">
               <a:rPr lang="en-US" smtClean="0"/>
-              <a:t>1/7/2017</a:t>
+              <a:t>11/12/2018</a:t>
             </a:fld>
-            <a:endParaRPr lang="en-US"/>
+            <a:endParaRPr lang="en-US" dirty="0"/>
           </a:p>
         </p:txBody>
       </p:sp>
@@ -3106,7 +3106,7 @@
             </a:lvl1pPr>
           </a:lstStyle>
           <a:p>
-            <a:endParaRPr lang="en-US"/>
+            <a:endParaRPr lang="en-US" dirty="0"/>
           </a:p>
         </p:txBody>
       </p:sp>
@@ -3147,7 +3147,7 @@
               <a:rPr lang="en-US" smtClean="0"/>
               <a:t>‹#›</a:t>
             </a:fld>
-            <a:endParaRPr lang="en-US"/>
+            <a:endParaRPr lang="en-US" dirty="0"/>
           </a:p>
         </p:txBody>
       </p:sp>
@@ -3450,8 +3450,8 @@
         </p:nvSpPr>
         <p:spPr>
           <a:xfrm>
-            <a:off x="1217465" y="1447800"/>
-            <a:ext cx="4917083" cy="3962400"/>
+            <a:off x="1148652" y="1363359"/>
+            <a:ext cx="4917083" cy="4722073"/>
           </a:xfrm>
           <a:prstGeom prst="roundRect">
             <a:avLst>
@@ -3545,7 +3545,7 @@
           <a:p>
             <a:pPr algn="ctr"/>
             <a:r>
-              <a:rPr lang="en-US" sz="1050" b="1" dirty="0" err="1">
+              <a:rPr lang="en-US" sz="1050" b="1" dirty="0">
                 <a:solidFill>
                   <a:schemeClr val="accent3">
                     <a:lumMod val="75000"/>
@@ -3605,7 +3605,7 @@
           <a:p>
             <a:pPr algn="ctr"/>
             <a:r>
-              <a:rPr lang="en-US" sz="1050" b="1" dirty="0" err="1">
+              <a:rPr lang="en-US" sz="1050" b="1" dirty="0">
                 <a:solidFill>
                   <a:schemeClr val="accent3">
                     <a:lumMod val="75000"/>
@@ -3668,7 +3668,7 @@
           <a:p>
             <a:pPr algn="ctr"/>
             <a:r>
-              <a:rPr lang="en-US" sz="1050" dirty="0" err="1">
+              <a:rPr lang="en-US" sz="1050" dirty="0">
                 <a:solidFill>
                   <a:schemeClr val="bg1"/>
                 </a:solidFill>
@@ -3766,7 +3766,7 @@
           <a:lstStyle/>
           <a:p>
             <a:pPr algn="ctr"/>
-            <a:endParaRPr lang="en-SG" sz="1050" b="1">
+            <a:endParaRPr lang="en-SG" sz="1050" b="1" dirty="0">
               <a:solidFill>
                 <a:srgbClr val="92D050"/>
               </a:solidFill>
@@ -3918,14 +3918,14 @@
           <a:p>
             <a:pPr algn="ctr"/>
             <a:r>
-              <a:rPr lang="en-US" sz="1050" b="1" dirty="0" err="1">
+              <a:rPr lang="en-US" sz="1050" b="1" dirty="0">
                 <a:solidFill>
                   <a:schemeClr val="accent3">
                     <a:lumMod val="75000"/>
                   </a:schemeClr>
                 </a:solidFill>
               </a:rPr>
-              <a:t>BrowserPanel</a:t>
+              <a:t>CalendarPanel</a:t>
             </a:r>
             <a:endParaRPr lang="en-SG" sz="1050" b="1" dirty="0">
               <a:solidFill>
@@ -3945,7 +3945,7 @@
         </p:nvSpPr>
         <p:spPr>
           <a:xfrm>
-            <a:off x="2592527" y="4563759"/>
+            <a:off x="2561866" y="5257800"/>
             <a:ext cx="1093635" cy="236841"/>
           </a:xfrm>
           <a:prstGeom prst="rect">
@@ -3978,7 +3978,7 @@
           <a:p>
             <a:pPr algn="ctr"/>
             <a:r>
-              <a:rPr lang="en-US" sz="1050" b="1" dirty="0" err="1">
+              <a:rPr lang="en-US" sz="1050" b="1" dirty="0">
                 <a:solidFill>
                   <a:schemeClr val="accent3">
                     <a:lumMod val="75000"/>
@@ -4038,14 +4038,14 @@
           <a:p>
             <a:pPr algn="ctr"/>
             <a:r>
-              <a:rPr lang="en-US" sz="1050" b="1" dirty="0" err="1">
+              <a:rPr lang="en-US" sz="1050" b="1" dirty="0">
                 <a:solidFill>
                   <a:schemeClr val="accent3">
                     <a:lumMod val="75000"/>
                   </a:schemeClr>
                 </a:solidFill>
               </a:rPr>
-              <a:t>PersonListPanel</a:t>
+              <a:t>TaskListPanel</a:t>
             </a:r>
             <a:endParaRPr lang="en-SG" sz="1050" b="1" dirty="0">
               <a:solidFill>
@@ -4098,14 +4098,14 @@
           <a:p>
             <a:pPr algn="ctr"/>
             <a:r>
-              <a:rPr lang="en-US" sz="1050" b="1" dirty="0" err="1">
+              <a:rPr lang="en-US" sz="1050" b="1" dirty="0">
                 <a:solidFill>
                   <a:schemeClr val="accent3">
                     <a:lumMod val="75000"/>
                   </a:schemeClr>
                 </a:solidFill>
               </a:rPr>
-              <a:t>PersonCard</a:t>
+              <a:t>TaskCard</a:t>
             </a:r>
             <a:endParaRPr lang="en-SG" sz="1050" b="1" dirty="0">
               <a:solidFill>
@@ -4125,7 +4125,7 @@
         </p:nvSpPr>
         <p:spPr>
           <a:xfrm>
-            <a:off x="2592528" y="4966000"/>
+            <a:off x="2561867" y="5660041"/>
             <a:ext cx="1093635" cy="236841"/>
           </a:xfrm>
           <a:prstGeom prst="rect">
@@ -4158,7 +4158,7 @@
           <a:p>
             <a:pPr algn="ctr"/>
             <a:r>
-              <a:rPr lang="en-US" sz="1050" b="1" dirty="0" err="1">
+              <a:rPr lang="en-US" sz="1050" b="1" dirty="0">
                 <a:solidFill>
                   <a:schemeClr val="accent3">
                     <a:lumMod val="75000"/>
@@ -4221,7 +4221,7 @@
           <a:lstStyle/>
           <a:p>
             <a:pPr algn="ctr"/>
-            <a:endParaRPr lang="en-SG"/>
+            <a:endParaRPr lang="en-SG" dirty="0"/>
           </a:p>
         </p:txBody>
       </p:sp>
@@ -4307,7 +4307,7 @@
           <a:p>
             <a:pPr algn="ctr"/>
             <a:r>
-              <a:rPr lang="en-US" sz="1050" b="1" dirty="0" err="1">
+              <a:rPr lang="en-US" sz="1050" b="1" dirty="0">
                 <a:solidFill>
                   <a:schemeClr val="accent3">
                     <a:lumMod val="75000"/>
@@ -4419,8 +4419,8 @@
         </p:nvCxnSpPr>
         <p:spPr>
           <a:xfrm rot="16200000" flipH="1">
-            <a:off x="1597249" y="3686901"/>
-            <a:ext cx="1814155" cy="176401"/>
+            <a:off x="1234898" y="4049253"/>
+            <a:ext cx="2508196" cy="145740"/>
           </a:xfrm>
           <a:prstGeom prst="bentConnector2">
             <a:avLst/>
@@ -4453,14 +4453,15 @@
         <p:nvCxnSpPr>
           <p:cNvPr id="53" name="Elbow Connector 63"/>
           <p:cNvCxnSpPr>
+            <a:cxnSpLocks/>
             <a:endCxn id="38" idx="1"/>
           </p:cNvCxnSpPr>
           <p:nvPr/>
         </p:nvCxnSpPr>
         <p:spPr>
           <a:xfrm rot="16200000" flipH="1">
-            <a:off x="1184119" y="3676012"/>
-            <a:ext cx="2396440" cy="420377"/>
+            <a:off x="832097" y="4048691"/>
+            <a:ext cx="3072009" cy="387531"/>
           </a:xfrm>
           <a:prstGeom prst="bentConnector2">
             <a:avLst/>
@@ -4549,7 +4550,7 @@
               </a:rPr>
             </a:br>
             <a:r>
-              <a:rPr lang="en-US" sz="1050" b="1" dirty="0" err="1">
+              <a:rPr lang="en-US" sz="1050" b="1" dirty="0">
                 <a:solidFill>
                   <a:schemeClr val="accent3">
                     <a:lumMod val="75000"/>
@@ -4743,8 +4744,8 @@
         </p:nvCxnSpPr>
         <p:spPr>
           <a:xfrm rot="5400000">
-            <a:off x="3409976" y="2562187"/>
-            <a:ext cx="2396180" cy="1843807"/>
+            <a:off x="3047625" y="2893876"/>
+            <a:ext cx="3090221" cy="1874468"/>
           </a:xfrm>
           <a:prstGeom prst="bentConnector2">
             <a:avLst/>
@@ -4784,8 +4785,8 @@
         </p:nvCxnSpPr>
         <p:spPr>
           <a:xfrm rot="5400000">
-            <a:off x="3208856" y="2763307"/>
-            <a:ext cx="2798421" cy="1843806"/>
+            <a:off x="2846505" y="3094998"/>
+            <a:ext cx="3492462" cy="1874467"/>
           </a:xfrm>
           <a:prstGeom prst="bentConnector2">
             <a:avLst/>
@@ -4970,7 +4971,7 @@
           <a:p>
             <a:pPr algn="ctr"/>
             <a:r>
-              <a:rPr lang="en-US" sz="1050" dirty="0" err="1">
+              <a:rPr lang="en-US" sz="1050" dirty="0">
                 <a:solidFill>
                   <a:schemeClr val="bg1"/>
                 </a:solidFill>
@@ -5025,7 +5026,7 @@
           <a:lstStyle/>
           <a:p>
             <a:pPr algn="ctr"/>
-            <a:endParaRPr lang="en-SG" sz="1050" b="1">
+            <a:endParaRPr lang="en-SG" sz="1050" b="1" dirty="0">
               <a:solidFill>
                 <a:srgbClr val="92D050"/>
               </a:solidFill>
@@ -5288,7 +5289,7 @@
           <a:lstStyle/>
           <a:p>
             <a:pPr algn="ctr"/>
-            <a:endParaRPr lang="en-SG"/>
+            <a:endParaRPr lang="en-SG" dirty="0"/>
           </a:p>
         </p:txBody>
       </p:sp>
@@ -5370,7 +5371,7 @@
           <a:lstStyle/>
           <a:p>
             <a:pPr algn="ctr"/>
-            <a:endParaRPr lang="en-SG"/>
+            <a:endParaRPr lang="en-SG" dirty="0"/>
           </a:p>
         </p:txBody>
       </p:sp>
@@ -5423,7 +5424,7 @@
           <a:lstStyle/>
           <a:p>
             <a:pPr algn="ctr"/>
-            <a:endParaRPr lang="en-SG"/>
+            <a:endParaRPr lang="en-SG" dirty="0"/>
           </a:p>
         </p:txBody>
       </p:sp>
@@ -5505,7 +5506,382 @@
           <a:lstStyle/>
           <a:p>
             <a:pPr algn="ctr"/>
-            <a:endParaRPr lang="en-SG"/>
+            <a:endParaRPr lang="en-SG" dirty="0"/>
+          </a:p>
+        </p:txBody>
+      </p:sp>
+      <p:sp>
+        <p:nvSpPr>
+          <p:cNvPr id="42" name="Rectangle 41">
+            <a:extLst>
+              <a:ext uri="{FF2B5EF4-FFF2-40B4-BE49-F238E27FC236}">
+                <a16:creationId xmlns:a16="http://schemas.microsoft.com/office/drawing/2014/main" id="{10FBE271-37C7-4FA1-A00A-BA7017DF6432}"/>
+              </a:ext>
+            </a:extLst>
+          </p:cNvPr>
+          <p:cNvSpPr/>
+          <p:nvPr/>
+        </p:nvSpPr>
+        <p:spPr>
+          <a:xfrm>
+            <a:off x="5415308" y="5048319"/>
+            <a:ext cx="229325" cy="160062"/>
+          </a:xfrm>
+          <a:prstGeom prst="rect">
+            <a:avLst/>
+          </a:prstGeom>
+          <a:solidFill>
+            <a:schemeClr val="accent3">
+              <a:lumMod val="20000"/>
+              <a:lumOff val="80000"/>
+              <a:alpha val="80000"/>
+            </a:schemeClr>
+          </a:solidFill>
+          <a:ln>
+            <a:noFill/>
+          </a:ln>
+          <a:effectLst>
+            <a:softEdge rad="31750"/>
+          </a:effectLst>
+        </p:spPr>
+        <p:style>
+          <a:lnRef idx="2">
+            <a:schemeClr val="accent1">
+              <a:shade val="50000"/>
+            </a:schemeClr>
+          </a:lnRef>
+          <a:fillRef idx="1">
+            <a:schemeClr val="accent1"/>
+          </a:fillRef>
+          <a:effectRef idx="0">
+            <a:schemeClr val="accent1"/>
+          </a:effectRef>
+          <a:fontRef idx="minor">
+            <a:schemeClr val="lt1"/>
+          </a:fontRef>
+        </p:style>
+        <p:txBody>
+          <a:bodyPr rtlCol="0" anchor="ctr"/>
+          <a:lstStyle/>
+          <a:p>
+            <a:pPr algn="ctr"/>
+            <a:endParaRPr lang="en-SG" dirty="0"/>
+          </a:p>
+        </p:txBody>
+      </p:sp>
+      <p:sp>
+        <p:nvSpPr>
+          <p:cNvPr id="46" name="Rectangle 11">
+            <a:extLst>
+              <a:ext uri="{FF2B5EF4-FFF2-40B4-BE49-F238E27FC236}">
+                <a16:creationId xmlns:a16="http://schemas.microsoft.com/office/drawing/2014/main" id="{0B6E5A2D-8A46-432C-8786-D6A3BDA3B9B8}"/>
+              </a:ext>
+            </a:extLst>
+          </p:cNvPr>
+          <p:cNvSpPr/>
+          <p:nvPr/>
+        </p:nvSpPr>
+        <p:spPr>
+          <a:xfrm>
+            <a:off x="2567133" y="4569862"/>
+            <a:ext cx="1387023" cy="233871"/>
+          </a:xfrm>
+          <a:prstGeom prst="rect">
+            <a:avLst/>
+          </a:prstGeom>
+          <a:ln w="19050">
+            <a:solidFill>
+              <a:schemeClr val="accent3"/>
+            </a:solidFill>
+          </a:ln>
+          <a:effectLst/>
+        </p:spPr>
+        <p:style>
+          <a:lnRef idx="1">
+            <a:schemeClr val="accent3"/>
+          </a:lnRef>
+          <a:fillRef idx="2">
+            <a:schemeClr val="accent3"/>
+          </a:fillRef>
+          <a:effectRef idx="1">
+            <a:schemeClr val="accent3"/>
+          </a:effectRef>
+          <a:fontRef idx="minor">
+            <a:schemeClr val="dk1"/>
+          </a:fontRef>
+        </p:style>
+        <p:txBody>
+          <a:bodyPr rtlCol="0" anchor="ctr"/>
+          <a:lstStyle/>
+          <a:p>
+            <a:pPr algn="ctr"/>
+            <a:r>
+              <a:rPr lang="en-US" sz="1050" b="1" dirty="0">
+                <a:solidFill>
+                  <a:schemeClr val="accent3">
+                    <a:lumMod val="75000"/>
+                  </a:schemeClr>
+                </a:solidFill>
+              </a:rPr>
+              <a:t>ExpenditureListPanel</a:t>
+            </a:r>
+            <a:endParaRPr lang="en-SG" sz="1050" b="1" dirty="0">
+              <a:solidFill>
+                <a:schemeClr val="accent3">
+                  <a:lumMod val="75000"/>
+                </a:schemeClr>
+              </a:solidFill>
+            </a:endParaRPr>
+          </a:p>
+        </p:txBody>
+      </p:sp>
+      <p:cxnSp>
+        <p:nvCxnSpPr>
+          <p:cNvPr id="48" name="Elbow Connector 63">
+            <a:extLst>
+              <a:ext uri="{FF2B5EF4-FFF2-40B4-BE49-F238E27FC236}">
+                <a16:creationId xmlns:a16="http://schemas.microsoft.com/office/drawing/2014/main" id="{157B96CD-5364-4FED-B184-91F5C2F1B891}"/>
+              </a:ext>
+            </a:extLst>
+          </p:cNvPr>
+          <p:cNvCxnSpPr>
+            <a:cxnSpLocks/>
+            <a:stCxn id="39" idx="2"/>
+            <a:endCxn id="46" idx="1"/>
+          </p:cNvCxnSpPr>
+          <p:nvPr/>
+        </p:nvCxnSpPr>
+        <p:spPr>
+          <a:xfrm rot="16200000" flipH="1">
+            <a:off x="1582243" y="3701907"/>
+            <a:ext cx="1818773" cy="151007"/>
+          </a:xfrm>
+          <a:prstGeom prst="bentConnector2">
+            <a:avLst/>
+          </a:prstGeom>
+          <a:ln w="19050">
+            <a:solidFill>
+              <a:schemeClr val="accent3"/>
+            </a:solidFill>
+            <a:headEnd type="none" w="med" len="med"/>
+            <a:tailEnd type="arrow" w="med" len="med"/>
+          </a:ln>
+          <a:effectLst/>
+        </p:spPr>
+        <p:style>
+          <a:lnRef idx="1">
+            <a:schemeClr val="accent2"/>
+          </a:lnRef>
+          <a:fillRef idx="2">
+            <a:schemeClr val="accent2"/>
+          </a:fillRef>
+          <a:effectRef idx="1">
+            <a:schemeClr val="accent2"/>
+          </a:effectRef>
+          <a:fontRef idx="minor">
+            <a:schemeClr val="dk1"/>
+          </a:fontRef>
+        </p:style>
+      </p:cxnSp>
+      <p:sp>
+        <p:nvSpPr>
+          <p:cNvPr id="51" name="Rectangle 11">
+            <a:extLst>
+              <a:ext uri="{FF2B5EF4-FFF2-40B4-BE49-F238E27FC236}">
+                <a16:creationId xmlns:a16="http://schemas.microsoft.com/office/drawing/2014/main" id="{7B1EC130-E384-4293-B3F8-D2D5B67C0944}"/>
+              </a:ext>
+            </a:extLst>
+          </p:cNvPr>
+          <p:cNvSpPr/>
+          <p:nvPr/>
+        </p:nvSpPr>
+        <p:spPr>
+          <a:xfrm>
+            <a:off x="4020722" y="4819699"/>
+            <a:ext cx="1123226" cy="233871"/>
+          </a:xfrm>
+          <a:prstGeom prst="rect">
+            <a:avLst/>
+          </a:prstGeom>
+          <a:ln w="19050">
+            <a:solidFill>
+              <a:schemeClr val="accent3"/>
+            </a:solidFill>
+          </a:ln>
+          <a:effectLst/>
+        </p:spPr>
+        <p:style>
+          <a:lnRef idx="1">
+            <a:schemeClr val="accent3"/>
+          </a:lnRef>
+          <a:fillRef idx="2">
+            <a:schemeClr val="accent3"/>
+          </a:fillRef>
+          <a:effectRef idx="1">
+            <a:schemeClr val="accent3"/>
+          </a:effectRef>
+          <a:fontRef idx="minor">
+            <a:schemeClr val="dk1"/>
+          </a:fontRef>
+        </p:style>
+        <p:txBody>
+          <a:bodyPr rtlCol="0" anchor="ctr"/>
+          <a:lstStyle/>
+          <a:p>
+            <a:pPr algn="ctr"/>
+            <a:r>
+              <a:rPr lang="en-US" sz="1050" b="1" dirty="0">
+                <a:solidFill>
+                  <a:schemeClr val="accent3">
+                    <a:lumMod val="75000"/>
+                  </a:schemeClr>
+                </a:solidFill>
+              </a:rPr>
+              <a:t>ExpenditureCard</a:t>
+            </a:r>
+            <a:endParaRPr lang="en-SG" sz="1050" b="1" dirty="0">
+              <a:solidFill>
+                <a:schemeClr val="accent3">
+                  <a:lumMod val="75000"/>
+                </a:schemeClr>
+              </a:solidFill>
+            </a:endParaRPr>
+          </a:p>
+        </p:txBody>
+      </p:sp>
+      <p:cxnSp>
+        <p:nvCxnSpPr>
+          <p:cNvPr id="52" name="Elbow Connector 136">
+            <a:extLst>
+              <a:ext uri="{FF2B5EF4-FFF2-40B4-BE49-F238E27FC236}">
+                <a16:creationId xmlns:a16="http://schemas.microsoft.com/office/drawing/2014/main" id="{9705D0C2-AF5D-43E8-95E9-D97B94AFB555}"/>
+              </a:ext>
+            </a:extLst>
+          </p:cNvPr>
+          <p:cNvCxnSpPr>
+            <a:cxnSpLocks/>
+            <a:stCxn id="46" idx="2"/>
+            <a:endCxn id="51" idx="1"/>
+          </p:cNvCxnSpPr>
+          <p:nvPr/>
+        </p:nvCxnSpPr>
+        <p:spPr>
+          <a:xfrm rot="16200000" flipH="1">
+            <a:off x="3574232" y="4490145"/>
+            <a:ext cx="132902" cy="760077"/>
+          </a:xfrm>
+          <a:prstGeom prst="bentConnector2">
+            <a:avLst/>
+          </a:prstGeom>
+          <a:ln w="19050">
+            <a:solidFill>
+              <a:schemeClr val="accent3"/>
+            </a:solidFill>
+            <a:headEnd type="none" w="med" len="med"/>
+            <a:tailEnd type="arrow" w="med" len="med"/>
+          </a:ln>
+          <a:effectLst/>
+        </p:spPr>
+        <p:style>
+          <a:lnRef idx="1">
+            <a:schemeClr val="accent2"/>
+          </a:lnRef>
+          <a:fillRef idx="2">
+            <a:schemeClr val="accent2"/>
+          </a:fillRef>
+          <a:effectRef idx="1">
+            <a:schemeClr val="accent2"/>
+          </a:effectRef>
+          <a:fontRef idx="minor">
+            <a:schemeClr val="dk1"/>
+          </a:fontRef>
+        </p:style>
+      </p:cxnSp>
+      <p:sp>
+        <p:nvSpPr>
+          <p:cNvPr id="54" name="Freeform 117">
+            <a:extLst>
+              <a:ext uri="{FF2B5EF4-FFF2-40B4-BE49-F238E27FC236}">
+                <a16:creationId xmlns:a16="http://schemas.microsoft.com/office/drawing/2014/main" id="{DE137E94-1D7F-4979-AAB1-AFE11EF99595}"/>
+              </a:ext>
+            </a:extLst>
+          </p:cNvPr>
+          <p:cNvSpPr/>
+          <p:nvPr/>
+        </p:nvSpPr>
+        <p:spPr>
+          <a:xfrm flipV="1">
+            <a:off x="4459712" y="5077551"/>
+            <a:ext cx="2261194" cy="50799"/>
+          </a:xfrm>
+          <a:custGeom>
+            <a:avLst/>
+            <a:gdLst>
+              <a:gd name="connsiteX0" fmla="*/ 0 w 3048000"/>
+              <a:gd name="connsiteY0" fmla="*/ 203200 h 203200"/>
+              <a:gd name="connsiteX1" fmla="*/ 221673 w 3048000"/>
+              <a:gd name="connsiteY1" fmla="*/ 0 h 203200"/>
+              <a:gd name="connsiteX2" fmla="*/ 3048000 w 3048000"/>
+              <a:gd name="connsiteY2" fmla="*/ 0 h 203200"/>
+            </a:gdLst>
+            <a:ahLst/>
+            <a:cxnLst>
+              <a:cxn ang="0">
+                <a:pos x="connsiteX0" y="connsiteY0"/>
+              </a:cxn>
+              <a:cxn ang="0">
+                <a:pos x="connsiteX1" y="connsiteY1"/>
+              </a:cxn>
+              <a:cxn ang="0">
+                <a:pos x="connsiteX2" y="connsiteY2"/>
+              </a:cxn>
+            </a:cxnLst>
+            <a:rect l="l" t="t" r="r" b="b"/>
+            <a:pathLst>
+              <a:path w="3048000" h="203200">
+                <a:moveTo>
+                  <a:pt x="0" y="203200"/>
+                </a:moveTo>
+                <a:lnTo>
+                  <a:pt x="221673" y="0"/>
+                </a:lnTo>
+                <a:lnTo>
+                  <a:pt x="3048000" y="0"/>
+                </a:lnTo>
+              </a:path>
+            </a:pathLst>
+          </a:custGeom>
+          <a:noFill/>
+          <a:ln w="19050">
+            <a:solidFill>
+              <a:schemeClr val="accent3"/>
+            </a:solidFill>
+            <a:prstDash val="sysDot"/>
+            <a:headEnd type="none" w="med" len="med"/>
+            <a:tailEnd type="arrow" w="med" len="med"/>
+          </a:ln>
+          <a:effectLst/>
+        </p:spPr>
+        <p:style>
+          <a:lnRef idx="1">
+            <a:schemeClr val="accent2"/>
+          </a:lnRef>
+          <a:fillRef idx="2">
+            <a:schemeClr val="accent2"/>
+          </a:fillRef>
+          <a:effectRef idx="1">
+            <a:schemeClr val="accent2"/>
+          </a:effectRef>
+          <a:fontRef idx="minor">
+            <a:schemeClr val="dk1"/>
+          </a:fontRef>
+        </p:style>
+        <p:txBody>
+          <a:bodyPr rtlCol="0" anchor="ctr"/>
+          <a:lstStyle/>
+          <a:p>
+            <a:pPr algn="ctr"/>
+            <a:endParaRPr lang="en-SG" dirty="0"/>
           </a:p>
         </p:txBody>
       </p:sp>

--- a/docs/diagrams/UiComponentClassDiagram.pptx
+++ b/docs/diagrams/UiComponentClassDiagram.pptx
@@ -208,7 +208,7 @@
           <a:p>
             <a:fld id="{F5CC4B3F-88C1-4FFA-B1B6-F41C21DC6924}" type="datetimeFigureOut">
               <a:rPr lang="en-US" smtClean="0"/>
-              <a:t>11/10/2018</a:t>
+              <a:t>11/12/2018</a:t>
             </a:fld>
             <a:endParaRPr lang="en-US"/>
           </a:p>
@@ -738,7 +738,7 @@
           <a:p>
             <a:fld id="{78C97017-6FC3-485B-9764-EAC9E56C1D49}" type="datetimeFigureOut">
               <a:rPr lang="en-US" smtClean="0"/>
-              <a:t>11/10/2018</a:t>
+              <a:t>11/12/2018</a:t>
             </a:fld>
             <a:endParaRPr lang="en-US"/>
           </a:p>
@@ -906,7 +906,7 @@
           <a:p>
             <a:fld id="{78C97017-6FC3-485B-9764-EAC9E56C1D49}" type="datetimeFigureOut">
               <a:rPr lang="en-US" smtClean="0"/>
-              <a:t>11/10/2018</a:t>
+              <a:t>11/12/2018</a:t>
             </a:fld>
             <a:endParaRPr lang="en-US"/>
           </a:p>
@@ -1084,7 +1084,7 @@
           <a:p>
             <a:fld id="{78C97017-6FC3-485B-9764-EAC9E56C1D49}" type="datetimeFigureOut">
               <a:rPr lang="en-US" smtClean="0"/>
-              <a:t>11/10/2018</a:t>
+              <a:t>11/12/2018</a:t>
             </a:fld>
             <a:endParaRPr lang="en-US"/>
           </a:p>
@@ -1252,7 +1252,7 @@
           <a:p>
             <a:fld id="{78C97017-6FC3-485B-9764-EAC9E56C1D49}" type="datetimeFigureOut">
               <a:rPr lang="en-US" smtClean="0"/>
-              <a:t>11/10/2018</a:t>
+              <a:t>11/12/2018</a:t>
             </a:fld>
             <a:endParaRPr lang="en-US"/>
           </a:p>
@@ -1497,7 +1497,7 @@
           <a:p>
             <a:fld id="{78C97017-6FC3-485B-9764-EAC9E56C1D49}" type="datetimeFigureOut">
               <a:rPr lang="en-US" smtClean="0"/>
-              <a:t>11/10/2018</a:t>
+              <a:t>11/12/2018</a:t>
             </a:fld>
             <a:endParaRPr lang="en-US"/>
           </a:p>
@@ -1782,7 +1782,7 @@
           <a:p>
             <a:fld id="{78C97017-6FC3-485B-9764-EAC9E56C1D49}" type="datetimeFigureOut">
               <a:rPr lang="en-US" smtClean="0"/>
-              <a:t>11/10/2018</a:t>
+              <a:t>11/12/2018</a:t>
             </a:fld>
             <a:endParaRPr lang="en-US"/>
           </a:p>
@@ -2201,7 +2201,7 @@
           <a:p>
             <a:fld id="{78C97017-6FC3-485B-9764-EAC9E56C1D49}" type="datetimeFigureOut">
               <a:rPr lang="en-US" smtClean="0"/>
-              <a:t>11/10/2018</a:t>
+              <a:t>11/12/2018</a:t>
             </a:fld>
             <a:endParaRPr lang="en-US"/>
           </a:p>
@@ -2318,7 +2318,7 @@
           <a:p>
             <a:fld id="{78C97017-6FC3-485B-9764-EAC9E56C1D49}" type="datetimeFigureOut">
               <a:rPr lang="en-US" smtClean="0"/>
-              <a:t>11/10/2018</a:t>
+              <a:t>11/12/2018</a:t>
             </a:fld>
             <a:endParaRPr lang="en-US"/>
           </a:p>
@@ -2413,7 +2413,7 @@
           <a:p>
             <a:fld id="{78C97017-6FC3-485B-9764-EAC9E56C1D49}" type="datetimeFigureOut">
               <a:rPr lang="en-US" smtClean="0"/>
-              <a:t>11/10/2018</a:t>
+              <a:t>11/12/2018</a:t>
             </a:fld>
             <a:endParaRPr lang="en-US"/>
           </a:p>
@@ -2688,7 +2688,7 @@
           <a:p>
             <a:fld id="{78C97017-6FC3-485B-9764-EAC9E56C1D49}" type="datetimeFigureOut">
               <a:rPr lang="en-US" smtClean="0"/>
-              <a:t>11/10/2018</a:t>
+              <a:t>11/12/2018</a:t>
             </a:fld>
             <a:endParaRPr lang="en-US"/>
           </a:p>
@@ -2940,7 +2940,7 @@
           <a:p>
             <a:fld id="{78C97017-6FC3-485B-9764-EAC9E56C1D49}" type="datetimeFigureOut">
               <a:rPr lang="en-US" smtClean="0"/>
-              <a:t>11/10/2018</a:t>
+              <a:t>11/12/2018</a:t>
             </a:fld>
             <a:endParaRPr lang="en-US"/>
           </a:p>
@@ -3151,7 +3151,7 @@
           <a:p>
             <a:fld id="{78C97017-6FC3-485B-9764-EAC9E56C1D49}" type="datetimeFigureOut">
               <a:rPr lang="en-US" smtClean="0"/>
-              <a:t>11/10/2018</a:t>
+              <a:t>11/12/2018</a:t>
             </a:fld>
             <a:endParaRPr lang="en-US"/>
           </a:p>
@@ -5258,8 +5258,8 @@
         </p:nvSpPr>
         <p:spPr>
           <a:xfrm>
-            <a:off x="3476740" y="1249786"/>
-            <a:ext cx="4708840" cy="303315"/>
+            <a:off x="3480407" y="905510"/>
+            <a:ext cx="4708840" cy="580949"/>
           </a:xfrm>
           <a:custGeom>
             <a:avLst/>
@@ -6379,6 +6379,168 @@
             </a:solidFill>
             <a:headEnd type="none" w="med" len="med"/>
             <a:tailEnd type="arrow" w="med" len="med"/>
+          </a:ln>
+          <a:effectLst/>
+        </p:spPr>
+        <p:style>
+          <a:lnRef idx="1">
+            <a:schemeClr val="accent2"/>
+          </a:lnRef>
+          <a:fillRef idx="2">
+            <a:schemeClr val="accent2"/>
+          </a:fillRef>
+          <a:effectRef idx="1">
+            <a:schemeClr val="accent2"/>
+          </a:effectRef>
+          <a:fontRef idx="minor">
+            <a:schemeClr val="dk1"/>
+          </a:fontRef>
+        </p:style>
+      </p:cxnSp>
+      <p:sp>
+        <p:nvSpPr>
+          <p:cNvPr id="56" name="Rectangle 11">
+            <a:extLst>
+              <a:ext uri="{FF2B5EF4-FFF2-40B4-BE49-F238E27FC236}">
+                <a16:creationId xmlns:a16="http://schemas.microsoft.com/office/drawing/2014/main" id="{F2094941-BCD2-4AEC-81D5-4142E7ED8317}"/>
+              </a:ext>
+            </a:extLst>
+          </p:cNvPr>
+          <p:cNvSpPr/>
+          <p:nvPr/>
+        </p:nvSpPr>
+        <p:spPr>
+          <a:xfrm>
+            <a:off x="3988330" y="1212479"/>
+            <a:ext cx="2012398" cy="246558"/>
+          </a:xfrm>
+          <a:prstGeom prst="rect">
+            <a:avLst/>
+          </a:prstGeom>
+          <a:ln w="19050">
+            <a:solidFill>
+              <a:schemeClr val="accent3"/>
+            </a:solidFill>
+          </a:ln>
+          <a:effectLst/>
+        </p:spPr>
+        <p:style>
+          <a:lnRef idx="1">
+            <a:schemeClr val="accent3"/>
+          </a:lnRef>
+          <a:fillRef idx="2">
+            <a:schemeClr val="accent3"/>
+          </a:fillRef>
+          <a:effectRef idx="1">
+            <a:schemeClr val="accent3"/>
+          </a:effectRef>
+          <a:fontRef idx="minor">
+            <a:schemeClr val="dk1"/>
+          </a:fontRef>
+        </p:style>
+        <p:txBody>
+          <a:bodyPr rtlCol="0" anchor="ctr"/>
+          <a:lstStyle/>
+          <a:p>
+            <a:pPr algn="ctr"/>
+            <a:r>
+              <a:rPr lang="en-US" sz="1050" b="1" dirty="0" err="1">
+                <a:solidFill>
+                  <a:schemeClr val="accent3">
+                    <a:lumMod val="75000"/>
+                  </a:schemeClr>
+                </a:solidFill>
+              </a:rPr>
+              <a:t>NewAutoCompletionBinding</a:t>
+            </a:r>
+            <a:endParaRPr lang="en-SG" sz="1050" b="1" dirty="0">
+              <a:solidFill>
+                <a:schemeClr val="accent3">
+                  <a:lumMod val="75000"/>
+                </a:schemeClr>
+              </a:solidFill>
+            </a:endParaRPr>
+          </a:p>
+        </p:txBody>
+      </p:sp>
+      <p:cxnSp>
+        <p:nvCxnSpPr>
+          <p:cNvPr id="57" name="Elbow Connector 136">
+            <a:extLst>
+              <a:ext uri="{FF2B5EF4-FFF2-40B4-BE49-F238E27FC236}">
+                <a16:creationId xmlns:a16="http://schemas.microsoft.com/office/drawing/2014/main" id="{AB638ABC-6EB5-4CDE-8E77-F7BCF40FF5EC}"/>
+              </a:ext>
+            </a:extLst>
+          </p:cNvPr>
+          <p:cNvCxnSpPr>
+            <a:cxnSpLocks/>
+            <a:stCxn id="3" idx="0"/>
+            <a:endCxn id="56" idx="1"/>
+          </p:cNvCxnSpPr>
+          <p:nvPr/>
+        </p:nvCxnSpPr>
+        <p:spPr>
+          <a:xfrm rot="5400000" flipH="1" flipV="1">
+            <a:off x="3423139" y="927708"/>
+            <a:ext cx="157141" cy="973242"/>
+          </a:xfrm>
+          <a:prstGeom prst="bentConnector2">
+            <a:avLst/>
+          </a:prstGeom>
+          <a:ln w="19050">
+            <a:solidFill>
+              <a:schemeClr val="accent3"/>
+            </a:solidFill>
+            <a:headEnd type="none" w="med" len="med"/>
+            <a:tailEnd type="arrow" w="med" len="med"/>
+          </a:ln>
+          <a:effectLst/>
+        </p:spPr>
+        <p:style>
+          <a:lnRef idx="1">
+            <a:schemeClr val="accent2"/>
+          </a:lnRef>
+          <a:fillRef idx="2">
+            <a:schemeClr val="accent2"/>
+          </a:fillRef>
+          <a:effectRef idx="1">
+            <a:schemeClr val="accent2"/>
+          </a:effectRef>
+          <a:fontRef idx="minor">
+            <a:schemeClr val="dk1"/>
+          </a:fontRef>
+        </p:style>
+      </p:cxnSp>
+      <p:cxnSp>
+        <p:nvCxnSpPr>
+          <p:cNvPr id="63" name="Elbow Connector 63">
+            <a:extLst>
+              <a:ext uri="{FF2B5EF4-FFF2-40B4-BE49-F238E27FC236}">
+                <a16:creationId xmlns:a16="http://schemas.microsoft.com/office/drawing/2014/main" id="{CCCF1F38-F691-44F6-83B6-28F38F01A616}"/>
+              </a:ext>
+            </a:extLst>
+          </p:cNvPr>
+          <p:cNvCxnSpPr>
+            <a:cxnSpLocks/>
+            <a:stCxn id="16" idx="3"/>
+            <a:endCxn id="56" idx="3"/>
+          </p:cNvCxnSpPr>
+          <p:nvPr/>
+        </p:nvCxnSpPr>
+        <p:spPr>
+          <a:xfrm rot="5400000">
+            <a:off x="5924727" y="890307"/>
+            <a:ext cx="521452" cy="369450"/>
+          </a:xfrm>
+          <a:prstGeom prst="bentConnector2">
+            <a:avLst/>
+          </a:prstGeom>
+          <a:ln w="6350">
+            <a:solidFill>
+              <a:schemeClr val="accent3"/>
+            </a:solidFill>
+            <a:headEnd type="none" w="med" len="med"/>
+            <a:tailEnd type="none" w="med" len="med"/>
           </a:ln>
           <a:effectLst/>
         </p:spPr>
